--- a/exampleOutput.pptx
+++ b/exampleOutput.pptx
@@ -14,8 +14,8 @@
     <p:sldId id="256" r:id="rId2"/>
     <p:sldId id="259" r:id="rId3"/>
     <p:sldId id="274" r:id="rId4"/>
-    <p:sldId id="272" r:id="rId5"/>
-    <p:sldId id="273" r:id="rId6"/>
+    <p:sldId id="273" r:id="rId5"/>
+    <p:sldId id="275" r:id="rId6"/>
     <p:sldId id="258" r:id="rId7"/>
   </p:sldIdLst>
   <p:sldSz cx="9144000" cy="6858000" type="screen4x3"/>
@@ -132,6 +132,75 @@
     </p:ext>
   </p:extLst>
 </p:presentation>
+</file>
+
+<file path=ppt/charts/chart1.xml><?xml version="1.0" encoding="utf-8"?>
+<c:chartSpace xmlns:c="http://schemas.openxmlformats.org/drawingml/2006/chart" xmlns:a="http://schemas.openxmlformats.org/drawingml/2006/main" xmlns:r="http://schemas.openxmlformats.org/officeDocument/2006/relationships">
+  <c:chart>
+    <c:plotArea>
+      <c:pieChart>
+        <c:varyColors val="1"/>
+        <c:ser>
+          <c:idx val="0"/>
+          <c:order val="0"/>
+          <c:tx>
+            <c:strRef>
+              <c:f>Sheet1!$B$1</c:f>
+              <c:strCache>
+                <c:ptCount val="1"/>
+                <c:pt idx="0">
+                  <c:v>Series 1</c:v>
+                </c:pt>
+              </c:strCache>
+            </c:strRef>
+          </c:tx>
+          <c:cat>
+            <c:strRef>
+              <c:f>Sheet1!$A$2:$A$3</c:f>
+              <c:strCache>
+                <c:ptCount val="2"/>
+                <c:pt idx="0">
+                  <c:v>male</c:v>
+                </c:pt>
+                <c:pt idx="1">
+                  <c:v>female</c:v>
+                </c:pt>
+              </c:strCache>
+            </c:strRef>
+          </c:cat>
+          <c:val>
+            <c:numRef>
+              <c:f>Sheet1!$B$2:$B$3</c:f>
+              <c:numCache>
+                <c:formatCode>General</c:formatCode>
+                <c:ptCount val="2"/>
+                <c:pt idx="0">
+                  <c:v>16</c:v>
+                </c:pt>
+                <c:pt idx="1">
+                  <c:v>32</c:v>
+                </c:pt>
+              </c:numCache>
+            </c:numRef>
+          </c:val>
+        </c:ser>
+      </c:pieChart>
+    </c:plotArea>
+  </c:chart>
+  <c:txPr>
+    <a:bodyPr/>
+    <a:lstStyle/>
+    <a:p>
+      <a:pPr>
+        <a:defRPr sz="1800"/>
+      </a:pPr>
+      <a:endParaRPr lang="en-US"/>
+    </a:p>
+  </c:txPr>
+  <c:externalData r:id="rId1">
+    <c:autoUpdate val="0"/>
+  </c:externalData>
+</c:chartSpace>
 </file>
 
 <file path=ppt/handoutMasters/handoutMaster1.xml><?xml version="1.0" encoding="utf-8"?>
@@ -4484,6 +4553,34 @@
           </a:p>
         </p:txBody>
       </p:sp>
+      <p:sp>
+        <p:nvSpPr>
+          <p:cNvPr id="4" name="TextBox 3"/>
+          <p:cNvSpPr txBox="1"/>
+          <p:nvPr/>
+        </p:nvSpPr>
+        <p:spPr>
+          <a:xfrm>
+            <a:off x="3352800" y="1524000"/>
+            <a:ext cx="6169152" cy="1066800"/>
+          </a:xfrm>
+          <a:prstGeom prst="rect">
+            <a:avLst/>
+          </a:prstGeom>
+          <a:noFill/>
+        </p:spPr>
+        <p:txBody>
+          <a:bodyPr wrap="none">
+            <a:spAutoFit/>
+          </a:bodyPr>
+          <a:lstStyle/>
+          <a:p>
+            <a:r>
+              <a:t>WASD</a:t>
+            </a:r>
+          </a:p>
+        </p:txBody>
+      </p:sp>
     </p:spTree>
     <p:extLst>
       <p:ext uri="{BB962C8B-B14F-4D97-AF65-F5344CB8AC3E}">
@@ -4809,6 +4906,62 @@
           </a:p>
         </p:txBody>
       </p:sp>
+      <p:sp>
+        <p:nvSpPr>
+          <p:cNvPr id="4" name="TextBox 3"/>
+          <p:cNvSpPr txBox="1"/>
+          <p:nvPr/>
+        </p:nvSpPr>
+        <p:spPr>
+          <a:xfrm>
+            <a:off x="2590800" y="1371600"/>
+            <a:ext cx="6169152" cy="1066800"/>
+          </a:xfrm>
+          <a:prstGeom prst="rect">
+            <a:avLst/>
+          </a:prstGeom>
+          <a:noFill/>
+        </p:spPr>
+        <p:txBody>
+          <a:bodyPr wrap="none">
+            <a:spAutoFit/>
+          </a:bodyPr>
+          <a:lstStyle/>
+          <a:p>
+            <a:r>
+              <a:t>WASD</a:t>
+            </a:r>
+          </a:p>
+        </p:txBody>
+      </p:sp>
+      <p:sp>
+        <p:nvSpPr>
+          <p:cNvPr id="7" name="TextBox 6"/>
+          <p:cNvSpPr txBox="1"/>
+          <p:nvPr/>
+        </p:nvSpPr>
+        <p:spPr>
+          <a:xfrm>
+            <a:off x="4191000" y="1447800"/>
+            <a:ext cx="6169152" cy="1066800"/>
+          </a:xfrm>
+          <a:prstGeom prst="rect">
+            <a:avLst/>
+          </a:prstGeom>
+          <a:noFill/>
+        </p:spPr>
+        <p:txBody>
+          <a:bodyPr wrap="none">
+            <a:spAutoFit/>
+          </a:bodyPr>
+          <a:lstStyle/>
+          <a:p>
+            <a:r>
+              <a:t>ASDF</a:t>
+            </a:r>
+          </a:p>
+        </p:txBody>
+      </p:sp>
     </p:spTree>
     <p:extLst>
       <p:ext uri="{BB962C8B-B14F-4D97-AF65-F5344CB8AC3E}">
@@ -4881,7 +5034,7 @@
         </p:nvSpPr>
         <p:spPr>
           <a:xfrm>
-            <a:off x="612648" y="1600200"/>
+            <a:off x="381000" y="1600200"/>
             <a:ext cx="8153400" cy="3886198"/>
           </a:xfrm>
         </p:spPr>
@@ -4891,20 +5044,26 @@
           </a:bodyPr>
           <a:lstStyle/>
           <a:p>
+            <a:pPr marL="0" indent="0">
+              <a:buNone/>
+            </a:pPr>
             <a:r>
               <a:rPr lang="en-US" sz="4000" dirty="0" smtClean="0"/>
-              <a:t>#{TYPE:TEXT,TEXT:WASD}Individuals </a:t>
+              <a:t>#{TYPE:PIE CHART</a:t>
+            </a:r>
+            <a:r>
+              <a:rPr lang="en-US" sz="4000" dirty="0"/>
+              <a:t>, </a:t>
             </a:r>
             <a:r>
               <a:rPr lang="en-US" sz="4000" dirty="0" smtClean="0"/>
-              <a:t>completed fasting biometric screenings</a:t>
-            </a:r>
-          </a:p>
-          <a:p>
-            <a:r>
-              <a:rPr lang="en-US" sz="4000" dirty="0" smtClean="0"/>
-              <a:t>Female Participants: #VAR:PERCENT_FEMALE%</a:t>
-            </a:r>
+              <a:t>COLUMN:2, X:2,Y:2,CX:3,CY:3</a:t>
+            </a:r>
+            <a:r>
+              <a:rPr lang="en-US" sz="4000" dirty="0"/>
+              <a:t>}</a:t>
+            </a:r>
+            <a:endParaRPr lang="en-US" sz="4000" dirty="0" smtClean="0"/>
           </a:p>
         </p:txBody>
       </p:sp>
@@ -4933,6 +5092,24 @@
           </a:p>
         </p:txBody>
       </p:sp>
+      <p:graphicFrame>
+        <p:nvGraphicFramePr>
+          <p:cNvPr id="4" name="Chart 3"/>
+          <p:cNvGraphicFramePr>
+            <a:graphicFrameLocks noGrp="1"/>
+          </p:cNvGraphicFramePr>
+          <p:nvPr/>
+        </p:nvGraphicFramePr>
+        <p:xfrm>
+          <a:off x="1828800" y="1828800"/>
+          <a:ext cx="2743200" cy="2743200"/>
+        </p:xfrm>
+        <a:graphic>
+          <a:graphicData uri="http://schemas.openxmlformats.org/drawingml/2006/chart">
+            <c:chart xmlns:c="http://schemas.openxmlformats.org/drawingml/2006/chart" r:id="rId2"/>
+          </a:graphicData>
+        </a:graphic>
+      </p:graphicFrame>
     </p:spTree>
     <p:extLst>
       <p:ext uri="{BB962C8B-B14F-4D97-AF65-F5344CB8AC3E}">
@@ -5020,15 +5197,15 @@
             </a:pPr>
             <a:r>
               <a:rPr lang="en-US" sz="4000" dirty="0" smtClean="0"/>
-              <a:t>#{TYPE:PIE </a:t>
-            </a:r>
-            <a:r>
-              <a:rPr lang="en-US" sz="4000" dirty="0" err="1" smtClean="0"/>
-              <a:t>CHART,CHART:DATA,categories</a:t>
+              <a:t>#{TYPE:BAR CHART, COLUMN:5</a:t>
+            </a:r>
+            <a:r>
+              <a:rPr lang="en-US" sz="4000" smtClean="0"/>
+              <a:t>, X:2,Y:2,CX:3,CY:3</a:t>
             </a:r>
             <a:r>
               <a:rPr lang="en-US" sz="4000" dirty="0" smtClean="0"/>
-              <a:t>: goal}</a:t>
+              <a:t>}</a:t>
             </a:r>
             <a:endParaRPr lang="en-US" sz="4000" dirty="0" smtClean="0"/>
           </a:p>
@@ -5062,7 +5239,7 @@
     </p:spTree>
     <p:extLst>
       <p:ext uri="{BB962C8B-B14F-4D97-AF65-F5344CB8AC3E}">
-        <p14:creationId xmlns:p14="http://schemas.microsoft.com/office/powerpoint/2010/main" val="1597361193"/>
+        <p14:creationId xmlns:p14="http://schemas.microsoft.com/office/powerpoint/2010/main" val="3209572625"/>
       </p:ext>
     </p:extLst>
   </p:cSld>

--- a/exampleOutput.pptx
+++ b/exampleOutput.pptx
@@ -184,7 +184,119 @@
             </c:numRef>
           </c:val>
         </c:ser>
+        <c:dLbls>
+          <c:numFmt formatCode="0%" sourceLinked="0"/>
+          <c:dLblPos val="outEnd"/>
+          <c:showLegendKey val="0"/>
+          <c:showVal val="1"/>
+          <c:showCatName val="0"/>
+          <c:showSerName val="0"/>
+          <c:showPercent val="0"/>
+          <c:showBubbleSize val="0"/>
+        </c:dLbls>
       </c:pieChart>
+    </c:plotArea>
+    <c:legend>
+      <c:legendPos val="b"/>
+      <c:overlay val="0"/>
+    </c:legend>
+  </c:chart>
+  <c:txPr>
+    <a:bodyPr/>
+    <a:lstStyle/>
+    <a:p>
+      <a:pPr>
+        <a:defRPr sz="1800"/>
+      </a:pPr>
+      <a:endParaRPr lang="en-US"/>
+    </a:p>
+  </c:txPr>
+  <c:externalData r:id="rId1">
+    <c:autoUpdate val="0"/>
+  </c:externalData>
+</c:chartSpace>
+</file>
+
+<file path=ppt/charts/chart2.xml><?xml version="1.0" encoding="utf-8"?>
+<c:chartSpace xmlns:c="http://schemas.openxmlformats.org/drawingml/2006/chart" xmlns:a="http://schemas.openxmlformats.org/drawingml/2006/main" xmlns:r="http://schemas.openxmlformats.org/officeDocument/2006/relationships">
+  <c:chart>
+    <c:plotArea>
+      <c:barChart>
+        <c:barDir val="col"/>
+        <c:grouping val="clustered"/>
+        <c:ser>
+          <c:idx val="0"/>
+          <c:order val="0"/>
+          <c:tx>
+            <c:strRef>
+              <c:f>Sheet1!$B$1</c:f>
+              <c:strCache>
+                <c:ptCount val="1"/>
+                <c:pt idx="0">
+                  <c:v>Series 1</c:v>
+                </c:pt>
+              </c:strCache>
+            </c:strRef>
+          </c:tx>
+          <c:cat>
+            <c:strRef>
+              <c:f>Sheet1!$A$2:$A$3</c:f>
+              <c:strCache>
+                <c:ptCount val="2"/>
+                <c:pt idx="0">
+                  <c:v>Less than Goal</c:v>
+                </c:pt>
+                <c:pt idx="1">
+                  <c:v>Goal</c:v>
+                </c:pt>
+              </c:strCache>
+            </c:strRef>
+          </c:cat>
+          <c:val>
+            <c:numRef>
+              <c:f>Sheet1!$B$2:$B$3</c:f>
+              <c:numCache>
+                <c:formatCode>General</c:formatCode>
+                <c:ptCount val="2"/>
+                <c:pt idx="0">
+                  <c:v>18</c:v>
+                </c:pt>
+                <c:pt idx="1">
+                  <c:v>30</c:v>
+                </c:pt>
+              </c:numCache>
+            </c:numRef>
+          </c:val>
+        </c:ser>
+        <c:axId val="-2068027336"/>
+        <c:axId val="-2113994440"/>
+      </c:barChart>
+      <c:catAx>
+        <c:axId val="-2068027336"/>
+        <c:scaling/>
+        <c:delete val="0"/>
+        <c:axPos val="b"/>
+        <c:majorTickMark val="out"/>
+        <c:minorTickMark val="none"/>
+        <c:tickLblPos val="nextTo"/>
+        <c:crossAx val="-2113994440"/>
+        <c:crosses val="autoZero"/>
+        <c:lblAlgn val="ctr"/>
+        <c:lblOffset val="100"/>
+        <c:noMultiLvlLbl val="0"/>
+      </c:catAx>
+      <c:valAx>
+        <c:axId val="-2113994440"/>
+        <c:scaling/>
+        <c:delete val="0"/>
+        <c:axPos val="l"/>
+        <c:majorGridlines/>
+        <c:majorTickMark val="out"/>
+        <c:minorTickMark val="none"/>
+        <c:tickLblPos val="nextTo"/>
+        <c:crossAx val="-2068027336"/>
+        <c:crosses val="autoZero"/>
+      </c:valAx>
     </c:plotArea>
   </c:chart>
   <c:txPr>
@@ -4520,10 +4632,6 @@
             <a:pPr marL="0" indent="0">
               <a:buNone/>
             </a:pPr>
-            <a:r>
-              <a:rPr lang="en-US" sz="4000" dirty="0" smtClean="0"/>
-              <a:t>#{TYPE:TEXT,TEXT:WASD}</a:t>
-            </a:r>
             <a:endParaRPr lang="en-US" sz="4000" dirty="0" smtClean="0"/>
           </a:p>
         </p:txBody>
@@ -4666,10 +4774,6 @@
             <a:pPr marL="0" indent="0">
               <a:buNone/>
             </a:pPr>
-            <a:r>
-              <a:rPr lang="en-US" sz="4000" dirty="0" smtClean="0"/>
-              <a:t>#{TYPE:TEXT,TEXT:WASD}</a:t>
-            </a:r>
             <a:endParaRPr lang="en-US" sz="4000" dirty="0" smtClean="0"/>
           </a:p>
         </p:txBody>
@@ -4890,18 +4994,6 @@
             </a:lvl9pPr>
           </a:lstStyle>
           <a:p>
-            <a:r>
-              <a:rPr lang="en-US" sz="4000" dirty="0" smtClean="0"/>
-              <a:t>#{</a:t>
-            </a:r>
-            <a:r>
-              <a:rPr lang="en-US" sz="4000" dirty="0" err="1" smtClean="0"/>
-              <a:t>TYPE:TEXT,TEXT:asdf</a:t>
-            </a:r>
-            <a:r>
-              <a:rPr lang="en-US" sz="4000" dirty="0" smtClean="0"/>
-              <a:t>}</a:t>
-            </a:r>
             <a:endParaRPr lang="en-US" sz="4000" dirty="0" smtClean="0"/>
           </a:p>
         </p:txBody>
@@ -5047,22 +5139,6 @@
             <a:pPr marL="0" indent="0">
               <a:buNone/>
             </a:pPr>
-            <a:r>
-              <a:rPr lang="en-US" sz="4000" dirty="0" smtClean="0"/>
-              <a:t>#{TYPE:PIE CHART</a:t>
-            </a:r>
-            <a:r>
-              <a:rPr lang="en-US" sz="4000" dirty="0"/>
-              <a:t>, </a:t>
-            </a:r>
-            <a:r>
-              <a:rPr lang="en-US" sz="4000" dirty="0" smtClean="0"/>
-              <a:t>COLUMN:2, X:2,Y:2,CX:3,CY:3</a:t>
-            </a:r>
-            <a:r>
-              <a:rPr lang="en-US" sz="4000" dirty="0"/>
-              <a:t>}</a:t>
-            </a:r>
             <a:endParaRPr lang="en-US" sz="4000" dirty="0" smtClean="0"/>
           </a:p>
         </p:txBody>
@@ -5195,18 +5271,6 @@
             <a:pPr marL="0" indent="0">
               <a:buNone/>
             </a:pPr>
-            <a:r>
-              <a:rPr lang="en-US" sz="4000" dirty="0" smtClean="0"/>
-              <a:t>#{TYPE:BAR CHART, COLUMN:5</a:t>
-            </a:r>
-            <a:r>
-              <a:rPr lang="en-US" sz="4000" smtClean="0"/>
-              <a:t>, X:2,Y:2,CX:3,CY:3</a:t>
-            </a:r>
-            <a:r>
-              <a:rPr lang="en-US" sz="4000" dirty="0" smtClean="0"/>
-              <a:t>}</a:t>
-            </a:r>
             <a:endParaRPr lang="en-US" sz="4000" dirty="0" smtClean="0"/>
           </a:p>
         </p:txBody>
@@ -5236,6 +5300,24 @@
           </a:p>
         </p:txBody>
       </p:sp>
+      <p:graphicFrame>
+        <p:nvGraphicFramePr>
+          <p:cNvPr id="4" name="Chart 3"/>
+          <p:cNvGraphicFramePr>
+            <a:graphicFrameLocks noGrp="1"/>
+          </p:cNvGraphicFramePr>
+          <p:nvPr/>
+        </p:nvGraphicFramePr>
+        <p:xfrm>
+          <a:off x="1828800" y="1828800"/>
+          <a:ext cx="2743200" cy="2743200"/>
+        </p:xfrm>
+        <a:graphic>
+          <a:graphicData uri="http://schemas.openxmlformats.org/drawingml/2006/chart">
+            <c:chart xmlns:c="http://schemas.openxmlformats.org/drawingml/2006/chart" r:id="rId2"/>
+          </a:graphicData>
+        </a:graphic>
+      </p:graphicFrame>
     </p:spTree>
     <p:extLst>
       <p:ext uri="{BB962C8B-B14F-4D97-AF65-F5344CB8AC3E}">

--- a/exampleOutput.pptx
+++ b/exampleOutput.pptx
@@ -4632,6 +4632,9 @@
             <a:pPr marL="0" indent="0">
               <a:buNone/>
             </a:pPr>
+            <a:r>
+              <a:t>WASD</a:t>
+            </a:r>
             <a:endParaRPr lang="en-US" sz="4000" dirty="0" smtClean="0"/>
           </a:p>
         </p:txBody>
@@ -4658,34 +4661,6 @@
               <a:t>2</a:t>
             </a:fld>
             <a:endParaRPr lang="en-US" dirty="0"/>
-          </a:p>
-        </p:txBody>
-      </p:sp>
-      <p:sp>
-        <p:nvSpPr>
-          <p:cNvPr id="4" name="TextBox 3"/>
-          <p:cNvSpPr txBox="1"/>
-          <p:nvPr/>
-        </p:nvSpPr>
-        <p:spPr>
-          <a:xfrm>
-            <a:off x="3352800" y="1524000"/>
-            <a:ext cx="6169152" cy="1066800"/>
-          </a:xfrm>
-          <a:prstGeom prst="rect">
-            <a:avLst/>
-          </a:prstGeom>
-          <a:noFill/>
-        </p:spPr>
-        <p:txBody>
-          <a:bodyPr wrap="none">
-            <a:spAutoFit/>
-          </a:bodyPr>
-          <a:lstStyle/>
-          <a:p>
-            <a:r>
-              <a:t>WASD</a:t>
-            </a:r>
           </a:p>
         </p:txBody>
       </p:sp>
@@ -4774,6 +4749,9 @@
             <a:pPr marL="0" indent="0">
               <a:buNone/>
             </a:pPr>
+            <a:r>
+              <a:t>WASD</a:t>
+            </a:r>
             <a:endParaRPr lang="en-US" sz="4000" dirty="0" smtClean="0"/>
           </a:p>
         </p:txBody>
@@ -4994,63 +4972,10 @@
             </a:lvl9pPr>
           </a:lstStyle>
           <a:p>
+            <a:r>
+              <a:t>ASDF</a:t>
+            </a:r>
             <a:endParaRPr lang="en-US" sz="4000" dirty="0" smtClean="0"/>
-          </a:p>
-        </p:txBody>
-      </p:sp>
-      <p:sp>
-        <p:nvSpPr>
-          <p:cNvPr id="4" name="TextBox 3"/>
-          <p:cNvSpPr txBox="1"/>
-          <p:nvPr/>
-        </p:nvSpPr>
-        <p:spPr>
-          <a:xfrm>
-            <a:off x="2590800" y="1371600"/>
-            <a:ext cx="6169152" cy="1066800"/>
-          </a:xfrm>
-          <a:prstGeom prst="rect">
-            <a:avLst/>
-          </a:prstGeom>
-          <a:noFill/>
-        </p:spPr>
-        <p:txBody>
-          <a:bodyPr wrap="none">
-            <a:spAutoFit/>
-          </a:bodyPr>
-          <a:lstStyle/>
-          <a:p>
-            <a:r>
-              <a:t>WASD</a:t>
-            </a:r>
-          </a:p>
-        </p:txBody>
-      </p:sp>
-      <p:sp>
-        <p:nvSpPr>
-          <p:cNvPr id="7" name="TextBox 6"/>
-          <p:cNvSpPr txBox="1"/>
-          <p:nvPr/>
-        </p:nvSpPr>
-        <p:spPr>
-          <a:xfrm>
-            <a:off x="4191000" y="1447800"/>
-            <a:ext cx="6169152" cy="1066800"/>
-          </a:xfrm>
-          <a:prstGeom prst="rect">
-            <a:avLst/>
-          </a:prstGeom>
-          <a:noFill/>
-        </p:spPr>
-        <p:txBody>
-          <a:bodyPr wrap="none">
-            <a:spAutoFit/>
-          </a:bodyPr>
-          <a:lstStyle/>
-          <a:p>
-            <a:r>
-              <a:t>ASDF</a:t>
-            </a:r>
           </a:p>
         </p:txBody>
       </p:sp>
@@ -5178,7 +5103,7 @@
         </p:nvGraphicFramePr>
         <p:xfrm>
           <a:off x="1828800" y="1828800"/>
-          <a:ext cx="2743200" cy="2743200"/>
+          <a:ext cx="2743200" cy="3886198"/>
         </p:xfrm>
         <a:graphic>
           <a:graphicData uri="http://schemas.openxmlformats.org/drawingml/2006/chart">

--- a/exampleOutput.pptx
+++ b/exampleOutput.pptx
@@ -5,18 +5,14 @@
     <p:sldMasterId id="2147483996" r:id="rId1"/>
   </p:sldMasterIdLst>
   <p:notesMasterIdLst>
-    <p:notesMasterId r:id="rId8"/>
+    <p:notesMasterId r:id="rId4"/>
   </p:notesMasterIdLst>
   <p:handoutMasterIdLst>
-    <p:handoutMasterId r:id="rId9"/>
+    <p:handoutMasterId r:id="rId5"/>
   </p:handoutMasterIdLst>
   <p:sldIdLst>
-    <p:sldId id="256" r:id="rId2"/>
-    <p:sldId id="259" r:id="rId3"/>
-    <p:sldId id="274" r:id="rId4"/>
-    <p:sldId id="273" r:id="rId5"/>
-    <p:sldId id="275" r:id="rId6"/>
-    <p:sldId id="258" r:id="rId7"/>
+    <p:sldId id="259" r:id="rId2"/>
+    <p:sldId id="260" r:id="rId3"/>
   </p:sldIdLst>
   <p:sldSz cx="9144000" cy="6858000" type="screen4x3"/>
   <p:notesSz cx="9296400" cy="7010400"/>
@@ -117,7 +113,7 @@
   </p:defaultTextStyle>
   <p:extLst>
     <p:ext uri="{EFAFB233-063F-42B5-8137-9DF3F51BA10A}">
-      <p15:sldGuideLst xmlns="" xmlns:p15="http://schemas.microsoft.com/office/powerpoint/2012/main">
+      <p15:sldGuideLst xmlns:p15="http://schemas.microsoft.com/office/powerpoint/2012/main" xmlns="">
         <p15:guide id="1" orient="horz" pos="2160">
           <p15:clr>
             <a:srgbClr val="A4A3A4"/>
@@ -132,187 +128,6 @@
     </p:ext>
   </p:extLst>
 </p:presentation>
-</file>
-
-<file path=ppt/charts/chart1.xml><?xml version="1.0" encoding="utf-8"?>
-<c:chartSpace xmlns:c="http://schemas.openxmlformats.org/drawingml/2006/chart" xmlns:a="http://schemas.openxmlformats.org/drawingml/2006/main" xmlns:r="http://schemas.openxmlformats.org/officeDocument/2006/relationships">
-  <c:chart>
-    <c:plotArea>
-      <c:pieChart>
-        <c:varyColors val="1"/>
-        <c:ser>
-          <c:idx val="0"/>
-          <c:order val="0"/>
-          <c:tx>
-            <c:strRef>
-              <c:f>Sheet1!$B$1</c:f>
-              <c:strCache>
-                <c:ptCount val="1"/>
-                <c:pt idx="0">
-                  <c:v>Series 1</c:v>
-                </c:pt>
-              </c:strCache>
-            </c:strRef>
-          </c:tx>
-          <c:cat>
-            <c:strRef>
-              <c:f>Sheet1!$A$2:$A$3</c:f>
-              <c:strCache>
-                <c:ptCount val="2"/>
-                <c:pt idx="0">
-                  <c:v>male</c:v>
-                </c:pt>
-                <c:pt idx="1">
-                  <c:v>female</c:v>
-                </c:pt>
-              </c:strCache>
-            </c:strRef>
-          </c:cat>
-          <c:val>
-            <c:numRef>
-              <c:f>Sheet1!$B$2:$B$3</c:f>
-              <c:numCache>
-                <c:formatCode>General</c:formatCode>
-                <c:ptCount val="2"/>
-                <c:pt idx="0">
-                  <c:v>16</c:v>
-                </c:pt>
-                <c:pt idx="1">
-                  <c:v>32</c:v>
-                </c:pt>
-              </c:numCache>
-            </c:numRef>
-          </c:val>
-        </c:ser>
-        <c:dLbls>
-          <c:numFmt formatCode="0%" sourceLinked="0"/>
-          <c:dLblPos val="outEnd"/>
-          <c:showLegendKey val="0"/>
-          <c:showVal val="1"/>
-          <c:showCatName val="0"/>
-          <c:showSerName val="0"/>
-          <c:showPercent val="0"/>
-          <c:showBubbleSize val="0"/>
-        </c:dLbls>
-      </c:pieChart>
-    </c:plotArea>
-    <c:legend>
-      <c:legendPos val="b"/>
-      <c:overlay val="0"/>
-    </c:legend>
-  </c:chart>
-  <c:txPr>
-    <a:bodyPr/>
-    <a:lstStyle/>
-    <a:p>
-      <a:pPr>
-        <a:defRPr sz="1800"/>
-      </a:pPr>
-      <a:endParaRPr lang="en-US"/>
-    </a:p>
-  </c:txPr>
-  <c:externalData r:id="rId1">
-    <c:autoUpdate val="0"/>
-  </c:externalData>
-</c:chartSpace>
-</file>
-
-<file path=ppt/charts/chart2.xml><?xml version="1.0" encoding="utf-8"?>
-<c:chartSpace xmlns:c="http://schemas.openxmlformats.org/drawingml/2006/chart" xmlns:a="http://schemas.openxmlformats.org/drawingml/2006/main" xmlns:r="http://schemas.openxmlformats.org/officeDocument/2006/relationships">
-  <c:chart>
-    <c:plotArea>
-      <c:barChart>
-        <c:barDir val="col"/>
-        <c:grouping val="clustered"/>
-        <c:ser>
-          <c:idx val="0"/>
-          <c:order val="0"/>
-          <c:tx>
-            <c:strRef>
-              <c:f>Sheet1!$B$1</c:f>
-              <c:strCache>
-                <c:ptCount val="1"/>
-                <c:pt idx="0">
-                  <c:v>Series 1</c:v>
-                </c:pt>
-              </c:strCache>
-            </c:strRef>
-          </c:tx>
-          <c:cat>
-            <c:strRef>
-              <c:f>Sheet1!$A$2:$A$3</c:f>
-              <c:strCache>
-                <c:ptCount val="2"/>
-                <c:pt idx="0">
-                  <c:v>Less than Goal</c:v>
-                </c:pt>
-                <c:pt idx="1">
-                  <c:v>Goal</c:v>
-                </c:pt>
-              </c:strCache>
-            </c:strRef>
-          </c:cat>
-          <c:val>
-            <c:numRef>
-              <c:f>Sheet1!$B$2:$B$3</c:f>
-              <c:numCache>
-                <c:formatCode>General</c:formatCode>
-                <c:ptCount val="2"/>
-                <c:pt idx="0">
-                  <c:v>18</c:v>
-                </c:pt>
-                <c:pt idx="1">
-                  <c:v>30</c:v>
-                </c:pt>
-              </c:numCache>
-            </c:numRef>
-          </c:val>
-        </c:ser>
-        <c:axId val="-2068027336"/>
-        <c:axId val="-2113994440"/>
-      </c:barChart>
-      <c:catAx>
-        <c:axId val="-2068027336"/>
-        <c:scaling/>
-        <c:delete val="0"/>
-        <c:axPos val="b"/>
-        <c:majorTickMark val="out"/>
-        <c:minorTickMark val="none"/>
-        <c:tickLblPos val="nextTo"/>
-        <c:crossAx val="-2113994440"/>
-        <c:crosses val="autoZero"/>
-        <c:lblAlgn val="ctr"/>
-        <c:lblOffset val="100"/>
-        <c:noMultiLvlLbl val="0"/>
-      </c:catAx>
-      <c:valAx>
-        <c:axId val="-2113994440"/>
-        <c:scaling/>
-        <c:delete val="0"/>
-        <c:axPos val="l"/>
-        <c:majorGridlines/>
-        <c:majorTickMark val="out"/>
-        <c:minorTickMark val="none"/>
-        <c:tickLblPos val="nextTo"/>
-        <c:crossAx val="-2068027336"/>
-        <c:crosses val="autoZero"/>
-      </c:valAx>
-    </c:plotArea>
-  </c:chart>
-  <c:txPr>
-    <a:bodyPr/>
-    <a:lstStyle/>
-    <a:p>
-      <a:pPr>
-        <a:defRPr sz="1800"/>
-      </a:pPr>
-      <a:endParaRPr lang="en-US"/>
-    </a:p>
-  </c:txPr>
-  <c:externalData r:id="rId1">
-    <c:autoUpdate val="0"/>
-  </c:externalData>
-</c:chartSpace>
 </file>
 
 <file path=ppt/handoutMasters/handoutMaster1.xml><?xml version="1.0" encoding="utf-8"?>
@@ -397,7 +212,7 @@
           <a:p>
             <a:fld id="{AAB9D47E-67C1-4E1B-91B6-1C4A4CD91A70}" type="datetimeFigureOut">
               <a:rPr lang="en-US" smtClean="0"/>
-              <a:t>11/2/2016</a:t>
+              <a:t>11/17/2016</a:t>
             </a:fld>
             <a:endParaRPr lang="en-US" dirty="0"/>
           </a:p>
@@ -562,7 +377,7 @@
           <a:p>
             <a:fld id="{D43B9A28-89AB-4FF7-B6F7-B576186B66F1}" type="datetimeFigureOut">
               <a:rPr lang="en-US" smtClean="0"/>
-              <a:t>11/2/2016</a:t>
+              <a:t>11/17/2016</a:t>
             </a:fld>
             <a:endParaRPr lang="en-US" dirty="0"/>
           </a:p>
@@ -830,98 +645,6 @@
 </p:notesMaster>
 </file>
 
-<file path=ppt/notesSlides/notesSlide1.xml><?xml version="1.0" encoding="utf-8"?>
-<p:notes xmlns:a="http://schemas.openxmlformats.org/drawingml/2006/main" xmlns:r="http://schemas.openxmlformats.org/officeDocument/2006/relationships" xmlns:p="http://schemas.openxmlformats.org/presentationml/2006/main">
-  <p:cSld>
-    <p:spTree>
-      <p:nvGrpSpPr>
-        <p:cNvPr id="1" name=""/>
-        <p:cNvGrpSpPr/>
-        <p:nvPr/>
-      </p:nvGrpSpPr>
-      <p:grpSpPr>
-        <a:xfrm>
-          <a:off x="0" y="0"/>
-          <a:ext cx="0" cy="0"/>
-          <a:chOff x="0" y="0"/>
-          <a:chExt cx="0" cy="0"/>
-        </a:xfrm>
-      </p:grpSpPr>
-      <p:sp>
-        <p:nvSpPr>
-          <p:cNvPr id="2" name="Slide Image Placeholder 1"/>
-          <p:cNvSpPr>
-            <a:spLocks noGrp="1" noRot="1" noChangeAspect="1"/>
-          </p:cNvSpPr>
-          <p:nvPr>
-            <p:ph type="sldImg"/>
-          </p:nvPr>
-        </p:nvSpPr>
-        <p:spPr/>
-      </p:sp>
-      <p:sp>
-        <p:nvSpPr>
-          <p:cNvPr id="3" name="Notes Placeholder 2"/>
-          <p:cNvSpPr>
-            <a:spLocks noGrp="1"/>
-          </p:cNvSpPr>
-          <p:nvPr>
-            <p:ph type="body" idx="1"/>
-          </p:nvPr>
-        </p:nvSpPr>
-        <p:spPr/>
-        <p:txBody>
-          <a:bodyPr/>
-          <a:lstStyle/>
-          <a:p>
-            <a:r>
-              <a:rPr lang="en-US" dirty="0" smtClean="0"/>
-              <a:t>SB Note: I’d like</a:t>
-            </a:r>
-            <a:r>
-              <a:rPr lang="en-US" baseline="0" dirty="0" smtClean="0"/>
-              <a:t> this page to be about where we got the info.  But also where they can go to read more. What others should we include?  What would be nice, actually, is if we had a resource page for each factor we tested and we could put it at the bottom of each slide!</a:t>
-            </a:r>
-            <a:endParaRPr lang="en-US" dirty="0"/>
-          </a:p>
-        </p:txBody>
-      </p:sp>
-      <p:sp>
-        <p:nvSpPr>
-          <p:cNvPr id="4" name="Slide Number Placeholder 3"/>
-          <p:cNvSpPr>
-            <a:spLocks noGrp="1"/>
-          </p:cNvSpPr>
-          <p:nvPr>
-            <p:ph type="sldNum" sz="quarter" idx="10"/>
-          </p:nvPr>
-        </p:nvSpPr>
-        <p:spPr/>
-        <p:txBody>
-          <a:bodyPr/>
-          <a:lstStyle/>
-          <a:p>
-            <a:fld id="{3F33A409-1646-4137-A75F-3A02A90E5C52}" type="slidenum">
-              <a:rPr lang="en-US" smtClean="0"/>
-              <a:t>6</a:t>
-            </a:fld>
-            <a:endParaRPr lang="en-US" dirty="0"/>
-          </a:p>
-        </p:txBody>
-      </p:sp>
-    </p:spTree>
-    <p:extLst>
-      <p:ext uri="{BB962C8B-B14F-4D97-AF65-F5344CB8AC3E}">
-        <p14:creationId xmlns:p14="http://schemas.microsoft.com/office/powerpoint/2010/main" val="3005467066"/>
-      </p:ext>
-    </p:extLst>
-  </p:cSld>
-  <p:clrMapOvr>
-    <a:masterClrMapping/>
-  </p:clrMapOvr>
-</p:notes>
-</file>
-
 <file path=ppt/slideLayouts/slideLayout1.xml><?xml version="1.0" encoding="utf-8"?>
 <p:sldLayout xmlns:a="http://schemas.openxmlformats.org/drawingml/2006/main" xmlns:r="http://schemas.openxmlformats.org/officeDocument/2006/relationships" xmlns:p="http://schemas.openxmlformats.org/presentationml/2006/main" showMasterSp="0" type="title" preserve="1">
   <p:cSld name="Title Slide">
@@ -1213,7 +936,7 @@
           <a:p>
             <a:fld id="{EB9FD57E-C399-49A5-9E41-A3349D7DE35B}" type="datetime1">
               <a:rPr lang="en-US" smtClean="0"/>
-              <a:t>11/2/2016</a:t>
+              <a:t>11/17/2016</a:t>
             </a:fld>
             <a:endParaRPr lang="en-US" dirty="0"/>
           </a:p>
@@ -1404,7 +1127,7 @@
           <a:p>
             <a:fld id="{FCEC67C6-3403-4BFB-8B45-9DB8B05CDF67}" type="datetime1">
               <a:rPr lang="en-US" smtClean="0"/>
-              <a:t>11/2/2016</a:t>
+              <a:t>11/17/2016</a:t>
             </a:fld>
             <a:endParaRPr lang="en-US" dirty="0"/>
           </a:p>
@@ -1589,7 +1312,7 @@
           <a:p>
             <a:fld id="{12BE4818-FD7D-4705-B5B3-0E204E7B8767}" type="datetime1">
               <a:rPr lang="en-US" smtClean="0"/>
-              <a:t>11/2/2016</a:t>
+              <a:t>11/17/2016</a:t>
             </a:fld>
             <a:endParaRPr lang="en-US" dirty="0"/>
           </a:p>
@@ -1852,7 +1575,7 @@
           <a:p>
             <a:fld id="{461E0769-57AC-4935-8715-988FC8288D8B}" type="datetime1">
               <a:rPr lang="en-US" smtClean="0"/>
-              <a:t>11/2/2016</a:t>
+              <a:t>11/17/2016</a:t>
             </a:fld>
             <a:endParaRPr lang="en-US" dirty="0"/>
           </a:p>
@@ -2268,7 +1991,7 @@
           <a:p>
             <a:fld id="{CB4DF6D8-D059-4E6F-9489-47A7683AE661}" type="datetime1">
               <a:rPr lang="en-US" smtClean="0"/>
-              <a:t>11/2/2016</a:t>
+              <a:t>11/17/2016</a:t>
             </a:fld>
             <a:endParaRPr lang="en-US" dirty="0"/>
           </a:p>
@@ -2510,7 +2233,7 @@
           <a:p>
             <a:fld id="{3DF2A073-D756-4989-BBD7-7130788C34CA}" type="datetime1">
               <a:rPr lang="en-US" smtClean="0"/>
-              <a:t>11/2/2016</a:t>
+              <a:t>11/17/2016</a:t>
             </a:fld>
             <a:endParaRPr lang="en-US" dirty="0"/>
           </a:p>
@@ -2746,7 +2469,7 @@
           <a:p>
             <a:fld id="{C7812262-0143-4593-8ABE-7E4B68DA324A}" type="datetime1">
               <a:rPr lang="en-US" smtClean="0"/>
-              <a:t>11/2/2016</a:t>
+              <a:t>11/17/2016</a:t>
             </a:fld>
             <a:endParaRPr lang="en-US" dirty="0"/>
           </a:p>
@@ -2941,7 +2664,7 @@
           <a:p>
             <a:fld id="{9444DF3C-DB17-4177-83A1-1F4CFF0BDA1F}" type="datetime1">
               <a:rPr lang="en-US" smtClean="0"/>
-              <a:t>11/2/2016</a:t>
+              <a:t>11/17/2016</a:t>
             </a:fld>
             <a:endParaRPr lang="en-US" dirty="0"/>
           </a:p>
@@ -3039,7 +2762,7 @@
           <a:p>
             <a:fld id="{F6C8DF98-0850-4199-9763-F5AC2123D534}" type="datetime1">
               <a:rPr lang="en-US" smtClean="0"/>
-              <a:t>11/2/2016</a:t>
+              <a:t>11/17/2016</a:t>
             </a:fld>
             <a:endParaRPr lang="en-US" dirty="0"/>
           </a:p>
@@ -3175,7 +2898,7 @@
           <a:p>
             <a:fld id="{01D547BE-D041-448C-ACAF-73E0E93ABA79}" type="datetime1">
               <a:rPr lang="en-US" smtClean="0"/>
-              <a:t>11/2/2016</a:t>
+              <a:t>11/17/2016</a:t>
             </a:fld>
             <a:endParaRPr lang="en-US" dirty="0"/>
           </a:p>
@@ -3693,7 +3416,7 @@
           <a:p>
             <a:fld id="{578863BF-C007-49B5-9EBC-83335D3595B0}" type="datetime1">
               <a:rPr lang="en-US" smtClean="0"/>
-              <a:t>11/2/2016</a:t>
+              <a:t>11/17/2016</a:t>
             </a:fld>
             <a:endParaRPr lang="en-US" dirty="0"/>
           </a:p>
@@ -3954,7 +3677,7 @@
           <a:p>
             <a:fld id="{3AD18C84-CE91-4C35-A0EF-F805A78F094C}" type="datetime1">
               <a:rPr lang="en-US" smtClean="0"/>
-              <a:t>11/2/2016</a:t>
+              <a:t>11/17/2016</a:t>
             </a:fld>
             <a:endParaRPr lang="en-US" dirty="0"/>
           </a:p>
@@ -4501,48 +4224,75 @@
             <a:spLocks noGrp="1"/>
           </p:cNvSpPr>
           <p:nvPr>
-            <p:ph type="ctrTitle"/>
-          </p:nvPr>
-        </p:nvSpPr>
-        <p:spPr>
-          <a:xfrm>
-            <a:off x="0" y="4038600"/>
-            <a:ext cx="7848600" cy="1828800"/>
+            <p:ph type="title"/>
+          </p:nvPr>
+        </p:nvSpPr>
+        <p:spPr/>
+        <p:txBody>
+          <a:bodyPr/>
+          <a:lstStyle/>
+          <a:p>
+            <a:r>
+              <a:rPr lang="en-US" dirty="0" smtClean="0"/>
+              <a:t>Who participated?</a:t>
+            </a:r>
+            <a:endParaRPr lang="en-US" dirty="0"/>
+          </a:p>
+        </p:txBody>
+      </p:sp>
+      <p:sp>
+        <p:nvSpPr>
+          <p:cNvPr id="3" name="Content Placeholder 2"/>
+          <p:cNvSpPr>
+            <a:spLocks noGrp="1"/>
+          </p:cNvSpPr>
+          <p:nvPr>
+            <p:ph sz="quarter" idx="1"/>
+          </p:nvPr>
+        </p:nvSpPr>
+        <p:spPr>
+          <a:xfrm>
+            <a:off x="1524000" y="3352800"/>
+            <a:ext cx="6169152" cy="1066800"/>
           </a:xfrm>
         </p:spPr>
         <p:txBody>
           <a:bodyPr>
-            <a:normAutofit fontScale="90000"/>
+            <a:normAutofit fontScale="62500" lnSpcReduction="20000"/>
           </a:bodyPr>
           <a:lstStyle/>
           <a:p>
-            <a:r>
-              <a:rPr lang="en-US" dirty="0" smtClean="0"/>
-              <a:t>White Castle Biometric Health Screening Aggregate Summary</a:t>
-            </a:r>
-            <a:endParaRPr lang="en-US" dirty="0"/>
-          </a:p>
-        </p:txBody>
-      </p:sp>
-      <p:sp>
-        <p:nvSpPr>
-          <p:cNvPr id="3" name="Subtitle 2"/>
-          <p:cNvSpPr>
-            <a:spLocks noGrp="1"/>
-          </p:cNvSpPr>
-          <p:nvPr>
-            <p:ph type="subTitle" idx="1"/>
+            <a:pPr marL="0" indent="0">
+              <a:buNone/>
+            </a:pPr>
+            <a:r>
+              <a:t>Blah blah nospace32%nospace blah blah</a:t>
+            </a:r>
+            <a:endParaRPr lang="en-US" sz="4000" dirty="0" smtClean="0"/>
+          </a:p>
+        </p:txBody>
+      </p:sp>
+      <p:sp>
+        <p:nvSpPr>
+          <p:cNvPr id="5" name="Slide Number Placeholder 4"/>
+          <p:cNvSpPr>
+            <a:spLocks noGrp="1"/>
+          </p:cNvSpPr>
+          <p:nvPr>
+            <p:ph type="sldNum" sz="quarter" idx="12"/>
           </p:nvPr>
         </p:nvSpPr>
         <p:spPr/>
         <p:txBody>
-          <a:bodyPr/>
-          <a:lstStyle/>
-          <a:p>
-            <a:r>
-              <a:rPr lang="en-US" dirty="0" smtClean="0"/>
-              <a:t>Compiled by LifeCare Alliance</a:t>
-            </a:r>
+          <a:bodyPr>
+            <a:normAutofit fontScale="85000" lnSpcReduction="20000"/>
+          </a:bodyPr>
+          <a:lstStyle/>
+          <a:p>
+            <a:fld id="{0550DE80-A55D-4FEA-ABCE-0175392B4432}" type="slidenum">
+              <a:rPr lang="en-US" smtClean="0"/>
+              <a:t>1</a:t>
+            </a:fld>
             <a:endParaRPr lang="en-US" dirty="0"/>
           </a:p>
         </p:txBody>
@@ -4550,7 +4300,7 @@
     </p:spTree>
     <p:extLst>
       <p:ext uri="{BB962C8B-B14F-4D97-AF65-F5344CB8AC3E}">
-        <p14:creationId xmlns:p14="http://schemas.microsoft.com/office/powerpoint/2010/main" val="3398785662"/>
+        <p14:creationId xmlns:p14="http://schemas.microsoft.com/office/powerpoint/2010/main" val="580674313"/>
       </p:ext>
     </p:extLst>
   </p:cSld>
@@ -4625,7 +4375,7 @@
         </p:spPr>
         <p:txBody>
           <a:bodyPr>
-            <a:normAutofit/>
+            <a:normAutofit fontScale="85000" lnSpcReduction="10000"/>
           </a:bodyPr>
           <a:lstStyle/>
           <a:p>
@@ -4633,7 +4383,7 @@
               <a:buNone/>
             </a:pPr>
             <a:r>
-              <a:t>WASD</a:t>
+              <a:t>32%</a:t>
             </a:r>
             <a:endParaRPr lang="en-US" sz="4000" dirty="0" smtClean="0"/>
           </a:p>
@@ -4667,816 +4417,7 @@
     </p:spTree>
     <p:extLst>
       <p:ext uri="{BB962C8B-B14F-4D97-AF65-F5344CB8AC3E}">
-        <p14:creationId xmlns:p14="http://schemas.microsoft.com/office/powerpoint/2010/main" val="580674313"/>
-      </p:ext>
-    </p:extLst>
-  </p:cSld>
-  <p:clrMapOvr>
-    <a:masterClrMapping/>
-  </p:clrMapOvr>
-  <p:timing>
-    <p:tnLst>
-      <p:par>
-        <p:cTn id="1" dur="indefinite" restart="never" nodeType="tmRoot"/>
-      </p:par>
-    </p:tnLst>
-  </p:timing>
-</p:sld>
-</file>
-
-<file path=ppt/slides/slide3.xml><?xml version="1.0" encoding="utf-8"?>
-<p:sld xmlns:a="http://schemas.openxmlformats.org/drawingml/2006/main" xmlns:r="http://schemas.openxmlformats.org/officeDocument/2006/relationships" xmlns:p="http://schemas.openxmlformats.org/presentationml/2006/main">
-  <p:cSld>
-    <p:spTree>
-      <p:nvGrpSpPr>
-        <p:cNvPr id="1" name=""/>
-        <p:cNvGrpSpPr/>
-        <p:nvPr/>
-      </p:nvGrpSpPr>
-      <p:grpSpPr>
-        <a:xfrm>
-          <a:off x="0" y="0"/>
-          <a:ext cx="0" cy="0"/>
-          <a:chOff x="0" y="0"/>
-          <a:chExt cx="0" cy="0"/>
-        </a:xfrm>
-      </p:grpSpPr>
-      <p:sp>
-        <p:nvSpPr>
-          <p:cNvPr id="2" name="Title 1"/>
-          <p:cNvSpPr>
-            <a:spLocks noGrp="1"/>
-          </p:cNvSpPr>
-          <p:nvPr>
-            <p:ph type="title"/>
-          </p:nvPr>
-        </p:nvSpPr>
-        <p:spPr/>
-        <p:txBody>
-          <a:bodyPr/>
-          <a:lstStyle/>
-          <a:p>
-            <a:r>
-              <a:rPr lang="en-US" dirty="0" smtClean="0"/>
-              <a:t>Who participated?</a:t>
-            </a:r>
-            <a:endParaRPr lang="en-US" dirty="0"/>
-          </a:p>
-        </p:txBody>
-      </p:sp>
-      <p:sp>
-        <p:nvSpPr>
-          <p:cNvPr id="3" name="Content Placeholder 2"/>
-          <p:cNvSpPr>
-            <a:spLocks noGrp="1"/>
-          </p:cNvSpPr>
-          <p:nvPr>
-            <p:ph sz="quarter" idx="1"/>
-          </p:nvPr>
-        </p:nvSpPr>
-        <p:spPr>
-          <a:xfrm>
-            <a:off x="1371600" y="2590800"/>
-            <a:ext cx="6169152" cy="1066800"/>
-          </a:xfrm>
-        </p:spPr>
-        <p:txBody>
-          <a:bodyPr>
-            <a:normAutofit/>
-          </a:bodyPr>
-          <a:lstStyle/>
-          <a:p>
-            <a:pPr marL="0" indent="0">
-              <a:buNone/>
-            </a:pPr>
-            <a:r>
-              <a:t>WASD</a:t>
-            </a:r>
-            <a:endParaRPr lang="en-US" sz="4000" dirty="0" smtClean="0"/>
-          </a:p>
-        </p:txBody>
-      </p:sp>
-      <p:sp>
-        <p:nvSpPr>
-          <p:cNvPr id="5" name="Slide Number Placeholder 4"/>
-          <p:cNvSpPr>
-            <a:spLocks noGrp="1"/>
-          </p:cNvSpPr>
-          <p:nvPr>
-            <p:ph type="sldNum" sz="quarter" idx="12"/>
-          </p:nvPr>
-        </p:nvSpPr>
-        <p:spPr/>
-        <p:txBody>
-          <a:bodyPr>
-            <a:normAutofit fontScale="85000" lnSpcReduction="20000"/>
-          </a:bodyPr>
-          <a:lstStyle/>
-          <a:p>
-            <a:fld id="{0550DE80-A55D-4FEA-ABCE-0175392B4432}" type="slidenum">
-              <a:rPr lang="en-US" smtClean="0"/>
-              <a:t>3</a:t>
-            </a:fld>
-            <a:endParaRPr lang="en-US" dirty="0"/>
-          </a:p>
-        </p:txBody>
-      </p:sp>
-      <p:sp>
-        <p:nvSpPr>
-          <p:cNvPr id="6" name="Content Placeholder 2"/>
-          <p:cNvSpPr txBox="1">
-            <a:spLocks/>
-          </p:cNvSpPr>
-          <p:nvPr/>
-        </p:nvSpPr>
-        <p:spPr>
-          <a:xfrm>
-            <a:off x="1447800" y="4191000"/>
-            <a:ext cx="6169152" cy="1066800"/>
-          </a:xfrm>
-          <a:prstGeom prst="rect">
-            <a:avLst/>
-          </a:prstGeom>
-        </p:spPr>
-        <p:txBody>
-          <a:bodyPr vert="horz">
-            <a:normAutofit/>
-          </a:bodyPr>
-          <a:lstStyle>
-            <a:lvl1pPr marL="320040" indent="-320040" algn="l" rtl="0" eaLnBrk="1" latinLnBrk="0" hangingPunct="1">
-              <a:spcBef>
-                <a:spcPts val="700"/>
-              </a:spcBef>
-              <a:buClr>
-                <a:schemeClr val="accent2"/>
-              </a:buClr>
-              <a:buSzPct val="60000"/>
-              <a:buFont typeface="Wingdings"/>
-              <a:buChar char=""/>
-              <a:defRPr kumimoji="0" sz="2900" kern="1200">
-                <a:solidFill>
-                  <a:schemeClr val="tx1"/>
-                </a:solidFill>
-                <a:latin typeface="+mn-lt"/>
-                <a:ea typeface="+mn-ea"/>
-                <a:cs typeface="+mn-cs"/>
-              </a:defRPr>
-            </a:lvl1pPr>
-            <a:lvl2pPr marL="640080" indent="-274320" algn="l" rtl="0" eaLnBrk="1" latinLnBrk="0" hangingPunct="1">
-              <a:spcBef>
-                <a:spcPts val="550"/>
-              </a:spcBef>
-              <a:buClr>
-                <a:schemeClr val="accent1"/>
-              </a:buClr>
-              <a:buSzPct val="70000"/>
-              <a:buFont typeface="Wingdings 2"/>
-              <a:buChar char=""/>
-              <a:defRPr kumimoji="0" sz="2600" kern="1200">
-                <a:solidFill>
-                  <a:schemeClr val="tx1"/>
-                </a:solidFill>
-                <a:latin typeface="+mn-lt"/>
-                <a:ea typeface="+mn-ea"/>
-                <a:cs typeface="+mn-cs"/>
-              </a:defRPr>
-            </a:lvl2pPr>
-            <a:lvl3pPr marL="914400" indent="-228600" algn="l" rtl="0" eaLnBrk="1" latinLnBrk="0" hangingPunct="1">
-              <a:spcBef>
-                <a:spcPts val="500"/>
-              </a:spcBef>
-              <a:buClr>
-                <a:schemeClr val="accent2"/>
-              </a:buClr>
-              <a:buSzPct val="75000"/>
-              <a:buFont typeface="Wingdings"/>
-              <a:buChar char=""/>
-              <a:defRPr kumimoji="0" sz="2300" kern="1200">
-                <a:solidFill>
-                  <a:schemeClr val="tx1"/>
-                </a:solidFill>
-                <a:latin typeface="+mn-lt"/>
-                <a:ea typeface="+mn-ea"/>
-                <a:cs typeface="+mn-cs"/>
-              </a:defRPr>
-            </a:lvl3pPr>
-            <a:lvl4pPr marL="1371600" indent="-228600" algn="l" rtl="0" eaLnBrk="1" latinLnBrk="0" hangingPunct="1">
-              <a:spcBef>
-                <a:spcPts val="400"/>
-              </a:spcBef>
-              <a:buClr>
-                <a:schemeClr val="accent3"/>
-              </a:buClr>
-              <a:buSzPct val="75000"/>
-              <a:buFont typeface="Wingdings"/>
-              <a:buChar char=""/>
-              <a:defRPr kumimoji="0" sz="2000" kern="1200">
-                <a:solidFill>
-                  <a:schemeClr val="tx1"/>
-                </a:solidFill>
-                <a:latin typeface="+mn-lt"/>
-                <a:ea typeface="+mn-ea"/>
-                <a:cs typeface="+mn-cs"/>
-              </a:defRPr>
-            </a:lvl4pPr>
-            <a:lvl5pPr marL="1828800" indent="-228600" algn="l" rtl="0" eaLnBrk="1" latinLnBrk="0" hangingPunct="1">
-              <a:spcBef>
-                <a:spcPts val="400"/>
-              </a:spcBef>
-              <a:buClr>
-                <a:schemeClr val="accent4"/>
-              </a:buClr>
-              <a:buSzPct val="65000"/>
-              <a:buFont typeface="Wingdings"/>
-              <a:buChar char=""/>
-              <a:defRPr kumimoji="0" sz="2000" kern="1200">
-                <a:solidFill>
-                  <a:schemeClr val="tx1"/>
-                </a:solidFill>
-                <a:latin typeface="+mn-lt"/>
-                <a:ea typeface="+mn-ea"/>
-                <a:cs typeface="+mn-cs"/>
-              </a:defRPr>
-            </a:lvl5pPr>
-            <a:lvl6pPr marL="2103120" indent="-228600" algn="l" rtl="0" eaLnBrk="1" latinLnBrk="0" hangingPunct="1">
-              <a:spcBef>
-                <a:spcPct val="20000"/>
-              </a:spcBef>
-              <a:buClr>
-                <a:schemeClr val="accent1"/>
-              </a:buClr>
-              <a:buFont typeface="Wingdings"/>
-              <a:buChar char="§"/>
-              <a:defRPr kumimoji="0" sz="1800" kern="1200" baseline="0">
-                <a:solidFill>
-                  <a:schemeClr val="tx1"/>
-                </a:solidFill>
-                <a:latin typeface="+mn-lt"/>
-                <a:ea typeface="+mn-ea"/>
-                <a:cs typeface="+mn-cs"/>
-              </a:defRPr>
-            </a:lvl6pPr>
-            <a:lvl7pPr marL="2377440" indent="-228600" algn="l" rtl="0" eaLnBrk="1" latinLnBrk="0" hangingPunct="1">
-              <a:spcBef>
-                <a:spcPct val="20000"/>
-              </a:spcBef>
-              <a:buClr>
-                <a:schemeClr val="accent2"/>
-              </a:buClr>
-              <a:buFont typeface="Wingdings"/>
-              <a:buChar char="§"/>
-              <a:defRPr kumimoji="0" sz="1800" kern="1200" baseline="0">
-                <a:solidFill>
-                  <a:schemeClr val="tx1"/>
-                </a:solidFill>
-                <a:latin typeface="+mn-lt"/>
-                <a:ea typeface="+mn-ea"/>
-                <a:cs typeface="+mn-cs"/>
-              </a:defRPr>
-            </a:lvl7pPr>
-            <a:lvl8pPr marL="2651760" indent="-228600" algn="l" rtl="0" eaLnBrk="1" latinLnBrk="0" hangingPunct="1">
-              <a:spcBef>
-                <a:spcPct val="20000"/>
-              </a:spcBef>
-              <a:buClr>
-                <a:schemeClr val="accent3"/>
-              </a:buClr>
-              <a:buFont typeface="Wingdings"/>
-              <a:buChar char="§"/>
-              <a:defRPr kumimoji="0" sz="1800" kern="1200" baseline="0">
-                <a:solidFill>
-                  <a:schemeClr val="tx1"/>
-                </a:solidFill>
-                <a:latin typeface="+mn-lt"/>
-                <a:ea typeface="+mn-ea"/>
-                <a:cs typeface="+mn-cs"/>
-              </a:defRPr>
-            </a:lvl8pPr>
-            <a:lvl9pPr marL="2926080" indent="-228600" algn="l" rtl="0" eaLnBrk="1" latinLnBrk="0" hangingPunct="1">
-              <a:spcBef>
-                <a:spcPct val="20000"/>
-              </a:spcBef>
-              <a:buClr>
-                <a:schemeClr val="accent4"/>
-              </a:buClr>
-              <a:buFont typeface="Wingdings"/>
-              <a:buChar char="§"/>
-              <a:defRPr kumimoji="0" sz="1800" kern="1200" baseline="0">
-                <a:solidFill>
-                  <a:schemeClr val="tx1"/>
-                </a:solidFill>
-                <a:latin typeface="+mn-lt"/>
-                <a:ea typeface="+mn-ea"/>
-                <a:cs typeface="+mn-cs"/>
-              </a:defRPr>
-            </a:lvl9pPr>
-          </a:lstStyle>
-          <a:p>
-            <a:r>
-              <a:t>ASDF</a:t>
-            </a:r>
-            <a:endParaRPr lang="en-US" sz="4000" dirty="0" smtClean="0"/>
-          </a:p>
-        </p:txBody>
-      </p:sp>
-    </p:spTree>
-    <p:extLst>
-      <p:ext uri="{BB962C8B-B14F-4D97-AF65-F5344CB8AC3E}">
-        <p14:creationId xmlns:p14="http://schemas.microsoft.com/office/powerpoint/2010/main" val="2841723979"/>
-      </p:ext>
-    </p:extLst>
-  </p:cSld>
-  <p:clrMapOvr>
-    <a:masterClrMapping/>
-  </p:clrMapOvr>
-  <p:timing>
-    <p:tnLst>
-      <p:par>
-        <p:cTn id="1" dur="indefinite" restart="never" nodeType="tmRoot"/>
-      </p:par>
-    </p:tnLst>
-  </p:timing>
-</p:sld>
-</file>
-
-<file path=ppt/slides/slide4.xml><?xml version="1.0" encoding="utf-8"?>
-<p:sld xmlns:a="http://schemas.openxmlformats.org/drawingml/2006/main" xmlns:r="http://schemas.openxmlformats.org/officeDocument/2006/relationships" xmlns:p="http://schemas.openxmlformats.org/presentationml/2006/main">
-  <p:cSld>
-    <p:spTree>
-      <p:nvGrpSpPr>
-        <p:cNvPr id="1" name=""/>
-        <p:cNvGrpSpPr/>
-        <p:nvPr/>
-      </p:nvGrpSpPr>
-      <p:grpSpPr>
-        <a:xfrm>
-          <a:off x="0" y="0"/>
-          <a:ext cx="0" cy="0"/>
-          <a:chOff x="0" y="0"/>
-          <a:chExt cx="0" cy="0"/>
-        </a:xfrm>
-      </p:grpSpPr>
-      <p:sp>
-        <p:nvSpPr>
-          <p:cNvPr id="2" name="Title 1"/>
-          <p:cNvSpPr>
-            <a:spLocks noGrp="1"/>
-          </p:cNvSpPr>
-          <p:nvPr>
-            <p:ph type="title"/>
-          </p:nvPr>
-        </p:nvSpPr>
-        <p:spPr/>
-        <p:txBody>
-          <a:bodyPr/>
-          <a:lstStyle/>
-          <a:p>
-            <a:r>
-              <a:rPr lang="en-US" dirty="0" smtClean="0"/>
-              <a:t>Who participated?</a:t>
-            </a:r>
-            <a:endParaRPr lang="en-US" dirty="0"/>
-          </a:p>
-        </p:txBody>
-      </p:sp>
-      <p:sp>
-        <p:nvSpPr>
-          <p:cNvPr id="3" name="Content Placeholder 2"/>
-          <p:cNvSpPr>
-            <a:spLocks noGrp="1"/>
-          </p:cNvSpPr>
-          <p:nvPr>
-            <p:ph sz="quarter" idx="1"/>
-          </p:nvPr>
-        </p:nvSpPr>
-        <p:spPr>
-          <a:xfrm>
-            <a:off x="381000" y="1600200"/>
-            <a:ext cx="8153400" cy="3886198"/>
-          </a:xfrm>
-        </p:spPr>
-        <p:txBody>
-          <a:bodyPr>
-            <a:normAutofit/>
-          </a:bodyPr>
-          <a:lstStyle/>
-          <a:p>
-            <a:pPr marL="0" indent="0">
-              <a:buNone/>
-            </a:pPr>
-            <a:endParaRPr lang="en-US" sz="4000" dirty="0" smtClean="0"/>
-          </a:p>
-        </p:txBody>
-      </p:sp>
-      <p:sp>
-        <p:nvSpPr>
-          <p:cNvPr id="5" name="Slide Number Placeholder 4"/>
-          <p:cNvSpPr>
-            <a:spLocks noGrp="1"/>
-          </p:cNvSpPr>
-          <p:nvPr>
-            <p:ph type="sldNum" sz="quarter" idx="12"/>
-          </p:nvPr>
-        </p:nvSpPr>
-        <p:spPr/>
-        <p:txBody>
-          <a:bodyPr>
-            <a:normAutofit fontScale="85000" lnSpcReduction="20000"/>
-          </a:bodyPr>
-          <a:lstStyle/>
-          <a:p>
-            <a:fld id="{0550DE80-A55D-4FEA-ABCE-0175392B4432}" type="slidenum">
-              <a:rPr lang="en-US" smtClean="0"/>
-              <a:t>4</a:t>
-            </a:fld>
-            <a:endParaRPr lang="en-US" dirty="0"/>
-          </a:p>
-        </p:txBody>
-      </p:sp>
-      <p:graphicFrame>
-        <p:nvGraphicFramePr>
-          <p:cNvPr id="4" name="Chart 3"/>
-          <p:cNvGraphicFramePr>
-            <a:graphicFrameLocks noGrp="1"/>
-          </p:cNvGraphicFramePr>
-          <p:nvPr/>
-        </p:nvGraphicFramePr>
-        <p:xfrm>
-          <a:off x="1828800" y="1828800"/>
-          <a:ext cx="2743200" cy="3886198"/>
-        </p:xfrm>
-        <a:graphic>
-          <a:graphicData uri="http://schemas.openxmlformats.org/drawingml/2006/chart">
-            <c:chart xmlns:c="http://schemas.openxmlformats.org/drawingml/2006/chart" r:id="rId2"/>
-          </a:graphicData>
-        </a:graphic>
-      </p:graphicFrame>
-    </p:spTree>
-    <p:extLst>
-      <p:ext uri="{BB962C8B-B14F-4D97-AF65-F5344CB8AC3E}">
-        <p14:creationId xmlns:p14="http://schemas.microsoft.com/office/powerpoint/2010/main" val="1597361193"/>
-      </p:ext>
-    </p:extLst>
-  </p:cSld>
-  <p:clrMapOvr>
-    <a:masterClrMapping/>
-  </p:clrMapOvr>
-  <p:timing>
-    <p:tnLst>
-      <p:par>
-        <p:cTn id="1" dur="indefinite" restart="never" nodeType="tmRoot"/>
-      </p:par>
-    </p:tnLst>
-  </p:timing>
-</p:sld>
-</file>
-
-<file path=ppt/slides/slide5.xml><?xml version="1.0" encoding="utf-8"?>
-<p:sld xmlns:a="http://schemas.openxmlformats.org/drawingml/2006/main" xmlns:r="http://schemas.openxmlformats.org/officeDocument/2006/relationships" xmlns:p="http://schemas.openxmlformats.org/presentationml/2006/main">
-  <p:cSld>
-    <p:spTree>
-      <p:nvGrpSpPr>
-        <p:cNvPr id="1" name=""/>
-        <p:cNvGrpSpPr/>
-        <p:nvPr/>
-      </p:nvGrpSpPr>
-      <p:grpSpPr>
-        <a:xfrm>
-          <a:off x="0" y="0"/>
-          <a:ext cx="0" cy="0"/>
-          <a:chOff x="0" y="0"/>
-          <a:chExt cx="0" cy="0"/>
-        </a:xfrm>
-      </p:grpSpPr>
-      <p:sp>
-        <p:nvSpPr>
-          <p:cNvPr id="2" name="Title 1"/>
-          <p:cNvSpPr>
-            <a:spLocks noGrp="1"/>
-          </p:cNvSpPr>
-          <p:nvPr>
-            <p:ph type="title"/>
-          </p:nvPr>
-        </p:nvSpPr>
-        <p:spPr/>
-        <p:txBody>
-          <a:bodyPr/>
-          <a:lstStyle/>
-          <a:p>
-            <a:r>
-              <a:rPr lang="en-US" dirty="0" smtClean="0"/>
-              <a:t>Who participated?</a:t>
-            </a:r>
-            <a:endParaRPr lang="en-US" dirty="0"/>
-          </a:p>
-        </p:txBody>
-      </p:sp>
-      <p:sp>
-        <p:nvSpPr>
-          <p:cNvPr id="3" name="Content Placeholder 2"/>
-          <p:cNvSpPr>
-            <a:spLocks noGrp="1"/>
-          </p:cNvSpPr>
-          <p:nvPr>
-            <p:ph sz="quarter" idx="1"/>
-          </p:nvPr>
-        </p:nvSpPr>
-        <p:spPr>
-          <a:xfrm>
-            <a:off x="612648" y="1600200"/>
-            <a:ext cx="8153400" cy="3886198"/>
-          </a:xfrm>
-        </p:spPr>
-        <p:txBody>
-          <a:bodyPr>
-            <a:normAutofit/>
-          </a:bodyPr>
-          <a:lstStyle/>
-          <a:p>
-            <a:pPr marL="0" indent="0">
-              <a:buNone/>
-            </a:pPr>
-            <a:endParaRPr lang="en-US" sz="4000" dirty="0" smtClean="0"/>
-          </a:p>
-        </p:txBody>
-      </p:sp>
-      <p:sp>
-        <p:nvSpPr>
-          <p:cNvPr id="5" name="Slide Number Placeholder 4"/>
-          <p:cNvSpPr>
-            <a:spLocks noGrp="1"/>
-          </p:cNvSpPr>
-          <p:nvPr>
-            <p:ph type="sldNum" sz="quarter" idx="12"/>
-          </p:nvPr>
-        </p:nvSpPr>
-        <p:spPr/>
-        <p:txBody>
-          <a:bodyPr>
-            <a:normAutofit fontScale="85000" lnSpcReduction="20000"/>
-          </a:bodyPr>
-          <a:lstStyle/>
-          <a:p>
-            <a:fld id="{0550DE80-A55D-4FEA-ABCE-0175392B4432}" type="slidenum">
-              <a:rPr lang="en-US" smtClean="0"/>
-              <a:t>5</a:t>
-            </a:fld>
-            <a:endParaRPr lang="en-US" dirty="0"/>
-          </a:p>
-        </p:txBody>
-      </p:sp>
-      <p:graphicFrame>
-        <p:nvGraphicFramePr>
-          <p:cNvPr id="4" name="Chart 3"/>
-          <p:cNvGraphicFramePr>
-            <a:graphicFrameLocks noGrp="1"/>
-          </p:cNvGraphicFramePr>
-          <p:nvPr/>
-        </p:nvGraphicFramePr>
-        <p:xfrm>
-          <a:off x="1828800" y="1828800"/>
-          <a:ext cx="2743200" cy="2743200"/>
-        </p:xfrm>
-        <a:graphic>
-          <a:graphicData uri="http://schemas.openxmlformats.org/drawingml/2006/chart">
-            <c:chart xmlns:c="http://schemas.openxmlformats.org/drawingml/2006/chart" r:id="rId2"/>
-          </a:graphicData>
-        </a:graphic>
-      </p:graphicFrame>
-    </p:spTree>
-    <p:extLst>
-      <p:ext uri="{BB962C8B-B14F-4D97-AF65-F5344CB8AC3E}">
-        <p14:creationId xmlns:p14="http://schemas.microsoft.com/office/powerpoint/2010/main" val="3209572625"/>
-      </p:ext>
-    </p:extLst>
-  </p:cSld>
-  <p:clrMapOvr>
-    <a:masterClrMapping/>
-  </p:clrMapOvr>
-  <p:timing>
-    <p:tnLst>
-      <p:par>
-        <p:cTn id="1" dur="indefinite" restart="never" nodeType="tmRoot"/>
-      </p:par>
-    </p:tnLst>
-  </p:timing>
-</p:sld>
-</file>
-
-<file path=ppt/slides/slide6.xml><?xml version="1.0" encoding="utf-8"?>
-<p:sld xmlns:a="http://schemas.openxmlformats.org/drawingml/2006/main" xmlns:r="http://schemas.openxmlformats.org/officeDocument/2006/relationships" xmlns:p="http://schemas.openxmlformats.org/presentationml/2006/main">
-  <p:cSld>
-    <p:spTree>
-      <p:nvGrpSpPr>
-        <p:cNvPr id="1" name=""/>
-        <p:cNvGrpSpPr/>
-        <p:nvPr/>
-      </p:nvGrpSpPr>
-      <p:grpSpPr>
-        <a:xfrm>
-          <a:off x="0" y="0"/>
-          <a:ext cx="0" cy="0"/>
-          <a:chOff x="0" y="0"/>
-          <a:chExt cx="0" cy="0"/>
-        </a:xfrm>
-      </p:grpSpPr>
-      <p:sp>
-        <p:nvSpPr>
-          <p:cNvPr id="2" name="Title 1"/>
-          <p:cNvSpPr>
-            <a:spLocks noGrp="1"/>
-          </p:cNvSpPr>
-          <p:nvPr>
-            <p:ph type="title"/>
-          </p:nvPr>
-        </p:nvSpPr>
-        <p:spPr/>
-        <p:txBody>
-          <a:bodyPr/>
-          <a:lstStyle/>
-          <a:p>
-            <a:r>
-              <a:rPr lang="en-US" dirty="0" smtClean="0"/>
-              <a:t>Resources</a:t>
-            </a:r>
-            <a:endParaRPr lang="en-US" dirty="0"/>
-          </a:p>
-        </p:txBody>
-      </p:sp>
-      <p:sp>
-        <p:nvSpPr>
-          <p:cNvPr id="3" name="Content Placeholder 2"/>
-          <p:cNvSpPr>
-            <a:spLocks noGrp="1"/>
-          </p:cNvSpPr>
-          <p:nvPr>
-            <p:ph sz="quarter" idx="1"/>
-          </p:nvPr>
-        </p:nvSpPr>
-        <p:spPr>
-          <a:xfrm>
-            <a:off x="612648" y="1600200"/>
-            <a:ext cx="8150352" cy="4800600"/>
-          </a:xfrm>
-        </p:spPr>
-        <p:txBody>
-          <a:bodyPr>
-            <a:normAutofit fontScale="77500" lnSpcReduction="20000"/>
-          </a:bodyPr>
-          <a:lstStyle/>
-          <a:p>
-            <a:r>
-              <a:rPr lang="en-US" sz="3100" dirty="0" smtClean="0"/>
-              <a:t>Managing </a:t>
-            </a:r>
-            <a:r>
-              <a:rPr lang="en-US" sz="3100" dirty="0"/>
-              <a:t>Overweight and Obesity in Adults: Systematic Evidence </a:t>
-            </a:r>
-            <a:r>
-              <a:rPr lang="en-US" sz="3100" dirty="0" smtClean="0"/>
-              <a:t>Review from </a:t>
-            </a:r>
-            <a:r>
-              <a:rPr lang="en-US" sz="3100" dirty="0"/>
-              <a:t>the Obesity Expert Panel. </a:t>
-            </a:r>
-            <a:r>
-              <a:rPr lang="en-US" sz="3100" u="sng" dirty="0" smtClean="0">
-                <a:hlinkClick r:id="rId3" tooltip="Link to External Web Site"/>
-              </a:rPr>
-              <a:t>www.nhlbi.nih.gov/sites/www.nhlbi.nih.gov/files/obesity-evidence-review.pdf[PDF </a:t>
-            </a:r>
-            <a:r>
-              <a:rPr lang="en-US" sz="3100" u="sng" dirty="0">
-                <a:hlinkClick r:id="rId3" tooltip="Link to External Web Site"/>
-              </a:rPr>
-              <a:t>- 93KB]</a:t>
-            </a:r>
-            <a:endParaRPr lang="en-US" sz="3100" dirty="0"/>
-          </a:p>
-          <a:p>
-            <a:r>
-              <a:rPr lang="en-US" sz="3100" dirty="0" smtClean="0"/>
-              <a:t>Clinical </a:t>
-            </a:r>
-            <a:r>
-              <a:rPr lang="en-US" sz="3100" dirty="0"/>
-              <a:t>Guidelines on the Identification, Evaluation, and Treatment of Overweight and Obesity in </a:t>
-            </a:r>
-            <a:r>
-              <a:rPr lang="en-US" sz="3100" dirty="0" smtClean="0"/>
-              <a:t>Adults</a:t>
-            </a:r>
-            <a:r>
-              <a:rPr lang="en-US" sz="3100" u="sng" dirty="0" smtClean="0">
-                <a:hlinkClick r:id="rId4" tooltip="Link to External Web Site"/>
-              </a:rPr>
-              <a:t> www.nhlbi.nih.gov/files/docs/guidelines/ob_gdlns.pdf[PDF </a:t>
-            </a:r>
-            <a:r>
-              <a:rPr lang="en-US" sz="3100" u="sng" dirty="0">
-                <a:hlinkClick r:id="rId4" tooltip="Link to External Web Site"/>
-              </a:rPr>
-              <a:t>- 2MB]</a:t>
-            </a:r>
-            <a:endParaRPr lang="en-US" sz="3100" dirty="0"/>
-          </a:p>
-          <a:p>
-            <a:r>
-              <a:rPr lang="en-US" sz="3100" dirty="0" smtClean="0"/>
-              <a:t>U.S</a:t>
-            </a:r>
-            <a:r>
-              <a:rPr lang="en-US" sz="3100" dirty="0"/>
-              <a:t>. Department of Health and Human </a:t>
-            </a:r>
-            <a:r>
-              <a:rPr lang="en-US" sz="3100" dirty="0" smtClean="0"/>
-              <a:t>Services, Office </a:t>
-            </a:r>
-            <a:r>
-              <a:rPr lang="en-US" sz="3100" dirty="0"/>
-              <a:t>of Disease Prevention and Health </a:t>
-            </a:r>
-            <a:r>
-              <a:rPr lang="en-US" sz="3100" dirty="0" smtClean="0"/>
-              <a:t>Promotion, </a:t>
-            </a:r>
-            <a:r>
-              <a:rPr lang="en-US" sz="3100" i="1" dirty="0"/>
-              <a:t>2008 Physical Activity Guidelines for </a:t>
-            </a:r>
-            <a:r>
-              <a:rPr lang="en-US" sz="3100" i="1" dirty="0" smtClean="0"/>
-              <a:t>Americans</a:t>
-            </a:r>
-          </a:p>
-          <a:p>
-            <a:r>
-              <a:rPr lang="en-US" sz="3100" dirty="0" smtClean="0"/>
-              <a:t>My Plate </a:t>
-            </a:r>
-            <a:r>
-              <a:rPr lang="en-US" sz="3100" dirty="0" smtClean="0">
-                <a:hlinkClick r:id="rId5"/>
-              </a:rPr>
-              <a:t>www.choosemyplate.gov</a:t>
-            </a:r>
-            <a:endParaRPr lang="en-US" sz="3100" dirty="0" smtClean="0"/>
-          </a:p>
-          <a:p>
-            <a:r>
-              <a:rPr lang="en-US" sz="3100" dirty="0" smtClean="0"/>
-              <a:t>Center for Disease Control </a:t>
-            </a:r>
-          </a:p>
-          <a:p>
-            <a:r>
-              <a:rPr lang="en-US" sz="3100" dirty="0" smtClean="0"/>
-              <a:t>Harvard School of Public Health</a:t>
-            </a:r>
-          </a:p>
-          <a:p>
-            <a:endParaRPr lang="en-US" dirty="0"/>
-          </a:p>
-          <a:p>
-            <a:endParaRPr lang="en-US" dirty="0" smtClean="0"/>
-          </a:p>
-          <a:p>
-            <a:endParaRPr lang="en-US" dirty="0"/>
-          </a:p>
-        </p:txBody>
-      </p:sp>
-      <p:sp>
-        <p:nvSpPr>
-          <p:cNvPr id="5" name="Slide Number Placeholder 4"/>
-          <p:cNvSpPr>
-            <a:spLocks noGrp="1"/>
-          </p:cNvSpPr>
-          <p:nvPr>
-            <p:ph type="sldNum" sz="quarter" idx="12"/>
-          </p:nvPr>
-        </p:nvSpPr>
-        <p:spPr/>
-        <p:txBody>
-          <a:bodyPr>
-            <a:normAutofit fontScale="85000" lnSpcReduction="20000"/>
-          </a:bodyPr>
-          <a:lstStyle/>
-          <a:p>
-            <a:fld id="{0550DE80-A55D-4FEA-ABCE-0175392B4432}" type="slidenum">
-              <a:rPr lang="en-US" smtClean="0"/>
-              <a:t>6</a:t>
-            </a:fld>
-            <a:endParaRPr lang="en-US" dirty="0"/>
-          </a:p>
-        </p:txBody>
-      </p:sp>
-    </p:spTree>
-    <p:extLst>
-      <p:ext uri="{BB962C8B-B14F-4D97-AF65-F5344CB8AC3E}">
-        <p14:creationId xmlns:p14="http://schemas.microsoft.com/office/powerpoint/2010/main" val="20209268"/>
+        <p14:creationId xmlns:p14="http://schemas.microsoft.com/office/powerpoint/2010/main" val="3648241844"/>
       </p:ext>
     </p:extLst>
   </p:cSld>

--- a/exampleOutput.pptx
+++ b/exampleOutput.pptx
@@ -5,14 +5,19 @@
     <p:sldMasterId id="2147483996" r:id="rId1"/>
   </p:sldMasterIdLst>
   <p:notesMasterIdLst>
-    <p:notesMasterId r:id="rId4"/>
+    <p:notesMasterId r:id="rId9"/>
   </p:notesMasterIdLst>
   <p:handoutMasterIdLst>
-    <p:handoutMasterId r:id="rId5"/>
+    <p:handoutMasterId r:id="rId10"/>
   </p:handoutMasterIdLst>
   <p:sldIdLst>
-    <p:sldId id="259" r:id="rId2"/>
-    <p:sldId id="260" r:id="rId3"/>
+    <p:sldId id="256" r:id="rId2"/>
+    <p:sldId id="276" r:id="rId3"/>
+    <p:sldId id="259" r:id="rId4"/>
+    <p:sldId id="274" r:id="rId5"/>
+    <p:sldId id="273" r:id="rId6"/>
+    <p:sldId id="275" r:id="rId7"/>
+    <p:sldId id="258" r:id="rId8"/>
   </p:sldIdLst>
   <p:sldSz cx="9144000" cy="6858000" type="screen4x3"/>
   <p:notesSz cx="9296400" cy="7010400"/>
@@ -130,6 +135,244 @@
 </p:presentation>
 </file>
 
+<file path=ppt/charts/chart1.xml><?xml version="1.0" encoding="utf-8"?>
+<c:chartSpace xmlns:c="http://schemas.openxmlformats.org/drawingml/2006/chart" xmlns:a="http://schemas.openxmlformats.org/drawingml/2006/main" xmlns:r="http://schemas.openxmlformats.org/officeDocument/2006/relationships">
+  <c:chart>
+    <c:plotArea>
+      <c:lineChart>
+        <c:grouping val="standard"/>
+        <c:marker val="1"/>
+        <c:axId val="2118791784"/>
+        <c:axId val="2140495176"/>
+      </c:lineChart>
+      <c:catAx>
+        <c:axId val="2118791784"/>
+        <c:scaling/>
+        <c:delete val="0"/>
+        <c:axPos val="b"/>
+        <c:majorTickMark val="out"/>
+        <c:minorTickMark val="none"/>
+        <c:tickLblPos val="nextTo"/>
+        <c:crossAx val="2140495176"/>
+        <c:crosses val="autoZero"/>
+        <c:lblAlgn val="ctr"/>
+        <c:lblOffset val="100"/>
+        <c:noMultiLvlLbl val="0"/>
+      </c:catAx>
+      <c:valAx>
+        <c:axId val="2140495176"/>
+        <c:scaling/>
+        <c:delete val="0"/>
+        <c:axPos val="l"/>
+        <c:majorGridlines/>
+        <c:majorTickMark val="out"/>
+        <c:minorTickMark val="none"/>
+        <c:tickLblPos val="nextTo"/>
+        <c:crossAx val="2118791784"/>
+        <c:crosses val="autoZero"/>
+      </c:valAx>
+    </c:plotArea>
+    <c:legend>
+      <c:overlay val="0"/>
+    </c:legend>
+  </c:chart>
+  <c:txPr>
+    <a:bodyPr/>
+    <a:lstStyle/>
+    <a:p>
+      <a:pPr>
+        <a:defRPr sz="1800"/>
+      </a:pPr>
+      <a:endParaRPr lang="en-US"/>
+    </a:p>
+  </c:txPr>
+  <c:externalData r:id="rId1">
+    <c:autoUpdate val="0"/>
+  </c:externalData>
+</c:chartSpace>
+</file>
+
+<file path=ppt/charts/chart2.xml><?xml version="1.0" encoding="utf-8"?>
+<c:chartSpace xmlns:c="http://schemas.openxmlformats.org/drawingml/2006/chart" xmlns:a="http://schemas.openxmlformats.org/drawingml/2006/main" xmlns:r="http://schemas.openxmlformats.org/officeDocument/2006/relationships">
+  <c:chart>
+    <c:plotArea>
+      <c:pieChart>
+        <c:varyColors val="1"/>
+        <c:ser>
+          <c:idx val="0"/>
+          <c:order val="0"/>
+          <c:tx>
+            <c:strRef>
+              <c:f>Sheet1!$B$1</c:f>
+              <c:strCache>
+                <c:ptCount val="1"/>
+                <c:pt idx="0">
+                  <c:v>Series 1</c:v>
+                </c:pt>
+              </c:strCache>
+            </c:strRef>
+          </c:tx>
+          <c:cat>
+            <c:strRef>
+              <c:f>Sheet1!$A$2:$A$3</c:f>
+              <c:strCache>
+                <c:ptCount val="2"/>
+                <c:pt idx="0">
+                  <c:v>male</c:v>
+                </c:pt>
+                <c:pt idx="1">
+                  <c:v>female</c:v>
+                </c:pt>
+              </c:strCache>
+            </c:strRef>
+          </c:cat>
+          <c:val>
+            <c:numRef>
+              <c:f>Sheet1!$B$2:$B$3</c:f>
+              <c:numCache>
+                <c:formatCode>General</c:formatCode>
+                <c:ptCount val="2"/>
+                <c:pt idx="0">
+                  <c:v>16</c:v>
+                </c:pt>
+                <c:pt idx="1">
+                  <c:v>32</c:v>
+                </c:pt>
+              </c:numCache>
+            </c:numRef>
+          </c:val>
+        </c:ser>
+        <c:dLbls>
+          <c:numFmt formatCode="0%" sourceLinked="0"/>
+          <c:dLblPos val="outEnd"/>
+          <c:showLegendKey val="0"/>
+          <c:showVal val="1"/>
+          <c:showCatName val="0"/>
+          <c:showSerName val="0"/>
+          <c:showPercent val="0"/>
+          <c:showBubbleSize val="0"/>
+        </c:dLbls>
+      </c:pieChart>
+    </c:plotArea>
+    <c:legend>
+      <c:legendPos val="b"/>
+      <c:overlay val="0"/>
+    </c:legend>
+  </c:chart>
+  <c:txPr>
+    <a:bodyPr/>
+    <a:lstStyle/>
+    <a:p>
+      <a:pPr>
+        <a:defRPr sz="1800"/>
+      </a:pPr>
+      <a:endParaRPr lang="en-US"/>
+    </a:p>
+  </c:txPr>
+  <c:externalData r:id="rId1">
+    <c:autoUpdate val="0"/>
+  </c:externalData>
+</c:chartSpace>
+</file>
+
+<file path=ppt/charts/chart3.xml><?xml version="1.0" encoding="utf-8"?>
+<c:chartSpace xmlns:c="http://schemas.openxmlformats.org/drawingml/2006/chart" xmlns:a="http://schemas.openxmlformats.org/drawingml/2006/main" xmlns:r="http://schemas.openxmlformats.org/officeDocument/2006/relationships">
+  <c:chart>
+    <c:plotArea>
+      <c:barChart>
+        <c:barDir val="col"/>
+        <c:grouping val="clustered"/>
+        <c:ser>
+          <c:idx val="0"/>
+          <c:order val="0"/>
+          <c:tx>
+            <c:strRef>
+              <c:f>Sheet1!$B$1</c:f>
+              <c:strCache>
+                <c:ptCount val="1"/>
+                <c:pt idx="0">
+                  <c:v>Series 1</c:v>
+                </c:pt>
+              </c:strCache>
+            </c:strRef>
+          </c:tx>
+          <c:cat>
+            <c:strRef>
+              <c:f>Sheet1!$A$2:$A$3</c:f>
+              <c:strCache>
+                <c:ptCount val="2"/>
+                <c:pt idx="0">
+                  <c:v>Less than Goal</c:v>
+                </c:pt>
+                <c:pt idx="1">
+                  <c:v>Goal</c:v>
+                </c:pt>
+              </c:strCache>
+            </c:strRef>
+          </c:cat>
+          <c:val>
+            <c:numRef>
+              <c:f>Sheet1!$B$2:$B$3</c:f>
+              <c:numCache>
+                <c:formatCode>General</c:formatCode>
+                <c:ptCount val="2"/>
+                <c:pt idx="0">
+                  <c:v>34</c:v>
+                </c:pt>
+                <c:pt idx="1">
+                  <c:v>14</c:v>
+                </c:pt>
+              </c:numCache>
+            </c:numRef>
+          </c:val>
+        </c:ser>
+        <c:axId val="-2068027336"/>
+        <c:axId val="-2113994440"/>
+      </c:barChart>
+      <c:catAx>
+        <c:axId val="-2068027336"/>
+        <c:scaling/>
+        <c:delete val="0"/>
+        <c:axPos val="b"/>
+        <c:majorTickMark val="out"/>
+        <c:minorTickMark val="none"/>
+        <c:tickLblPos val="nextTo"/>
+        <c:crossAx val="-2113994440"/>
+        <c:crosses val="autoZero"/>
+        <c:lblAlgn val="ctr"/>
+        <c:lblOffset val="100"/>
+        <c:noMultiLvlLbl val="0"/>
+      </c:catAx>
+      <c:valAx>
+        <c:axId val="-2113994440"/>
+        <c:scaling/>
+        <c:delete val="0"/>
+        <c:axPos val="l"/>
+        <c:majorGridlines/>
+        <c:majorTickMark val="out"/>
+        <c:minorTickMark val="none"/>
+        <c:tickLblPos val="nextTo"/>
+        <c:crossAx val="-2068027336"/>
+        <c:crosses val="autoZero"/>
+      </c:valAx>
+    </c:plotArea>
+  </c:chart>
+  <c:txPr>
+    <a:bodyPr/>
+    <a:lstStyle/>
+    <a:p>
+      <a:pPr>
+        <a:defRPr sz="1800"/>
+      </a:pPr>
+      <a:endParaRPr lang="en-US"/>
+    </a:p>
+  </c:txPr>
+  <c:externalData r:id="rId1">
+    <c:autoUpdate val="0"/>
+  </c:externalData>
+</c:chartSpace>
+</file>
+
 <file path=ppt/handoutMasters/handoutMaster1.xml><?xml version="1.0" encoding="utf-8"?>
 <p:handoutMaster xmlns:a="http://schemas.openxmlformats.org/drawingml/2006/main" xmlns:r="http://schemas.openxmlformats.org/officeDocument/2006/relationships" xmlns:p="http://schemas.openxmlformats.org/presentationml/2006/main">
   <p:cSld>
@@ -212,7 +455,7 @@
           <a:p>
             <a:fld id="{AAB9D47E-67C1-4E1B-91B6-1C4A4CD91A70}" type="datetimeFigureOut">
               <a:rPr lang="en-US" smtClean="0"/>
-              <a:t>11/17/2016</a:t>
+              <a:t>11/21/2016</a:t>
             </a:fld>
             <a:endParaRPr lang="en-US" dirty="0"/>
           </a:p>
@@ -377,7 +620,7 @@
           <a:p>
             <a:fld id="{D43B9A28-89AB-4FF7-B6F7-B576186B66F1}" type="datetimeFigureOut">
               <a:rPr lang="en-US" smtClean="0"/>
-              <a:t>11/17/2016</a:t>
+              <a:t>11/21/2016</a:t>
             </a:fld>
             <a:endParaRPr lang="en-US" dirty="0"/>
           </a:p>
@@ -645,6 +888,98 @@
 </p:notesMaster>
 </file>
 
+<file path=ppt/notesSlides/notesSlide1.xml><?xml version="1.0" encoding="utf-8"?>
+<p:notes xmlns:a="http://schemas.openxmlformats.org/drawingml/2006/main" xmlns:r="http://schemas.openxmlformats.org/officeDocument/2006/relationships" xmlns:p="http://schemas.openxmlformats.org/presentationml/2006/main">
+  <p:cSld>
+    <p:spTree>
+      <p:nvGrpSpPr>
+        <p:cNvPr id="1" name=""/>
+        <p:cNvGrpSpPr/>
+        <p:nvPr/>
+      </p:nvGrpSpPr>
+      <p:grpSpPr>
+        <a:xfrm>
+          <a:off x="0" y="0"/>
+          <a:ext cx="0" cy="0"/>
+          <a:chOff x="0" y="0"/>
+          <a:chExt cx="0" cy="0"/>
+        </a:xfrm>
+      </p:grpSpPr>
+      <p:sp>
+        <p:nvSpPr>
+          <p:cNvPr id="2" name="Slide Image Placeholder 1"/>
+          <p:cNvSpPr>
+            <a:spLocks noGrp="1" noRot="1" noChangeAspect="1"/>
+          </p:cNvSpPr>
+          <p:nvPr>
+            <p:ph type="sldImg"/>
+          </p:nvPr>
+        </p:nvSpPr>
+        <p:spPr/>
+      </p:sp>
+      <p:sp>
+        <p:nvSpPr>
+          <p:cNvPr id="3" name="Notes Placeholder 2"/>
+          <p:cNvSpPr>
+            <a:spLocks noGrp="1"/>
+          </p:cNvSpPr>
+          <p:nvPr>
+            <p:ph type="body" idx="1"/>
+          </p:nvPr>
+        </p:nvSpPr>
+        <p:spPr/>
+        <p:txBody>
+          <a:bodyPr/>
+          <a:lstStyle/>
+          <a:p>
+            <a:r>
+              <a:rPr lang="en-US" dirty="0" smtClean="0"/>
+              <a:t>SB Note: I’d like</a:t>
+            </a:r>
+            <a:r>
+              <a:rPr lang="en-US" baseline="0" dirty="0" smtClean="0"/>
+              <a:t> this page to be about where we got the info.  But also where they can go to read more. What others should we include?  What would be nice, actually, is if we had a resource page for each factor we tested and we could put it at the bottom of each slide!</a:t>
+            </a:r>
+            <a:endParaRPr lang="en-US" dirty="0"/>
+          </a:p>
+        </p:txBody>
+      </p:sp>
+      <p:sp>
+        <p:nvSpPr>
+          <p:cNvPr id="4" name="Slide Number Placeholder 3"/>
+          <p:cNvSpPr>
+            <a:spLocks noGrp="1"/>
+          </p:cNvSpPr>
+          <p:nvPr>
+            <p:ph type="sldNum" sz="quarter" idx="10"/>
+          </p:nvPr>
+        </p:nvSpPr>
+        <p:spPr/>
+        <p:txBody>
+          <a:bodyPr/>
+          <a:lstStyle/>
+          <a:p>
+            <a:fld id="{3F33A409-1646-4137-A75F-3A02A90E5C52}" type="slidenum">
+              <a:rPr lang="en-US" smtClean="0"/>
+              <a:t>7</a:t>
+            </a:fld>
+            <a:endParaRPr lang="en-US" dirty="0"/>
+          </a:p>
+        </p:txBody>
+      </p:sp>
+    </p:spTree>
+    <p:extLst>
+      <p:ext uri="{BB962C8B-B14F-4D97-AF65-F5344CB8AC3E}">
+        <p14:creationId xmlns:p14="http://schemas.microsoft.com/office/powerpoint/2010/main" val="3005467066"/>
+      </p:ext>
+    </p:extLst>
+  </p:cSld>
+  <p:clrMapOvr>
+    <a:masterClrMapping/>
+  </p:clrMapOvr>
+</p:notes>
+</file>
+
 <file path=ppt/slideLayouts/slideLayout1.xml><?xml version="1.0" encoding="utf-8"?>
 <p:sldLayout xmlns:a="http://schemas.openxmlformats.org/drawingml/2006/main" xmlns:r="http://schemas.openxmlformats.org/officeDocument/2006/relationships" xmlns:p="http://schemas.openxmlformats.org/presentationml/2006/main" showMasterSp="0" type="title" preserve="1">
   <p:cSld name="Title Slide">
@@ -936,7 +1271,7 @@
           <a:p>
             <a:fld id="{EB9FD57E-C399-49A5-9E41-A3349D7DE35B}" type="datetime1">
               <a:rPr lang="en-US" smtClean="0"/>
-              <a:t>11/17/2016</a:t>
+              <a:t>11/21/2016</a:t>
             </a:fld>
             <a:endParaRPr lang="en-US" dirty="0"/>
           </a:p>
@@ -1127,7 +1462,7 @@
           <a:p>
             <a:fld id="{FCEC67C6-3403-4BFB-8B45-9DB8B05CDF67}" type="datetime1">
               <a:rPr lang="en-US" smtClean="0"/>
-              <a:t>11/17/2016</a:t>
+              <a:t>11/21/2016</a:t>
             </a:fld>
             <a:endParaRPr lang="en-US" dirty="0"/>
           </a:p>
@@ -1312,7 +1647,7 @@
           <a:p>
             <a:fld id="{12BE4818-FD7D-4705-B5B3-0E204E7B8767}" type="datetime1">
               <a:rPr lang="en-US" smtClean="0"/>
-              <a:t>11/17/2016</a:t>
+              <a:t>11/21/2016</a:t>
             </a:fld>
             <a:endParaRPr lang="en-US" dirty="0"/>
           </a:p>
@@ -1575,7 +1910,7 @@
           <a:p>
             <a:fld id="{461E0769-57AC-4935-8715-988FC8288D8B}" type="datetime1">
               <a:rPr lang="en-US" smtClean="0"/>
-              <a:t>11/17/2016</a:t>
+              <a:t>11/21/2016</a:t>
             </a:fld>
             <a:endParaRPr lang="en-US" dirty="0"/>
           </a:p>
@@ -1991,7 +2326,7 @@
           <a:p>
             <a:fld id="{CB4DF6D8-D059-4E6F-9489-47A7683AE661}" type="datetime1">
               <a:rPr lang="en-US" smtClean="0"/>
-              <a:t>11/17/2016</a:t>
+              <a:t>11/21/2016</a:t>
             </a:fld>
             <a:endParaRPr lang="en-US" dirty="0"/>
           </a:p>
@@ -2233,7 +2568,7 @@
           <a:p>
             <a:fld id="{3DF2A073-D756-4989-BBD7-7130788C34CA}" type="datetime1">
               <a:rPr lang="en-US" smtClean="0"/>
-              <a:t>11/17/2016</a:t>
+              <a:t>11/21/2016</a:t>
             </a:fld>
             <a:endParaRPr lang="en-US" dirty="0"/>
           </a:p>
@@ -2469,7 +2804,7 @@
           <a:p>
             <a:fld id="{C7812262-0143-4593-8ABE-7E4B68DA324A}" type="datetime1">
               <a:rPr lang="en-US" smtClean="0"/>
-              <a:t>11/17/2016</a:t>
+              <a:t>11/21/2016</a:t>
             </a:fld>
             <a:endParaRPr lang="en-US" dirty="0"/>
           </a:p>
@@ -2664,7 +2999,7 @@
           <a:p>
             <a:fld id="{9444DF3C-DB17-4177-83A1-1F4CFF0BDA1F}" type="datetime1">
               <a:rPr lang="en-US" smtClean="0"/>
-              <a:t>11/17/2016</a:t>
+              <a:t>11/21/2016</a:t>
             </a:fld>
             <a:endParaRPr lang="en-US" dirty="0"/>
           </a:p>
@@ -2762,7 +3097,7 @@
           <a:p>
             <a:fld id="{F6C8DF98-0850-4199-9763-F5AC2123D534}" type="datetime1">
               <a:rPr lang="en-US" smtClean="0"/>
-              <a:t>11/17/2016</a:t>
+              <a:t>11/21/2016</a:t>
             </a:fld>
             <a:endParaRPr lang="en-US" dirty="0"/>
           </a:p>
@@ -2898,7 +3233,7 @@
           <a:p>
             <a:fld id="{01D547BE-D041-448C-ACAF-73E0E93ABA79}" type="datetime1">
               <a:rPr lang="en-US" smtClean="0"/>
-              <a:t>11/17/2016</a:t>
+              <a:t>11/21/2016</a:t>
             </a:fld>
             <a:endParaRPr lang="en-US" dirty="0"/>
           </a:p>
@@ -3416,7 +3751,7 @@
           <a:p>
             <a:fld id="{578863BF-C007-49B5-9EBC-83335D3595B0}" type="datetime1">
               <a:rPr lang="en-US" smtClean="0"/>
-              <a:t>11/17/2016</a:t>
+              <a:t>11/21/2016</a:t>
             </a:fld>
             <a:endParaRPr lang="en-US" dirty="0"/>
           </a:p>
@@ -3677,7 +4012,7 @@
           <a:p>
             <a:fld id="{3AD18C84-CE91-4C35-A0EF-F805A78F094C}" type="datetime1">
               <a:rPr lang="en-US" smtClean="0"/>
-              <a:t>11/17/2016</a:t>
+              <a:t>11/21/2016</a:t>
             </a:fld>
             <a:endParaRPr lang="en-US" dirty="0"/>
           </a:p>
@@ -4224,7 +4559,37 @@
             <a:spLocks noGrp="1"/>
           </p:cNvSpPr>
           <p:nvPr>
-            <p:ph type="title"/>
+            <p:ph type="ctrTitle"/>
+          </p:nvPr>
+        </p:nvSpPr>
+        <p:spPr>
+          <a:xfrm>
+            <a:off x="0" y="4038600"/>
+            <a:ext cx="7848600" cy="1828800"/>
+          </a:xfrm>
+        </p:spPr>
+        <p:txBody>
+          <a:bodyPr>
+            <a:normAutofit fontScale="90000"/>
+          </a:bodyPr>
+          <a:lstStyle/>
+          <a:p>
+            <a:r>
+              <a:rPr lang="en-US" dirty="0" smtClean="0"/>
+              <a:t>White Castle Biometric Health Screening Aggregate Summary</a:t>
+            </a:r>
+            <a:endParaRPr lang="en-US" dirty="0"/>
+          </a:p>
+        </p:txBody>
+      </p:sp>
+      <p:sp>
+        <p:nvSpPr>
+          <p:cNvPr id="3" name="Subtitle 2"/>
+          <p:cNvSpPr>
+            <a:spLocks noGrp="1"/>
+          </p:cNvSpPr>
+          <p:nvPr>
+            <p:ph type="subTitle" idx="1"/>
           </p:nvPr>
         </p:nvSpPr>
         <p:spPr/>
@@ -4234,65 +4599,8 @@
           <a:p>
             <a:r>
               <a:rPr lang="en-US" dirty="0" smtClean="0"/>
-              <a:t>Who participated?</a:t>
-            </a:r>
-            <a:endParaRPr lang="en-US" dirty="0"/>
-          </a:p>
-        </p:txBody>
-      </p:sp>
-      <p:sp>
-        <p:nvSpPr>
-          <p:cNvPr id="3" name="Content Placeholder 2"/>
-          <p:cNvSpPr>
-            <a:spLocks noGrp="1"/>
-          </p:cNvSpPr>
-          <p:nvPr>
-            <p:ph sz="quarter" idx="1"/>
-          </p:nvPr>
-        </p:nvSpPr>
-        <p:spPr>
-          <a:xfrm>
-            <a:off x="1524000" y="3352800"/>
-            <a:ext cx="6169152" cy="1066800"/>
-          </a:xfrm>
-        </p:spPr>
-        <p:txBody>
-          <a:bodyPr>
-            <a:normAutofit fontScale="62500" lnSpcReduction="20000"/>
-          </a:bodyPr>
-          <a:lstStyle/>
-          <a:p>
-            <a:pPr marL="0" indent="0">
-              <a:buNone/>
-            </a:pPr>
-            <a:r>
-              <a:t>Blah blah nospace32%nospace blah blah</a:t>
-            </a:r>
-            <a:endParaRPr lang="en-US" sz="4000" dirty="0" smtClean="0"/>
-          </a:p>
-        </p:txBody>
-      </p:sp>
-      <p:sp>
-        <p:nvSpPr>
-          <p:cNvPr id="5" name="Slide Number Placeholder 4"/>
-          <p:cNvSpPr>
-            <a:spLocks noGrp="1"/>
-          </p:cNvSpPr>
-          <p:nvPr>
-            <p:ph type="sldNum" sz="quarter" idx="12"/>
-          </p:nvPr>
-        </p:nvSpPr>
-        <p:spPr/>
-        <p:txBody>
-          <a:bodyPr>
-            <a:normAutofit fontScale="85000" lnSpcReduction="20000"/>
-          </a:bodyPr>
-          <a:lstStyle/>
-          <a:p>
-            <a:fld id="{0550DE80-A55D-4FEA-ABCE-0175392B4432}" type="slidenum">
-              <a:rPr lang="en-US" smtClean="0"/>
-              <a:t>1</a:t>
-            </a:fld>
+              <a:t>Compiled by LifeCare Alliance</a:t>
+            </a:r>
             <a:endParaRPr lang="en-US" dirty="0"/>
           </a:p>
         </p:txBody>
@@ -4300,7 +4608,7 @@
     </p:spTree>
     <p:extLst>
       <p:ext uri="{BB962C8B-B14F-4D97-AF65-F5344CB8AC3E}">
-        <p14:creationId xmlns:p14="http://schemas.microsoft.com/office/powerpoint/2010/main" val="580674313"/>
+        <p14:creationId xmlns:p14="http://schemas.microsoft.com/office/powerpoint/2010/main" val="3398785662"/>
       </p:ext>
     </p:extLst>
   </p:cSld>
@@ -4349,17 +4657,38 @@
           <a:bodyPr/>
           <a:lstStyle/>
           <a:p>
-            <a:r>
-              <a:rPr lang="en-US" dirty="0" smtClean="0"/>
-              <a:t>Who participated?</a:t>
-            </a:r>
+            <a:endParaRPr lang="en-US"/>
+          </a:p>
+        </p:txBody>
+      </p:sp>
+      <p:sp>
+        <p:nvSpPr>
+          <p:cNvPr id="3" name="Slide Number Placeholder 2"/>
+          <p:cNvSpPr>
+            <a:spLocks noGrp="1"/>
+          </p:cNvSpPr>
+          <p:nvPr>
+            <p:ph type="sldNum" sz="quarter" idx="12"/>
+          </p:nvPr>
+        </p:nvSpPr>
+        <p:spPr/>
+        <p:txBody>
+          <a:bodyPr>
+            <a:normAutofit fontScale="85000" lnSpcReduction="20000"/>
+          </a:bodyPr>
+          <a:lstStyle/>
+          <a:p>
+            <a:fld id="{0550DE80-A55D-4FEA-ABCE-0175392B4432}" type="slidenum">
+              <a:rPr lang="en-US" smtClean="0"/>
+              <a:t>2</a:t>
+            </a:fld>
             <a:endParaRPr lang="en-US" dirty="0"/>
           </a:p>
         </p:txBody>
       </p:sp>
       <p:sp>
         <p:nvSpPr>
-          <p:cNvPr id="3" name="Content Placeholder 2"/>
+          <p:cNvPr id="4" name="Content Placeholder 3"/>
           <p:cNvSpPr>
             <a:spLocks noGrp="1"/>
           </p:cNvSpPr>
@@ -4369,23 +4698,151 @@
         </p:nvSpPr>
         <p:spPr>
           <a:xfrm>
-            <a:off x="1524000" y="3352800"/>
-            <a:ext cx="6169152" cy="1066800"/>
-          </a:xfrm>
-        </p:spPr>
-        <p:txBody>
-          <a:bodyPr>
-            <a:normAutofit fontScale="85000" lnSpcReduction="10000"/>
-          </a:bodyPr>
-          <a:lstStyle/>
+            <a:off x="1828800" y="2133600"/>
+            <a:ext cx="4575048" cy="2362200"/>
+          </a:xfrm>
+        </p:spPr>
+        <p:txBody>
+          <a:bodyPr/>
+          <a:lstStyle/>
+          <a:p>
+            <a:r>
+              <a:rPr lang="en-US" sz="3200" dirty="0"/>
+              <a:t>#{</a:t>
+            </a:r>
+            <a:r>
+              <a:rPr lang="en-US" sz="3200" dirty="0" err="1" smtClean="0"/>
+              <a:t>TYPE:line</a:t>
+            </a:r>
+            <a:r>
+              <a:rPr lang="en-US" sz="3200" dirty="0" smtClean="0"/>
+              <a:t> </a:t>
+            </a:r>
+            <a:r>
+              <a:rPr lang="en-US" sz="3200" dirty="0"/>
+              <a:t>CHART, </a:t>
+            </a:r>
+            <a:r>
+              <a:rPr lang="en-US" sz="3200" smtClean="0"/>
+              <a:t>COLUMNNAME:Sex</a:t>
+            </a:r>
+            <a:r>
+              <a:rPr lang="en-US" sz="3200" dirty="0" smtClean="0"/>
+              <a:t>, surveycount:3,X:2,Y:2,CX:3,CY:3</a:t>
+            </a:r>
+            <a:r>
+              <a:rPr lang="en-US" sz="3200" dirty="0"/>
+              <a:t>}</a:t>
+            </a:r>
+          </a:p>
           <a:p>
             <a:pPr marL="0" indent="0">
               <a:buNone/>
             </a:pPr>
-            <a:r>
-              <a:t>32%</a:t>
-            </a:r>
-            <a:endParaRPr lang="en-US" sz="4000" dirty="0" smtClean="0"/>
+            <a:endParaRPr lang="en-US" dirty="0"/>
+          </a:p>
+        </p:txBody>
+      </p:sp>
+      <p:graphicFrame>
+        <p:nvGraphicFramePr>
+          <p:cNvPr id="5" name="Chart 4"/>
+          <p:cNvGraphicFramePr>
+            <a:graphicFrameLocks noGrp="1"/>
+          </p:cNvGraphicFramePr>
+          <p:nvPr/>
+        </p:nvGraphicFramePr>
+        <p:xfrm>
+          <a:off x="1828800" y="1828800"/>
+          <a:ext cx="2743200" cy="2362200"/>
+        </p:xfrm>
+        <a:graphic>
+          <a:graphicData uri="http://schemas.openxmlformats.org/drawingml/2006/chart">
+            <c:chart xmlns:c="http://schemas.openxmlformats.org/drawingml/2006/chart" r:id="rId2"/>
+          </a:graphicData>
+        </a:graphic>
+      </p:graphicFrame>
+    </p:spTree>
+    <p:extLst>
+      <p:ext uri="{BB962C8B-B14F-4D97-AF65-F5344CB8AC3E}">
+        <p14:creationId xmlns:p14="http://schemas.microsoft.com/office/powerpoint/2010/main" val="2054613054"/>
+      </p:ext>
+    </p:extLst>
+  </p:cSld>
+  <p:clrMapOvr>
+    <a:masterClrMapping/>
+  </p:clrMapOvr>
+</p:sld>
+</file>
+
+<file path=ppt/slides/slide3.xml><?xml version="1.0" encoding="utf-8"?>
+<p:sld xmlns:a="http://schemas.openxmlformats.org/drawingml/2006/main" xmlns:r="http://schemas.openxmlformats.org/officeDocument/2006/relationships" xmlns:p="http://schemas.openxmlformats.org/presentationml/2006/main">
+  <p:cSld>
+    <p:spTree>
+      <p:nvGrpSpPr>
+        <p:cNvPr id="1" name=""/>
+        <p:cNvGrpSpPr/>
+        <p:nvPr/>
+      </p:nvGrpSpPr>
+      <p:grpSpPr>
+        <a:xfrm>
+          <a:off x="0" y="0"/>
+          <a:ext cx="0" cy="0"/>
+          <a:chOff x="0" y="0"/>
+          <a:chExt cx="0" cy="0"/>
+        </a:xfrm>
+      </p:grpSpPr>
+      <p:sp>
+        <p:nvSpPr>
+          <p:cNvPr id="2" name="Title 1"/>
+          <p:cNvSpPr>
+            <a:spLocks noGrp="1"/>
+          </p:cNvSpPr>
+          <p:nvPr>
+            <p:ph type="title"/>
+          </p:nvPr>
+        </p:nvSpPr>
+        <p:spPr/>
+        <p:txBody>
+          <a:bodyPr/>
+          <a:lstStyle/>
+          <a:p>
+            <a:r>
+              <a:rPr lang="en-US" dirty="0" smtClean="0"/>
+              <a:t>Who participated?</a:t>
+            </a:r>
+            <a:endParaRPr lang="en-US" dirty="0"/>
+          </a:p>
+        </p:txBody>
+      </p:sp>
+      <p:sp>
+        <p:nvSpPr>
+          <p:cNvPr id="3" name="Content Placeholder 2"/>
+          <p:cNvSpPr>
+            <a:spLocks noGrp="1"/>
+          </p:cNvSpPr>
+          <p:nvPr>
+            <p:ph sz="quarter" idx="1"/>
+          </p:nvPr>
+        </p:nvSpPr>
+        <p:spPr>
+          <a:xfrm>
+            <a:off x="1524000" y="3352800"/>
+            <a:ext cx="6169152" cy="1066800"/>
+          </a:xfrm>
+        </p:spPr>
+        <p:txBody>
+          <a:bodyPr>
+            <a:normAutofit fontScale="62500" lnSpcReduction="20000"/>
+          </a:bodyPr>
+          <a:lstStyle/>
+          <a:p>
+            <a:pPr marL="0" indent="0">
+              <a:buNone/>
+            </a:pPr>
+            <a:r>
+              <a:t>Blah blah nospace32%nospace blah blah</a:t>
+            </a:r>
+            <a:endParaRPr lang="en-US" sz="4000" dirty="0"/>
           </a:p>
         </p:txBody>
       </p:sp>
@@ -4408,7 +4865,7 @@
           <a:p>
             <a:fld id="{0550DE80-A55D-4FEA-ABCE-0175392B4432}" type="slidenum">
               <a:rPr lang="en-US" smtClean="0"/>
-              <a:t>2</a:t>
+              <a:t>3</a:t>
             </a:fld>
             <a:endParaRPr lang="en-US" dirty="0"/>
           </a:p>
@@ -4417,7 +4874,814 @@
     </p:spTree>
     <p:extLst>
       <p:ext uri="{BB962C8B-B14F-4D97-AF65-F5344CB8AC3E}">
-        <p14:creationId xmlns:p14="http://schemas.microsoft.com/office/powerpoint/2010/main" val="3648241844"/>
+        <p14:creationId xmlns:p14="http://schemas.microsoft.com/office/powerpoint/2010/main" val="580674313"/>
+      </p:ext>
+    </p:extLst>
+  </p:cSld>
+  <p:clrMapOvr>
+    <a:masterClrMapping/>
+  </p:clrMapOvr>
+  <p:timing>
+    <p:tnLst>
+      <p:par>
+        <p:cTn id="1" dur="indefinite" restart="never" nodeType="tmRoot"/>
+      </p:par>
+    </p:tnLst>
+  </p:timing>
+</p:sld>
+</file>
+
+<file path=ppt/slides/slide4.xml><?xml version="1.0" encoding="utf-8"?>
+<p:sld xmlns:a="http://schemas.openxmlformats.org/drawingml/2006/main" xmlns:r="http://schemas.openxmlformats.org/officeDocument/2006/relationships" xmlns:p="http://schemas.openxmlformats.org/presentationml/2006/main">
+  <p:cSld>
+    <p:spTree>
+      <p:nvGrpSpPr>
+        <p:cNvPr id="1" name=""/>
+        <p:cNvGrpSpPr/>
+        <p:nvPr/>
+      </p:nvGrpSpPr>
+      <p:grpSpPr>
+        <a:xfrm>
+          <a:off x="0" y="0"/>
+          <a:ext cx="0" cy="0"/>
+          <a:chOff x="0" y="0"/>
+          <a:chExt cx="0" cy="0"/>
+        </a:xfrm>
+      </p:grpSpPr>
+      <p:sp>
+        <p:nvSpPr>
+          <p:cNvPr id="2" name="Title 1"/>
+          <p:cNvSpPr>
+            <a:spLocks noGrp="1"/>
+          </p:cNvSpPr>
+          <p:nvPr>
+            <p:ph type="title"/>
+          </p:nvPr>
+        </p:nvSpPr>
+        <p:spPr/>
+        <p:txBody>
+          <a:bodyPr/>
+          <a:lstStyle/>
+          <a:p>
+            <a:r>
+              <a:rPr lang="en-US" dirty="0" smtClean="0"/>
+              <a:t>Who participated?</a:t>
+            </a:r>
+            <a:endParaRPr lang="en-US" dirty="0"/>
+          </a:p>
+        </p:txBody>
+      </p:sp>
+      <p:sp>
+        <p:nvSpPr>
+          <p:cNvPr id="3" name="Content Placeholder 2"/>
+          <p:cNvSpPr>
+            <a:spLocks noGrp="1"/>
+          </p:cNvSpPr>
+          <p:nvPr>
+            <p:ph sz="quarter" idx="1"/>
+          </p:nvPr>
+        </p:nvSpPr>
+        <p:spPr>
+          <a:xfrm>
+            <a:off x="1371600" y="2590800"/>
+            <a:ext cx="6169152" cy="1066800"/>
+          </a:xfrm>
+        </p:spPr>
+        <p:txBody>
+          <a:bodyPr>
+            <a:normAutofit/>
+          </a:bodyPr>
+          <a:lstStyle/>
+          <a:p>
+            <a:pPr marL="0" indent="0">
+              <a:buNone/>
+            </a:pPr>
+            <a:endParaRPr lang="en-US" sz="4000" dirty="0" smtClean="0"/>
+          </a:p>
+        </p:txBody>
+      </p:sp>
+      <p:sp>
+        <p:nvSpPr>
+          <p:cNvPr id="5" name="Slide Number Placeholder 4"/>
+          <p:cNvSpPr>
+            <a:spLocks noGrp="1"/>
+          </p:cNvSpPr>
+          <p:nvPr>
+            <p:ph type="sldNum" sz="quarter" idx="12"/>
+          </p:nvPr>
+        </p:nvSpPr>
+        <p:spPr/>
+        <p:txBody>
+          <a:bodyPr>
+            <a:normAutofit fontScale="85000" lnSpcReduction="20000"/>
+          </a:bodyPr>
+          <a:lstStyle/>
+          <a:p>
+            <a:fld id="{0550DE80-A55D-4FEA-ABCE-0175392B4432}" type="slidenum">
+              <a:rPr lang="en-US" smtClean="0"/>
+              <a:t>4</a:t>
+            </a:fld>
+            <a:endParaRPr lang="en-US" dirty="0"/>
+          </a:p>
+        </p:txBody>
+      </p:sp>
+      <p:sp>
+        <p:nvSpPr>
+          <p:cNvPr id="6" name="Content Placeholder 2"/>
+          <p:cNvSpPr txBox="1">
+            <a:spLocks/>
+          </p:cNvSpPr>
+          <p:nvPr/>
+        </p:nvSpPr>
+        <p:spPr>
+          <a:xfrm>
+            <a:off x="1447800" y="4191000"/>
+            <a:ext cx="6169152" cy="1066800"/>
+          </a:xfrm>
+          <a:prstGeom prst="rect">
+            <a:avLst/>
+          </a:prstGeom>
+        </p:spPr>
+        <p:txBody>
+          <a:bodyPr vert="horz">
+            <a:normAutofit fontScale="92500" lnSpcReduction="20000"/>
+          </a:bodyPr>
+          <a:lstStyle>
+            <a:lvl1pPr marL="320040" indent="-320040" algn="l" rtl="0" eaLnBrk="1" latinLnBrk="0" hangingPunct="1">
+              <a:spcBef>
+                <a:spcPts val="700"/>
+              </a:spcBef>
+              <a:buClr>
+                <a:schemeClr val="accent2"/>
+              </a:buClr>
+              <a:buSzPct val="60000"/>
+              <a:buFont typeface="Wingdings"/>
+              <a:buChar char=""/>
+              <a:defRPr kumimoji="0" sz="2900" kern="1200">
+                <a:solidFill>
+                  <a:schemeClr val="tx1"/>
+                </a:solidFill>
+                <a:latin typeface="+mn-lt"/>
+                <a:ea typeface="+mn-ea"/>
+                <a:cs typeface="+mn-cs"/>
+              </a:defRPr>
+            </a:lvl1pPr>
+            <a:lvl2pPr marL="640080" indent="-274320" algn="l" rtl="0" eaLnBrk="1" latinLnBrk="0" hangingPunct="1">
+              <a:spcBef>
+                <a:spcPts val="550"/>
+              </a:spcBef>
+              <a:buClr>
+                <a:schemeClr val="accent1"/>
+              </a:buClr>
+              <a:buSzPct val="70000"/>
+              <a:buFont typeface="Wingdings 2"/>
+              <a:buChar char=""/>
+              <a:defRPr kumimoji="0" sz="2600" kern="1200">
+                <a:solidFill>
+                  <a:schemeClr val="tx1"/>
+                </a:solidFill>
+                <a:latin typeface="+mn-lt"/>
+                <a:ea typeface="+mn-ea"/>
+                <a:cs typeface="+mn-cs"/>
+              </a:defRPr>
+            </a:lvl2pPr>
+            <a:lvl3pPr marL="914400" indent="-228600" algn="l" rtl="0" eaLnBrk="1" latinLnBrk="0" hangingPunct="1">
+              <a:spcBef>
+                <a:spcPts val="500"/>
+              </a:spcBef>
+              <a:buClr>
+                <a:schemeClr val="accent2"/>
+              </a:buClr>
+              <a:buSzPct val="75000"/>
+              <a:buFont typeface="Wingdings"/>
+              <a:buChar char=""/>
+              <a:defRPr kumimoji="0" sz="2300" kern="1200">
+                <a:solidFill>
+                  <a:schemeClr val="tx1"/>
+                </a:solidFill>
+                <a:latin typeface="+mn-lt"/>
+                <a:ea typeface="+mn-ea"/>
+                <a:cs typeface="+mn-cs"/>
+              </a:defRPr>
+            </a:lvl3pPr>
+            <a:lvl4pPr marL="1371600" indent="-228600" algn="l" rtl="0" eaLnBrk="1" latinLnBrk="0" hangingPunct="1">
+              <a:spcBef>
+                <a:spcPts val="400"/>
+              </a:spcBef>
+              <a:buClr>
+                <a:schemeClr val="accent3"/>
+              </a:buClr>
+              <a:buSzPct val="75000"/>
+              <a:buFont typeface="Wingdings"/>
+              <a:buChar char=""/>
+              <a:defRPr kumimoji="0" sz="2000" kern="1200">
+                <a:solidFill>
+                  <a:schemeClr val="tx1"/>
+                </a:solidFill>
+                <a:latin typeface="+mn-lt"/>
+                <a:ea typeface="+mn-ea"/>
+                <a:cs typeface="+mn-cs"/>
+              </a:defRPr>
+            </a:lvl4pPr>
+            <a:lvl5pPr marL="1828800" indent="-228600" algn="l" rtl="0" eaLnBrk="1" latinLnBrk="0" hangingPunct="1">
+              <a:spcBef>
+                <a:spcPts val="400"/>
+              </a:spcBef>
+              <a:buClr>
+                <a:schemeClr val="accent4"/>
+              </a:buClr>
+              <a:buSzPct val="65000"/>
+              <a:buFont typeface="Wingdings"/>
+              <a:buChar char=""/>
+              <a:defRPr kumimoji="0" sz="2000" kern="1200">
+                <a:solidFill>
+                  <a:schemeClr val="tx1"/>
+                </a:solidFill>
+                <a:latin typeface="+mn-lt"/>
+                <a:ea typeface="+mn-ea"/>
+                <a:cs typeface="+mn-cs"/>
+              </a:defRPr>
+            </a:lvl5pPr>
+            <a:lvl6pPr marL="2103120" indent="-228600" algn="l" rtl="0" eaLnBrk="1" latinLnBrk="0" hangingPunct="1">
+              <a:spcBef>
+                <a:spcPct val="20000"/>
+              </a:spcBef>
+              <a:buClr>
+                <a:schemeClr val="accent1"/>
+              </a:buClr>
+              <a:buFont typeface="Wingdings"/>
+              <a:buChar char="§"/>
+              <a:defRPr kumimoji="0" sz="1800" kern="1200" baseline="0">
+                <a:solidFill>
+                  <a:schemeClr val="tx1"/>
+                </a:solidFill>
+                <a:latin typeface="+mn-lt"/>
+                <a:ea typeface="+mn-ea"/>
+                <a:cs typeface="+mn-cs"/>
+              </a:defRPr>
+            </a:lvl6pPr>
+            <a:lvl7pPr marL="2377440" indent="-228600" algn="l" rtl="0" eaLnBrk="1" latinLnBrk="0" hangingPunct="1">
+              <a:spcBef>
+                <a:spcPct val="20000"/>
+              </a:spcBef>
+              <a:buClr>
+                <a:schemeClr val="accent2"/>
+              </a:buClr>
+              <a:buFont typeface="Wingdings"/>
+              <a:buChar char="§"/>
+              <a:defRPr kumimoji="0" sz="1800" kern="1200" baseline="0">
+                <a:solidFill>
+                  <a:schemeClr val="tx1"/>
+                </a:solidFill>
+                <a:latin typeface="+mn-lt"/>
+                <a:ea typeface="+mn-ea"/>
+                <a:cs typeface="+mn-cs"/>
+              </a:defRPr>
+            </a:lvl7pPr>
+            <a:lvl8pPr marL="2651760" indent="-228600" algn="l" rtl="0" eaLnBrk="1" latinLnBrk="0" hangingPunct="1">
+              <a:spcBef>
+                <a:spcPct val="20000"/>
+              </a:spcBef>
+              <a:buClr>
+                <a:schemeClr val="accent3"/>
+              </a:buClr>
+              <a:buFont typeface="Wingdings"/>
+              <a:buChar char="§"/>
+              <a:defRPr kumimoji="0" sz="1800" kern="1200" baseline="0">
+                <a:solidFill>
+                  <a:schemeClr val="tx1"/>
+                </a:solidFill>
+                <a:latin typeface="+mn-lt"/>
+                <a:ea typeface="+mn-ea"/>
+                <a:cs typeface="+mn-cs"/>
+              </a:defRPr>
+            </a:lvl8pPr>
+            <a:lvl9pPr marL="2926080" indent="-228600" algn="l" rtl="0" eaLnBrk="1" latinLnBrk="0" hangingPunct="1">
+              <a:spcBef>
+                <a:spcPct val="20000"/>
+              </a:spcBef>
+              <a:buClr>
+                <a:schemeClr val="accent4"/>
+              </a:buClr>
+              <a:buFont typeface="Wingdings"/>
+              <a:buChar char="§"/>
+              <a:defRPr kumimoji="0" sz="1800" kern="1200" baseline="0">
+                <a:solidFill>
+                  <a:schemeClr val="tx1"/>
+                </a:solidFill>
+                <a:latin typeface="+mn-lt"/>
+                <a:ea typeface="+mn-ea"/>
+                <a:cs typeface="+mn-cs"/>
+              </a:defRPr>
+            </a:lvl9pPr>
+          </a:lstStyle>
+          <a:p>
+            <a:pPr marL="0" indent="0">
+              <a:buNone/>
+            </a:pPr>
+            <a:r>
+              <a:t>32%</a:t>
+            </a:r>
+          </a:p>
+        </p:txBody>
+      </p:sp>
+    </p:spTree>
+    <p:extLst>
+      <p:ext uri="{BB962C8B-B14F-4D97-AF65-F5344CB8AC3E}">
+        <p14:creationId xmlns:p14="http://schemas.microsoft.com/office/powerpoint/2010/main" val="2841723979"/>
+      </p:ext>
+    </p:extLst>
+  </p:cSld>
+  <p:clrMapOvr>
+    <a:masterClrMapping/>
+  </p:clrMapOvr>
+  <p:timing>
+    <p:tnLst>
+      <p:par>
+        <p:cTn id="1" dur="indefinite" restart="never" nodeType="tmRoot"/>
+      </p:par>
+    </p:tnLst>
+  </p:timing>
+</p:sld>
+</file>
+
+<file path=ppt/slides/slide5.xml><?xml version="1.0" encoding="utf-8"?>
+<p:sld xmlns:a="http://schemas.openxmlformats.org/drawingml/2006/main" xmlns:r="http://schemas.openxmlformats.org/officeDocument/2006/relationships" xmlns:p="http://schemas.openxmlformats.org/presentationml/2006/main">
+  <p:cSld>
+    <p:spTree>
+      <p:nvGrpSpPr>
+        <p:cNvPr id="1" name=""/>
+        <p:cNvGrpSpPr/>
+        <p:nvPr/>
+      </p:nvGrpSpPr>
+      <p:grpSpPr>
+        <a:xfrm>
+          <a:off x="0" y="0"/>
+          <a:ext cx="0" cy="0"/>
+          <a:chOff x="0" y="0"/>
+          <a:chExt cx="0" cy="0"/>
+        </a:xfrm>
+      </p:grpSpPr>
+      <p:sp>
+        <p:nvSpPr>
+          <p:cNvPr id="2" name="Title 1"/>
+          <p:cNvSpPr>
+            <a:spLocks noGrp="1"/>
+          </p:cNvSpPr>
+          <p:nvPr>
+            <p:ph type="title"/>
+          </p:nvPr>
+        </p:nvSpPr>
+        <p:spPr/>
+        <p:txBody>
+          <a:bodyPr/>
+          <a:lstStyle/>
+          <a:p>
+            <a:r>
+              <a:rPr lang="en-US" dirty="0" smtClean="0"/>
+              <a:t>Who participated?</a:t>
+            </a:r>
+            <a:endParaRPr lang="en-US" dirty="0"/>
+          </a:p>
+        </p:txBody>
+      </p:sp>
+      <p:sp>
+        <p:nvSpPr>
+          <p:cNvPr id="3" name="Content Placeholder 2"/>
+          <p:cNvSpPr>
+            <a:spLocks noGrp="1"/>
+          </p:cNvSpPr>
+          <p:nvPr>
+            <p:ph sz="quarter" idx="1"/>
+          </p:nvPr>
+        </p:nvSpPr>
+        <p:spPr>
+          <a:xfrm>
+            <a:off x="381000" y="1600200"/>
+            <a:ext cx="8153400" cy="3886198"/>
+          </a:xfrm>
+        </p:spPr>
+        <p:txBody>
+          <a:bodyPr>
+            <a:normAutofit/>
+          </a:bodyPr>
+          <a:lstStyle/>
+          <a:p>
+            <a:pPr marL="0" indent="0">
+              <a:buNone/>
+            </a:pPr>
+            <a:endParaRPr lang="en-US" sz="4000" dirty="0" smtClean="0"/>
+          </a:p>
+        </p:txBody>
+      </p:sp>
+      <p:sp>
+        <p:nvSpPr>
+          <p:cNvPr id="5" name="Slide Number Placeholder 4"/>
+          <p:cNvSpPr>
+            <a:spLocks noGrp="1"/>
+          </p:cNvSpPr>
+          <p:nvPr>
+            <p:ph type="sldNum" sz="quarter" idx="12"/>
+          </p:nvPr>
+        </p:nvSpPr>
+        <p:spPr/>
+        <p:txBody>
+          <a:bodyPr>
+            <a:normAutofit fontScale="85000" lnSpcReduction="20000"/>
+          </a:bodyPr>
+          <a:lstStyle/>
+          <a:p>
+            <a:fld id="{0550DE80-A55D-4FEA-ABCE-0175392B4432}" type="slidenum">
+              <a:rPr lang="en-US" smtClean="0"/>
+              <a:t>5</a:t>
+            </a:fld>
+            <a:endParaRPr lang="en-US" dirty="0"/>
+          </a:p>
+        </p:txBody>
+      </p:sp>
+      <p:graphicFrame>
+        <p:nvGraphicFramePr>
+          <p:cNvPr id="4" name="Chart 3"/>
+          <p:cNvGraphicFramePr>
+            <a:graphicFrameLocks noGrp="1"/>
+          </p:cNvGraphicFramePr>
+          <p:nvPr/>
+        </p:nvGraphicFramePr>
+        <p:xfrm>
+          <a:off x="1828800" y="1828800"/>
+          <a:ext cx="2743200" cy="3886198"/>
+        </p:xfrm>
+        <a:graphic>
+          <a:graphicData uri="http://schemas.openxmlformats.org/drawingml/2006/chart">
+            <c:chart xmlns:c="http://schemas.openxmlformats.org/drawingml/2006/chart" r:id="rId2"/>
+          </a:graphicData>
+        </a:graphic>
+      </p:graphicFrame>
+    </p:spTree>
+    <p:extLst>
+      <p:ext uri="{BB962C8B-B14F-4D97-AF65-F5344CB8AC3E}">
+        <p14:creationId xmlns:p14="http://schemas.microsoft.com/office/powerpoint/2010/main" val="1597361193"/>
+      </p:ext>
+    </p:extLst>
+  </p:cSld>
+  <p:clrMapOvr>
+    <a:masterClrMapping/>
+  </p:clrMapOvr>
+  <p:timing>
+    <p:tnLst>
+      <p:par>
+        <p:cTn id="1" dur="indefinite" restart="never" nodeType="tmRoot"/>
+      </p:par>
+    </p:tnLst>
+  </p:timing>
+</p:sld>
+</file>
+
+<file path=ppt/slides/slide6.xml><?xml version="1.0" encoding="utf-8"?>
+<p:sld xmlns:a="http://schemas.openxmlformats.org/drawingml/2006/main" xmlns:r="http://schemas.openxmlformats.org/officeDocument/2006/relationships" xmlns:p="http://schemas.openxmlformats.org/presentationml/2006/main">
+  <p:cSld>
+    <p:spTree>
+      <p:nvGrpSpPr>
+        <p:cNvPr id="1" name=""/>
+        <p:cNvGrpSpPr/>
+        <p:nvPr/>
+      </p:nvGrpSpPr>
+      <p:grpSpPr>
+        <a:xfrm>
+          <a:off x="0" y="0"/>
+          <a:ext cx="0" cy="0"/>
+          <a:chOff x="0" y="0"/>
+          <a:chExt cx="0" cy="0"/>
+        </a:xfrm>
+      </p:grpSpPr>
+      <p:sp>
+        <p:nvSpPr>
+          <p:cNvPr id="2" name="Title 1"/>
+          <p:cNvSpPr>
+            <a:spLocks noGrp="1"/>
+          </p:cNvSpPr>
+          <p:nvPr>
+            <p:ph type="title"/>
+          </p:nvPr>
+        </p:nvSpPr>
+        <p:spPr/>
+        <p:txBody>
+          <a:bodyPr/>
+          <a:lstStyle/>
+          <a:p>
+            <a:r>
+              <a:rPr lang="en-US" dirty="0" smtClean="0"/>
+              <a:t>Who participated?</a:t>
+            </a:r>
+            <a:endParaRPr lang="en-US" dirty="0"/>
+          </a:p>
+        </p:txBody>
+      </p:sp>
+      <p:sp>
+        <p:nvSpPr>
+          <p:cNvPr id="3" name="Content Placeholder 2"/>
+          <p:cNvSpPr>
+            <a:spLocks noGrp="1"/>
+          </p:cNvSpPr>
+          <p:nvPr>
+            <p:ph sz="quarter" idx="1"/>
+          </p:nvPr>
+        </p:nvSpPr>
+        <p:spPr>
+          <a:xfrm>
+            <a:off x="612648" y="1600200"/>
+            <a:ext cx="8153400" cy="3886198"/>
+          </a:xfrm>
+        </p:spPr>
+        <p:txBody>
+          <a:bodyPr>
+            <a:normAutofit/>
+          </a:bodyPr>
+          <a:lstStyle/>
+          <a:p>
+            <a:pPr marL="0" indent="0">
+              <a:buNone/>
+            </a:pPr>
+          </a:p>
+        </p:txBody>
+      </p:sp>
+      <p:sp>
+        <p:nvSpPr>
+          <p:cNvPr id="5" name="Slide Number Placeholder 4"/>
+          <p:cNvSpPr>
+            <a:spLocks noGrp="1"/>
+          </p:cNvSpPr>
+          <p:nvPr>
+            <p:ph type="sldNum" sz="quarter" idx="12"/>
+          </p:nvPr>
+        </p:nvSpPr>
+        <p:spPr/>
+        <p:txBody>
+          <a:bodyPr>
+            <a:normAutofit fontScale="85000" lnSpcReduction="20000"/>
+          </a:bodyPr>
+          <a:lstStyle/>
+          <a:p>
+            <a:fld id="{0550DE80-A55D-4FEA-ABCE-0175392B4432}" type="slidenum">
+              <a:rPr lang="en-US" smtClean="0"/>
+              <a:t>6</a:t>
+            </a:fld>
+            <a:endParaRPr lang="en-US" dirty="0"/>
+          </a:p>
+        </p:txBody>
+      </p:sp>
+      <p:graphicFrame>
+        <p:nvGraphicFramePr>
+          <p:cNvPr id="4" name="Chart 3"/>
+          <p:cNvGraphicFramePr>
+            <a:graphicFrameLocks noGrp="1"/>
+          </p:cNvGraphicFramePr>
+          <p:nvPr/>
+        </p:nvGraphicFramePr>
+        <p:xfrm>
+          <a:off x="1828800" y="1828800"/>
+          <a:ext cx="2743200" cy="3886198"/>
+        </p:xfrm>
+        <a:graphic>
+          <a:graphicData uri="http://schemas.openxmlformats.org/drawingml/2006/chart">
+            <c:chart xmlns:c="http://schemas.openxmlformats.org/drawingml/2006/chart" r:id="rId2"/>
+          </a:graphicData>
+        </a:graphic>
+      </p:graphicFrame>
+    </p:spTree>
+    <p:extLst>
+      <p:ext uri="{BB962C8B-B14F-4D97-AF65-F5344CB8AC3E}">
+        <p14:creationId xmlns:p14="http://schemas.microsoft.com/office/powerpoint/2010/main" val="3209572625"/>
+      </p:ext>
+    </p:extLst>
+  </p:cSld>
+  <p:clrMapOvr>
+    <a:masterClrMapping/>
+  </p:clrMapOvr>
+  <p:timing>
+    <p:tnLst>
+      <p:par>
+        <p:cTn id="1" dur="indefinite" restart="never" nodeType="tmRoot"/>
+      </p:par>
+    </p:tnLst>
+  </p:timing>
+</p:sld>
+</file>
+
+<file path=ppt/slides/slide7.xml><?xml version="1.0" encoding="utf-8"?>
+<p:sld xmlns:a="http://schemas.openxmlformats.org/drawingml/2006/main" xmlns:r="http://schemas.openxmlformats.org/officeDocument/2006/relationships" xmlns:p="http://schemas.openxmlformats.org/presentationml/2006/main">
+  <p:cSld>
+    <p:spTree>
+      <p:nvGrpSpPr>
+        <p:cNvPr id="1" name=""/>
+        <p:cNvGrpSpPr/>
+        <p:nvPr/>
+      </p:nvGrpSpPr>
+      <p:grpSpPr>
+        <a:xfrm>
+          <a:off x="0" y="0"/>
+          <a:ext cx="0" cy="0"/>
+          <a:chOff x="0" y="0"/>
+          <a:chExt cx="0" cy="0"/>
+        </a:xfrm>
+      </p:grpSpPr>
+      <p:sp>
+        <p:nvSpPr>
+          <p:cNvPr id="2" name="Title 1"/>
+          <p:cNvSpPr>
+            <a:spLocks noGrp="1"/>
+          </p:cNvSpPr>
+          <p:nvPr>
+            <p:ph type="title"/>
+          </p:nvPr>
+        </p:nvSpPr>
+        <p:spPr/>
+        <p:txBody>
+          <a:bodyPr/>
+          <a:lstStyle/>
+          <a:p>
+            <a:r>
+              <a:rPr lang="en-US" dirty="0" smtClean="0"/>
+              <a:t>Resources</a:t>
+            </a:r>
+            <a:endParaRPr lang="en-US" dirty="0"/>
+          </a:p>
+        </p:txBody>
+      </p:sp>
+      <p:sp>
+        <p:nvSpPr>
+          <p:cNvPr id="3" name="Content Placeholder 2"/>
+          <p:cNvSpPr>
+            <a:spLocks noGrp="1"/>
+          </p:cNvSpPr>
+          <p:nvPr>
+            <p:ph sz="quarter" idx="1"/>
+          </p:nvPr>
+        </p:nvSpPr>
+        <p:spPr>
+          <a:xfrm>
+            <a:off x="612648" y="1600200"/>
+            <a:ext cx="8150352" cy="4800600"/>
+          </a:xfrm>
+        </p:spPr>
+        <p:txBody>
+          <a:bodyPr>
+            <a:normAutofit fontScale="77500" lnSpcReduction="20000"/>
+          </a:bodyPr>
+          <a:lstStyle/>
+          <a:p>
+            <a:r>
+              <a:rPr lang="en-US" sz="3100" dirty="0" smtClean="0"/>
+              <a:t>Managing </a:t>
+            </a:r>
+            <a:r>
+              <a:rPr lang="en-US" sz="3100" dirty="0"/>
+              <a:t>Overweight and Obesity in Adults: Systematic Evidence </a:t>
+            </a:r>
+            <a:r>
+              <a:rPr lang="en-US" sz="3100" dirty="0" smtClean="0"/>
+              <a:t>Review from </a:t>
+            </a:r>
+            <a:r>
+              <a:rPr lang="en-US" sz="3100" dirty="0"/>
+              <a:t>the Obesity Expert Panel. </a:t>
+            </a:r>
+            <a:r>
+              <a:rPr lang="en-US" sz="3100" u="sng" dirty="0" smtClean="0">
+                <a:hlinkClick r:id="rId3" tooltip="Link to External Web Site"/>
+              </a:rPr>
+              <a:t>www.nhlbi.nih.gov/sites/www.nhlbi.nih.gov/files/obesity-evidence-review.pdf[PDF </a:t>
+            </a:r>
+            <a:r>
+              <a:rPr lang="en-US" sz="3100" u="sng" dirty="0">
+                <a:hlinkClick r:id="rId3" tooltip="Link to External Web Site"/>
+              </a:rPr>
+              <a:t>- 93KB]</a:t>
+            </a:r>
+            <a:endParaRPr lang="en-US" sz="3100" dirty="0"/>
+          </a:p>
+          <a:p>
+            <a:r>
+              <a:rPr lang="en-US" sz="3100" dirty="0" smtClean="0"/>
+              <a:t>Clinical </a:t>
+            </a:r>
+            <a:r>
+              <a:rPr lang="en-US" sz="3100" dirty="0"/>
+              <a:t>Guidelines on the Identification, Evaluation, and Treatment of Overweight and Obesity in </a:t>
+            </a:r>
+            <a:r>
+              <a:rPr lang="en-US" sz="3100" dirty="0" smtClean="0"/>
+              <a:t>Adults</a:t>
+            </a:r>
+            <a:r>
+              <a:rPr lang="en-US" sz="3100" u="sng" dirty="0" smtClean="0">
+                <a:hlinkClick r:id="rId4" tooltip="Link to External Web Site"/>
+              </a:rPr>
+              <a:t> www.nhlbi.nih.gov/files/docs/guidelines/ob_gdlns.pdf[PDF </a:t>
+            </a:r>
+            <a:r>
+              <a:rPr lang="en-US" sz="3100" u="sng" dirty="0">
+                <a:hlinkClick r:id="rId4" tooltip="Link to External Web Site"/>
+              </a:rPr>
+              <a:t>- 2MB]</a:t>
+            </a:r>
+            <a:endParaRPr lang="en-US" sz="3100" dirty="0"/>
+          </a:p>
+          <a:p>
+            <a:r>
+              <a:rPr lang="en-US" sz="3100" dirty="0" smtClean="0"/>
+              <a:t>U.S</a:t>
+            </a:r>
+            <a:r>
+              <a:rPr lang="en-US" sz="3100" dirty="0"/>
+              <a:t>. Department of Health and Human </a:t>
+            </a:r>
+            <a:r>
+              <a:rPr lang="en-US" sz="3100" dirty="0" smtClean="0"/>
+              <a:t>Services, Office </a:t>
+            </a:r>
+            <a:r>
+              <a:rPr lang="en-US" sz="3100" dirty="0"/>
+              <a:t>of Disease Prevention and Health </a:t>
+            </a:r>
+            <a:r>
+              <a:rPr lang="en-US" sz="3100" dirty="0" smtClean="0"/>
+              <a:t>Promotion, </a:t>
+            </a:r>
+            <a:r>
+              <a:rPr lang="en-US" sz="3100" i="1" dirty="0"/>
+              <a:t>2008 Physical Activity Guidelines for </a:t>
+            </a:r>
+            <a:r>
+              <a:rPr lang="en-US" sz="3100" i="1" dirty="0" smtClean="0"/>
+              <a:t>Americans</a:t>
+            </a:r>
+          </a:p>
+          <a:p>
+            <a:r>
+              <a:rPr lang="en-US" sz="3100" dirty="0" smtClean="0"/>
+              <a:t>My Plate </a:t>
+            </a:r>
+            <a:r>
+              <a:rPr lang="en-US" sz="3100" dirty="0" smtClean="0">
+                <a:hlinkClick r:id="rId5"/>
+              </a:rPr>
+              <a:t>www.choosemyplate.gov</a:t>
+            </a:r>
+            <a:endParaRPr lang="en-US" sz="3100" dirty="0" smtClean="0"/>
+          </a:p>
+          <a:p>
+            <a:r>
+              <a:rPr lang="en-US" sz="3100" dirty="0" smtClean="0"/>
+              <a:t>Center for Disease Control </a:t>
+            </a:r>
+          </a:p>
+          <a:p>
+            <a:r>
+              <a:rPr lang="en-US" sz="3100" dirty="0" smtClean="0"/>
+              <a:t>Harvard School of Public Health</a:t>
+            </a:r>
+          </a:p>
+          <a:p>
+            <a:endParaRPr lang="en-US" dirty="0"/>
+          </a:p>
+          <a:p>
+            <a:endParaRPr lang="en-US" dirty="0" smtClean="0"/>
+          </a:p>
+          <a:p>
+            <a:endParaRPr lang="en-US" dirty="0"/>
+          </a:p>
+        </p:txBody>
+      </p:sp>
+      <p:sp>
+        <p:nvSpPr>
+          <p:cNvPr id="5" name="Slide Number Placeholder 4"/>
+          <p:cNvSpPr>
+            <a:spLocks noGrp="1"/>
+          </p:cNvSpPr>
+          <p:nvPr>
+            <p:ph type="sldNum" sz="quarter" idx="12"/>
+          </p:nvPr>
+        </p:nvSpPr>
+        <p:spPr/>
+        <p:txBody>
+          <a:bodyPr>
+            <a:normAutofit fontScale="85000" lnSpcReduction="20000"/>
+          </a:bodyPr>
+          <a:lstStyle/>
+          <a:p>
+            <a:fld id="{0550DE80-A55D-4FEA-ABCE-0175392B4432}" type="slidenum">
+              <a:rPr lang="en-US" smtClean="0"/>
+              <a:t>7</a:t>
+            </a:fld>
+            <a:endParaRPr lang="en-US" dirty="0"/>
+          </a:p>
+        </p:txBody>
+      </p:sp>
+    </p:spTree>
+    <p:extLst>
+      <p:ext uri="{BB962C8B-B14F-4D97-AF65-F5344CB8AC3E}">
+        <p14:creationId xmlns:p14="http://schemas.microsoft.com/office/powerpoint/2010/main" val="20209268"/>
       </p:ext>
     </p:extLst>
   </p:cSld>

--- a/exampleOutput.pptx
+++ b/exampleOutput.pptx
@@ -5,19 +5,13 @@
     <p:sldMasterId id="2147483996" r:id="rId1"/>
   </p:sldMasterIdLst>
   <p:notesMasterIdLst>
-    <p:notesMasterId r:id="rId9"/>
+    <p:notesMasterId r:id="rId3"/>
   </p:notesMasterIdLst>
   <p:handoutMasterIdLst>
-    <p:handoutMasterId r:id="rId10"/>
+    <p:handoutMasterId r:id="rId4"/>
   </p:handoutMasterIdLst>
   <p:sldIdLst>
-    <p:sldId id="256" r:id="rId2"/>
-    <p:sldId id="276" r:id="rId3"/>
-    <p:sldId id="259" r:id="rId4"/>
-    <p:sldId id="274" r:id="rId5"/>
-    <p:sldId id="273" r:id="rId6"/>
-    <p:sldId id="275" r:id="rId7"/>
-    <p:sldId id="258" r:id="rId8"/>
+    <p:sldId id="259" r:id="rId2"/>
   </p:sldIdLst>
   <p:sldSz cx="9144000" cy="6858000" type="screen4x3"/>
   <p:notesSz cx="9296400" cy="7010400"/>
@@ -135,244 +129,6 @@
 </p:presentation>
 </file>
 
-<file path=ppt/charts/chart1.xml><?xml version="1.0" encoding="utf-8"?>
-<c:chartSpace xmlns:c="http://schemas.openxmlformats.org/drawingml/2006/chart" xmlns:a="http://schemas.openxmlformats.org/drawingml/2006/main" xmlns:r="http://schemas.openxmlformats.org/officeDocument/2006/relationships">
-  <c:chart>
-    <c:plotArea>
-      <c:lineChart>
-        <c:grouping val="standard"/>
-        <c:marker val="1"/>
-        <c:axId val="2118791784"/>
-        <c:axId val="2140495176"/>
-      </c:lineChart>
-      <c:catAx>
-        <c:axId val="2118791784"/>
-        <c:scaling/>
-        <c:delete val="0"/>
-        <c:axPos val="b"/>
-        <c:majorTickMark val="out"/>
-        <c:minorTickMark val="none"/>
-        <c:tickLblPos val="nextTo"/>
-        <c:crossAx val="2140495176"/>
-        <c:crosses val="autoZero"/>
-        <c:lblAlgn val="ctr"/>
-        <c:lblOffset val="100"/>
-        <c:noMultiLvlLbl val="0"/>
-      </c:catAx>
-      <c:valAx>
-        <c:axId val="2140495176"/>
-        <c:scaling/>
-        <c:delete val="0"/>
-        <c:axPos val="l"/>
-        <c:majorGridlines/>
-        <c:majorTickMark val="out"/>
-        <c:minorTickMark val="none"/>
-        <c:tickLblPos val="nextTo"/>
-        <c:crossAx val="2118791784"/>
-        <c:crosses val="autoZero"/>
-      </c:valAx>
-    </c:plotArea>
-    <c:legend>
-      <c:overlay val="0"/>
-    </c:legend>
-  </c:chart>
-  <c:txPr>
-    <a:bodyPr/>
-    <a:lstStyle/>
-    <a:p>
-      <a:pPr>
-        <a:defRPr sz="1800"/>
-      </a:pPr>
-      <a:endParaRPr lang="en-US"/>
-    </a:p>
-  </c:txPr>
-  <c:externalData r:id="rId1">
-    <c:autoUpdate val="0"/>
-  </c:externalData>
-</c:chartSpace>
-</file>
-
-<file path=ppt/charts/chart2.xml><?xml version="1.0" encoding="utf-8"?>
-<c:chartSpace xmlns:c="http://schemas.openxmlformats.org/drawingml/2006/chart" xmlns:a="http://schemas.openxmlformats.org/drawingml/2006/main" xmlns:r="http://schemas.openxmlformats.org/officeDocument/2006/relationships">
-  <c:chart>
-    <c:plotArea>
-      <c:pieChart>
-        <c:varyColors val="1"/>
-        <c:ser>
-          <c:idx val="0"/>
-          <c:order val="0"/>
-          <c:tx>
-            <c:strRef>
-              <c:f>Sheet1!$B$1</c:f>
-              <c:strCache>
-                <c:ptCount val="1"/>
-                <c:pt idx="0">
-                  <c:v>Series 1</c:v>
-                </c:pt>
-              </c:strCache>
-            </c:strRef>
-          </c:tx>
-          <c:cat>
-            <c:strRef>
-              <c:f>Sheet1!$A$2:$A$3</c:f>
-              <c:strCache>
-                <c:ptCount val="2"/>
-                <c:pt idx="0">
-                  <c:v>male</c:v>
-                </c:pt>
-                <c:pt idx="1">
-                  <c:v>female</c:v>
-                </c:pt>
-              </c:strCache>
-            </c:strRef>
-          </c:cat>
-          <c:val>
-            <c:numRef>
-              <c:f>Sheet1!$B$2:$B$3</c:f>
-              <c:numCache>
-                <c:formatCode>General</c:formatCode>
-                <c:ptCount val="2"/>
-                <c:pt idx="0">
-                  <c:v>16</c:v>
-                </c:pt>
-                <c:pt idx="1">
-                  <c:v>32</c:v>
-                </c:pt>
-              </c:numCache>
-            </c:numRef>
-          </c:val>
-        </c:ser>
-        <c:dLbls>
-          <c:numFmt formatCode="0%" sourceLinked="0"/>
-          <c:dLblPos val="outEnd"/>
-          <c:showLegendKey val="0"/>
-          <c:showVal val="1"/>
-          <c:showCatName val="0"/>
-          <c:showSerName val="0"/>
-          <c:showPercent val="0"/>
-          <c:showBubbleSize val="0"/>
-        </c:dLbls>
-      </c:pieChart>
-    </c:plotArea>
-    <c:legend>
-      <c:legendPos val="b"/>
-      <c:overlay val="0"/>
-    </c:legend>
-  </c:chart>
-  <c:txPr>
-    <a:bodyPr/>
-    <a:lstStyle/>
-    <a:p>
-      <a:pPr>
-        <a:defRPr sz="1800"/>
-      </a:pPr>
-      <a:endParaRPr lang="en-US"/>
-    </a:p>
-  </c:txPr>
-  <c:externalData r:id="rId1">
-    <c:autoUpdate val="0"/>
-  </c:externalData>
-</c:chartSpace>
-</file>
-
-<file path=ppt/charts/chart3.xml><?xml version="1.0" encoding="utf-8"?>
-<c:chartSpace xmlns:c="http://schemas.openxmlformats.org/drawingml/2006/chart" xmlns:a="http://schemas.openxmlformats.org/drawingml/2006/main" xmlns:r="http://schemas.openxmlformats.org/officeDocument/2006/relationships">
-  <c:chart>
-    <c:plotArea>
-      <c:barChart>
-        <c:barDir val="col"/>
-        <c:grouping val="clustered"/>
-        <c:ser>
-          <c:idx val="0"/>
-          <c:order val="0"/>
-          <c:tx>
-            <c:strRef>
-              <c:f>Sheet1!$B$1</c:f>
-              <c:strCache>
-                <c:ptCount val="1"/>
-                <c:pt idx="0">
-                  <c:v>Series 1</c:v>
-                </c:pt>
-              </c:strCache>
-            </c:strRef>
-          </c:tx>
-          <c:cat>
-            <c:strRef>
-              <c:f>Sheet1!$A$2:$A$3</c:f>
-              <c:strCache>
-                <c:ptCount val="2"/>
-                <c:pt idx="0">
-                  <c:v>Less than Goal</c:v>
-                </c:pt>
-                <c:pt idx="1">
-                  <c:v>Goal</c:v>
-                </c:pt>
-              </c:strCache>
-            </c:strRef>
-          </c:cat>
-          <c:val>
-            <c:numRef>
-              <c:f>Sheet1!$B$2:$B$3</c:f>
-              <c:numCache>
-                <c:formatCode>General</c:formatCode>
-                <c:ptCount val="2"/>
-                <c:pt idx="0">
-                  <c:v>34</c:v>
-                </c:pt>
-                <c:pt idx="1">
-                  <c:v>14</c:v>
-                </c:pt>
-              </c:numCache>
-            </c:numRef>
-          </c:val>
-        </c:ser>
-        <c:axId val="-2068027336"/>
-        <c:axId val="-2113994440"/>
-      </c:barChart>
-      <c:catAx>
-        <c:axId val="-2068027336"/>
-        <c:scaling/>
-        <c:delete val="0"/>
-        <c:axPos val="b"/>
-        <c:majorTickMark val="out"/>
-        <c:minorTickMark val="none"/>
-        <c:tickLblPos val="nextTo"/>
-        <c:crossAx val="-2113994440"/>
-        <c:crosses val="autoZero"/>
-        <c:lblAlgn val="ctr"/>
-        <c:lblOffset val="100"/>
-        <c:noMultiLvlLbl val="0"/>
-      </c:catAx>
-      <c:valAx>
-        <c:axId val="-2113994440"/>
-        <c:scaling/>
-        <c:delete val="0"/>
-        <c:axPos val="l"/>
-        <c:majorGridlines/>
-        <c:majorTickMark val="out"/>
-        <c:minorTickMark val="none"/>
-        <c:tickLblPos val="nextTo"/>
-        <c:crossAx val="-2068027336"/>
-        <c:crosses val="autoZero"/>
-      </c:valAx>
-    </c:plotArea>
-  </c:chart>
-  <c:txPr>
-    <a:bodyPr/>
-    <a:lstStyle/>
-    <a:p>
-      <a:pPr>
-        <a:defRPr sz="1800"/>
-      </a:pPr>
-      <a:endParaRPr lang="en-US"/>
-    </a:p>
-  </c:txPr>
-  <c:externalData r:id="rId1">
-    <c:autoUpdate val="0"/>
-  </c:externalData>
-</c:chartSpace>
-</file>
-
 <file path=ppt/handoutMasters/handoutMaster1.xml><?xml version="1.0" encoding="utf-8"?>
 <p:handoutMaster xmlns:a="http://schemas.openxmlformats.org/drawingml/2006/main" xmlns:r="http://schemas.openxmlformats.org/officeDocument/2006/relationships" xmlns:p="http://schemas.openxmlformats.org/presentationml/2006/main">
   <p:cSld>
@@ -455,7 +211,7 @@
           <a:p>
             <a:fld id="{AAB9D47E-67C1-4E1B-91B6-1C4A4CD91A70}" type="datetimeFigureOut">
               <a:rPr lang="en-US" smtClean="0"/>
-              <a:t>11/21/2016</a:t>
+              <a:t>11/27/2016</a:t>
             </a:fld>
             <a:endParaRPr lang="en-US" dirty="0"/>
           </a:p>
@@ -620,7 +376,7 @@
           <a:p>
             <a:fld id="{D43B9A28-89AB-4FF7-B6F7-B576186B66F1}" type="datetimeFigureOut">
               <a:rPr lang="en-US" smtClean="0"/>
-              <a:t>11/21/2016</a:t>
+              <a:t>11/27/2016</a:t>
             </a:fld>
             <a:endParaRPr lang="en-US" dirty="0"/>
           </a:p>
@@ -888,98 +644,6 @@
 </p:notesMaster>
 </file>
 
-<file path=ppt/notesSlides/notesSlide1.xml><?xml version="1.0" encoding="utf-8"?>
-<p:notes xmlns:a="http://schemas.openxmlformats.org/drawingml/2006/main" xmlns:r="http://schemas.openxmlformats.org/officeDocument/2006/relationships" xmlns:p="http://schemas.openxmlformats.org/presentationml/2006/main">
-  <p:cSld>
-    <p:spTree>
-      <p:nvGrpSpPr>
-        <p:cNvPr id="1" name=""/>
-        <p:cNvGrpSpPr/>
-        <p:nvPr/>
-      </p:nvGrpSpPr>
-      <p:grpSpPr>
-        <a:xfrm>
-          <a:off x="0" y="0"/>
-          <a:ext cx="0" cy="0"/>
-          <a:chOff x="0" y="0"/>
-          <a:chExt cx="0" cy="0"/>
-        </a:xfrm>
-      </p:grpSpPr>
-      <p:sp>
-        <p:nvSpPr>
-          <p:cNvPr id="2" name="Slide Image Placeholder 1"/>
-          <p:cNvSpPr>
-            <a:spLocks noGrp="1" noRot="1" noChangeAspect="1"/>
-          </p:cNvSpPr>
-          <p:nvPr>
-            <p:ph type="sldImg"/>
-          </p:nvPr>
-        </p:nvSpPr>
-        <p:spPr/>
-      </p:sp>
-      <p:sp>
-        <p:nvSpPr>
-          <p:cNvPr id="3" name="Notes Placeholder 2"/>
-          <p:cNvSpPr>
-            <a:spLocks noGrp="1"/>
-          </p:cNvSpPr>
-          <p:nvPr>
-            <p:ph type="body" idx="1"/>
-          </p:nvPr>
-        </p:nvSpPr>
-        <p:spPr/>
-        <p:txBody>
-          <a:bodyPr/>
-          <a:lstStyle/>
-          <a:p>
-            <a:r>
-              <a:rPr lang="en-US" dirty="0" smtClean="0"/>
-              <a:t>SB Note: I’d like</a:t>
-            </a:r>
-            <a:r>
-              <a:rPr lang="en-US" baseline="0" dirty="0" smtClean="0"/>
-              <a:t> this page to be about where we got the info.  But also where they can go to read more. What others should we include?  What would be nice, actually, is if we had a resource page for each factor we tested and we could put it at the bottom of each slide!</a:t>
-            </a:r>
-            <a:endParaRPr lang="en-US" dirty="0"/>
-          </a:p>
-        </p:txBody>
-      </p:sp>
-      <p:sp>
-        <p:nvSpPr>
-          <p:cNvPr id="4" name="Slide Number Placeholder 3"/>
-          <p:cNvSpPr>
-            <a:spLocks noGrp="1"/>
-          </p:cNvSpPr>
-          <p:nvPr>
-            <p:ph type="sldNum" sz="quarter" idx="10"/>
-          </p:nvPr>
-        </p:nvSpPr>
-        <p:spPr/>
-        <p:txBody>
-          <a:bodyPr/>
-          <a:lstStyle/>
-          <a:p>
-            <a:fld id="{3F33A409-1646-4137-A75F-3A02A90E5C52}" type="slidenum">
-              <a:rPr lang="en-US" smtClean="0"/>
-              <a:t>7</a:t>
-            </a:fld>
-            <a:endParaRPr lang="en-US" dirty="0"/>
-          </a:p>
-        </p:txBody>
-      </p:sp>
-    </p:spTree>
-    <p:extLst>
-      <p:ext uri="{BB962C8B-B14F-4D97-AF65-F5344CB8AC3E}">
-        <p14:creationId xmlns:p14="http://schemas.microsoft.com/office/powerpoint/2010/main" val="3005467066"/>
-      </p:ext>
-    </p:extLst>
-  </p:cSld>
-  <p:clrMapOvr>
-    <a:masterClrMapping/>
-  </p:clrMapOvr>
-</p:notes>
-</file>
-
 <file path=ppt/slideLayouts/slideLayout1.xml><?xml version="1.0" encoding="utf-8"?>
 <p:sldLayout xmlns:a="http://schemas.openxmlformats.org/drawingml/2006/main" xmlns:r="http://schemas.openxmlformats.org/officeDocument/2006/relationships" xmlns:p="http://schemas.openxmlformats.org/presentationml/2006/main" showMasterSp="0" type="title" preserve="1">
   <p:cSld name="Title Slide">
@@ -1271,7 +935,7 @@
           <a:p>
             <a:fld id="{EB9FD57E-C399-49A5-9E41-A3349D7DE35B}" type="datetime1">
               <a:rPr lang="en-US" smtClean="0"/>
-              <a:t>11/21/2016</a:t>
+              <a:t>11/27/2016</a:t>
             </a:fld>
             <a:endParaRPr lang="en-US" dirty="0"/>
           </a:p>
@@ -1462,7 +1126,7 @@
           <a:p>
             <a:fld id="{FCEC67C6-3403-4BFB-8B45-9DB8B05CDF67}" type="datetime1">
               <a:rPr lang="en-US" smtClean="0"/>
-              <a:t>11/21/2016</a:t>
+              <a:t>11/27/2016</a:t>
             </a:fld>
             <a:endParaRPr lang="en-US" dirty="0"/>
           </a:p>
@@ -1647,7 +1311,7 @@
           <a:p>
             <a:fld id="{12BE4818-FD7D-4705-B5B3-0E204E7B8767}" type="datetime1">
               <a:rPr lang="en-US" smtClean="0"/>
-              <a:t>11/21/2016</a:t>
+              <a:t>11/27/2016</a:t>
             </a:fld>
             <a:endParaRPr lang="en-US" dirty="0"/>
           </a:p>
@@ -1910,7 +1574,7 @@
           <a:p>
             <a:fld id="{461E0769-57AC-4935-8715-988FC8288D8B}" type="datetime1">
               <a:rPr lang="en-US" smtClean="0"/>
-              <a:t>11/21/2016</a:t>
+              <a:t>11/27/2016</a:t>
             </a:fld>
             <a:endParaRPr lang="en-US" dirty="0"/>
           </a:p>
@@ -2326,7 +1990,7 @@
           <a:p>
             <a:fld id="{CB4DF6D8-D059-4E6F-9489-47A7683AE661}" type="datetime1">
               <a:rPr lang="en-US" smtClean="0"/>
-              <a:t>11/21/2016</a:t>
+              <a:t>11/27/2016</a:t>
             </a:fld>
             <a:endParaRPr lang="en-US" dirty="0"/>
           </a:p>
@@ -2568,7 +2232,7 @@
           <a:p>
             <a:fld id="{3DF2A073-D756-4989-BBD7-7130788C34CA}" type="datetime1">
               <a:rPr lang="en-US" smtClean="0"/>
-              <a:t>11/21/2016</a:t>
+              <a:t>11/27/2016</a:t>
             </a:fld>
             <a:endParaRPr lang="en-US" dirty="0"/>
           </a:p>
@@ -2804,7 +2468,7 @@
           <a:p>
             <a:fld id="{C7812262-0143-4593-8ABE-7E4B68DA324A}" type="datetime1">
               <a:rPr lang="en-US" smtClean="0"/>
-              <a:t>11/21/2016</a:t>
+              <a:t>11/27/2016</a:t>
             </a:fld>
             <a:endParaRPr lang="en-US" dirty="0"/>
           </a:p>
@@ -2999,7 +2663,7 @@
           <a:p>
             <a:fld id="{9444DF3C-DB17-4177-83A1-1F4CFF0BDA1F}" type="datetime1">
               <a:rPr lang="en-US" smtClean="0"/>
-              <a:t>11/21/2016</a:t>
+              <a:t>11/27/2016</a:t>
             </a:fld>
             <a:endParaRPr lang="en-US" dirty="0"/>
           </a:p>
@@ -3097,7 +2761,7 @@
           <a:p>
             <a:fld id="{F6C8DF98-0850-4199-9763-F5AC2123D534}" type="datetime1">
               <a:rPr lang="en-US" smtClean="0"/>
-              <a:t>11/21/2016</a:t>
+              <a:t>11/27/2016</a:t>
             </a:fld>
             <a:endParaRPr lang="en-US" dirty="0"/>
           </a:p>
@@ -3233,7 +2897,7 @@
           <a:p>
             <a:fld id="{01D547BE-D041-448C-ACAF-73E0E93ABA79}" type="datetime1">
               <a:rPr lang="en-US" smtClean="0"/>
-              <a:t>11/21/2016</a:t>
+              <a:t>11/27/2016</a:t>
             </a:fld>
             <a:endParaRPr lang="en-US" dirty="0"/>
           </a:p>
@@ -3751,7 +3415,7 @@
           <a:p>
             <a:fld id="{578863BF-C007-49B5-9EBC-83335D3595B0}" type="datetime1">
               <a:rPr lang="en-US" smtClean="0"/>
-              <a:t>11/21/2016</a:t>
+              <a:t>11/27/2016</a:t>
             </a:fld>
             <a:endParaRPr lang="en-US" dirty="0"/>
           </a:p>
@@ -4012,7 +3676,7 @@
           <a:p>
             <a:fld id="{3AD18C84-CE91-4C35-A0EF-F805A78F094C}" type="datetime1">
               <a:rPr lang="en-US" smtClean="0"/>
-              <a:t>11/21/2016</a:t>
+              <a:t>11/27/2016</a:t>
             </a:fld>
             <a:endParaRPr lang="en-US" dirty="0"/>
           </a:p>
@@ -4559,24 +4223,17 @@
             <a:spLocks noGrp="1"/>
           </p:cNvSpPr>
           <p:nvPr>
-            <p:ph type="ctrTitle"/>
-          </p:nvPr>
-        </p:nvSpPr>
-        <p:spPr>
-          <a:xfrm>
-            <a:off x="0" y="4038600"/>
-            <a:ext cx="7848600" cy="1828800"/>
-          </a:xfrm>
-        </p:spPr>
-        <p:txBody>
-          <a:bodyPr>
-            <a:normAutofit fontScale="90000"/>
-          </a:bodyPr>
+            <p:ph type="title"/>
+          </p:nvPr>
+        </p:nvSpPr>
+        <p:spPr/>
+        <p:txBody>
+          <a:bodyPr/>
           <a:lstStyle/>
           <a:p>
             <a:r>
               <a:rPr lang="en-US" dirty="0" smtClean="0"/>
-              <a:t>White Castle Biometric Health Screening Aggregate Summary</a:t>
+              <a:t>Who participated?</a:t>
             </a:r>
             <a:endParaRPr lang="en-US" dirty="0"/>
           </a:p>
@@ -4584,86 +4241,7 @@
       </p:sp>
       <p:sp>
         <p:nvSpPr>
-          <p:cNvPr id="3" name="Subtitle 2"/>
-          <p:cNvSpPr>
-            <a:spLocks noGrp="1"/>
-          </p:cNvSpPr>
-          <p:nvPr>
-            <p:ph type="subTitle" idx="1"/>
-          </p:nvPr>
-        </p:nvSpPr>
-        <p:spPr/>
-        <p:txBody>
-          <a:bodyPr/>
-          <a:lstStyle/>
-          <a:p>
-            <a:r>
-              <a:rPr lang="en-US" dirty="0" smtClean="0"/>
-              <a:t>Compiled by LifeCare Alliance</a:t>
-            </a:r>
-            <a:endParaRPr lang="en-US" dirty="0"/>
-          </a:p>
-        </p:txBody>
-      </p:sp>
-    </p:spTree>
-    <p:extLst>
-      <p:ext uri="{BB962C8B-B14F-4D97-AF65-F5344CB8AC3E}">
-        <p14:creationId xmlns:p14="http://schemas.microsoft.com/office/powerpoint/2010/main" val="3398785662"/>
-      </p:ext>
-    </p:extLst>
-  </p:cSld>
-  <p:clrMapOvr>
-    <a:masterClrMapping/>
-  </p:clrMapOvr>
-  <p:timing>
-    <p:tnLst>
-      <p:par>
-        <p:cTn id="1" dur="indefinite" restart="never" nodeType="tmRoot"/>
-      </p:par>
-    </p:tnLst>
-  </p:timing>
-</p:sld>
-</file>
-
-<file path=ppt/slides/slide2.xml><?xml version="1.0" encoding="utf-8"?>
-<p:sld xmlns:a="http://schemas.openxmlformats.org/drawingml/2006/main" xmlns:r="http://schemas.openxmlformats.org/officeDocument/2006/relationships" xmlns:p="http://schemas.openxmlformats.org/presentationml/2006/main">
-  <p:cSld>
-    <p:spTree>
-      <p:nvGrpSpPr>
-        <p:cNvPr id="1" name=""/>
-        <p:cNvGrpSpPr/>
-        <p:nvPr/>
-      </p:nvGrpSpPr>
-      <p:grpSpPr>
-        <a:xfrm>
-          <a:off x="0" y="0"/>
-          <a:ext cx="0" cy="0"/>
-          <a:chOff x="0" y="0"/>
-          <a:chExt cx="0" cy="0"/>
-        </a:xfrm>
-      </p:grpSpPr>
-      <p:sp>
-        <p:nvSpPr>
-          <p:cNvPr id="2" name="Title 1"/>
-          <p:cNvSpPr>
-            <a:spLocks noGrp="1"/>
-          </p:cNvSpPr>
-          <p:nvPr>
-            <p:ph type="title"/>
-          </p:nvPr>
-        </p:nvSpPr>
-        <p:spPr/>
-        <p:txBody>
-          <a:bodyPr/>
-          <a:lstStyle/>
-          <a:p>
-            <a:endParaRPr lang="en-US"/>
-          </a:p>
-        </p:txBody>
-      </p:sp>
-      <p:sp>
-        <p:nvSpPr>
-          <p:cNvPr id="3" name="Slide Number Placeholder 2"/>
+          <p:cNvPr id="5" name="Slide Number Placeholder 4"/>
           <p:cNvSpPr>
             <a:spLocks noGrp="1"/>
           </p:cNvSpPr>
@@ -4680,1008 +4258,323 @@
           <a:p>
             <a:fld id="{0550DE80-A55D-4FEA-ABCE-0175392B4432}" type="slidenum">
               <a:rPr lang="en-US" smtClean="0"/>
-              <a:t>2</a:t>
+              <a:t>1</a:t>
             </a:fld>
             <a:endParaRPr lang="en-US" dirty="0"/>
           </a:p>
         </p:txBody>
       </p:sp>
-      <p:sp>
-        <p:nvSpPr>
-          <p:cNvPr id="4" name="Content Placeholder 3"/>
-          <p:cNvSpPr>
-            <a:spLocks noGrp="1"/>
-          </p:cNvSpPr>
-          <p:nvPr>
-            <p:ph sz="quarter" idx="1"/>
-          </p:nvPr>
-        </p:nvSpPr>
-        <p:spPr>
-          <a:xfrm>
-            <a:off x="1828800" y="2133600"/>
-            <a:ext cx="4575048" cy="2362200"/>
-          </a:xfrm>
-        </p:spPr>
-        <p:txBody>
-          <a:bodyPr/>
-          <a:lstStyle/>
-          <a:p>
-            <a:r>
-              <a:rPr lang="en-US" sz="3200" dirty="0"/>
-              <a:t>#{</a:t>
-            </a:r>
-            <a:r>
-              <a:rPr lang="en-US" sz="3200" dirty="0" err="1" smtClean="0"/>
-              <a:t>TYPE:line</a:t>
-            </a:r>
-            <a:r>
-              <a:rPr lang="en-US" sz="3200" dirty="0" smtClean="0"/>
-              <a:t> </a:t>
-            </a:r>
-            <a:r>
-              <a:rPr lang="en-US" sz="3200" dirty="0"/>
-              <a:t>CHART, </a:t>
-            </a:r>
-            <a:r>
-              <a:rPr lang="en-US" sz="3200" smtClean="0"/>
-              <a:t>COLUMNNAME:Sex</a:t>
-            </a:r>
-            <a:r>
-              <a:rPr lang="en-US" sz="3200" dirty="0" smtClean="0"/>
-              <a:t>, surveycount:3,X:2,Y:2,CX:3,CY:3</a:t>
-            </a:r>
-            <a:r>
-              <a:rPr lang="en-US" sz="3200" dirty="0"/>
-              <a:t>}</a:t>
-            </a:r>
-          </a:p>
-          <a:p>
-            <a:pPr marL="0" indent="0">
-              <a:buNone/>
-            </a:pPr>
-            <a:endParaRPr lang="en-US" dirty="0"/>
-          </a:p>
-        </p:txBody>
-      </p:sp>
       <p:graphicFrame>
         <p:nvGraphicFramePr>
-          <p:cNvPr id="5" name="Chart 4"/>
+          <p:cNvPr id="4" name="Table 3"/>
           <p:cNvGraphicFramePr>
             <a:graphicFrameLocks noGrp="1"/>
           </p:cNvGraphicFramePr>
-          <p:nvPr/>
+          <p:nvPr>
+            <p:extLst>
+              <p:ext uri="{D42A27DB-BD31-4B8C-83A1-F6EECF244321}">
+                <p14:modId xmlns:p14="http://schemas.microsoft.com/office/powerpoint/2010/main" val="4243160473"/>
+              </p:ext>
+            </p:extLst>
+          </p:nvPr>
         </p:nvGraphicFramePr>
         <p:xfrm>
-          <a:off x="1828800" y="1828800"/>
-          <a:ext cx="2743200" cy="2362200"/>
+          <a:off x="1600200" y="4648200"/>
+          <a:ext cx="6096000" cy="3845560"/>
         </p:xfrm>
         <a:graphic>
-          <a:graphicData uri="http://schemas.openxmlformats.org/drawingml/2006/chart">
-            <c:chart xmlns:c="http://schemas.openxmlformats.org/drawingml/2006/chart" r:id="rId2"/>
+          <a:graphicData uri="http://schemas.openxmlformats.org/drawingml/2006/table">
+            <a:tbl>
+              <a:tblPr firstRow="1" bandRow="1">
+                <a:tableStyleId>{5C22544A-7EE6-4342-B048-85BDC9FD1C3A}</a:tableStyleId>
+              </a:tblPr>
+              <a:tblGrid>
+                <a:gridCol w="1016000"/>
+                <a:gridCol w="1016000"/>
+                <a:gridCol w="1016000"/>
+                <a:gridCol w="1016000"/>
+                <a:gridCol w="1016000"/>
+                <a:gridCol w="1016000"/>
+              </a:tblGrid>
+              <a:tr h="370840">
+                <a:tc>
+                  <a:txBody>
+                    <a:bodyPr/>
+                    <a:lstStyle/>
+                    <a:p>
+                      <a:r>
+                        <a:rPr lang="en-US" dirty="0" err="1" smtClean="0"/>
+                        <a:t>qwer</a:t>
+                      </a:r>
+                      <a:endParaRPr lang="en-US" dirty="0"/>
+                    </a:p>
+                  </a:txBody>
+                  <a:tcPr/>
+                </a:tc>
+                <a:tc>
+                  <a:txBody>
+                    <a:bodyPr/>
+                    <a:lstStyle/>
+                    <a:p>
+                      <a:endParaRPr lang="en-US"/>
+                    </a:p>
+                  </a:txBody>
+                  <a:tcPr/>
+                </a:tc>
+                <a:tc>
+                  <a:txBody>
+                    <a:bodyPr/>
+                    <a:lstStyle/>
+                    <a:p>
+                      <a:endParaRPr lang="en-US"/>
+                    </a:p>
+                  </a:txBody>
+                  <a:tcPr/>
+                </a:tc>
+                <a:tc>
+                  <a:txBody>
+                    <a:bodyPr/>
+                    <a:lstStyle/>
+                    <a:p>
+                      <a:endParaRPr lang="en-US"/>
+                    </a:p>
+                  </a:txBody>
+                  <a:tcPr/>
+                </a:tc>
+                <a:tc>
+                  <a:txBody>
+                    <a:bodyPr/>
+                    <a:lstStyle/>
+                    <a:p>
+                      <a:endParaRPr lang="en-US"/>
+                    </a:p>
+                  </a:txBody>
+                  <a:tcPr/>
+                </a:tc>
+                <a:tc>
+                  <a:txBody>
+                    <a:bodyPr/>
+                    <a:lstStyle/>
+                    <a:p>
+                      <a:endParaRPr lang="en-US"/>
+                    </a:p>
+                  </a:txBody>
+                  <a:tcPr/>
+                </a:tc>
+              </a:tr>
+              <a:tr h="370840">
+                <a:tc>
+                  <a:txBody>
+                    <a:bodyPr/>
+                    <a:lstStyle/>
+                    <a:p>
+                      <a:r>
+                        <a:rPr lang="en-US" dirty="0" err="1" smtClean="0"/>
+                        <a:t>asdf</a:t>
+                      </a:r>
+                      <a:endParaRPr lang="en-US" dirty="0"/>
+                    </a:p>
+                  </a:txBody>
+                  <a:tcPr/>
+                </a:tc>
+                <a:tc>
+                  <a:txBody>
+                    <a:bodyPr/>
+                    <a:lstStyle/>
+                    <a:p>
+                      <a:r>
+                        <a:t>32%</a:t>
+                      </a:r>
+                      <a:endParaRPr lang="en-US" dirty="0"/>
+                    </a:p>
+                  </a:txBody>
+                  <a:tcPr/>
+                </a:tc>
+                <a:tc>
+                  <a:txBody>
+                    <a:bodyPr/>
+                    <a:lstStyle/>
+                    <a:p>
+                      <a:pPr marL="0" marR="0" indent="0" algn="l" defTabSz="914400" rtl="0" eaLnBrk="1" fontAlgn="auto" latinLnBrk="0" hangingPunct="1">
+                        <a:lnSpc>
+                          <a:spcPct val="100000"/>
+                        </a:lnSpc>
+                        <a:spcBef>
+                          <a:spcPts val="0"/>
+                        </a:spcBef>
+                        <a:spcAft>
+                          <a:spcPts val="0"/>
+                        </a:spcAft>
+                        <a:buClrTx/>
+                        <a:buSzTx/>
+                        <a:buFontTx/>
+                        <a:buNone/>
+                        <a:tabLst/>
+                        <a:defRPr/>
+                      </a:pPr>
+                      <a:r>
+                        <a:t>28%</a:t>
+                      </a:r>
+                      <a:br/>
+                      <a:endParaRPr lang="en-US" dirty="0" smtClean="0"/>
+                    </a:p>
+                  </a:txBody>
+                  <a:tcPr/>
+                </a:tc>
+                <a:tc>
+                  <a:txBody>
+                    <a:bodyPr/>
+                    <a:lstStyle/>
+                    <a:p>
+                      <a:r>
+                        <a:t>36%</a:t>
+                      </a:r>
+                      <a:br/>
+                      <a:endParaRPr lang="en-US" dirty="0" smtClean="0"/>
+                    </a:p>
+                  </a:txBody>
+                  <a:tcPr/>
+                </a:tc>
+                <a:tc>
+                  <a:txBody>
+                    <a:bodyPr/>
+                    <a:lstStyle/>
+                    <a:p>
+                      <a:endParaRPr lang="en-US"/>
+                    </a:p>
+                  </a:txBody>
+                  <a:tcPr/>
+                </a:tc>
+                <a:tc>
+                  <a:txBody>
+                    <a:bodyPr/>
+                    <a:lstStyle/>
+                    <a:p>
+                      <a:endParaRPr lang="en-US"/>
+                    </a:p>
+                  </a:txBody>
+                  <a:tcPr/>
+                </a:tc>
+              </a:tr>
+              <a:tr h="370840">
+                <a:tc>
+                  <a:txBody>
+                    <a:bodyPr/>
+                    <a:lstStyle/>
+                    <a:p>
+                      <a:r>
+                        <a:rPr lang="en-US" dirty="0" err="1" smtClean="0"/>
+                        <a:t>zxcv</a:t>
+                      </a:r>
+                      <a:endParaRPr lang="en-US" dirty="0"/>
+                    </a:p>
+                  </a:txBody>
+                  <a:tcPr/>
+                </a:tc>
+                <a:tc>
+                  <a:txBody>
+                    <a:bodyPr/>
+                    <a:lstStyle/>
+                    <a:p>
+                      <a:r>
+                        <a:t>65%</a:t>
+                      </a:r>
+                      <a:endParaRPr lang="en-US" sz="800" dirty="0"/>
+                    </a:p>
+                  </a:txBody>
+                  <a:tcPr/>
+                </a:tc>
+                <a:tc>
+                  <a:txBody>
+                    <a:bodyPr/>
+                    <a:lstStyle/>
+                    <a:p>
+                      <a:pPr marL="0" marR="0" indent="0" algn="l" defTabSz="914400" rtl="0" eaLnBrk="1" fontAlgn="auto" latinLnBrk="0" hangingPunct="1">
+                        <a:lnSpc>
+                          <a:spcPct val="100000"/>
+                        </a:lnSpc>
+                        <a:spcBef>
+                          <a:spcPts val="0"/>
+                        </a:spcBef>
+                        <a:spcAft>
+                          <a:spcPts val="0"/>
+                        </a:spcAft>
+                        <a:buClrTx/>
+                        <a:buSzTx/>
+                        <a:buFontTx/>
+                        <a:buNone/>
+                        <a:tabLst/>
+                        <a:defRPr/>
+                      </a:pPr>
+                      <a:r>
+                        <a:t>NO OUTPUT TEXT CREATED</a:t>
+                      </a:r>
+                      <a:br/>
+                      <a:endParaRPr lang="en-US" dirty="0" smtClean="0"/>
+                    </a:p>
+                  </a:txBody>
+                  <a:tcPr/>
+                </a:tc>
+                <a:tc>
+                  <a:txBody>
+                    <a:bodyPr/>
+                    <a:lstStyle/>
+                    <a:p>
+                      <a:pPr marL="0" marR="0" indent="0" algn="l" defTabSz="914400" rtl="0" eaLnBrk="1" fontAlgn="auto" latinLnBrk="0" hangingPunct="1">
+                        <a:lnSpc>
+                          <a:spcPct val="100000"/>
+                        </a:lnSpc>
+                        <a:spcBef>
+                          <a:spcPts val="0"/>
+                        </a:spcBef>
+                        <a:spcAft>
+                          <a:spcPts val="0"/>
+                        </a:spcAft>
+                        <a:buClrTx/>
+                        <a:buSzTx/>
+                        <a:buFontTx/>
+                        <a:buNone/>
+                        <a:tabLst/>
+                        <a:defRPr/>
+                      </a:pPr>
+                      <a:r>
+                        <a:t>62%</a:t>
+                      </a:r>
+                      <a:br/>
+                      <a:endParaRPr lang="en-US" dirty="0" smtClean="0"/>
+                    </a:p>
+                  </a:txBody>
+                  <a:tcPr/>
+                </a:tc>
+                <a:tc>
+                  <a:txBody>
+                    <a:bodyPr/>
+                    <a:lstStyle/>
+                    <a:p>
+                      <a:endParaRPr lang="en-US"/>
+                    </a:p>
+                  </a:txBody>
+                  <a:tcPr/>
+                </a:tc>
+                <a:tc>
+                  <a:txBody>
+                    <a:bodyPr/>
+                    <a:lstStyle/>
+                    <a:p>
+                      <a:endParaRPr lang="en-US" dirty="0"/>
+                    </a:p>
+                  </a:txBody>
+                  <a:tcPr/>
+                </a:tc>
+              </a:tr>
+            </a:tbl>
           </a:graphicData>
         </a:graphic>
       </p:graphicFrame>
     </p:spTree>
     <p:extLst>
       <p:ext uri="{BB962C8B-B14F-4D97-AF65-F5344CB8AC3E}">
-        <p14:creationId xmlns:p14="http://schemas.microsoft.com/office/powerpoint/2010/main" val="2054613054"/>
-      </p:ext>
-    </p:extLst>
-  </p:cSld>
-  <p:clrMapOvr>
-    <a:masterClrMapping/>
-  </p:clrMapOvr>
-</p:sld>
-</file>
-
-<file path=ppt/slides/slide3.xml><?xml version="1.0" encoding="utf-8"?>
-<p:sld xmlns:a="http://schemas.openxmlformats.org/drawingml/2006/main" xmlns:r="http://schemas.openxmlformats.org/officeDocument/2006/relationships" xmlns:p="http://schemas.openxmlformats.org/presentationml/2006/main">
-  <p:cSld>
-    <p:spTree>
-      <p:nvGrpSpPr>
-        <p:cNvPr id="1" name=""/>
-        <p:cNvGrpSpPr/>
-        <p:nvPr/>
-      </p:nvGrpSpPr>
-      <p:grpSpPr>
-        <a:xfrm>
-          <a:off x="0" y="0"/>
-          <a:ext cx="0" cy="0"/>
-          <a:chOff x="0" y="0"/>
-          <a:chExt cx="0" cy="0"/>
-        </a:xfrm>
-      </p:grpSpPr>
-      <p:sp>
-        <p:nvSpPr>
-          <p:cNvPr id="2" name="Title 1"/>
-          <p:cNvSpPr>
-            <a:spLocks noGrp="1"/>
-          </p:cNvSpPr>
-          <p:nvPr>
-            <p:ph type="title"/>
-          </p:nvPr>
-        </p:nvSpPr>
-        <p:spPr/>
-        <p:txBody>
-          <a:bodyPr/>
-          <a:lstStyle/>
-          <a:p>
-            <a:r>
-              <a:rPr lang="en-US" dirty="0" smtClean="0"/>
-              <a:t>Who participated?</a:t>
-            </a:r>
-            <a:endParaRPr lang="en-US" dirty="0"/>
-          </a:p>
-        </p:txBody>
-      </p:sp>
-      <p:sp>
-        <p:nvSpPr>
-          <p:cNvPr id="3" name="Content Placeholder 2"/>
-          <p:cNvSpPr>
-            <a:spLocks noGrp="1"/>
-          </p:cNvSpPr>
-          <p:nvPr>
-            <p:ph sz="quarter" idx="1"/>
-          </p:nvPr>
-        </p:nvSpPr>
-        <p:spPr>
-          <a:xfrm>
-            <a:off x="1524000" y="3352800"/>
-            <a:ext cx="6169152" cy="1066800"/>
-          </a:xfrm>
-        </p:spPr>
-        <p:txBody>
-          <a:bodyPr>
-            <a:normAutofit fontScale="62500" lnSpcReduction="20000"/>
-          </a:bodyPr>
-          <a:lstStyle/>
-          <a:p>
-            <a:pPr marL="0" indent="0">
-              <a:buNone/>
-            </a:pPr>
-            <a:r>
-              <a:t>Blah blah nospace32%nospace blah blah</a:t>
-            </a:r>
-            <a:endParaRPr lang="en-US" sz="4000" dirty="0"/>
-          </a:p>
-        </p:txBody>
-      </p:sp>
-      <p:sp>
-        <p:nvSpPr>
-          <p:cNvPr id="5" name="Slide Number Placeholder 4"/>
-          <p:cNvSpPr>
-            <a:spLocks noGrp="1"/>
-          </p:cNvSpPr>
-          <p:nvPr>
-            <p:ph type="sldNum" sz="quarter" idx="12"/>
-          </p:nvPr>
-        </p:nvSpPr>
-        <p:spPr/>
-        <p:txBody>
-          <a:bodyPr>
-            <a:normAutofit fontScale="85000" lnSpcReduction="20000"/>
-          </a:bodyPr>
-          <a:lstStyle/>
-          <a:p>
-            <a:fld id="{0550DE80-A55D-4FEA-ABCE-0175392B4432}" type="slidenum">
-              <a:rPr lang="en-US" smtClean="0"/>
-              <a:t>3</a:t>
-            </a:fld>
-            <a:endParaRPr lang="en-US" dirty="0"/>
-          </a:p>
-        </p:txBody>
-      </p:sp>
-    </p:spTree>
-    <p:extLst>
-      <p:ext uri="{BB962C8B-B14F-4D97-AF65-F5344CB8AC3E}">
         <p14:creationId xmlns:p14="http://schemas.microsoft.com/office/powerpoint/2010/main" val="580674313"/>
-      </p:ext>
-    </p:extLst>
-  </p:cSld>
-  <p:clrMapOvr>
-    <a:masterClrMapping/>
-  </p:clrMapOvr>
-  <p:timing>
-    <p:tnLst>
-      <p:par>
-        <p:cTn id="1" dur="indefinite" restart="never" nodeType="tmRoot"/>
-      </p:par>
-    </p:tnLst>
-  </p:timing>
-</p:sld>
-</file>
-
-<file path=ppt/slides/slide4.xml><?xml version="1.0" encoding="utf-8"?>
-<p:sld xmlns:a="http://schemas.openxmlformats.org/drawingml/2006/main" xmlns:r="http://schemas.openxmlformats.org/officeDocument/2006/relationships" xmlns:p="http://schemas.openxmlformats.org/presentationml/2006/main">
-  <p:cSld>
-    <p:spTree>
-      <p:nvGrpSpPr>
-        <p:cNvPr id="1" name=""/>
-        <p:cNvGrpSpPr/>
-        <p:nvPr/>
-      </p:nvGrpSpPr>
-      <p:grpSpPr>
-        <a:xfrm>
-          <a:off x="0" y="0"/>
-          <a:ext cx="0" cy="0"/>
-          <a:chOff x="0" y="0"/>
-          <a:chExt cx="0" cy="0"/>
-        </a:xfrm>
-      </p:grpSpPr>
-      <p:sp>
-        <p:nvSpPr>
-          <p:cNvPr id="2" name="Title 1"/>
-          <p:cNvSpPr>
-            <a:spLocks noGrp="1"/>
-          </p:cNvSpPr>
-          <p:nvPr>
-            <p:ph type="title"/>
-          </p:nvPr>
-        </p:nvSpPr>
-        <p:spPr/>
-        <p:txBody>
-          <a:bodyPr/>
-          <a:lstStyle/>
-          <a:p>
-            <a:r>
-              <a:rPr lang="en-US" dirty="0" smtClean="0"/>
-              <a:t>Who participated?</a:t>
-            </a:r>
-            <a:endParaRPr lang="en-US" dirty="0"/>
-          </a:p>
-        </p:txBody>
-      </p:sp>
-      <p:sp>
-        <p:nvSpPr>
-          <p:cNvPr id="3" name="Content Placeholder 2"/>
-          <p:cNvSpPr>
-            <a:spLocks noGrp="1"/>
-          </p:cNvSpPr>
-          <p:nvPr>
-            <p:ph sz="quarter" idx="1"/>
-          </p:nvPr>
-        </p:nvSpPr>
-        <p:spPr>
-          <a:xfrm>
-            <a:off x="1371600" y="2590800"/>
-            <a:ext cx="6169152" cy="1066800"/>
-          </a:xfrm>
-        </p:spPr>
-        <p:txBody>
-          <a:bodyPr>
-            <a:normAutofit/>
-          </a:bodyPr>
-          <a:lstStyle/>
-          <a:p>
-            <a:pPr marL="0" indent="0">
-              <a:buNone/>
-            </a:pPr>
-            <a:endParaRPr lang="en-US" sz="4000" dirty="0" smtClean="0"/>
-          </a:p>
-        </p:txBody>
-      </p:sp>
-      <p:sp>
-        <p:nvSpPr>
-          <p:cNvPr id="5" name="Slide Number Placeholder 4"/>
-          <p:cNvSpPr>
-            <a:spLocks noGrp="1"/>
-          </p:cNvSpPr>
-          <p:nvPr>
-            <p:ph type="sldNum" sz="quarter" idx="12"/>
-          </p:nvPr>
-        </p:nvSpPr>
-        <p:spPr/>
-        <p:txBody>
-          <a:bodyPr>
-            <a:normAutofit fontScale="85000" lnSpcReduction="20000"/>
-          </a:bodyPr>
-          <a:lstStyle/>
-          <a:p>
-            <a:fld id="{0550DE80-A55D-4FEA-ABCE-0175392B4432}" type="slidenum">
-              <a:rPr lang="en-US" smtClean="0"/>
-              <a:t>4</a:t>
-            </a:fld>
-            <a:endParaRPr lang="en-US" dirty="0"/>
-          </a:p>
-        </p:txBody>
-      </p:sp>
-      <p:sp>
-        <p:nvSpPr>
-          <p:cNvPr id="6" name="Content Placeholder 2"/>
-          <p:cNvSpPr txBox="1">
-            <a:spLocks/>
-          </p:cNvSpPr>
-          <p:nvPr/>
-        </p:nvSpPr>
-        <p:spPr>
-          <a:xfrm>
-            <a:off x="1447800" y="4191000"/>
-            <a:ext cx="6169152" cy="1066800"/>
-          </a:xfrm>
-          <a:prstGeom prst="rect">
-            <a:avLst/>
-          </a:prstGeom>
-        </p:spPr>
-        <p:txBody>
-          <a:bodyPr vert="horz">
-            <a:normAutofit fontScale="92500" lnSpcReduction="20000"/>
-          </a:bodyPr>
-          <a:lstStyle>
-            <a:lvl1pPr marL="320040" indent="-320040" algn="l" rtl="0" eaLnBrk="1" latinLnBrk="0" hangingPunct="1">
-              <a:spcBef>
-                <a:spcPts val="700"/>
-              </a:spcBef>
-              <a:buClr>
-                <a:schemeClr val="accent2"/>
-              </a:buClr>
-              <a:buSzPct val="60000"/>
-              <a:buFont typeface="Wingdings"/>
-              <a:buChar char=""/>
-              <a:defRPr kumimoji="0" sz="2900" kern="1200">
-                <a:solidFill>
-                  <a:schemeClr val="tx1"/>
-                </a:solidFill>
-                <a:latin typeface="+mn-lt"/>
-                <a:ea typeface="+mn-ea"/>
-                <a:cs typeface="+mn-cs"/>
-              </a:defRPr>
-            </a:lvl1pPr>
-            <a:lvl2pPr marL="640080" indent="-274320" algn="l" rtl="0" eaLnBrk="1" latinLnBrk="0" hangingPunct="1">
-              <a:spcBef>
-                <a:spcPts val="550"/>
-              </a:spcBef>
-              <a:buClr>
-                <a:schemeClr val="accent1"/>
-              </a:buClr>
-              <a:buSzPct val="70000"/>
-              <a:buFont typeface="Wingdings 2"/>
-              <a:buChar char=""/>
-              <a:defRPr kumimoji="0" sz="2600" kern="1200">
-                <a:solidFill>
-                  <a:schemeClr val="tx1"/>
-                </a:solidFill>
-                <a:latin typeface="+mn-lt"/>
-                <a:ea typeface="+mn-ea"/>
-                <a:cs typeface="+mn-cs"/>
-              </a:defRPr>
-            </a:lvl2pPr>
-            <a:lvl3pPr marL="914400" indent="-228600" algn="l" rtl="0" eaLnBrk="1" latinLnBrk="0" hangingPunct="1">
-              <a:spcBef>
-                <a:spcPts val="500"/>
-              </a:spcBef>
-              <a:buClr>
-                <a:schemeClr val="accent2"/>
-              </a:buClr>
-              <a:buSzPct val="75000"/>
-              <a:buFont typeface="Wingdings"/>
-              <a:buChar char=""/>
-              <a:defRPr kumimoji="0" sz="2300" kern="1200">
-                <a:solidFill>
-                  <a:schemeClr val="tx1"/>
-                </a:solidFill>
-                <a:latin typeface="+mn-lt"/>
-                <a:ea typeface="+mn-ea"/>
-                <a:cs typeface="+mn-cs"/>
-              </a:defRPr>
-            </a:lvl3pPr>
-            <a:lvl4pPr marL="1371600" indent="-228600" algn="l" rtl="0" eaLnBrk="1" latinLnBrk="0" hangingPunct="1">
-              <a:spcBef>
-                <a:spcPts val="400"/>
-              </a:spcBef>
-              <a:buClr>
-                <a:schemeClr val="accent3"/>
-              </a:buClr>
-              <a:buSzPct val="75000"/>
-              <a:buFont typeface="Wingdings"/>
-              <a:buChar char=""/>
-              <a:defRPr kumimoji="0" sz="2000" kern="1200">
-                <a:solidFill>
-                  <a:schemeClr val="tx1"/>
-                </a:solidFill>
-                <a:latin typeface="+mn-lt"/>
-                <a:ea typeface="+mn-ea"/>
-                <a:cs typeface="+mn-cs"/>
-              </a:defRPr>
-            </a:lvl4pPr>
-            <a:lvl5pPr marL="1828800" indent="-228600" algn="l" rtl="0" eaLnBrk="1" latinLnBrk="0" hangingPunct="1">
-              <a:spcBef>
-                <a:spcPts val="400"/>
-              </a:spcBef>
-              <a:buClr>
-                <a:schemeClr val="accent4"/>
-              </a:buClr>
-              <a:buSzPct val="65000"/>
-              <a:buFont typeface="Wingdings"/>
-              <a:buChar char=""/>
-              <a:defRPr kumimoji="0" sz="2000" kern="1200">
-                <a:solidFill>
-                  <a:schemeClr val="tx1"/>
-                </a:solidFill>
-                <a:latin typeface="+mn-lt"/>
-                <a:ea typeface="+mn-ea"/>
-                <a:cs typeface="+mn-cs"/>
-              </a:defRPr>
-            </a:lvl5pPr>
-            <a:lvl6pPr marL="2103120" indent="-228600" algn="l" rtl="0" eaLnBrk="1" latinLnBrk="0" hangingPunct="1">
-              <a:spcBef>
-                <a:spcPct val="20000"/>
-              </a:spcBef>
-              <a:buClr>
-                <a:schemeClr val="accent1"/>
-              </a:buClr>
-              <a:buFont typeface="Wingdings"/>
-              <a:buChar char="§"/>
-              <a:defRPr kumimoji="0" sz="1800" kern="1200" baseline="0">
-                <a:solidFill>
-                  <a:schemeClr val="tx1"/>
-                </a:solidFill>
-                <a:latin typeface="+mn-lt"/>
-                <a:ea typeface="+mn-ea"/>
-                <a:cs typeface="+mn-cs"/>
-              </a:defRPr>
-            </a:lvl6pPr>
-            <a:lvl7pPr marL="2377440" indent="-228600" algn="l" rtl="0" eaLnBrk="1" latinLnBrk="0" hangingPunct="1">
-              <a:spcBef>
-                <a:spcPct val="20000"/>
-              </a:spcBef>
-              <a:buClr>
-                <a:schemeClr val="accent2"/>
-              </a:buClr>
-              <a:buFont typeface="Wingdings"/>
-              <a:buChar char="§"/>
-              <a:defRPr kumimoji="0" sz="1800" kern="1200" baseline="0">
-                <a:solidFill>
-                  <a:schemeClr val="tx1"/>
-                </a:solidFill>
-                <a:latin typeface="+mn-lt"/>
-                <a:ea typeface="+mn-ea"/>
-                <a:cs typeface="+mn-cs"/>
-              </a:defRPr>
-            </a:lvl7pPr>
-            <a:lvl8pPr marL="2651760" indent="-228600" algn="l" rtl="0" eaLnBrk="1" latinLnBrk="0" hangingPunct="1">
-              <a:spcBef>
-                <a:spcPct val="20000"/>
-              </a:spcBef>
-              <a:buClr>
-                <a:schemeClr val="accent3"/>
-              </a:buClr>
-              <a:buFont typeface="Wingdings"/>
-              <a:buChar char="§"/>
-              <a:defRPr kumimoji="0" sz="1800" kern="1200" baseline="0">
-                <a:solidFill>
-                  <a:schemeClr val="tx1"/>
-                </a:solidFill>
-                <a:latin typeface="+mn-lt"/>
-                <a:ea typeface="+mn-ea"/>
-                <a:cs typeface="+mn-cs"/>
-              </a:defRPr>
-            </a:lvl8pPr>
-            <a:lvl9pPr marL="2926080" indent="-228600" algn="l" rtl="0" eaLnBrk="1" latinLnBrk="0" hangingPunct="1">
-              <a:spcBef>
-                <a:spcPct val="20000"/>
-              </a:spcBef>
-              <a:buClr>
-                <a:schemeClr val="accent4"/>
-              </a:buClr>
-              <a:buFont typeface="Wingdings"/>
-              <a:buChar char="§"/>
-              <a:defRPr kumimoji="0" sz="1800" kern="1200" baseline="0">
-                <a:solidFill>
-                  <a:schemeClr val="tx1"/>
-                </a:solidFill>
-                <a:latin typeface="+mn-lt"/>
-                <a:ea typeface="+mn-ea"/>
-                <a:cs typeface="+mn-cs"/>
-              </a:defRPr>
-            </a:lvl9pPr>
-          </a:lstStyle>
-          <a:p>
-            <a:pPr marL="0" indent="0">
-              <a:buNone/>
-            </a:pPr>
-            <a:r>
-              <a:t>32%</a:t>
-            </a:r>
-          </a:p>
-        </p:txBody>
-      </p:sp>
-    </p:spTree>
-    <p:extLst>
-      <p:ext uri="{BB962C8B-B14F-4D97-AF65-F5344CB8AC3E}">
-        <p14:creationId xmlns:p14="http://schemas.microsoft.com/office/powerpoint/2010/main" val="2841723979"/>
-      </p:ext>
-    </p:extLst>
-  </p:cSld>
-  <p:clrMapOvr>
-    <a:masterClrMapping/>
-  </p:clrMapOvr>
-  <p:timing>
-    <p:tnLst>
-      <p:par>
-        <p:cTn id="1" dur="indefinite" restart="never" nodeType="tmRoot"/>
-      </p:par>
-    </p:tnLst>
-  </p:timing>
-</p:sld>
-</file>
-
-<file path=ppt/slides/slide5.xml><?xml version="1.0" encoding="utf-8"?>
-<p:sld xmlns:a="http://schemas.openxmlformats.org/drawingml/2006/main" xmlns:r="http://schemas.openxmlformats.org/officeDocument/2006/relationships" xmlns:p="http://schemas.openxmlformats.org/presentationml/2006/main">
-  <p:cSld>
-    <p:spTree>
-      <p:nvGrpSpPr>
-        <p:cNvPr id="1" name=""/>
-        <p:cNvGrpSpPr/>
-        <p:nvPr/>
-      </p:nvGrpSpPr>
-      <p:grpSpPr>
-        <a:xfrm>
-          <a:off x="0" y="0"/>
-          <a:ext cx="0" cy="0"/>
-          <a:chOff x="0" y="0"/>
-          <a:chExt cx="0" cy="0"/>
-        </a:xfrm>
-      </p:grpSpPr>
-      <p:sp>
-        <p:nvSpPr>
-          <p:cNvPr id="2" name="Title 1"/>
-          <p:cNvSpPr>
-            <a:spLocks noGrp="1"/>
-          </p:cNvSpPr>
-          <p:nvPr>
-            <p:ph type="title"/>
-          </p:nvPr>
-        </p:nvSpPr>
-        <p:spPr/>
-        <p:txBody>
-          <a:bodyPr/>
-          <a:lstStyle/>
-          <a:p>
-            <a:r>
-              <a:rPr lang="en-US" dirty="0" smtClean="0"/>
-              <a:t>Who participated?</a:t>
-            </a:r>
-            <a:endParaRPr lang="en-US" dirty="0"/>
-          </a:p>
-        </p:txBody>
-      </p:sp>
-      <p:sp>
-        <p:nvSpPr>
-          <p:cNvPr id="3" name="Content Placeholder 2"/>
-          <p:cNvSpPr>
-            <a:spLocks noGrp="1"/>
-          </p:cNvSpPr>
-          <p:nvPr>
-            <p:ph sz="quarter" idx="1"/>
-          </p:nvPr>
-        </p:nvSpPr>
-        <p:spPr>
-          <a:xfrm>
-            <a:off x="381000" y="1600200"/>
-            <a:ext cx="8153400" cy="3886198"/>
-          </a:xfrm>
-        </p:spPr>
-        <p:txBody>
-          <a:bodyPr>
-            <a:normAutofit/>
-          </a:bodyPr>
-          <a:lstStyle/>
-          <a:p>
-            <a:pPr marL="0" indent="0">
-              <a:buNone/>
-            </a:pPr>
-            <a:endParaRPr lang="en-US" sz="4000" dirty="0" smtClean="0"/>
-          </a:p>
-        </p:txBody>
-      </p:sp>
-      <p:sp>
-        <p:nvSpPr>
-          <p:cNvPr id="5" name="Slide Number Placeholder 4"/>
-          <p:cNvSpPr>
-            <a:spLocks noGrp="1"/>
-          </p:cNvSpPr>
-          <p:nvPr>
-            <p:ph type="sldNum" sz="quarter" idx="12"/>
-          </p:nvPr>
-        </p:nvSpPr>
-        <p:spPr/>
-        <p:txBody>
-          <a:bodyPr>
-            <a:normAutofit fontScale="85000" lnSpcReduction="20000"/>
-          </a:bodyPr>
-          <a:lstStyle/>
-          <a:p>
-            <a:fld id="{0550DE80-A55D-4FEA-ABCE-0175392B4432}" type="slidenum">
-              <a:rPr lang="en-US" smtClean="0"/>
-              <a:t>5</a:t>
-            </a:fld>
-            <a:endParaRPr lang="en-US" dirty="0"/>
-          </a:p>
-        </p:txBody>
-      </p:sp>
-      <p:graphicFrame>
-        <p:nvGraphicFramePr>
-          <p:cNvPr id="4" name="Chart 3"/>
-          <p:cNvGraphicFramePr>
-            <a:graphicFrameLocks noGrp="1"/>
-          </p:cNvGraphicFramePr>
-          <p:nvPr/>
-        </p:nvGraphicFramePr>
-        <p:xfrm>
-          <a:off x="1828800" y="1828800"/>
-          <a:ext cx="2743200" cy="3886198"/>
-        </p:xfrm>
-        <a:graphic>
-          <a:graphicData uri="http://schemas.openxmlformats.org/drawingml/2006/chart">
-            <c:chart xmlns:c="http://schemas.openxmlformats.org/drawingml/2006/chart" r:id="rId2"/>
-          </a:graphicData>
-        </a:graphic>
-      </p:graphicFrame>
-    </p:spTree>
-    <p:extLst>
-      <p:ext uri="{BB962C8B-B14F-4D97-AF65-F5344CB8AC3E}">
-        <p14:creationId xmlns:p14="http://schemas.microsoft.com/office/powerpoint/2010/main" val="1597361193"/>
-      </p:ext>
-    </p:extLst>
-  </p:cSld>
-  <p:clrMapOvr>
-    <a:masterClrMapping/>
-  </p:clrMapOvr>
-  <p:timing>
-    <p:tnLst>
-      <p:par>
-        <p:cTn id="1" dur="indefinite" restart="never" nodeType="tmRoot"/>
-      </p:par>
-    </p:tnLst>
-  </p:timing>
-</p:sld>
-</file>
-
-<file path=ppt/slides/slide6.xml><?xml version="1.0" encoding="utf-8"?>
-<p:sld xmlns:a="http://schemas.openxmlformats.org/drawingml/2006/main" xmlns:r="http://schemas.openxmlformats.org/officeDocument/2006/relationships" xmlns:p="http://schemas.openxmlformats.org/presentationml/2006/main">
-  <p:cSld>
-    <p:spTree>
-      <p:nvGrpSpPr>
-        <p:cNvPr id="1" name=""/>
-        <p:cNvGrpSpPr/>
-        <p:nvPr/>
-      </p:nvGrpSpPr>
-      <p:grpSpPr>
-        <a:xfrm>
-          <a:off x="0" y="0"/>
-          <a:ext cx="0" cy="0"/>
-          <a:chOff x="0" y="0"/>
-          <a:chExt cx="0" cy="0"/>
-        </a:xfrm>
-      </p:grpSpPr>
-      <p:sp>
-        <p:nvSpPr>
-          <p:cNvPr id="2" name="Title 1"/>
-          <p:cNvSpPr>
-            <a:spLocks noGrp="1"/>
-          </p:cNvSpPr>
-          <p:nvPr>
-            <p:ph type="title"/>
-          </p:nvPr>
-        </p:nvSpPr>
-        <p:spPr/>
-        <p:txBody>
-          <a:bodyPr/>
-          <a:lstStyle/>
-          <a:p>
-            <a:r>
-              <a:rPr lang="en-US" dirty="0" smtClean="0"/>
-              <a:t>Who participated?</a:t>
-            </a:r>
-            <a:endParaRPr lang="en-US" dirty="0"/>
-          </a:p>
-        </p:txBody>
-      </p:sp>
-      <p:sp>
-        <p:nvSpPr>
-          <p:cNvPr id="3" name="Content Placeholder 2"/>
-          <p:cNvSpPr>
-            <a:spLocks noGrp="1"/>
-          </p:cNvSpPr>
-          <p:nvPr>
-            <p:ph sz="quarter" idx="1"/>
-          </p:nvPr>
-        </p:nvSpPr>
-        <p:spPr>
-          <a:xfrm>
-            <a:off x="612648" y="1600200"/>
-            <a:ext cx="8153400" cy="3886198"/>
-          </a:xfrm>
-        </p:spPr>
-        <p:txBody>
-          <a:bodyPr>
-            <a:normAutofit/>
-          </a:bodyPr>
-          <a:lstStyle/>
-          <a:p>
-            <a:pPr marL="0" indent="0">
-              <a:buNone/>
-            </a:pPr>
-          </a:p>
-        </p:txBody>
-      </p:sp>
-      <p:sp>
-        <p:nvSpPr>
-          <p:cNvPr id="5" name="Slide Number Placeholder 4"/>
-          <p:cNvSpPr>
-            <a:spLocks noGrp="1"/>
-          </p:cNvSpPr>
-          <p:nvPr>
-            <p:ph type="sldNum" sz="quarter" idx="12"/>
-          </p:nvPr>
-        </p:nvSpPr>
-        <p:spPr/>
-        <p:txBody>
-          <a:bodyPr>
-            <a:normAutofit fontScale="85000" lnSpcReduction="20000"/>
-          </a:bodyPr>
-          <a:lstStyle/>
-          <a:p>
-            <a:fld id="{0550DE80-A55D-4FEA-ABCE-0175392B4432}" type="slidenum">
-              <a:rPr lang="en-US" smtClean="0"/>
-              <a:t>6</a:t>
-            </a:fld>
-            <a:endParaRPr lang="en-US" dirty="0"/>
-          </a:p>
-        </p:txBody>
-      </p:sp>
-      <p:graphicFrame>
-        <p:nvGraphicFramePr>
-          <p:cNvPr id="4" name="Chart 3"/>
-          <p:cNvGraphicFramePr>
-            <a:graphicFrameLocks noGrp="1"/>
-          </p:cNvGraphicFramePr>
-          <p:nvPr/>
-        </p:nvGraphicFramePr>
-        <p:xfrm>
-          <a:off x="1828800" y="1828800"/>
-          <a:ext cx="2743200" cy="3886198"/>
-        </p:xfrm>
-        <a:graphic>
-          <a:graphicData uri="http://schemas.openxmlformats.org/drawingml/2006/chart">
-            <c:chart xmlns:c="http://schemas.openxmlformats.org/drawingml/2006/chart" r:id="rId2"/>
-          </a:graphicData>
-        </a:graphic>
-      </p:graphicFrame>
-    </p:spTree>
-    <p:extLst>
-      <p:ext uri="{BB962C8B-B14F-4D97-AF65-F5344CB8AC3E}">
-        <p14:creationId xmlns:p14="http://schemas.microsoft.com/office/powerpoint/2010/main" val="3209572625"/>
-      </p:ext>
-    </p:extLst>
-  </p:cSld>
-  <p:clrMapOvr>
-    <a:masterClrMapping/>
-  </p:clrMapOvr>
-  <p:timing>
-    <p:tnLst>
-      <p:par>
-        <p:cTn id="1" dur="indefinite" restart="never" nodeType="tmRoot"/>
-      </p:par>
-    </p:tnLst>
-  </p:timing>
-</p:sld>
-</file>
-
-<file path=ppt/slides/slide7.xml><?xml version="1.0" encoding="utf-8"?>
-<p:sld xmlns:a="http://schemas.openxmlformats.org/drawingml/2006/main" xmlns:r="http://schemas.openxmlformats.org/officeDocument/2006/relationships" xmlns:p="http://schemas.openxmlformats.org/presentationml/2006/main">
-  <p:cSld>
-    <p:spTree>
-      <p:nvGrpSpPr>
-        <p:cNvPr id="1" name=""/>
-        <p:cNvGrpSpPr/>
-        <p:nvPr/>
-      </p:nvGrpSpPr>
-      <p:grpSpPr>
-        <a:xfrm>
-          <a:off x="0" y="0"/>
-          <a:ext cx="0" cy="0"/>
-          <a:chOff x="0" y="0"/>
-          <a:chExt cx="0" cy="0"/>
-        </a:xfrm>
-      </p:grpSpPr>
-      <p:sp>
-        <p:nvSpPr>
-          <p:cNvPr id="2" name="Title 1"/>
-          <p:cNvSpPr>
-            <a:spLocks noGrp="1"/>
-          </p:cNvSpPr>
-          <p:nvPr>
-            <p:ph type="title"/>
-          </p:nvPr>
-        </p:nvSpPr>
-        <p:spPr/>
-        <p:txBody>
-          <a:bodyPr/>
-          <a:lstStyle/>
-          <a:p>
-            <a:r>
-              <a:rPr lang="en-US" dirty="0" smtClean="0"/>
-              <a:t>Resources</a:t>
-            </a:r>
-            <a:endParaRPr lang="en-US" dirty="0"/>
-          </a:p>
-        </p:txBody>
-      </p:sp>
-      <p:sp>
-        <p:nvSpPr>
-          <p:cNvPr id="3" name="Content Placeholder 2"/>
-          <p:cNvSpPr>
-            <a:spLocks noGrp="1"/>
-          </p:cNvSpPr>
-          <p:nvPr>
-            <p:ph sz="quarter" idx="1"/>
-          </p:nvPr>
-        </p:nvSpPr>
-        <p:spPr>
-          <a:xfrm>
-            <a:off x="612648" y="1600200"/>
-            <a:ext cx="8150352" cy="4800600"/>
-          </a:xfrm>
-        </p:spPr>
-        <p:txBody>
-          <a:bodyPr>
-            <a:normAutofit fontScale="77500" lnSpcReduction="20000"/>
-          </a:bodyPr>
-          <a:lstStyle/>
-          <a:p>
-            <a:r>
-              <a:rPr lang="en-US" sz="3100" dirty="0" smtClean="0"/>
-              <a:t>Managing </a:t>
-            </a:r>
-            <a:r>
-              <a:rPr lang="en-US" sz="3100" dirty="0"/>
-              <a:t>Overweight and Obesity in Adults: Systematic Evidence </a:t>
-            </a:r>
-            <a:r>
-              <a:rPr lang="en-US" sz="3100" dirty="0" smtClean="0"/>
-              <a:t>Review from </a:t>
-            </a:r>
-            <a:r>
-              <a:rPr lang="en-US" sz="3100" dirty="0"/>
-              <a:t>the Obesity Expert Panel. </a:t>
-            </a:r>
-            <a:r>
-              <a:rPr lang="en-US" sz="3100" u="sng" dirty="0" smtClean="0">
-                <a:hlinkClick r:id="rId3" tooltip="Link to External Web Site"/>
-              </a:rPr>
-              <a:t>www.nhlbi.nih.gov/sites/www.nhlbi.nih.gov/files/obesity-evidence-review.pdf[PDF </a:t>
-            </a:r>
-            <a:r>
-              <a:rPr lang="en-US" sz="3100" u="sng" dirty="0">
-                <a:hlinkClick r:id="rId3" tooltip="Link to External Web Site"/>
-              </a:rPr>
-              <a:t>- 93KB]</a:t>
-            </a:r>
-            <a:endParaRPr lang="en-US" sz="3100" dirty="0"/>
-          </a:p>
-          <a:p>
-            <a:r>
-              <a:rPr lang="en-US" sz="3100" dirty="0" smtClean="0"/>
-              <a:t>Clinical </a:t>
-            </a:r>
-            <a:r>
-              <a:rPr lang="en-US" sz="3100" dirty="0"/>
-              <a:t>Guidelines on the Identification, Evaluation, and Treatment of Overweight and Obesity in </a:t>
-            </a:r>
-            <a:r>
-              <a:rPr lang="en-US" sz="3100" dirty="0" smtClean="0"/>
-              <a:t>Adults</a:t>
-            </a:r>
-            <a:r>
-              <a:rPr lang="en-US" sz="3100" u="sng" dirty="0" smtClean="0">
-                <a:hlinkClick r:id="rId4" tooltip="Link to External Web Site"/>
-              </a:rPr>
-              <a:t> www.nhlbi.nih.gov/files/docs/guidelines/ob_gdlns.pdf[PDF </a:t>
-            </a:r>
-            <a:r>
-              <a:rPr lang="en-US" sz="3100" u="sng" dirty="0">
-                <a:hlinkClick r:id="rId4" tooltip="Link to External Web Site"/>
-              </a:rPr>
-              <a:t>- 2MB]</a:t>
-            </a:r>
-            <a:endParaRPr lang="en-US" sz="3100" dirty="0"/>
-          </a:p>
-          <a:p>
-            <a:r>
-              <a:rPr lang="en-US" sz="3100" dirty="0" smtClean="0"/>
-              <a:t>U.S</a:t>
-            </a:r>
-            <a:r>
-              <a:rPr lang="en-US" sz="3100" dirty="0"/>
-              <a:t>. Department of Health and Human </a:t>
-            </a:r>
-            <a:r>
-              <a:rPr lang="en-US" sz="3100" dirty="0" smtClean="0"/>
-              <a:t>Services, Office </a:t>
-            </a:r>
-            <a:r>
-              <a:rPr lang="en-US" sz="3100" dirty="0"/>
-              <a:t>of Disease Prevention and Health </a:t>
-            </a:r>
-            <a:r>
-              <a:rPr lang="en-US" sz="3100" dirty="0" smtClean="0"/>
-              <a:t>Promotion, </a:t>
-            </a:r>
-            <a:r>
-              <a:rPr lang="en-US" sz="3100" i="1" dirty="0"/>
-              <a:t>2008 Physical Activity Guidelines for </a:t>
-            </a:r>
-            <a:r>
-              <a:rPr lang="en-US" sz="3100" i="1" dirty="0" smtClean="0"/>
-              <a:t>Americans</a:t>
-            </a:r>
-          </a:p>
-          <a:p>
-            <a:r>
-              <a:rPr lang="en-US" sz="3100" dirty="0" smtClean="0"/>
-              <a:t>My Plate </a:t>
-            </a:r>
-            <a:r>
-              <a:rPr lang="en-US" sz="3100" dirty="0" smtClean="0">
-                <a:hlinkClick r:id="rId5"/>
-              </a:rPr>
-              <a:t>www.choosemyplate.gov</a:t>
-            </a:r>
-            <a:endParaRPr lang="en-US" sz="3100" dirty="0" smtClean="0"/>
-          </a:p>
-          <a:p>
-            <a:r>
-              <a:rPr lang="en-US" sz="3100" dirty="0" smtClean="0"/>
-              <a:t>Center for Disease Control </a:t>
-            </a:r>
-          </a:p>
-          <a:p>
-            <a:r>
-              <a:rPr lang="en-US" sz="3100" dirty="0" smtClean="0"/>
-              <a:t>Harvard School of Public Health</a:t>
-            </a:r>
-          </a:p>
-          <a:p>
-            <a:endParaRPr lang="en-US" dirty="0"/>
-          </a:p>
-          <a:p>
-            <a:endParaRPr lang="en-US" dirty="0" smtClean="0"/>
-          </a:p>
-          <a:p>
-            <a:endParaRPr lang="en-US" dirty="0"/>
-          </a:p>
-        </p:txBody>
-      </p:sp>
-      <p:sp>
-        <p:nvSpPr>
-          <p:cNvPr id="5" name="Slide Number Placeholder 4"/>
-          <p:cNvSpPr>
-            <a:spLocks noGrp="1"/>
-          </p:cNvSpPr>
-          <p:nvPr>
-            <p:ph type="sldNum" sz="quarter" idx="12"/>
-          </p:nvPr>
-        </p:nvSpPr>
-        <p:spPr/>
-        <p:txBody>
-          <a:bodyPr>
-            <a:normAutofit fontScale="85000" lnSpcReduction="20000"/>
-          </a:bodyPr>
-          <a:lstStyle/>
-          <a:p>
-            <a:fld id="{0550DE80-A55D-4FEA-ABCE-0175392B4432}" type="slidenum">
-              <a:rPr lang="en-US" smtClean="0"/>
-              <a:t>7</a:t>
-            </a:fld>
-            <a:endParaRPr lang="en-US" dirty="0"/>
-          </a:p>
-        </p:txBody>
-      </p:sp>
-    </p:spTree>
-    <p:extLst>
-      <p:ext uri="{BB962C8B-B14F-4D97-AF65-F5344CB8AC3E}">
-        <p14:creationId xmlns:p14="http://schemas.microsoft.com/office/powerpoint/2010/main" val="20209268"/>
       </p:ext>
     </p:extLst>
   </p:cSld>

--- a/exampleOutput.pptx
+++ b/exampleOutput.pptx
@@ -5,13 +5,19 @@
     <p:sldMasterId id="2147483996" r:id="rId1"/>
   </p:sldMasterIdLst>
   <p:notesMasterIdLst>
-    <p:notesMasterId r:id="rId3"/>
+    <p:notesMasterId r:id="rId9"/>
   </p:notesMasterIdLst>
   <p:handoutMasterIdLst>
-    <p:handoutMasterId r:id="rId4"/>
+    <p:handoutMasterId r:id="rId10"/>
   </p:handoutMasterIdLst>
   <p:sldIdLst>
-    <p:sldId id="259" r:id="rId2"/>
+    <p:sldId id="256" r:id="rId2"/>
+    <p:sldId id="273" r:id="rId3"/>
+    <p:sldId id="276" r:id="rId4"/>
+    <p:sldId id="259" r:id="rId5"/>
+    <p:sldId id="274" r:id="rId6"/>
+    <p:sldId id="275" r:id="rId7"/>
+    <p:sldId id="258" r:id="rId8"/>
   </p:sldIdLst>
   <p:sldSz cx="9144000" cy="6858000" type="screen4x3"/>
   <p:notesSz cx="9296400" cy="7010400"/>
@@ -129,6 +135,526 @@
 </p:presentation>
 </file>
 
+<file path=ppt/charts/chart1.xml><?xml version="1.0" encoding="utf-8"?>
+<c:chartSpace xmlns:c="http://schemas.openxmlformats.org/drawingml/2006/chart" xmlns:a="http://schemas.openxmlformats.org/drawingml/2006/main" xmlns:r="http://schemas.openxmlformats.org/officeDocument/2006/relationships">
+  <c:chart>
+    <c:plotArea>
+      <c:pieChart>
+        <c:varyColors val="1"/>
+        <c:ser>
+          <c:idx val="0"/>
+          <c:order val="0"/>
+          <c:tx>
+            <c:strRef>
+              <c:f>Sheet1!$B$1</c:f>
+              <c:strCache>
+                <c:ptCount val="1"/>
+                <c:pt idx="0">
+                  <c:v>Series 1</c:v>
+                </c:pt>
+              </c:strCache>
+            </c:strRef>
+          </c:tx>
+          <c:cat>
+            <c:strRef>
+              <c:f>Sheet1!$A$2:$A$3</c:f>
+              <c:strCache>
+                <c:ptCount val="2"/>
+                <c:pt idx="0">
+                  <c:v>male</c:v>
+                </c:pt>
+                <c:pt idx="1">
+                  <c:v>female</c:v>
+                </c:pt>
+              </c:strCache>
+            </c:strRef>
+          </c:cat>
+          <c:val>
+            <c:numRef>
+              <c:f>Sheet1!$B$2:$B$3</c:f>
+              <c:numCache>
+                <c:formatCode>General</c:formatCode>
+                <c:ptCount val="2"/>
+                <c:pt idx="0">
+                  <c:v>16</c:v>
+                </c:pt>
+                <c:pt idx="1">
+                  <c:v>32</c:v>
+                </c:pt>
+              </c:numCache>
+            </c:numRef>
+          </c:val>
+        </c:ser>
+        <c:dLbls>
+          <c:numFmt formatCode="0%" sourceLinked="0"/>
+          <c:dLblPos val="outEnd"/>
+          <c:showLegendKey val="0"/>
+          <c:showVal val="1"/>
+          <c:showCatName val="0"/>
+          <c:showSerName val="0"/>
+          <c:showPercent val="0"/>
+          <c:showBubbleSize val="0"/>
+        </c:dLbls>
+      </c:pieChart>
+    </c:plotArea>
+    <c:legend>
+      <c:legendPos val="b"/>
+      <c:overlay val="0"/>
+    </c:legend>
+  </c:chart>
+  <c:txPr>
+    <a:bodyPr/>
+    <a:lstStyle/>
+    <a:p>
+      <a:pPr>
+        <a:defRPr sz="1800"/>
+      </a:pPr>
+      <a:endParaRPr lang="en-US"/>
+    </a:p>
+  </c:txPr>
+  <c:externalData r:id="rId1">
+    <c:autoUpdate val="0"/>
+  </c:externalData>
+</c:chartSpace>
+</file>
+
+<file path=ppt/charts/chart2.xml><?xml version="1.0" encoding="utf-8"?>
+<c:chartSpace xmlns:c="http://schemas.openxmlformats.org/drawingml/2006/chart" xmlns:a="http://schemas.openxmlformats.org/drawingml/2006/main" xmlns:r="http://schemas.openxmlformats.org/officeDocument/2006/relationships">
+  <c:chart>
+    <c:plotArea>
+      <c:lineChart>
+        <c:grouping val="standard"/>
+        <c:ser>
+          <c:idx val="0"/>
+          <c:order val="0"/>
+          <c:tx>
+            <c:strRef>
+              <c:f>Sheet1!$B$1</c:f>
+              <c:strCache>
+                <c:ptCount val="1"/>
+                <c:pt idx="0">
+                  <c:v>F`</c:v>
+                </c:pt>
+              </c:strCache>
+            </c:strRef>
+          </c:tx>
+          <c:marker>
+            <c:symbol val="none"/>
+          </c:marker>
+          <c:cat>
+            <c:strRef>
+              <c:f>Sheet1!$A$2:$A$4</c:f>
+              <c:strCache>
+                <c:ptCount val="3"/>
+                <c:pt idx="0">
+                  <c:v>2016</c:v>
+                </c:pt>
+                <c:pt idx="1">
+                  <c:v>2015</c:v>
+                </c:pt>
+                <c:pt idx="2">
+                  <c:v>2014</c:v>
+                </c:pt>
+              </c:strCache>
+            </c:strRef>
+          </c:cat>
+          <c:val>
+            <c:numRef>
+              <c:f>Sheet1!$B$2:$B$4</c:f>
+              <c:numCache>
+                <c:formatCode>General</c:formatCode>
+                <c:ptCount val="3"/>
+                <c:pt idx="0">
+                  <c:v>0</c:v>
+                </c:pt>
+                <c:pt idx="1">
+                  <c:v>0</c:v>
+                </c:pt>
+                <c:pt idx="2">
+                  <c:v>1</c:v>
+                </c:pt>
+              </c:numCache>
+            </c:numRef>
+          </c:val>
+          <c:smooth val="0"/>
+        </c:ser>
+        <c:ser>
+          <c:idx val="1"/>
+          <c:order val="1"/>
+          <c:tx>
+            <c:strRef>
+              <c:f>Sheet1!$C$1</c:f>
+              <c:strCache>
+                <c:ptCount val="1"/>
+                <c:pt idx="0">
+                  <c:v>M,</c:v>
+                </c:pt>
+              </c:strCache>
+            </c:strRef>
+          </c:tx>
+          <c:marker>
+            <c:symbol val="none"/>
+          </c:marker>
+          <c:cat>
+            <c:strRef>
+              <c:f>Sheet1!$A$2:$A$4</c:f>
+              <c:strCache>
+                <c:ptCount val="3"/>
+                <c:pt idx="0">
+                  <c:v>2016</c:v>
+                </c:pt>
+                <c:pt idx="1">
+                  <c:v>2015</c:v>
+                </c:pt>
+                <c:pt idx="2">
+                  <c:v>2014</c:v>
+                </c:pt>
+              </c:strCache>
+            </c:strRef>
+          </c:cat>
+          <c:val>
+            <c:numRef>
+              <c:f>Sheet1!$C$2:$C$4</c:f>
+              <c:numCache>
+                <c:formatCode>General</c:formatCode>
+                <c:ptCount val="3"/>
+                <c:pt idx="0">
+                  <c:v>0</c:v>
+                </c:pt>
+                <c:pt idx="1">
+                  <c:v>0</c:v>
+                </c:pt>
+                <c:pt idx="2">
+                  <c:v>1</c:v>
+                </c:pt>
+              </c:numCache>
+            </c:numRef>
+          </c:val>
+          <c:smooth val="0"/>
+        </c:ser>
+        <c:ser>
+          <c:idx val="2"/>
+          <c:order val="2"/>
+          <c:tx>
+            <c:strRef>
+              <c:f>Sheet1!$D$1</c:f>
+              <c:strCache>
+                <c:ptCount val="1"/>
+                <c:pt idx="0">
+                  <c:v>male</c:v>
+                </c:pt>
+              </c:strCache>
+            </c:strRef>
+          </c:tx>
+          <c:marker>
+            <c:symbol val="none"/>
+          </c:marker>
+          <c:cat>
+            <c:strRef>
+              <c:f>Sheet1!$A$2:$A$4</c:f>
+              <c:strCache>
+                <c:ptCount val="3"/>
+                <c:pt idx="0">
+                  <c:v>2016</c:v>
+                </c:pt>
+                <c:pt idx="1">
+                  <c:v>2015</c:v>
+                </c:pt>
+                <c:pt idx="2">
+                  <c:v>2014</c:v>
+                </c:pt>
+              </c:strCache>
+            </c:strRef>
+          </c:cat>
+          <c:val>
+            <c:numRef>
+              <c:f>Sheet1!$D$2:$D$4</c:f>
+              <c:numCache>
+                <c:formatCode>General</c:formatCode>
+                <c:ptCount val="3"/>
+                <c:pt idx="0">
+                  <c:v>16</c:v>
+                </c:pt>
+                <c:pt idx="1">
+                  <c:v>18</c:v>
+                </c:pt>
+                <c:pt idx="2">
+                  <c:v>15</c:v>
+                </c:pt>
+              </c:numCache>
+            </c:numRef>
+          </c:val>
+          <c:smooth val="0"/>
+        </c:ser>
+        <c:ser>
+          <c:idx val="3"/>
+          <c:order val="3"/>
+          <c:tx>
+            <c:strRef>
+              <c:f>Sheet1!$E$1</c:f>
+              <c:strCache>
+                <c:ptCount val="1"/>
+                <c:pt idx="0">
+                  <c:v>Male</c:v>
+                </c:pt>
+              </c:strCache>
+            </c:strRef>
+          </c:tx>
+          <c:marker>
+            <c:symbol val="none"/>
+          </c:marker>
+          <c:cat>
+            <c:strRef>
+              <c:f>Sheet1!$A$2:$A$4</c:f>
+              <c:strCache>
+                <c:ptCount val="3"/>
+                <c:pt idx="0">
+                  <c:v>2016</c:v>
+                </c:pt>
+                <c:pt idx="1">
+                  <c:v>2015</c:v>
+                </c:pt>
+                <c:pt idx="2">
+                  <c:v>2014</c:v>
+                </c:pt>
+              </c:strCache>
+            </c:strRef>
+          </c:cat>
+          <c:val>
+            <c:numRef>
+              <c:f>Sheet1!$E$2:$E$4</c:f>
+              <c:numCache>
+                <c:formatCode>General</c:formatCode>
+                <c:ptCount val="3"/>
+                <c:pt idx="0">
+                  <c:v>0</c:v>
+                </c:pt>
+                <c:pt idx="1">
+                  <c:v>0</c:v>
+                </c:pt>
+                <c:pt idx="2">
+                  <c:v>1</c:v>
+                </c:pt>
+              </c:numCache>
+            </c:numRef>
+          </c:val>
+          <c:smooth val="0"/>
+        </c:ser>
+        <c:ser>
+          <c:idx val="4"/>
+          <c:order val="4"/>
+          <c:tx>
+            <c:strRef>
+              <c:f>Sheet1!$F$1</c:f>
+              <c:strCache>
+                <c:ptCount val="1"/>
+                <c:pt idx="0">
+                  <c:v>female</c:v>
+                </c:pt>
+              </c:strCache>
+            </c:strRef>
+          </c:tx>
+          <c:marker>
+            <c:symbol val="none"/>
+          </c:marker>
+          <c:cat>
+            <c:strRef>
+              <c:f>Sheet1!$A$2:$A$4</c:f>
+              <c:strCache>
+                <c:ptCount val="3"/>
+                <c:pt idx="0">
+                  <c:v>2016</c:v>
+                </c:pt>
+                <c:pt idx="1">
+                  <c:v>2015</c:v>
+                </c:pt>
+                <c:pt idx="2">
+                  <c:v>2014</c:v>
+                </c:pt>
+              </c:strCache>
+            </c:strRef>
+          </c:cat>
+          <c:val>
+            <c:numRef>
+              <c:f>Sheet1!$F$2:$F$4</c:f>
+              <c:numCache>
+                <c:formatCode>General</c:formatCode>
+                <c:ptCount val="3"/>
+                <c:pt idx="0">
+                  <c:v>32</c:v>
+                </c:pt>
+                <c:pt idx="1">
+                  <c:v>31</c:v>
+                </c:pt>
+                <c:pt idx="2">
+                  <c:v>30</c:v>
+                </c:pt>
+              </c:numCache>
+            </c:numRef>
+          </c:val>
+          <c:smooth val="0"/>
+        </c:ser>
+        <c:marker val="1"/>
+        <c:axId val="2118791784"/>
+        <c:axId val="2140495176"/>
+      </c:lineChart>
+      <c:catAx>
+        <c:axId val="2118791784"/>
+        <c:scaling/>
+        <c:delete val="0"/>
+        <c:axPos val="b"/>
+        <c:majorTickMark val="out"/>
+        <c:minorTickMark val="none"/>
+        <c:tickLblPos val="nextTo"/>
+        <c:crossAx val="2140495176"/>
+        <c:crosses val="autoZero"/>
+        <c:lblAlgn val="ctr"/>
+        <c:lblOffset val="100"/>
+        <c:noMultiLvlLbl val="0"/>
+      </c:catAx>
+      <c:valAx>
+        <c:axId val="2140495176"/>
+        <c:scaling/>
+        <c:delete val="0"/>
+        <c:axPos val="l"/>
+        <c:majorGridlines/>
+        <c:majorTickMark val="out"/>
+        <c:minorTickMark val="none"/>
+        <c:tickLblPos val="nextTo"/>
+        <c:crossAx val="2118791784"/>
+        <c:crosses val="autoZero"/>
+      </c:valAx>
+    </c:plotArea>
+    <c:legend>
+      <c:overlay val="0"/>
+    </c:legend>
+  </c:chart>
+  <c:txPr>
+    <a:bodyPr/>
+    <a:lstStyle/>
+    <a:p>
+      <a:pPr>
+        <a:defRPr sz="1800"/>
+      </a:pPr>
+      <a:endParaRPr lang="en-US"/>
+    </a:p>
+  </c:txPr>
+  <c:externalData r:id="rId1">
+    <c:autoUpdate val="0"/>
+  </c:externalData>
+</c:chartSpace>
+</file>
+
+<file path=ppt/charts/chart3.xml><?xml version="1.0" encoding="utf-8"?>
+<c:chartSpace xmlns:c="http://schemas.openxmlformats.org/drawingml/2006/chart" xmlns:a="http://schemas.openxmlformats.org/drawingml/2006/main" xmlns:r="http://schemas.openxmlformats.org/officeDocument/2006/relationships">
+  <c:chart>
+    <c:plotArea>
+      <c:barChart>
+        <c:barDir val="col"/>
+        <c:grouping val="clustered"/>
+        <c:ser>
+          <c:idx val="0"/>
+          <c:order val="0"/>
+          <c:tx>
+            <c:strRef>
+              <c:f>Sheet1!$B$1</c:f>
+              <c:strCache>
+                <c:ptCount val="1"/>
+                <c:pt idx="0">
+                  <c:v>Series 1</c:v>
+                </c:pt>
+              </c:strCache>
+            </c:strRef>
+          </c:tx>
+          <c:cat>
+            <c:strRef>
+              <c:f>Sheet1!$A$2:$A$5</c:f>
+              <c:strCache>
+                <c:ptCount val="4"/>
+                <c:pt idx="0">
+                  <c:v>Optimal</c:v>
+                </c:pt>
+                <c:pt idx="1">
+                  <c:v>LESS THAN OPTIMAL</c:v>
+                </c:pt>
+                <c:pt idx="2">
+                  <c:v>Low</c:v>
+                </c:pt>
+                <c:pt idx="3">
+                  <c:v>LESS THAN OPTIAL</c:v>
+                </c:pt>
+              </c:strCache>
+            </c:strRef>
+          </c:cat>
+          <c:val>
+            <c:numRef>
+              <c:f>Sheet1!$B$2:$B$5</c:f>
+              <c:numCache>
+                <c:formatCode>General</c:formatCode>
+                <c:ptCount val="4"/>
+                <c:pt idx="0">
+                  <c:v>19</c:v>
+                </c:pt>
+                <c:pt idx="1">
+                  <c:v>12</c:v>
+                </c:pt>
+                <c:pt idx="2">
+                  <c:v>16</c:v>
+                </c:pt>
+                <c:pt idx="3">
+                  <c:v>1</c:v>
+                </c:pt>
+              </c:numCache>
+            </c:numRef>
+          </c:val>
+        </c:ser>
+        <c:axId val="-2068027336"/>
+        <c:axId val="-2113994440"/>
+      </c:barChart>
+      <c:catAx>
+        <c:axId val="-2068027336"/>
+        <c:scaling/>
+        <c:delete val="0"/>
+        <c:axPos val="b"/>
+        <c:majorTickMark val="out"/>
+        <c:minorTickMark val="none"/>
+        <c:tickLblPos val="nextTo"/>
+        <c:crossAx val="-2113994440"/>
+        <c:crosses val="autoZero"/>
+        <c:lblAlgn val="ctr"/>
+        <c:lblOffset val="100"/>
+        <c:noMultiLvlLbl val="0"/>
+      </c:catAx>
+      <c:valAx>
+        <c:axId val="-2113994440"/>
+        <c:scaling/>
+        <c:delete val="0"/>
+        <c:axPos val="l"/>
+        <c:majorGridlines/>
+        <c:majorTickMark val="out"/>
+        <c:minorTickMark val="none"/>
+        <c:tickLblPos val="nextTo"/>
+        <c:crossAx val="-2068027336"/>
+        <c:crosses val="autoZero"/>
+      </c:valAx>
+    </c:plotArea>
+  </c:chart>
+  <c:txPr>
+    <a:bodyPr/>
+    <a:lstStyle/>
+    <a:p>
+      <a:pPr>
+        <a:defRPr sz="1800"/>
+      </a:pPr>
+      <a:endParaRPr lang="en-US"/>
+    </a:p>
+  </c:txPr>
+  <c:externalData r:id="rId1">
+    <c:autoUpdate val="0"/>
+  </c:externalData>
+</c:chartSpace>
+</file>
+
 <file path=ppt/handoutMasters/handoutMaster1.xml><?xml version="1.0" encoding="utf-8"?>
 <p:handoutMaster xmlns:a="http://schemas.openxmlformats.org/drawingml/2006/main" xmlns:r="http://schemas.openxmlformats.org/officeDocument/2006/relationships" xmlns:p="http://schemas.openxmlformats.org/presentationml/2006/main">
   <p:cSld>
@@ -211,7 +737,7 @@
           <a:p>
             <a:fld id="{AAB9D47E-67C1-4E1B-91B6-1C4A4CD91A70}" type="datetimeFigureOut">
               <a:rPr lang="en-US" smtClean="0"/>
-              <a:t>11/27/2016</a:t>
+              <a:t>11/29/2016</a:t>
             </a:fld>
             <a:endParaRPr lang="en-US" dirty="0"/>
           </a:p>
@@ -376,7 +902,7 @@
           <a:p>
             <a:fld id="{D43B9A28-89AB-4FF7-B6F7-B576186B66F1}" type="datetimeFigureOut">
               <a:rPr lang="en-US" smtClean="0"/>
-              <a:t>11/27/2016</a:t>
+              <a:t>11/29/2016</a:t>
             </a:fld>
             <a:endParaRPr lang="en-US" dirty="0"/>
           </a:p>
@@ -644,6 +1170,98 @@
 </p:notesMaster>
 </file>
 
+<file path=ppt/notesSlides/notesSlide1.xml><?xml version="1.0" encoding="utf-8"?>
+<p:notes xmlns:a="http://schemas.openxmlformats.org/drawingml/2006/main" xmlns:r="http://schemas.openxmlformats.org/officeDocument/2006/relationships" xmlns:p="http://schemas.openxmlformats.org/presentationml/2006/main">
+  <p:cSld>
+    <p:spTree>
+      <p:nvGrpSpPr>
+        <p:cNvPr id="1" name=""/>
+        <p:cNvGrpSpPr/>
+        <p:nvPr/>
+      </p:nvGrpSpPr>
+      <p:grpSpPr>
+        <a:xfrm>
+          <a:off x="0" y="0"/>
+          <a:ext cx="0" cy="0"/>
+          <a:chOff x="0" y="0"/>
+          <a:chExt cx="0" cy="0"/>
+        </a:xfrm>
+      </p:grpSpPr>
+      <p:sp>
+        <p:nvSpPr>
+          <p:cNvPr id="2" name="Slide Image Placeholder 1"/>
+          <p:cNvSpPr>
+            <a:spLocks noGrp="1" noRot="1" noChangeAspect="1"/>
+          </p:cNvSpPr>
+          <p:nvPr>
+            <p:ph type="sldImg"/>
+          </p:nvPr>
+        </p:nvSpPr>
+        <p:spPr/>
+      </p:sp>
+      <p:sp>
+        <p:nvSpPr>
+          <p:cNvPr id="3" name="Notes Placeholder 2"/>
+          <p:cNvSpPr>
+            <a:spLocks noGrp="1"/>
+          </p:cNvSpPr>
+          <p:nvPr>
+            <p:ph type="body" idx="1"/>
+          </p:nvPr>
+        </p:nvSpPr>
+        <p:spPr/>
+        <p:txBody>
+          <a:bodyPr/>
+          <a:lstStyle/>
+          <a:p>
+            <a:r>
+              <a:rPr lang="en-US" dirty="0" smtClean="0"/>
+              <a:t>SB Note: I’d like</a:t>
+            </a:r>
+            <a:r>
+              <a:rPr lang="en-US" baseline="0" dirty="0" smtClean="0"/>
+              <a:t> this page to be about where we got the info.  But also where they can go to read more. What others should we include?  What would be nice, actually, is if we had a resource page for each factor we tested and we could put it at the bottom of each slide!</a:t>
+            </a:r>
+            <a:endParaRPr lang="en-US" dirty="0"/>
+          </a:p>
+        </p:txBody>
+      </p:sp>
+      <p:sp>
+        <p:nvSpPr>
+          <p:cNvPr id="4" name="Slide Number Placeholder 3"/>
+          <p:cNvSpPr>
+            <a:spLocks noGrp="1"/>
+          </p:cNvSpPr>
+          <p:nvPr>
+            <p:ph type="sldNum" sz="quarter" idx="10"/>
+          </p:nvPr>
+        </p:nvSpPr>
+        <p:spPr/>
+        <p:txBody>
+          <a:bodyPr/>
+          <a:lstStyle/>
+          <a:p>
+            <a:fld id="{3F33A409-1646-4137-A75F-3A02A90E5C52}" type="slidenum">
+              <a:rPr lang="en-US" smtClean="0"/>
+              <a:t>7</a:t>
+            </a:fld>
+            <a:endParaRPr lang="en-US" dirty="0"/>
+          </a:p>
+        </p:txBody>
+      </p:sp>
+    </p:spTree>
+    <p:extLst>
+      <p:ext uri="{BB962C8B-B14F-4D97-AF65-F5344CB8AC3E}">
+        <p14:creationId xmlns:p14="http://schemas.microsoft.com/office/powerpoint/2010/main" val="3005467066"/>
+      </p:ext>
+    </p:extLst>
+  </p:cSld>
+  <p:clrMapOvr>
+    <a:masterClrMapping/>
+  </p:clrMapOvr>
+</p:notes>
+</file>
+
 <file path=ppt/slideLayouts/slideLayout1.xml><?xml version="1.0" encoding="utf-8"?>
 <p:sldLayout xmlns:a="http://schemas.openxmlformats.org/drawingml/2006/main" xmlns:r="http://schemas.openxmlformats.org/officeDocument/2006/relationships" xmlns:p="http://schemas.openxmlformats.org/presentationml/2006/main" showMasterSp="0" type="title" preserve="1">
   <p:cSld name="Title Slide">
@@ -935,7 +1553,7 @@
           <a:p>
             <a:fld id="{EB9FD57E-C399-49A5-9E41-A3349D7DE35B}" type="datetime1">
               <a:rPr lang="en-US" smtClean="0"/>
-              <a:t>11/27/2016</a:t>
+              <a:t>11/29/2016</a:t>
             </a:fld>
             <a:endParaRPr lang="en-US" dirty="0"/>
           </a:p>
@@ -1126,7 +1744,7 @@
           <a:p>
             <a:fld id="{FCEC67C6-3403-4BFB-8B45-9DB8B05CDF67}" type="datetime1">
               <a:rPr lang="en-US" smtClean="0"/>
-              <a:t>11/27/2016</a:t>
+              <a:t>11/29/2016</a:t>
             </a:fld>
             <a:endParaRPr lang="en-US" dirty="0"/>
           </a:p>
@@ -1311,7 +1929,7 @@
           <a:p>
             <a:fld id="{12BE4818-FD7D-4705-B5B3-0E204E7B8767}" type="datetime1">
               <a:rPr lang="en-US" smtClean="0"/>
-              <a:t>11/27/2016</a:t>
+              <a:t>11/29/2016</a:t>
             </a:fld>
             <a:endParaRPr lang="en-US" dirty="0"/>
           </a:p>
@@ -1574,7 +2192,7 @@
           <a:p>
             <a:fld id="{461E0769-57AC-4935-8715-988FC8288D8B}" type="datetime1">
               <a:rPr lang="en-US" smtClean="0"/>
-              <a:t>11/27/2016</a:t>
+              <a:t>11/29/2016</a:t>
             </a:fld>
             <a:endParaRPr lang="en-US" dirty="0"/>
           </a:p>
@@ -1990,7 +2608,7 @@
           <a:p>
             <a:fld id="{CB4DF6D8-D059-4E6F-9489-47A7683AE661}" type="datetime1">
               <a:rPr lang="en-US" smtClean="0"/>
-              <a:t>11/27/2016</a:t>
+              <a:t>11/29/2016</a:t>
             </a:fld>
             <a:endParaRPr lang="en-US" dirty="0"/>
           </a:p>
@@ -2232,7 +2850,7 @@
           <a:p>
             <a:fld id="{3DF2A073-D756-4989-BBD7-7130788C34CA}" type="datetime1">
               <a:rPr lang="en-US" smtClean="0"/>
-              <a:t>11/27/2016</a:t>
+              <a:t>11/29/2016</a:t>
             </a:fld>
             <a:endParaRPr lang="en-US" dirty="0"/>
           </a:p>
@@ -2468,7 +3086,7 @@
           <a:p>
             <a:fld id="{C7812262-0143-4593-8ABE-7E4B68DA324A}" type="datetime1">
               <a:rPr lang="en-US" smtClean="0"/>
-              <a:t>11/27/2016</a:t>
+              <a:t>11/29/2016</a:t>
             </a:fld>
             <a:endParaRPr lang="en-US" dirty="0"/>
           </a:p>
@@ -2663,7 +3281,7 @@
           <a:p>
             <a:fld id="{9444DF3C-DB17-4177-83A1-1F4CFF0BDA1F}" type="datetime1">
               <a:rPr lang="en-US" smtClean="0"/>
-              <a:t>11/27/2016</a:t>
+              <a:t>11/29/2016</a:t>
             </a:fld>
             <a:endParaRPr lang="en-US" dirty="0"/>
           </a:p>
@@ -2761,7 +3379,7 @@
           <a:p>
             <a:fld id="{F6C8DF98-0850-4199-9763-F5AC2123D534}" type="datetime1">
               <a:rPr lang="en-US" smtClean="0"/>
-              <a:t>11/27/2016</a:t>
+              <a:t>11/29/2016</a:t>
             </a:fld>
             <a:endParaRPr lang="en-US" dirty="0"/>
           </a:p>
@@ -2897,7 +3515,7 @@
           <a:p>
             <a:fld id="{01D547BE-D041-448C-ACAF-73E0E93ABA79}" type="datetime1">
               <a:rPr lang="en-US" smtClean="0"/>
-              <a:t>11/27/2016</a:t>
+              <a:t>11/29/2016</a:t>
             </a:fld>
             <a:endParaRPr lang="en-US" dirty="0"/>
           </a:p>
@@ -3415,7 +4033,7 @@
           <a:p>
             <a:fld id="{578863BF-C007-49B5-9EBC-83335D3595B0}" type="datetime1">
               <a:rPr lang="en-US" smtClean="0"/>
-              <a:t>11/27/2016</a:t>
+              <a:t>11/29/2016</a:t>
             </a:fld>
             <a:endParaRPr lang="en-US" dirty="0"/>
           </a:p>
@@ -3676,7 +4294,7 @@
           <a:p>
             <a:fld id="{3AD18C84-CE91-4C35-A0EF-F805A78F094C}" type="datetime1">
               <a:rPr lang="en-US" smtClean="0"/>
-              <a:t>11/27/2016</a:t>
+              <a:t>11/29/2016</a:t>
             </a:fld>
             <a:endParaRPr lang="en-US" dirty="0"/>
           </a:p>
@@ -4223,6 +4841,96 @@
             <a:spLocks noGrp="1"/>
           </p:cNvSpPr>
           <p:nvPr>
+            <p:ph type="ctrTitle"/>
+          </p:nvPr>
+        </p:nvSpPr>
+        <p:spPr>
+          <a:xfrm>
+            <a:off x="0" y="4038600"/>
+            <a:ext cx="7848600" cy="1828800"/>
+          </a:xfrm>
+        </p:spPr>
+        <p:txBody>
+          <a:bodyPr>
+            <a:normAutofit fontScale="90000"/>
+          </a:bodyPr>
+          <a:lstStyle/>
+          <a:p>
+            <a:r>
+              <a:rPr lang="en-US" dirty="0" smtClean="0"/>
+              <a:t>White Castle Biometric Health Screening Aggregate Summary</a:t>
+            </a:r>
+            <a:endParaRPr lang="en-US" dirty="0"/>
+          </a:p>
+        </p:txBody>
+      </p:sp>
+      <p:sp>
+        <p:nvSpPr>
+          <p:cNvPr id="3" name="Subtitle 2"/>
+          <p:cNvSpPr>
+            <a:spLocks noGrp="1"/>
+          </p:cNvSpPr>
+          <p:nvPr>
+            <p:ph type="subTitle" idx="1"/>
+          </p:nvPr>
+        </p:nvSpPr>
+        <p:spPr/>
+        <p:txBody>
+          <a:bodyPr/>
+          <a:lstStyle/>
+          <a:p>
+            <a:r>
+              <a:rPr lang="en-US" dirty="0" smtClean="0"/>
+              <a:t>Compiled by LifeCare Alliance</a:t>
+            </a:r>
+            <a:endParaRPr lang="en-US" dirty="0"/>
+          </a:p>
+        </p:txBody>
+      </p:sp>
+    </p:spTree>
+    <p:extLst>
+      <p:ext uri="{BB962C8B-B14F-4D97-AF65-F5344CB8AC3E}">
+        <p14:creationId xmlns:p14="http://schemas.microsoft.com/office/powerpoint/2010/main" val="3398785662"/>
+      </p:ext>
+    </p:extLst>
+  </p:cSld>
+  <p:clrMapOvr>
+    <a:masterClrMapping/>
+  </p:clrMapOvr>
+  <p:timing>
+    <p:tnLst>
+      <p:par>
+        <p:cTn id="1" dur="indefinite" restart="never" nodeType="tmRoot"/>
+      </p:par>
+    </p:tnLst>
+  </p:timing>
+</p:sld>
+</file>
+
+<file path=ppt/slides/slide2.xml><?xml version="1.0" encoding="utf-8"?>
+<p:sld xmlns:a="http://schemas.openxmlformats.org/drawingml/2006/main" xmlns:r="http://schemas.openxmlformats.org/officeDocument/2006/relationships" xmlns:p="http://schemas.openxmlformats.org/presentationml/2006/main">
+  <p:cSld>
+    <p:spTree>
+      <p:nvGrpSpPr>
+        <p:cNvPr id="1" name=""/>
+        <p:cNvGrpSpPr/>
+        <p:nvPr/>
+      </p:nvGrpSpPr>
+      <p:grpSpPr>
+        <a:xfrm>
+          <a:off x="0" y="0"/>
+          <a:ext cx="0" cy="0"/>
+          <a:chOff x="0" y="0"/>
+          <a:chExt cx="0" cy="0"/>
+        </a:xfrm>
+      </p:grpSpPr>
+      <p:sp>
+        <p:nvSpPr>
+          <p:cNvPr id="2" name="Title 1"/>
+          <p:cNvSpPr>
+            <a:spLocks noGrp="1"/>
+          </p:cNvSpPr>
+          <p:nvPr>
             <p:ph type="title"/>
           </p:nvPr>
         </p:nvSpPr>
@@ -4236,6 +4944,34 @@
               <a:t>Who participated?</a:t>
             </a:r>
             <a:endParaRPr lang="en-US" dirty="0"/>
+          </a:p>
+        </p:txBody>
+      </p:sp>
+      <p:sp>
+        <p:nvSpPr>
+          <p:cNvPr id="3" name="Content Placeholder 2"/>
+          <p:cNvSpPr>
+            <a:spLocks noGrp="1"/>
+          </p:cNvSpPr>
+          <p:nvPr>
+            <p:ph sz="quarter" idx="1"/>
+          </p:nvPr>
+        </p:nvSpPr>
+        <p:spPr>
+          <a:xfrm>
+            <a:off x="381000" y="1600200"/>
+            <a:ext cx="8153400" cy="3886198"/>
+          </a:xfrm>
+        </p:spPr>
+        <p:txBody>
+          <a:bodyPr>
+            <a:normAutofit/>
+          </a:bodyPr>
+          <a:lstStyle/>
+          <a:p>
+            <a:pPr marL="0" indent="0">
+              <a:buNone/>
+            </a:pPr>
           </a:p>
         </p:txBody>
       </p:sp>
@@ -4258,7 +4994,7 @@
           <a:p>
             <a:fld id="{0550DE80-A55D-4FEA-ABCE-0175392B4432}" type="slidenum">
               <a:rPr lang="en-US" smtClean="0"/>
-              <a:t>1</a:t>
+              <a:t>2</a:t>
             </a:fld>
             <a:endParaRPr lang="en-US" dirty="0"/>
           </a:p>
@@ -4266,315 +5002,932 @@
       </p:sp>
       <p:graphicFrame>
         <p:nvGraphicFramePr>
-          <p:cNvPr id="4" name="Table 3"/>
+          <p:cNvPr id="4" name="Chart 3"/>
           <p:cNvGraphicFramePr>
             <a:graphicFrameLocks noGrp="1"/>
           </p:cNvGraphicFramePr>
-          <p:nvPr>
-            <p:extLst>
-              <p:ext uri="{D42A27DB-BD31-4B8C-83A1-F6EECF244321}">
-                <p14:modId xmlns:p14="http://schemas.microsoft.com/office/powerpoint/2010/main" val="4243160473"/>
-              </p:ext>
-            </p:extLst>
-          </p:nvPr>
+          <p:nvPr/>
         </p:nvGraphicFramePr>
         <p:xfrm>
-          <a:off x="1600200" y="4648200"/>
-          <a:ext cx="6096000" cy="3845560"/>
+          <a:off x="1828800" y="1828800"/>
+          <a:ext cx="2743200" cy="3886198"/>
         </p:xfrm>
         <a:graphic>
-          <a:graphicData uri="http://schemas.openxmlformats.org/drawingml/2006/table">
-            <a:tbl>
-              <a:tblPr firstRow="1" bandRow="1">
-                <a:tableStyleId>{5C22544A-7EE6-4342-B048-85BDC9FD1C3A}</a:tableStyleId>
-              </a:tblPr>
-              <a:tblGrid>
-                <a:gridCol w="1016000"/>
-                <a:gridCol w="1016000"/>
-                <a:gridCol w="1016000"/>
-                <a:gridCol w="1016000"/>
-                <a:gridCol w="1016000"/>
-                <a:gridCol w="1016000"/>
-              </a:tblGrid>
-              <a:tr h="370840">
-                <a:tc>
-                  <a:txBody>
-                    <a:bodyPr/>
-                    <a:lstStyle/>
-                    <a:p>
-                      <a:r>
-                        <a:rPr lang="en-US" dirty="0" err="1" smtClean="0"/>
-                        <a:t>qwer</a:t>
-                      </a:r>
-                      <a:endParaRPr lang="en-US" dirty="0"/>
-                    </a:p>
-                  </a:txBody>
-                  <a:tcPr/>
-                </a:tc>
-                <a:tc>
-                  <a:txBody>
-                    <a:bodyPr/>
-                    <a:lstStyle/>
-                    <a:p>
-                      <a:endParaRPr lang="en-US"/>
-                    </a:p>
-                  </a:txBody>
-                  <a:tcPr/>
-                </a:tc>
-                <a:tc>
-                  <a:txBody>
-                    <a:bodyPr/>
-                    <a:lstStyle/>
-                    <a:p>
-                      <a:endParaRPr lang="en-US"/>
-                    </a:p>
-                  </a:txBody>
-                  <a:tcPr/>
-                </a:tc>
-                <a:tc>
-                  <a:txBody>
-                    <a:bodyPr/>
-                    <a:lstStyle/>
-                    <a:p>
-                      <a:endParaRPr lang="en-US"/>
-                    </a:p>
-                  </a:txBody>
-                  <a:tcPr/>
-                </a:tc>
-                <a:tc>
-                  <a:txBody>
-                    <a:bodyPr/>
-                    <a:lstStyle/>
-                    <a:p>
-                      <a:endParaRPr lang="en-US"/>
-                    </a:p>
-                  </a:txBody>
-                  <a:tcPr/>
-                </a:tc>
-                <a:tc>
-                  <a:txBody>
-                    <a:bodyPr/>
-                    <a:lstStyle/>
-                    <a:p>
-                      <a:endParaRPr lang="en-US"/>
-                    </a:p>
-                  </a:txBody>
-                  <a:tcPr/>
-                </a:tc>
-              </a:tr>
-              <a:tr h="370840">
-                <a:tc>
-                  <a:txBody>
-                    <a:bodyPr/>
-                    <a:lstStyle/>
-                    <a:p>
-                      <a:r>
-                        <a:rPr lang="en-US" dirty="0" err="1" smtClean="0"/>
-                        <a:t>asdf</a:t>
-                      </a:r>
-                      <a:endParaRPr lang="en-US" dirty="0"/>
-                    </a:p>
-                  </a:txBody>
-                  <a:tcPr/>
-                </a:tc>
-                <a:tc>
-                  <a:txBody>
-                    <a:bodyPr/>
-                    <a:lstStyle/>
-                    <a:p>
-                      <a:r>
-                        <a:t>32%</a:t>
-                      </a:r>
-                      <a:endParaRPr lang="en-US" dirty="0"/>
-                    </a:p>
-                  </a:txBody>
-                  <a:tcPr/>
-                </a:tc>
-                <a:tc>
-                  <a:txBody>
-                    <a:bodyPr/>
-                    <a:lstStyle/>
-                    <a:p>
-                      <a:pPr marL="0" marR="0" indent="0" algn="l" defTabSz="914400" rtl="0" eaLnBrk="1" fontAlgn="auto" latinLnBrk="0" hangingPunct="1">
-                        <a:lnSpc>
-                          <a:spcPct val="100000"/>
-                        </a:lnSpc>
-                        <a:spcBef>
-                          <a:spcPts val="0"/>
-                        </a:spcBef>
-                        <a:spcAft>
-                          <a:spcPts val="0"/>
-                        </a:spcAft>
-                        <a:buClrTx/>
-                        <a:buSzTx/>
-                        <a:buFontTx/>
-                        <a:buNone/>
-                        <a:tabLst/>
-                        <a:defRPr/>
-                      </a:pPr>
-                      <a:r>
-                        <a:t>28%</a:t>
-                      </a:r>
-                      <a:br/>
-                      <a:endParaRPr lang="en-US" dirty="0" smtClean="0"/>
-                    </a:p>
-                  </a:txBody>
-                  <a:tcPr/>
-                </a:tc>
-                <a:tc>
-                  <a:txBody>
-                    <a:bodyPr/>
-                    <a:lstStyle/>
-                    <a:p>
-                      <a:r>
-                        <a:t>36%</a:t>
-                      </a:r>
-                      <a:br/>
-                      <a:endParaRPr lang="en-US" dirty="0" smtClean="0"/>
-                    </a:p>
-                  </a:txBody>
-                  <a:tcPr/>
-                </a:tc>
-                <a:tc>
-                  <a:txBody>
-                    <a:bodyPr/>
-                    <a:lstStyle/>
-                    <a:p>
-                      <a:endParaRPr lang="en-US"/>
-                    </a:p>
-                  </a:txBody>
-                  <a:tcPr/>
-                </a:tc>
-                <a:tc>
-                  <a:txBody>
-                    <a:bodyPr/>
-                    <a:lstStyle/>
-                    <a:p>
-                      <a:endParaRPr lang="en-US"/>
-                    </a:p>
-                  </a:txBody>
-                  <a:tcPr/>
-                </a:tc>
-              </a:tr>
-              <a:tr h="370840">
-                <a:tc>
-                  <a:txBody>
-                    <a:bodyPr/>
-                    <a:lstStyle/>
-                    <a:p>
-                      <a:r>
-                        <a:rPr lang="en-US" dirty="0" err="1" smtClean="0"/>
-                        <a:t>zxcv</a:t>
-                      </a:r>
-                      <a:endParaRPr lang="en-US" dirty="0"/>
-                    </a:p>
-                  </a:txBody>
-                  <a:tcPr/>
-                </a:tc>
-                <a:tc>
-                  <a:txBody>
-                    <a:bodyPr/>
-                    <a:lstStyle/>
-                    <a:p>
-                      <a:r>
-                        <a:t>65%</a:t>
-                      </a:r>
-                      <a:endParaRPr lang="en-US" sz="800" dirty="0"/>
-                    </a:p>
-                  </a:txBody>
-                  <a:tcPr/>
-                </a:tc>
-                <a:tc>
-                  <a:txBody>
-                    <a:bodyPr/>
-                    <a:lstStyle/>
-                    <a:p>
-                      <a:pPr marL="0" marR="0" indent="0" algn="l" defTabSz="914400" rtl="0" eaLnBrk="1" fontAlgn="auto" latinLnBrk="0" hangingPunct="1">
-                        <a:lnSpc>
-                          <a:spcPct val="100000"/>
-                        </a:lnSpc>
-                        <a:spcBef>
-                          <a:spcPts val="0"/>
-                        </a:spcBef>
-                        <a:spcAft>
-                          <a:spcPts val="0"/>
-                        </a:spcAft>
-                        <a:buClrTx/>
-                        <a:buSzTx/>
-                        <a:buFontTx/>
-                        <a:buNone/>
-                        <a:tabLst/>
-                        <a:defRPr/>
-                      </a:pPr>
-                      <a:r>
-                        <a:t>NO OUTPUT TEXT CREATED</a:t>
-                      </a:r>
-                      <a:br/>
-                      <a:endParaRPr lang="en-US" dirty="0" smtClean="0"/>
-                    </a:p>
-                  </a:txBody>
-                  <a:tcPr/>
-                </a:tc>
-                <a:tc>
-                  <a:txBody>
-                    <a:bodyPr/>
-                    <a:lstStyle/>
-                    <a:p>
-                      <a:pPr marL="0" marR="0" indent="0" algn="l" defTabSz="914400" rtl="0" eaLnBrk="1" fontAlgn="auto" latinLnBrk="0" hangingPunct="1">
-                        <a:lnSpc>
-                          <a:spcPct val="100000"/>
-                        </a:lnSpc>
-                        <a:spcBef>
-                          <a:spcPts val="0"/>
-                        </a:spcBef>
-                        <a:spcAft>
-                          <a:spcPts val="0"/>
-                        </a:spcAft>
-                        <a:buClrTx/>
-                        <a:buSzTx/>
-                        <a:buFontTx/>
-                        <a:buNone/>
-                        <a:tabLst/>
-                        <a:defRPr/>
-                      </a:pPr>
-                      <a:r>
-                        <a:t>62%</a:t>
-                      </a:r>
-                      <a:br/>
-                      <a:endParaRPr lang="en-US" dirty="0" smtClean="0"/>
-                    </a:p>
-                  </a:txBody>
-                  <a:tcPr/>
-                </a:tc>
-                <a:tc>
-                  <a:txBody>
-                    <a:bodyPr/>
-                    <a:lstStyle/>
-                    <a:p>
-                      <a:endParaRPr lang="en-US"/>
-                    </a:p>
-                  </a:txBody>
-                  <a:tcPr/>
-                </a:tc>
-                <a:tc>
-                  <a:txBody>
-                    <a:bodyPr/>
-                    <a:lstStyle/>
-                    <a:p>
-                      <a:endParaRPr lang="en-US" dirty="0"/>
-                    </a:p>
-                  </a:txBody>
-                  <a:tcPr/>
-                </a:tc>
-              </a:tr>
-            </a:tbl>
+          <a:graphicData uri="http://schemas.openxmlformats.org/drawingml/2006/chart">
+            <c:chart xmlns:c="http://schemas.openxmlformats.org/drawingml/2006/chart" r:id="rId2"/>
           </a:graphicData>
         </a:graphic>
       </p:graphicFrame>
     </p:spTree>
     <p:extLst>
       <p:ext uri="{BB962C8B-B14F-4D97-AF65-F5344CB8AC3E}">
+        <p14:creationId xmlns:p14="http://schemas.microsoft.com/office/powerpoint/2010/main" val="1597361193"/>
+      </p:ext>
+    </p:extLst>
+  </p:cSld>
+  <p:clrMapOvr>
+    <a:masterClrMapping/>
+  </p:clrMapOvr>
+  <p:timing>
+    <p:tnLst>
+      <p:par>
+        <p:cTn id="1" dur="indefinite" restart="never" nodeType="tmRoot"/>
+      </p:par>
+    </p:tnLst>
+  </p:timing>
+</p:sld>
+</file>
+
+<file path=ppt/slides/slide3.xml><?xml version="1.0" encoding="utf-8"?>
+<p:sld xmlns:a="http://schemas.openxmlformats.org/drawingml/2006/main" xmlns:r="http://schemas.openxmlformats.org/officeDocument/2006/relationships" xmlns:p="http://schemas.openxmlformats.org/presentationml/2006/main">
+  <p:cSld>
+    <p:spTree>
+      <p:nvGrpSpPr>
+        <p:cNvPr id="1" name=""/>
+        <p:cNvGrpSpPr/>
+        <p:nvPr/>
+      </p:nvGrpSpPr>
+      <p:grpSpPr>
+        <a:xfrm>
+          <a:off x="0" y="0"/>
+          <a:ext cx="0" cy="0"/>
+          <a:chOff x="0" y="0"/>
+          <a:chExt cx="0" cy="0"/>
+        </a:xfrm>
+      </p:grpSpPr>
+      <p:sp>
+        <p:nvSpPr>
+          <p:cNvPr id="2" name="Title 1"/>
+          <p:cNvSpPr>
+            <a:spLocks noGrp="1"/>
+          </p:cNvSpPr>
+          <p:nvPr>
+            <p:ph type="title"/>
+          </p:nvPr>
+        </p:nvSpPr>
+        <p:spPr/>
+        <p:txBody>
+          <a:bodyPr/>
+          <a:lstStyle/>
+          <a:p>
+            <a:endParaRPr lang="en-US"/>
+          </a:p>
+        </p:txBody>
+      </p:sp>
+      <p:sp>
+        <p:nvSpPr>
+          <p:cNvPr id="3" name="Slide Number Placeholder 2"/>
+          <p:cNvSpPr>
+            <a:spLocks noGrp="1"/>
+          </p:cNvSpPr>
+          <p:nvPr>
+            <p:ph type="sldNum" sz="quarter" idx="12"/>
+          </p:nvPr>
+        </p:nvSpPr>
+        <p:spPr/>
+        <p:txBody>
+          <a:bodyPr>
+            <a:normAutofit fontScale="85000" lnSpcReduction="20000"/>
+          </a:bodyPr>
+          <a:lstStyle/>
+          <a:p>
+            <a:fld id="{0550DE80-A55D-4FEA-ABCE-0175392B4432}" type="slidenum">
+              <a:rPr lang="en-US" smtClean="0"/>
+              <a:t>3</a:t>
+            </a:fld>
+            <a:endParaRPr lang="en-US" dirty="0"/>
+          </a:p>
+        </p:txBody>
+      </p:sp>
+      <p:sp>
+        <p:nvSpPr>
+          <p:cNvPr id="4" name="Content Placeholder 3"/>
+          <p:cNvSpPr>
+            <a:spLocks noGrp="1"/>
+          </p:cNvSpPr>
+          <p:nvPr>
+            <p:ph sz="quarter" idx="1"/>
+          </p:nvPr>
+        </p:nvSpPr>
+        <p:spPr>
+          <a:xfrm>
+            <a:off x="1828800" y="2133600"/>
+            <a:ext cx="4575048" cy="2362200"/>
+          </a:xfrm>
+        </p:spPr>
+        <p:txBody>
+          <a:bodyPr/>
+          <a:lstStyle/>
+          <a:p/>
+        </p:txBody>
+      </p:sp>
+      <p:graphicFrame>
+        <p:nvGraphicFramePr>
+          <p:cNvPr id="5" name="Chart 4"/>
+          <p:cNvGraphicFramePr>
+            <a:graphicFrameLocks noGrp="1"/>
+          </p:cNvGraphicFramePr>
+          <p:nvPr/>
+        </p:nvGraphicFramePr>
+        <p:xfrm>
+          <a:off x="1828800" y="1828800"/>
+          <a:ext cx="2743200" cy="2362200"/>
+        </p:xfrm>
+        <a:graphic>
+          <a:graphicData uri="http://schemas.openxmlformats.org/drawingml/2006/chart">
+            <c:chart xmlns:c="http://schemas.openxmlformats.org/drawingml/2006/chart" r:id="rId2"/>
+          </a:graphicData>
+        </a:graphic>
+      </p:graphicFrame>
+    </p:spTree>
+    <p:extLst>
+      <p:ext uri="{BB962C8B-B14F-4D97-AF65-F5344CB8AC3E}">
+        <p14:creationId xmlns:p14="http://schemas.microsoft.com/office/powerpoint/2010/main" val="2054613054"/>
+      </p:ext>
+    </p:extLst>
+  </p:cSld>
+  <p:clrMapOvr>
+    <a:masterClrMapping/>
+  </p:clrMapOvr>
+</p:sld>
+</file>
+
+<file path=ppt/slides/slide4.xml><?xml version="1.0" encoding="utf-8"?>
+<p:sld xmlns:a="http://schemas.openxmlformats.org/drawingml/2006/main" xmlns:r="http://schemas.openxmlformats.org/officeDocument/2006/relationships" xmlns:p="http://schemas.openxmlformats.org/presentationml/2006/main">
+  <p:cSld>
+    <p:spTree>
+      <p:nvGrpSpPr>
+        <p:cNvPr id="1" name=""/>
+        <p:cNvGrpSpPr/>
+        <p:nvPr/>
+      </p:nvGrpSpPr>
+      <p:grpSpPr>
+        <a:xfrm>
+          <a:off x="0" y="0"/>
+          <a:ext cx="0" cy="0"/>
+          <a:chOff x="0" y="0"/>
+          <a:chExt cx="0" cy="0"/>
+        </a:xfrm>
+      </p:grpSpPr>
+      <p:sp>
+        <p:nvSpPr>
+          <p:cNvPr id="2" name="Title 1"/>
+          <p:cNvSpPr>
+            <a:spLocks noGrp="1"/>
+          </p:cNvSpPr>
+          <p:nvPr>
+            <p:ph type="title"/>
+          </p:nvPr>
+        </p:nvSpPr>
+        <p:spPr/>
+        <p:txBody>
+          <a:bodyPr/>
+          <a:lstStyle/>
+          <a:p>
+            <a:r>
+              <a:rPr lang="en-US" dirty="0" smtClean="0"/>
+              <a:t>Who participated?</a:t>
+            </a:r>
+            <a:endParaRPr lang="en-US" dirty="0"/>
+          </a:p>
+        </p:txBody>
+      </p:sp>
+      <p:sp>
+        <p:nvSpPr>
+          <p:cNvPr id="3" name="Content Placeholder 2"/>
+          <p:cNvSpPr>
+            <a:spLocks noGrp="1"/>
+          </p:cNvSpPr>
+          <p:nvPr>
+            <p:ph sz="quarter" idx="1"/>
+          </p:nvPr>
+        </p:nvSpPr>
+        <p:spPr>
+          <a:xfrm>
+            <a:off x="1524000" y="3352800"/>
+            <a:ext cx="6169152" cy="1066800"/>
+          </a:xfrm>
+        </p:spPr>
+        <p:txBody>
+          <a:bodyPr>
+            <a:normAutofit fontScale="62500" lnSpcReduction="20000"/>
+          </a:bodyPr>
+          <a:lstStyle/>
+          <a:p>
+            <a:pPr marL="0" indent="0">
+              <a:buNone/>
+            </a:pPr>
+            <a:r>
+              <a:t>Blah blah nospace38%nospace blah blah</a:t>
+            </a:r>
+            <a:endParaRPr lang="en-US" sz="4000" dirty="0"/>
+          </a:p>
+        </p:txBody>
+      </p:sp>
+      <p:sp>
+        <p:nvSpPr>
+          <p:cNvPr id="5" name="Slide Number Placeholder 4"/>
+          <p:cNvSpPr>
+            <a:spLocks noGrp="1"/>
+          </p:cNvSpPr>
+          <p:nvPr>
+            <p:ph type="sldNum" sz="quarter" idx="12"/>
+          </p:nvPr>
+        </p:nvSpPr>
+        <p:spPr/>
+        <p:txBody>
+          <a:bodyPr>
+            <a:normAutofit fontScale="85000" lnSpcReduction="20000"/>
+          </a:bodyPr>
+          <a:lstStyle/>
+          <a:p>
+            <a:fld id="{0550DE80-A55D-4FEA-ABCE-0175392B4432}" type="slidenum">
+              <a:rPr lang="en-US" smtClean="0"/>
+              <a:t>4</a:t>
+            </a:fld>
+            <a:endParaRPr lang="en-US" dirty="0"/>
+          </a:p>
+        </p:txBody>
+      </p:sp>
+    </p:spTree>
+    <p:extLst>
+      <p:ext uri="{BB962C8B-B14F-4D97-AF65-F5344CB8AC3E}">
         <p14:creationId xmlns:p14="http://schemas.microsoft.com/office/powerpoint/2010/main" val="580674313"/>
+      </p:ext>
+    </p:extLst>
+  </p:cSld>
+  <p:clrMapOvr>
+    <a:masterClrMapping/>
+  </p:clrMapOvr>
+  <p:timing>
+    <p:tnLst>
+      <p:par>
+        <p:cTn id="1" dur="indefinite" restart="never" nodeType="tmRoot"/>
+      </p:par>
+    </p:tnLst>
+  </p:timing>
+</p:sld>
+</file>
+
+<file path=ppt/slides/slide5.xml><?xml version="1.0" encoding="utf-8"?>
+<p:sld xmlns:a="http://schemas.openxmlformats.org/drawingml/2006/main" xmlns:r="http://schemas.openxmlformats.org/officeDocument/2006/relationships" xmlns:p="http://schemas.openxmlformats.org/presentationml/2006/main">
+  <p:cSld>
+    <p:spTree>
+      <p:nvGrpSpPr>
+        <p:cNvPr id="1" name=""/>
+        <p:cNvGrpSpPr/>
+        <p:nvPr/>
+      </p:nvGrpSpPr>
+      <p:grpSpPr>
+        <a:xfrm>
+          <a:off x="0" y="0"/>
+          <a:ext cx="0" cy="0"/>
+          <a:chOff x="0" y="0"/>
+          <a:chExt cx="0" cy="0"/>
+        </a:xfrm>
+      </p:grpSpPr>
+      <p:sp>
+        <p:nvSpPr>
+          <p:cNvPr id="2" name="Title 1"/>
+          <p:cNvSpPr>
+            <a:spLocks noGrp="1"/>
+          </p:cNvSpPr>
+          <p:nvPr>
+            <p:ph type="title"/>
+          </p:nvPr>
+        </p:nvSpPr>
+        <p:spPr/>
+        <p:txBody>
+          <a:bodyPr/>
+          <a:lstStyle/>
+          <a:p>
+            <a:r>
+              <a:rPr lang="en-US" dirty="0" smtClean="0"/>
+              <a:t>Who participated?</a:t>
+            </a:r>
+            <a:endParaRPr lang="en-US" dirty="0"/>
+          </a:p>
+        </p:txBody>
+      </p:sp>
+      <p:sp>
+        <p:nvSpPr>
+          <p:cNvPr id="3" name="Content Placeholder 2"/>
+          <p:cNvSpPr>
+            <a:spLocks noGrp="1"/>
+          </p:cNvSpPr>
+          <p:nvPr>
+            <p:ph sz="quarter" idx="1"/>
+          </p:nvPr>
+        </p:nvSpPr>
+        <p:spPr>
+          <a:xfrm>
+            <a:off x="1371600" y="2590800"/>
+            <a:ext cx="6169152" cy="1066800"/>
+          </a:xfrm>
+        </p:spPr>
+        <p:txBody>
+          <a:bodyPr>
+            <a:normAutofit/>
+          </a:bodyPr>
+          <a:lstStyle/>
+          <a:p>
+            <a:pPr marL="0" indent="0">
+              <a:buNone/>
+            </a:pPr>
+            <a:endParaRPr lang="en-US" sz="4000" dirty="0" smtClean="0"/>
+          </a:p>
+        </p:txBody>
+      </p:sp>
+      <p:sp>
+        <p:nvSpPr>
+          <p:cNvPr id="5" name="Slide Number Placeholder 4"/>
+          <p:cNvSpPr>
+            <a:spLocks noGrp="1"/>
+          </p:cNvSpPr>
+          <p:nvPr>
+            <p:ph type="sldNum" sz="quarter" idx="12"/>
+          </p:nvPr>
+        </p:nvSpPr>
+        <p:spPr/>
+        <p:txBody>
+          <a:bodyPr>
+            <a:normAutofit fontScale="85000" lnSpcReduction="20000"/>
+          </a:bodyPr>
+          <a:lstStyle/>
+          <a:p>
+            <a:fld id="{0550DE80-A55D-4FEA-ABCE-0175392B4432}" type="slidenum">
+              <a:rPr lang="en-US" smtClean="0"/>
+              <a:t>5</a:t>
+            </a:fld>
+            <a:endParaRPr lang="en-US" dirty="0"/>
+          </a:p>
+        </p:txBody>
+      </p:sp>
+      <p:sp>
+        <p:nvSpPr>
+          <p:cNvPr id="6" name="Content Placeholder 2"/>
+          <p:cNvSpPr txBox="1">
+            <a:spLocks/>
+          </p:cNvSpPr>
+          <p:nvPr/>
+        </p:nvSpPr>
+        <p:spPr>
+          <a:xfrm>
+            <a:off x="1447800" y="4191000"/>
+            <a:ext cx="6169152" cy="1066800"/>
+          </a:xfrm>
+          <a:prstGeom prst="rect">
+            <a:avLst/>
+          </a:prstGeom>
+        </p:spPr>
+        <p:txBody>
+          <a:bodyPr vert="horz">
+            <a:normAutofit fontScale="92500" lnSpcReduction="20000"/>
+          </a:bodyPr>
+          <a:lstStyle>
+            <a:lvl1pPr marL="320040" indent="-320040" algn="l" rtl="0" eaLnBrk="1" latinLnBrk="0" hangingPunct="1">
+              <a:spcBef>
+                <a:spcPts val="700"/>
+              </a:spcBef>
+              <a:buClr>
+                <a:schemeClr val="accent2"/>
+              </a:buClr>
+              <a:buSzPct val="60000"/>
+              <a:buFont typeface="Wingdings"/>
+              <a:buChar char=""/>
+              <a:defRPr kumimoji="0" sz="2900" kern="1200">
+                <a:solidFill>
+                  <a:schemeClr val="tx1"/>
+                </a:solidFill>
+                <a:latin typeface="+mn-lt"/>
+                <a:ea typeface="+mn-ea"/>
+                <a:cs typeface="+mn-cs"/>
+              </a:defRPr>
+            </a:lvl1pPr>
+            <a:lvl2pPr marL="640080" indent="-274320" algn="l" rtl="0" eaLnBrk="1" latinLnBrk="0" hangingPunct="1">
+              <a:spcBef>
+                <a:spcPts val="550"/>
+              </a:spcBef>
+              <a:buClr>
+                <a:schemeClr val="accent1"/>
+              </a:buClr>
+              <a:buSzPct val="70000"/>
+              <a:buFont typeface="Wingdings 2"/>
+              <a:buChar char=""/>
+              <a:defRPr kumimoji="0" sz="2600" kern="1200">
+                <a:solidFill>
+                  <a:schemeClr val="tx1"/>
+                </a:solidFill>
+                <a:latin typeface="+mn-lt"/>
+                <a:ea typeface="+mn-ea"/>
+                <a:cs typeface="+mn-cs"/>
+              </a:defRPr>
+            </a:lvl2pPr>
+            <a:lvl3pPr marL="914400" indent="-228600" algn="l" rtl="0" eaLnBrk="1" latinLnBrk="0" hangingPunct="1">
+              <a:spcBef>
+                <a:spcPts val="500"/>
+              </a:spcBef>
+              <a:buClr>
+                <a:schemeClr val="accent2"/>
+              </a:buClr>
+              <a:buSzPct val="75000"/>
+              <a:buFont typeface="Wingdings"/>
+              <a:buChar char=""/>
+              <a:defRPr kumimoji="0" sz="2300" kern="1200">
+                <a:solidFill>
+                  <a:schemeClr val="tx1"/>
+                </a:solidFill>
+                <a:latin typeface="+mn-lt"/>
+                <a:ea typeface="+mn-ea"/>
+                <a:cs typeface="+mn-cs"/>
+              </a:defRPr>
+            </a:lvl3pPr>
+            <a:lvl4pPr marL="1371600" indent="-228600" algn="l" rtl="0" eaLnBrk="1" latinLnBrk="0" hangingPunct="1">
+              <a:spcBef>
+                <a:spcPts val="400"/>
+              </a:spcBef>
+              <a:buClr>
+                <a:schemeClr val="accent3"/>
+              </a:buClr>
+              <a:buSzPct val="75000"/>
+              <a:buFont typeface="Wingdings"/>
+              <a:buChar char=""/>
+              <a:defRPr kumimoji="0" sz="2000" kern="1200">
+                <a:solidFill>
+                  <a:schemeClr val="tx1"/>
+                </a:solidFill>
+                <a:latin typeface="+mn-lt"/>
+                <a:ea typeface="+mn-ea"/>
+                <a:cs typeface="+mn-cs"/>
+              </a:defRPr>
+            </a:lvl4pPr>
+            <a:lvl5pPr marL="1828800" indent="-228600" algn="l" rtl="0" eaLnBrk="1" latinLnBrk="0" hangingPunct="1">
+              <a:spcBef>
+                <a:spcPts val="400"/>
+              </a:spcBef>
+              <a:buClr>
+                <a:schemeClr val="accent4"/>
+              </a:buClr>
+              <a:buSzPct val="65000"/>
+              <a:buFont typeface="Wingdings"/>
+              <a:buChar char=""/>
+              <a:defRPr kumimoji="0" sz="2000" kern="1200">
+                <a:solidFill>
+                  <a:schemeClr val="tx1"/>
+                </a:solidFill>
+                <a:latin typeface="+mn-lt"/>
+                <a:ea typeface="+mn-ea"/>
+                <a:cs typeface="+mn-cs"/>
+              </a:defRPr>
+            </a:lvl5pPr>
+            <a:lvl6pPr marL="2103120" indent="-228600" algn="l" rtl="0" eaLnBrk="1" latinLnBrk="0" hangingPunct="1">
+              <a:spcBef>
+                <a:spcPct val="20000"/>
+              </a:spcBef>
+              <a:buClr>
+                <a:schemeClr val="accent1"/>
+              </a:buClr>
+              <a:buFont typeface="Wingdings"/>
+              <a:buChar char="§"/>
+              <a:defRPr kumimoji="0" sz="1800" kern="1200" baseline="0">
+                <a:solidFill>
+                  <a:schemeClr val="tx1"/>
+                </a:solidFill>
+                <a:latin typeface="+mn-lt"/>
+                <a:ea typeface="+mn-ea"/>
+                <a:cs typeface="+mn-cs"/>
+              </a:defRPr>
+            </a:lvl6pPr>
+            <a:lvl7pPr marL="2377440" indent="-228600" algn="l" rtl="0" eaLnBrk="1" latinLnBrk="0" hangingPunct="1">
+              <a:spcBef>
+                <a:spcPct val="20000"/>
+              </a:spcBef>
+              <a:buClr>
+                <a:schemeClr val="accent2"/>
+              </a:buClr>
+              <a:buFont typeface="Wingdings"/>
+              <a:buChar char="§"/>
+              <a:defRPr kumimoji="0" sz="1800" kern="1200" baseline="0">
+                <a:solidFill>
+                  <a:schemeClr val="tx1"/>
+                </a:solidFill>
+                <a:latin typeface="+mn-lt"/>
+                <a:ea typeface="+mn-ea"/>
+                <a:cs typeface="+mn-cs"/>
+              </a:defRPr>
+            </a:lvl7pPr>
+            <a:lvl8pPr marL="2651760" indent="-228600" algn="l" rtl="0" eaLnBrk="1" latinLnBrk="0" hangingPunct="1">
+              <a:spcBef>
+                <a:spcPct val="20000"/>
+              </a:spcBef>
+              <a:buClr>
+                <a:schemeClr val="accent3"/>
+              </a:buClr>
+              <a:buFont typeface="Wingdings"/>
+              <a:buChar char="§"/>
+              <a:defRPr kumimoji="0" sz="1800" kern="1200" baseline="0">
+                <a:solidFill>
+                  <a:schemeClr val="tx1"/>
+                </a:solidFill>
+                <a:latin typeface="+mn-lt"/>
+                <a:ea typeface="+mn-ea"/>
+                <a:cs typeface="+mn-cs"/>
+              </a:defRPr>
+            </a:lvl8pPr>
+            <a:lvl9pPr marL="2926080" indent="-228600" algn="l" rtl="0" eaLnBrk="1" latinLnBrk="0" hangingPunct="1">
+              <a:spcBef>
+                <a:spcPct val="20000"/>
+              </a:spcBef>
+              <a:buClr>
+                <a:schemeClr val="accent4"/>
+              </a:buClr>
+              <a:buFont typeface="Wingdings"/>
+              <a:buChar char="§"/>
+              <a:defRPr kumimoji="0" sz="1800" kern="1200" baseline="0">
+                <a:solidFill>
+                  <a:schemeClr val="tx1"/>
+                </a:solidFill>
+                <a:latin typeface="+mn-lt"/>
+                <a:ea typeface="+mn-ea"/>
+                <a:cs typeface="+mn-cs"/>
+              </a:defRPr>
+            </a:lvl9pPr>
+          </a:lstStyle>
+          <a:p>
+            <a:pPr marL="0" indent="0">
+              <a:buNone/>
+            </a:pPr>
+            <a:r>
+              <a:t>32%</a:t>
+            </a:r>
+          </a:p>
+        </p:txBody>
+      </p:sp>
+    </p:spTree>
+    <p:extLst>
+      <p:ext uri="{BB962C8B-B14F-4D97-AF65-F5344CB8AC3E}">
+        <p14:creationId xmlns:p14="http://schemas.microsoft.com/office/powerpoint/2010/main" val="2841723979"/>
+      </p:ext>
+    </p:extLst>
+  </p:cSld>
+  <p:clrMapOvr>
+    <a:masterClrMapping/>
+  </p:clrMapOvr>
+  <p:timing>
+    <p:tnLst>
+      <p:par>
+        <p:cTn id="1" dur="indefinite" restart="never" nodeType="tmRoot"/>
+      </p:par>
+    </p:tnLst>
+  </p:timing>
+</p:sld>
+</file>
+
+<file path=ppt/slides/slide6.xml><?xml version="1.0" encoding="utf-8"?>
+<p:sld xmlns:a="http://schemas.openxmlformats.org/drawingml/2006/main" xmlns:r="http://schemas.openxmlformats.org/officeDocument/2006/relationships" xmlns:p="http://schemas.openxmlformats.org/presentationml/2006/main">
+  <p:cSld>
+    <p:spTree>
+      <p:nvGrpSpPr>
+        <p:cNvPr id="1" name=""/>
+        <p:cNvGrpSpPr/>
+        <p:nvPr/>
+      </p:nvGrpSpPr>
+      <p:grpSpPr>
+        <a:xfrm>
+          <a:off x="0" y="0"/>
+          <a:ext cx="0" cy="0"/>
+          <a:chOff x="0" y="0"/>
+          <a:chExt cx="0" cy="0"/>
+        </a:xfrm>
+      </p:grpSpPr>
+      <p:sp>
+        <p:nvSpPr>
+          <p:cNvPr id="2" name="Title 1"/>
+          <p:cNvSpPr>
+            <a:spLocks noGrp="1"/>
+          </p:cNvSpPr>
+          <p:nvPr>
+            <p:ph type="title"/>
+          </p:nvPr>
+        </p:nvSpPr>
+        <p:spPr/>
+        <p:txBody>
+          <a:bodyPr/>
+          <a:lstStyle/>
+          <a:p>
+            <a:r>
+              <a:rPr lang="en-US" dirty="0" smtClean="0"/>
+              <a:t>Who participated?</a:t>
+            </a:r>
+            <a:endParaRPr lang="en-US" dirty="0"/>
+          </a:p>
+        </p:txBody>
+      </p:sp>
+      <p:sp>
+        <p:nvSpPr>
+          <p:cNvPr id="3" name="Content Placeholder 2"/>
+          <p:cNvSpPr>
+            <a:spLocks noGrp="1"/>
+          </p:cNvSpPr>
+          <p:nvPr>
+            <p:ph sz="quarter" idx="1"/>
+          </p:nvPr>
+        </p:nvSpPr>
+        <p:spPr>
+          <a:xfrm>
+            <a:off x="612648" y="1600200"/>
+            <a:ext cx="8153400" cy="3886198"/>
+          </a:xfrm>
+        </p:spPr>
+        <p:txBody>
+          <a:bodyPr>
+            <a:normAutofit/>
+          </a:bodyPr>
+          <a:lstStyle/>
+          <a:p>
+            <a:pPr marL="0" indent="0">
+              <a:buNone/>
+            </a:pPr>
+          </a:p>
+        </p:txBody>
+      </p:sp>
+      <p:sp>
+        <p:nvSpPr>
+          <p:cNvPr id="5" name="Slide Number Placeholder 4"/>
+          <p:cNvSpPr>
+            <a:spLocks noGrp="1"/>
+          </p:cNvSpPr>
+          <p:nvPr>
+            <p:ph type="sldNum" sz="quarter" idx="12"/>
+          </p:nvPr>
+        </p:nvSpPr>
+        <p:spPr/>
+        <p:txBody>
+          <a:bodyPr>
+            <a:normAutofit fontScale="85000" lnSpcReduction="20000"/>
+          </a:bodyPr>
+          <a:lstStyle/>
+          <a:p>
+            <a:fld id="{0550DE80-A55D-4FEA-ABCE-0175392B4432}" type="slidenum">
+              <a:rPr lang="en-US" smtClean="0"/>
+              <a:t>6</a:t>
+            </a:fld>
+            <a:endParaRPr lang="en-US" dirty="0"/>
+          </a:p>
+        </p:txBody>
+      </p:sp>
+      <p:graphicFrame>
+        <p:nvGraphicFramePr>
+          <p:cNvPr id="4" name="Chart 3"/>
+          <p:cNvGraphicFramePr>
+            <a:graphicFrameLocks noGrp="1"/>
+          </p:cNvGraphicFramePr>
+          <p:nvPr/>
+        </p:nvGraphicFramePr>
+        <p:xfrm>
+          <a:off x="1828800" y="1828800"/>
+          <a:ext cx="2743200" cy="3886198"/>
+        </p:xfrm>
+        <a:graphic>
+          <a:graphicData uri="http://schemas.openxmlformats.org/drawingml/2006/chart">
+            <c:chart xmlns:c="http://schemas.openxmlformats.org/drawingml/2006/chart" r:id="rId2"/>
+          </a:graphicData>
+        </a:graphic>
+      </p:graphicFrame>
+    </p:spTree>
+    <p:extLst>
+      <p:ext uri="{BB962C8B-B14F-4D97-AF65-F5344CB8AC3E}">
+        <p14:creationId xmlns:p14="http://schemas.microsoft.com/office/powerpoint/2010/main" val="3209572625"/>
+      </p:ext>
+    </p:extLst>
+  </p:cSld>
+  <p:clrMapOvr>
+    <a:masterClrMapping/>
+  </p:clrMapOvr>
+  <p:timing>
+    <p:tnLst>
+      <p:par>
+        <p:cTn id="1" dur="indefinite" restart="never" nodeType="tmRoot"/>
+      </p:par>
+    </p:tnLst>
+  </p:timing>
+</p:sld>
+</file>
+
+<file path=ppt/slides/slide7.xml><?xml version="1.0" encoding="utf-8"?>
+<p:sld xmlns:a="http://schemas.openxmlformats.org/drawingml/2006/main" xmlns:r="http://schemas.openxmlformats.org/officeDocument/2006/relationships" xmlns:p="http://schemas.openxmlformats.org/presentationml/2006/main">
+  <p:cSld>
+    <p:spTree>
+      <p:nvGrpSpPr>
+        <p:cNvPr id="1" name=""/>
+        <p:cNvGrpSpPr/>
+        <p:nvPr/>
+      </p:nvGrpSpPr>
+      <p:grpSpPr>
+        <a:xfrm>
+          <a:off x="0" y="0"/>
+          <a:ext cx="0" cy="0"/>
+          <a:chOff x="0" y="0"/>
+          <a:chExt cx="0" cy="0"/>
+        </a:xfrm>
+      </p:grpSpPr>
+      <p:sp>
+        <p:nvSpPr>
+          <p:cNvPr id="2" name="Title 1"/>
+          <p:cNvSpPr>
+            <a:spLocks noGrp="1"/>
+          </p:cNvSpPr>
+          <p:nvPr>
+            <p:ph type="title"/>
+          </p:nvPr>
+        </p:nvSpPr>
+        <p:spPr/>
+        <p:txBody>
+          <a:bodyPr/>
+          <a:lstStyle/>
+          <a:p>
+            <a:r>
+              <a:rPr lang="en-US" dirty="0" smtClean="0"/>
+              <a:t>Resources</a:t>
+            </a:r>
+            <a:endParaRPr lang="en-US" dirty="0"/>
+          </a:p>
+        </p:txBody>
+      </p:sp>
+      <p:sp>
+        <p:nvSpPr>
+          <p:cNvPr id="3" name="Content Placeholder 2"/>
+          <p:cNvSpPr>
+            <a:spLocks noGrp="1"/>
+          </p:cNvSpPr>
+          <p:nvPr>
+            <p:ph sz="quarter" idx="1"/>
+          </p:nvPr>
+        </p:nvSpPr>
+        <p:spPr>
+          <a:xfrm>
+            <a:off x="612648" y="1600200"/>
+            <a:ext cx="8150352" cy="4800600"/>
+          </a:xfrm>
+        </p:spPr>
+        <p:txBody>
+          <a:bodyPr>
+            <a:normAutofit fontScale="77500" lnSpcReduction="20000"/>
+          </a:bodyPr>
+          <a:lstStyle/>
+          <a:p>
+            <a:r>
+              <a:rPr lang="en-US" sz="3100" dirty="0" smtClean="0"/>
+              <a:t>Managing </a:t>
+            </a:r>
+            <a:r>
+              <a:rPr lang="en-US" sz="3100" dirty="0"/>
+              <a:t>Overweight and Obesity in Adults: Systematic Evidence </a:t>
+            </a:r>
+            <a:r>
+              <a:rPr lang="en-US" sz="3100" dirty="0" smtClean="0"/>
+              <a:t>Review from </a:t>
+            </a:r>
+            <a:r>
+              <a:rPr lang="en-US" sz="3100" dirty="0"/>
+              <a:t>the Obesity Expert Panel. </a:t>
+            </a:r>
+            <a:r>
+              <a:rPr lang="en-US" sz="3100" u="sng" dirty="0" smtClean="0">
+                <a:hlinkClick r:id="rId3" tooltip="Link to External Web Site"/>
+              </a:rPr>
+              <a:t>www.nhlbi.nih.gov/sites/www.nhlbi.nih.gov/files/obesity-evidence-review.pdf[PDF </a:t>
+            </a:r>
+            <a:r>
+              <a:rPr lang="en-US" sz="3100" u="sng" dirty="0">
+                <a:hlinkClick r:id="rId3" tooltip="Link to External Web Site"/>
+              </a:rPr>
+              <a:t>- 93KB]</a:t>
+            </a:r>
+            <a:endParaRPr lang="en-US" sz="3100" dirty="0"/>
+          </a:p>
+          <a:p>
+            <a:r>
+              <a:rPr lang="en-US" sz="3100" dirty="0" smtClean="0"/>
+              <a:t>Clinical </a:t>
+            </a:r>
+            <a:r>
+              <a:rPr lang="en-US" sz="3100" dirty="0"/>
+              <a:t>Guidelines on the Identification, Evaluation, and Treatment of Overweight and Obesity in </a:t>
+            </a:r>
+            <a:r>
+              <a:rPr lang="en-US" sz="3100" dirty="0" smtClean="0"/>
+              <a:t>Adults</a:t>
+            </a:r>
+            <a:r>
+              <a:rPr lang="en-US" sz="3100" u="sng" dirty="0" smtClean="0">
+                <a:hlinkClick r:id="rId4" tooltip="Link to External Web Site"/>
+              </a:rPr>
+              <a:t> www.nhlbi.nih.gov/files/docs/guidelines/ob_gdlns.pdf[PDF </a:t>
+            </a:r>
+            <a:r>
+              <a:rPr lang="en-US" sz="3100" u="sng" dirty="0">
+                <a:hlinkClick r:id="rId4" tooltip="Link to External Web Site"/>
+              </a:rPr>
+              <a:t>- 2MB]</a:t>
+            </a:r>
+            <a:endParaRPr lang="en-US" sz="3100" dirty="0"/>
+          </a:p>
+          <a:p>
+            <a:r>
+              <a:rPr lang="en-US" sz="3100" dirty="0" smtClean="0"/>
+              <a:t>U.S</a:t>
+            </a:r>
+            <a:r>
+              <a:rPr lang="en-US" sz="3100" dirty="0"/>
+              <a:t>. Department of Health and Human </a:t>
+            </a:r>
+            <a:r>
+              <a:rPr lang="en-US" sz="3100" dirty="0" smtClean="0"/>
+              <a:t>Services, Office </a:t>
+            </a:r>
+            <a:r>
+              <a:rPr lang="en-US" sz="3100" dirty="0"/>
+              <a:t>of Disease Prevention and Health </a:t>
+            </a:r>
+            <a:r>
+              <a:rPr lang="en-US" sz="3100" dirty="0" smtClean="0"/>
+              <a:t>Promotion, </a:t>
+            </a:r>
+            <a:r>
+              <a:rPr lang="en-US" sz="3100" i="1" dirty="0"/>
+              <a:t>2008 Physical Activity Guidelines for </a:t>
+            </a:r>
+            <a:r>
+              <a:rPr lang="en-US" sz="3100" i="1" dirty="0" smtClean="0"/>
+              <a:t>Americans</a:t>
+            </a:r>
+          </a:p>
+          <a:p>
+            <a:r>
+              <a:rPr lang="en-US" sz="3100" dirty="0" smtClean="0"/>
+              <a:t>My Plate </a:t>
+            </a:r>
+            <a:r>
+              <a:rPr lang="en-US" sz="3100" dirty="0" smtClean="0">
+                <a:hlinkClick r:id="rId5"/>
+              </a:rPr>
+              <a:t>www.choosemyplate.gov</a:t>
+            </a:r>
+            <a:endParaRPr lang="en-US" sz="3100" dirty="0" smtClean="0"/>
+          </a:p>
+          <a:p>
+            <a:r>
+              <a:rPr lang="en-US" sz="3100" dirty="0" smtClean="0"/>
+              <a:t>Center for Disease Control </a:t>
+            </a:r>
+          </a:p>
+          <a:p>
+            <a:r>
+              <a:rPr lang="en-US" sz="3100" dirty="0" smtClean="0"/>
+              <a:t>Harvard School of Public Health</a:t>
+            </a:r>
+          </a:p>
+          <a:p>
+            <a:endParaRPr lang="en-US" dirty="0"/>
+          </a:p>
+          <a:p>
+            <a:endParaRPr lang="en-US" dirty="0" smtClean="0"/>
+          </a:p>
+          <a:p>
+            <a:endParaRPr lang="en-US" dirty="0"/>
+          </a:p>
+        </p:txBody>
+      </p:sp>
+      <p:sp>
+        <p:nvSpPr>
+          <p:cNvPr id="5" name="Slide Number Placeholder 4"/>
+          <p:cNvSpPr>
+            <a:spLocks noGrp="1"/>
+          </p:cNvSpPr>
+          <p:nvPr>
+            <p:ph type="sldNum" sz="quarter" idx="12"/>
+          </p:nvPr>
+        </p:nvSpPr>
+        <p:spPr/>
+        <p:txBody>
+          <a:bodyPr>
+            <a:normAutofit fontScale="85000" lnSpcReduction="20000"/>
+          </a:bodyPr>
+          <a:lstStyle/>
+          <a:p>
+            <a:fld id="{0550DE80-A55D-4FEA-ABCE-0175392B4432}" type="slidenum">
+              <a:rPr lang="en-US" smtClean="0"/>
+              <a:t>7</a:t>
+            </a:fld>
+            <a:endParaRPr lang="en-US" dirty="0"/>
+          </a:p>
+        </p:txBody>
+      </p:sp>
+    </p:spTree>
+    <p:extLst>
+      <p:ext uri="{BB962C8B-B14F-4D97-AF65-F5344CB8AC3E}">
+        <p14:creationId xmlns:p14="http://schemas.microsoft.com/office/powerpoint/2010/main" val="20209268"/>
       </p:ext>
     </p:extLst>
   </p:cSld>

--- a/exampleOutput.pptx
+++ b/exampleOutput.pptx
@@ -5,19 +5,22 @@
     <p:sldMasterId id="2147483996" r:id="rId1"/>
   </p:sldMasterIdLst>
   <p:notesMasterIdLst>
-    <p:notesMasterId r:id="rId9"/>
+    <p:notesMasterId r:id="rId12"/>
   </p:notesMasterIdLst>
   <p:handoutMasterIdLst>
-    <p:handoutMasterId r:id="rId10"/>
+    <p:handoutMasterId r:id="rId13"/>
   </p:handoutMasterIdLst>
   <p:sldIdLst>
     <p:sldId id="256" r:id="rId2"/>
-    <p:sldId id="273" r:id="rId3"/>
-    <p:sldId id="276" r:id="rId4"/>
-    <p:sldId id="259" r:id="rId5"/>
-    <p:sldId id="274" r:id="rId6"/>
-    <p:sldId id="275" r:id="rId7"/>
-    <p:sldId id="258" r:id="rId8"/>
+    <p:sldId id="259" r:id="rId3"/>
+    <p:sldId id="282" r:id="rId4"/>
+    <p:sldId id="257" r:id="rId5"/>
+    <p:sldId id="277" r:id="rId6"/>
+    <p:sldId id="278" r:id="rId7"/>
+    <p:sldId id="266" r:id="rId8"/>
+    <p:sldId id="279" r:id="rId9"/>
+    <p:sldId id="264" r:id="rId10"/>
+    <p:sldId id="258" r:id="rId11"/>
   </p:sldIdLst>
   <p:sldSz cx="9144000" cy="6858000" type="screen4x3"/>
   <p:notesSz cx="9296400" cy="7010400"/>
@@ -137,57 +140,45 @@
 
 <file path=ppt/charts/chart1.xml><?xml version="1.0" encoding="utf-8"?>
 <c:chartSpace xmlns:c="http://schemas.openxmlformats.org/drawingml/2006/chart" xmlns:a="http://schemas.openxmlformats.org/drawingml/2006/main" xmlns:r="http://schemas.openxmlformats.org/officeDocument/2006/relationships">
+  <c:date1904 val="0"/>
+  <c:lang val="en-US"/>
+  <c:roundedCorners val="0"/>
+  <mc:AlternateContent xmlns:mc="http://schemas.openxmlformats.org/markup-compatibility/2006">
+    <mc:Choice xmlns:c14="http://schemas.microsoft.com/office/drawing/2007/8/2/chart" Requires="c14">
+      <c14:style val="102"/>
+    </mc:Choice>
+    <mc:Fallback>
+      <c:style val="2"/>
+    </mc:Fallback>
+  </mc:AlternateContent>
   <c:chart>
+    <c:title>
+      <c:tx>
+        <c:rich>
+          <a:bodyPr/>
+          <a:lstStyle/>
+          <a:p>
+            <a:pPr>
+              <a:defRPr/>
+            </a:pPr>
+            <a:r>
+              <a:rPr lang="en-US"/>
+              <a:t>Waist Circumference </a:t>
+            </a:r>
+          </a:p>
+        </c:rich>
+      </c:tx>
+      <c:layout/>
+      <c:overlay val="0"/>
+    </c:title>
+    <c:autoTitleDeleted val="0"/>
     <c:plotArea>
-      <c:pieChart>
-        <c:varyColors val="1"/>
-        <c:ser>
-          <c:idx val="0"/>
-          <c:order val="0"/>
-          <c:tx>
-            <c:strRef>
-              <c:f>Sheet1!$B$1</c:f>
-              <c:strCache>
-                <c:ptCount val="1"/>
-                <c:pt idx="0">
-                  <c:v>Series 1</c:v>
-                </c:pt>
-              </c:strCache>
-            </c:strRef>
-          </c:tx>
-          <c:cat>
-            <c:strRef>
-              <c:f>Sheet1!$A$2:$A$3</c:f>
-              <c:strCache>
-                <c:ptCount val="2"/>
-                <c:pt idx="0">
-                  <c:v>male</c:v>
-                </c:pt>
-                <c:pt idx="1">
-                  <c:v>female</c:v>
-                </c:pt>
-              </c:strCache>
-            </c:strRef>
-          </c:cat>
-          <c:val>
-            <c:numRef>
-              <c:f>Sheet1!$B$2:$B$3</c:f>
-              <c:numCache>
-                <c:formatCode>General</c:formatCode>
-                <c:ptCount val="2"/>
-                <c:pt idx="0">
-                  <c:v>16</c:v>
-                </c:pt>
-                <c:pt idx="1">
-                  <c:v>32</c:v>
-                </c:pt>
-              </c:numCache>
-            </c:numRef>
-          </c:val>
-        </c:ser>
+      <c:layout/>
+      <c:barChart>
+        <c:barDir val="col"/>
+        <c:grouping val="clustered"/>
+        <c:varyColors val="0"/>
         <c:dLbls>
-          <c:numFmt formatCode="0%" sourceLinked="0"/>
-          <c:dLblPos val="outEnd"/>
           <c:showLegendKey val="0"/>
           <c:showVal val="1"/>
           <c:showCatName val="0"/>
@@ -195,30 +186,55 @@
           <c:showPercent val="0"/>
           <c:showBubbleSize val="0"/>
         </c:dLbls>
-      </c:pieChart>
+        <c:gapWidth val="150"/>
+        <c:overlap val="-25"/>
+        <c:axId val="23672704"/>
+        <c:axId val="23674240"/>
+      </c:barChart>
+      <c:catAx>
+        <c:axId val="23672704"/>
+        <c:scaling>
+          <c:orientation val="minMax"/>
+        </c:scaling>
+        <c:delete val="0"/>
+        <c:axPos val="b"/>
+        <c:majorTickMark val="none"/>
+        <c:minorTickMark val="none"/>
+        <c:tickLblPos val="nextTo"/>
+        <c:crossAx val="23674240"/>
+        <c:crosses val="autoZero"/>
+        <c:auto val="1"/>
+        <c:lblAlgn val="ctr"/>
+        <c:lblOffset val="100"/>
+        <c:noMultiLvlLbl val="0"/>
+      </c:catAx>
+      <c:valAx>
+        <c:axId val="23674240"/>
+        <c:scaling>
+          <c:orientation val="minMax"/>
+        </c:scaling>
+        <c:delete val="1"/>
+        <c:axPos val="l"/>
+        <c:numFmt formatCode="0%" sourceLinked="1"/>
+        <c:majorTickMark val="none"/>
+        <c:minorTickMark val="none"/>
+        <c:tickLblPos val="nextTo"/>
+        <c:crossAx val="23672704"/>
+        <c:crosses val="autoZero"/>
+        <c:crossBetween val="between"/>
+      </c:valAx>
     </c:plotArea>
-    <c:legend>
-      <c:legendPos val="b"/>
-      <c:overlay val="0"/>
-    </c:legend>
+    <c:plotVisOnly val="1"/>
+    <c:dispBlanksAs val="gap"/>
+    <c:showDLblsOverMax val="0"/>
   </c:chart>
-  <c:txPr>
-    <a:bodyPr/>
-    <a:lstStyle/>
-    <a:p>
-      <a:pPr>
-        <a:defRPr sz="1800"/>
-      </a:pPr>
-      <a:endParaRPr lang="en-US"/>
-    </a:p>
-  </c:txPr>
   <c:externalData r:id="rId1">
     <c:autoUpdate val="0"/>
   </c:externalData>
 </c:chartSpace>
 </file>
 
-<file path=ppt/charts/chart2.xml><?xml version="1.0" encoding="utf-8"?>
+<file path=ppt/charts/chart10.xml><?xml version="1.0" encoding="utf-8"?>
 <c:chartSpace xmlns:c="http://schemas.openxmlformats.org/drawingml/2006/chart" xmlns:a="http://schemas.openxmlformats.org/drawingml/2006/main" xmlns:r="http://schemas.openxmlformats.org/officeDocument/2006/relationships">
   <c:chart>
     <c:plotArea>
@@ -233,7 +249,7 @@
               <c:strCache>
                 <c:ptCount val="1"/>
                 <c:pt idx="0">
-                  <c:v>F`</c:v>
+                  <c:v>Less than Optim,al</c:v>
                 </c:pt>
               </c:strCache>
             </c:strRef>
@@ -268,10 +284,10 @@
                   <c:v>0</c:v>
                 </c:pt>
                 <c:pt idx="1">
+                  <c:v>1</c:v>
+                </c:pt>
+                <c:pt idx="2">
                   <c:v>0</c:v>
-                </c:pt>
-                <c:pt idx="2">
-                  <c:v>1</c:v>
                 </c:pt>
               </c:numCache>
             </c:numRef>
@@ -287,7 +303,7 @@
               <c:strCache>
                 <c:ptCount val="1"/>
                 <c:pt idx="0">
-                  <c:v>M,</c:v>
+                  <c:v>LESS THAN OPTIMAL</c:v>
                 </c:pt>
               </c:strCache>
             </c:strRef>
@@ -319,13 +335,13 @@
                 <c:formatCode>General</c:formatCode>
                 <c:ptCount val="3"/>
                 <c:pt idx="0">
-                  <c:v>0</c:v>
+                  <c:v>12</c:v>
                 </c:pt>
                 <c:pt idx="1">
                   <c:v>0</c:v>
                 </c:pt>
                 <c:pt idx="2">
-                  <c:v>1</c:v>
+                  <c:v>0</c:v>
                 </c:pt>
               </c:numCache>
             </c:numRef>
@@ -341,7 +357,7 @@
               <c:strCache>
                 <c:ptCount val="1"/>
                 <c:pt idx="0">
-                  <c:v>male</c:v>
+                  <c:v>Less  than Optimal</c:v>
                 </c:pt>
               </c:strCache>
             </c:strRef>
@@ -373,13 +389,13 @@
                 <c:formatCode>General</c:formatCode>
                 <c:ptCount val="3"/>
                 <c:pt idx="0">
-                  <c:v>16</c:v>
+                  <c:v>0</c:v>
                 </c:pt>
                 <c:pt idx="1">
-                  <c:v>18</c:v>
+                  <c:v>1</c:v>
                 </c:pt>
                 <c:pt idx="2">
-                  <c:v>15</c:v>
+                  <c:v>0</c:v>
                 </c:pt>
               </c:numCache>
             </c:numRef>
@@ -395,7 +411,7 @@
               <c:strCache>
                 <c:ptCount val="1"/>
                 <c:pt idx="0">
-                  <c:v>Male</c:v>
+                  <c:v>LESS Than Optimal</c:v>
                 </c:pt>
               </c:strCache>
             </c:strRef>
@@ -430,10 +446,10 @@
                   <c:v>0</c:v>
                 </c:pt>
                 <c:pt idx="1">
+                  <c:v>1</c:v>
+                </c:pt>
+                <c:pt idx="2">
                   <c:v>0</c:v>
-                </c:pt>
-                <c:pt idx="2">
-                  <c:v>1</c:v>
                 </c:pt>
               </c:numCache>
             </c:numRef>
@@ -449,7 +465,7 @@
               <c:strCache>
                 <c:ptCount val="1"/>
                 <c:pt idx="0">
-                  <c:v>female</c:v>
+                  <c:v>Desirable</c:v>
                 </c:pt>
               </c:strCache>
             </c:strRef>
@@ -481,13 +497,283 @@
                 <c:formatCode>General</c:formatCode>
                 <c:ptCount val="3"/>
                 <c:pt idx="0">
-                  <c:v>32</c:v>
+                  <c:v>0</c:v>
                 </c:pt>
                 <c:pt idx="1">
-                  <c:v>31</c:v>
+                  <c:v>0</c:v>
                 </c:pt>
                 <c:pt idx="2">
-                  <c:v>30</c:v>
+                  <c:v>20</c:v>
+                </c:pt>
+              </c:numCache>
+            </c:numRef>
+          </c:val>
+          <c:smooth val="0"/>
+        </c:ser>
+        <c:ser>
+          <c:idx val="5"/>
+          <c:order val="5"/>
+          <c:tx>
+            <c:strRef>
+              <c:f>Sheet1!$G$1</c:f>
+              <c:strCache>
+                <c:ptCount val="1"/>
+                <c:pt idx="0">
+                  <c:v>ESS THAN Optimal</c:v>
+                </c:pt>
+              </c:strCache>
+            </c:strRef>
+          </c:tx>
+          <c:marker>
+            <c:symbol val="none"/>
+          </c:marker>
+          <c:cat>
+            <c:strRef>
+              <c:f>Sheet1!$A$2:$A$4</c:f>
+              <c:strCache>
+                <c:ptCount val="3"/>
+                <c:pt idx="0">
+                  <c:v>2016</c:v>
+                </c:pt>
+                <c:pt idx="1">
+                  <c:v>2015</c:v>
+                </c:pt>
+                <c:pt idx="2">
+                  <c:v>2014</c:v>
+                </c:pt>
+              </c:strCache>
+            </c:strRef>
+          </c:cat>
+          <c:val>
+            <c:numRef>
+              <c:f>Sheet1!$G$2:$G$4</c:f>
+              <c:numCache>
+                <c:formatCode>General</c:formatCode>
+                <c:ptCount val="3"/>
+                <c:pt idx="0">
+                  <c:v>0</c:v>
+                </c:pt>
+                <c:pt idx="1">
+                  <c:v>1</c:v>
+                </c:pt>
+                <c:pt idx="2">
+                  <c:v>0</c:v>
+                </c:pt>
+              </c:numCache>
+            </c:numRef>
+          </c:val>
+          <c:smooth val="0"/>
+        </c:ser>
+        <c:ser>
+          <c:idx val="6"/>
+          <c:order val="6"/>
+          <c:tx>
+            <c:strRef>
+              <c:f>Sheet1!$H$1</c:f>
+              <c:strCache>
+                <c:ptCount val="1"/>
+                <c:pt idx="0">
+                  <c:v>Less than Optimal</c:v>
+                </c:pt>
+              </c:strCache>
+            </c:strRef>
+          </c:tx>
+          <c:marker>
+            <c:symbol val="none"/>
+          </c:marker>
+          <c:cat>
+            <c:strRef>
+              <c:f>Sheet1!$A$2:$A$4</c:f>
+              <c:strCache>
+                <c:ptCount val="3"/>
+                <c:pt idx="0">
+                  <c:v>2016</c:v>
+                </c:pt>
+                <c:pt idx="1">
+                  <c:v>2015</c:v>
+                </c:pt>
+                <c:pt idx="2">
+                  <c:v>2014</c:v>
+                </c:pt>
+              </c:strCache>
+            </c:strRef>
+          </c:cat>
+          <c:val>
+            <c:numRef>
+              <c:f>Sheet1!$H$2:$H$4</c:f>
+              <c:numCache>
+                <c:formatCode>General</c:formatCode>
+                <c:ptCount val="3"/>
+                <c:pt idx="0">
+                  <c:v>0</c:v>
+                </c:pt>
+                <c:pt idx="1">
+                  <c:v>18</c:v>
+                </c:pt>
+                <c:pt idx="2">
+                  <c:v>0</c:v>
+                </c:pt>
+              </c:numCache>
+            </c:numRef>
+          </c:val>
+          <c:smooth val="0"/>
+        </c:ser>
+        <c:ser>
+          <c:idx val="7"/>
+          <c:order val="7"/>
+          <c:tx>
+            <c:strRef>
+              <c:f>Sheet1!$I$1</c:f>
+              <c:strCache>
+                <c:ptCount val="1"/>
+                <c:pt idx="0">
+                  <c:v>Low</c:v>
+                </c:pt>
+              </c:strCache>
+            </c:strRef>
+          </c:tx>
+          <c:marker>
+            <c:symbol val="none"/>
+          </c:marker>
+          <c:cat>
+            <c:strRef>
+              <c:f>Sheet1!$A$2:$A$4</c:f>
+              <c:strCache>
+                <c:ptCount val="3"/>
+                <c:pt idx="0">
+                  <c:v>2016</c:v>
+                </c:pt>
+                <c:pt idx="1">
+                  <c:v>2015</c:v>
+                </c:pt>
+                <c:pt idx="2">
+                  <c:v>2014</c:v>
+                </c:pt>
+              </c:strCache>
+            </c:strRef>
+          </c:cat>
+          <c:val>
+            <c:numRef>
+              <c:f>Sheet1!$I$2:$I$4</c:f>
+              <c:numCache>
+                <c:formatCode>General</c:formatCode>
+                <c:ptCount val="3"/>
+                <c:pt idx="0">
+                  <c:v>16</c:v>
+                </c:pt>
+                <c:pt idx="1">
+                  <c:v>10</c:v>
+                </c:pt>
+                <c:pt idx="2">
+                  <c:v>13</c:v>
+                </c:pt>
+              </c:numCache>
+            </c:numRef>
+          </c:val>
+          <c:smooth val="0"/>
+        </c:ser>
+        <c:ser>
+          <c:idx val="8"/>
+          <c:order val="8"/>
+          <c:tx>
+            <c:strRef>
+              <c:f>Sheet1!$J$1</c:f>
+              <c:strCache>
+                <c:ptCount val="1"/>
+                <c:pt idx="0">
+                  <c:v>Optimal</c:v>
+                </c:pt>
+              </c:strCache>
+            </c:strRef>
+          </c:tx>
+          <c:marker>
+            <c:symbol val="none"/>
+          </c:marker>
+          <c:cat>
+            <c:strRef>
+              <c:f>Sheet1!$A$2:$A$4</c:f>
+              <c:strCache>
+                <c:ptCount val="3"/>
+                <c:pt idx="0">
+                  <c:v>2016</c:v>
+                </c:pt>
+                <c:pt idx="1">
+                  <c:v>2015</c:v>
+                </c:pt>
+                <c:pt idx="2">
+                  <c:v>2014</c:v>
+                </c:pt>
+              </c:strCache>
+            </c:strRef>
+          </c:cat>
+          <c:val>
+            <c:numRef>
+              <c:f>Sheet1!$J$2:$J$4</c:f>
+              <c:numCache>
+                <c:formatCode>General</c:formatCode>
+                <c:ptCount val="3"/>
+                <c:pt idx="0">
+                  <c:v>19</c:v>
+                </c:pt>
+                <c:pt idx="1">
+                  <c:v>17</c:v>
+                </c:pt>
+                <c:pt idx="2">
+                  <c:v>15</c:v>
+                </c:pt>
+              </c:numCache>
+            </c:numRef>
+          </c:val>
+          <c:smooth val="0"/>
+        </c:ser>
+        <c:ser>
+          <c:idx val="9"/>
+          <c:order val="9"/>
+          <c:tx>
+            <c:strRef>
+              <c:f>Sheet1!$K$1</c:f>
+              <c:strCache>
+                <c:ptCount val="1"/>
+                <c:pt idx="0">
+                  <c:v>LESS THAN OPTIAL</c:v>
+                </c:pt>
+              </c:strCache>
+            </c:strRef>
+          </c:tx>
+          <c:marker>
+            <c:symbol val="none"/>
+          </c:marker>
+          <c:cat>
+            <c:strRef>
+              <c:f>Sheet1!$A$2:$A$4</c:f>
+              <c:strCache>
+                <c:ptCount val="3"/>
+                <c:pt idx="0">
+                  <c:v>2016</c:v>
+                </c:pt>
+                <c:pt idx="1">
+                  <c:v>2015</c:v>
+                </c:pt>
+                <c:pt idx="2">
+                  <c:v>2014</c:v>
+                </c:pt>
+              </c:strCache>
+            </c:strRef>
+          </c:cat>
+          <c:val>
+            <c:numRef>
+              <c:f>Sheet1!$K$2:$K$4</c:f>
+              <c:numCache>
+                <c:formatCode>General</c:formatCode>
+                <c:ptCount val="3"/>
+                <c:pt idx="0">
+                  <c:v>1</c:v>
+                </c:pt>
+                <c:pt idx="1">
+                  <c:v>0</c:v>
+                </c:pt>
+                <c:pt idx="2">
+                  <c:v>0</c:v>
                 </c:pt>
               </c:numCache>
             </c:numRef>
@@ -545,7 +831,550 @@
 </c:chartSpace>
 </file>
 
-<file path=ppt/charts/chart3.xml><?xml version="1.0" encoding="utf-8"?>
+<file path=ppt/charts/chart11.xml><?xml version="1.0" encoding="utf-8"?>
+<c:chartSpace xmlns:c="http://schemas.openxmlformats.org/drawingml/2006/chart" xmlns:a="http://schemas.openxmlformats.org/drawingml/2006/main" xmlns:r="http://schemas.openxmlformats.org/officeDocument/2006/relationships">
+  <c:chart>
+    <c:plotArea>
+      <c:lineChart>
+        <c:grouping val="standard"/>
+        <c:ser>
+          <c:idx val="0"/>
+          <c:order val="0"/>
+          <c:tx>
+            <c:strRef>
+              <c:f>Sheet1!$B$1</c:f>
+              <c:strCache>
+                <c:ptCount val="1"/>
+                <c:pt idx="0">
+                  <c:v/>
+                </c:pt>
+              </c:strCache>
+            </c:strRef>
+          </c:tx>
+          <c:marker>
+            <c:symbol val="none"/>
+          </c:marker>
+          <c:cat>
+            <c:strRef>
+              <c:f>Sheet1!$A$2:$A$4</c:f>
+              <c:strCache>
+                <c:ptCount val="3"/>
+                <c:pt idx="0">
+                  <c:v>2016</c:v>
+                </c:pt>
+                <c:pt idx="1">
+                  <c:v>2015</c:v>
+                </c:pt>
+                <c:pt idx="2">
+                  <c:v>2014</c:v>
+                </c:pt>
+              </c:strCache>
+            </c:strRef>
+          </c:cat>
+          <c:val>
+            <c:numRef>
+              <c:f>Sheet1!$B$2:$B$4</c:f>
+              <c:numCache>
+                <c:formatCode>General</c:formatCode>
+                <c:ptCount val="3"/>
+                <c:pt idx="0">
+                  <c:v>0</c:v>
+                </c:pt>
+                <c:pt idx="1">
+                  <c:v>0</c:v>
+                </c:pt>
+                <c:pt idx="2">
+                  <c:v>2</c:v>
+                </c:pt>
+              </c:numCache>
+            </c:numRef>
+          </c:val>
+          <c:smooth val="0"/>
+        </c:ser>
+        <c:ser>
+          <c:idx val="1"/>
+          <c:order val="1"/>
+          <c:tx>
+            <c:strRef>
+              <c:f>Sheet1!$C$1</c:f>
+              <c:strCache>
+                <c:ptCount val="1"/>
+                <c:pt idx="0">
+                  <c:v>Near Optimal</c:v>
+                </c:pt>
+              </c:strCache>
+            </c:strRef>
+          </c:tx>
+          <c:marker>
+            <c:symbol val="none"/>
+          </c:marker>
+          <c:cat>
+            <c:strRef>
+              <c:f>Sheet1!$A$2:$A$4</c:f>
+              <c:strCache>
+                <c:ptCount val="3"/>
+                <c:pt idx="0">
+                  <c:v>2016</c:v>
+                </c:pt>
+                <c:pt idx="1">
+                  <c:v>2015</c:v>
+                </c:pt>
+                <c:pt idx="2">
+                  <c:v>2014</c:v>
+                </c:pt>
+              </c:strCache>
+            </c:strRef>
+          </c:cat>
+          <c:val>
+            <c:numRef>
+              <c:f>Sheet1!$C$2:$C$4</c:f>
+              <c:numCache>
+                <c:formatCode>General</c:formatCode>
+                <c:ptCount val="3"/>
+                <c:pt idx="0">
+                  <c:v>13</c:v>
+                </c:pt>
+                <c:pt idx="1">
+                  <c:v>12</c:v>
+                </c:pt>
+                <c:pt idx="2">
+                  <c:v>12</c:v>
+                </c:pt>
+              </c:numCache>
+            </c:numRef>
+          </c:val>
+          <c:smooth val="0"/>
+        </c:ser>
+        <c:ser>
+          <c:idx val="2"/>
+          <c:order val="2"/>
+          <c:tx>
+            <c:strRef>
+              <c:f>Sheet1!$D$1</c:f>
+              <c:strCache>
+                <c:ptCount val="1"/>
+                <c:pt idx="0">
+                  <c:v>Borderline</c:v>
+                </c:pt>
+              </c:strCache>
+            </c:strRef>
+          </c:tx>
+          <c:marker>
+            <c:symbol val="none"/>
+          </c:marker>
+          <c:cat>
+            <c:strRef>
+              <c:f>Sheet1!$A$2:$A$4</c:f>
+              <c:strCache>
+                <c:ptCount val="3"/>
+                <c:pt idx="0">
+                  <c:v>2016</c:v>
+                </c:pt>
+                <c:pt idx="1">
+                  <c:v>2015</c:v>
+                </c:pt>
+                <c:pt idx="2">
+                  <c:v>2014</c:v>
+                </c:pt>
+              </c:strCache>
+            </c:strRef>
+          </c:cat>
+          <c:val>
+            <c:numRef>
+              <c:f>Sheet1!$D$2:$D$4</c:f>
+              <c:numCache>
+                <c:formatCode>General</c:formatCode>
+                <c:ptCount val="3"/>
+                <c:pt idx="0">
+                  <c:v>3</c:v>
+                </c:pt>
+                <c:pt idx="1">
+                  <c:v>10</c:v>
+                </c:pt>
+                <c:pt idx="2">
+                  <c:v>13</c:v>
+                </c:pt>
+              </c:numCache>
+            </c:numRef>
+          </c:val>
+          <c:smooth val="0"/>
+        </c:ser>
+        <c:ser>
+          <c:idx val="3"/>
+          <c:order val="3"/>
+          <c:tx>
+            <c:strRef>
+              <c:f>Sheet1!$E$1</c:f>
+              <c:strCache>
+                <c:ptCount val="1"/>
+                <c:pt idx="0">
+                  <c:v>NA</c:v>
+                </c:pt>
+              </c:strCache>
+            </c:strRef>
+          </c:tx>
+          <c:marker>
+            <c:symbol val="none"/>
+          </c:marker>
+          <c:cat>
+            <c:strRef>
+              <c:f>Sheet1!$A$2:$A$4</c:f>
+              <c:strCache>
+                <c:ptCount val="3"/>
+                <c:pt idx="0">
+                  <c:v>2016</c:v>
+                </c:pt>
+                <c:pt idx="1">
+                  <c:v>2015</c:v>
+                </c:pt>
+                <c:pt idx="2">
+                  <c:v>2014</c:v>
+                </c:pt>
+              </c:strCache>
+            </c:strRef>
+          </c:cat>
+          <c:val>
+            <c:numRef>
+              <c:f>Sheet1!$E$2:$E$4</c:f>
+              <c:numCache>
+                <c:formatCode>General</c:formatCode>
+                <c:ptCount val="3"/>
+                <c:pt idx="0">
+                  <c:v>3</c:v>
+                </c:pt>
+                <c:pt idx="1">
+                  <c:v>0</c:v>
+                </c:pt>
+                <c:pt idx="2">
+                  <c:v>0</c:v>
+                </c:pt>
+              </c:numCache>
+            </c:numRef>
+          </c:val>
+          <c:smooth val="0"/>
+        </c:ser>
+        <c:ser>
+          <c:idx val="4"/>
+          <c:order val="4"/>
+          <c:tx>
+            <c:strRef>
+              <c:f>Sheet1!$F$1</c:f>
+              <c:strCache>
+                <c:ptCount val="1"/>
+                <c:pt idx="0">
+                  <c:v>N/A</c:v>
+                </c:pt>
+              </c:strCache>
+            </c:strRef>
+          </c:tx>
+          <c:marker>
+            <c:symbol val="none"/>
+          </c:marker>
+          <c:cat>
+            <c:strRef>
+              <c:f>Sheet1!$A$2:$A$4</c:f>
+              <c:strCache>
+                <c:ptCount val="3"/>
+                <c:pt idx="0">
+                  <c:v>2016</c:v>
+                </c:pt>
+                <c:pt idx="1">
+                  <c:v>2015</c:v>
+                </c:pt>
+                <c:pt idx="2">
+                  <c:v>2014</c:v>
+                </c:pt>
+              </c:strCache>
+            </c:strRef>
+          </c:cat>
+          <c:val>
+            <c:numRef>
+              <c:f>Sheet1!$F$2:$F$4</c:f>
+              <c:numCache>
+                <c:formatCode>General</c:formatCode>
+                <c:ptCount val="3"/>
+                <c:pt idx="0">
+                  <c:v>0</c:v>
+                </c:pt>
+                <c:pt idx="1">
+                  <c:v>1</c:v>
+                </c:pt>
+                <c:pt idx="2">
+                  <c:v>0</c:v>
+                </c:pt>
+              </c:numCache>
+            </c:numRef>
+          </c:val>
+          <c:smooth val="0"/>
+        </c:ser>
+        <c:ser>
+          <c:idx val="5"/>
+          <c:order val="5"/>
+          <c:tx>
+            <c:strRef>
+              <c:f>Sheet1!$G$1</c:f>
+              <c:strCache>
+                <c:ptCount val="1"/>
+                <c:pt idx="0">
+                  <c:v>High</c:v>
+                </c:pt>
+              </c:strCache>
+            </c:strRef>
+          </c:tx>
+          <c:marker>
+            <c:symbol val="none"/>
+          </c:marker>
+          <c:cat>
+            <c:strRef>
+              <c:f>Sheet1!$A$2:$A$4</c:f>
+              <c:strCache>
+                <c:ptCount val="3"/>
+                <c:pt idx="0">
+                  <c:v>2016</c:v>
+                </c:pt>
+                <c:pt idx="1">
+                  <c:v>2015</c:v>
+                </c:pt>
+                <c:pt idx="2">
+                  <c:v>2014</c:v>
+                </c:pt>
+              </c:strCache>
+            </c:strRef>
+          </c:cat>
+          <c:val>
+            <c:numRef>
+              <c:f>Sheet1!$G$2:$G$4</c:f>
+              <c:numCache>
+                <c:formatCode>General</c:formatCode>
+                <c:ptCount val="3"/>
+                <c:pt idx="0">
+                  <c:v>1</c:v>
+                </c:pt>
+                <c:pt idx="1">
+                  <c:v>0</c:v>
+                </c:pt>
+                <c:pt idx="2">
+                  <c:v>4</c:v>
+                </c:pt>
+              </c:numCache>
+            </c:numRef>
+          </c:val>
+          <c:smooth val="0"/>
+        </c:ser>
+        <c:ser>
+          <c:idx val="6"/>
+          <c:order val="6"/>
+          <c:tx>
+            <c:strRef>
+              <c:f>Sheet1!$H$1</c:f>
+              <c:strCache>
+                <c:ptCount val="1"/>
+                <c:pt idx="0">
+                  <c:v>DEFERRED</c:v>
+                </c:pt>
+              </c:strCache>
+            </c:strRef>
+          </c:tx>
+          <c:marker>
+            <c:symbol val="none"/>
+          </c:marker>
+          <c:cat>
+            <c:strRef>
+              <c:f>Sheet1!$A$2:$A$4</c:f>
+              <c:strCache>
+                <c:ptCount val="3"/>
+                <c:pt idx="0">
+                  <c:v>2016</c:v>
+                </c:pt>
+                <c:pt idx="1">
+                  <c:v>2015</c:v>
+                </c:pt>
+                <c:pt idx="2">
+                  <c:v>2014</c:v>
+                </c:pt>
+              </c:strCache>
+            </c:strRef>
+          </c:cat>
+          <c:val>
+            <c:numRef>
+              <c:f>Sheet1!$H$2:$H$4</c:f>
+              <c:numCache>
+                <c:formatCode>General</c:formatCode>
+                <c:ptCount val="3"/>
+                <c:pt idx="0">
+                  <c:v>1</c:v>
+                </c:pt>
+                <c:pt idx="1">
+                  <c:v>0</c:v>
+                </c:pt>
+                <c:pt idx="2">
+                  <c:v>0</c:v>
+                </c:pt>
+              </c:numCache>
+            </c:numRef>
+          </c:val>
+          <c:smooth val="0"/>
+        </c:ser>
+        <c:ser>
+          <c:idx val="7"/>
+          <c:order val="7"/>
+          <c:tx>
+            <c:strRef>
+              <c:f>Sheet1!$I$1</c:f>
+              <c:strCache>
+                <c:ptCount val="1"/>
+                <c:pt idx="0">
+                  <c:v>Very High</c:v>
+                </c:pt>
+              </c:strCache>
+            </c:strRef>
+          </c:tx>
+          <c:marker>
+            <c:symbol val="none"/>
+          </c:marker>
+          <c:cat>
+            <c:strRef>
+              <c:f>Sheet1!$A$2:$A$4</c:f>
+              <c:strCache>
+                <c:ptCount val="3"/>
+                <c:pt idx="0">
+                  <c:v>2016</c:v>
+                </c:pt>
+                <c:pt idx="1">
+                  <c:v>2015</c:v>
+                </c:pt>
+                <c:pt idx="2">
+                  <c:v>2014</c:v>
+                </c:pt>
+              </c:strCache>
+            </c:strRef>
+          </c:cat>
+          <c:val>
+            <c:numRef>
+              <c:f>Sheet1!$I$2:$I$4</c:f>
+              <c:numCache>
+                <c:formatCode>General</c:formatCode>
+                <c:ptCount val="3"/>
+                <c:pt idx="0">
+                  <c:v>0</c:v>
+                </c:pt>
+                <c:pt idx="1">
+                  <c:v>2</c:v>
+                </c:pt>
+                <c:pt idx="2">
+                  <c:v>1</c:v>
+                </c:pt>
+              </c:numCache>
+            </c:numRef>
+          </c:val>
+          <c:smooth val="0"/>
+        </c:ser>
+        <c:ser>
+          <c:idx val="8"/>
+          <c:order val="8"/>
+          <c:tx>
+            <c:strRef>
+              <c:f>Sheet1!$J$1</c:f>
+              <c:strCache>
+                <c:ptCount val="1"/>
+                <c:pt idx="0">
+                  <c:v>Optimal</c:v>
+                </c:pt>
+              </c:strCache>
+            </c:strRef>
+          </c:tx>
+          <c:marker>
+            <c:symbol val="none"/>
+          </c:marker>
+          <c:cat>
+            <c:strRef>
+              <c:f>Sheet1!$A$2:$A$4</c:f>
+              <c:strCache>
+                <c:ptCount val="3"/>
+                <c:pt idx="0">
+                  <c:v>2016</c:v>
+                </c:pt>
+                <c:pt idx="1">
+                  <c:v>2015</c:v>
+                </c:pt>
+                <c:pt idx="2">
+                  <c:v>2014</c:v>
+                </c:pt>
+              </c:strCache>
+            </c:strRef>
+          </c:cat>
+          <c:val>
+            <c:numRef>
+              <c:f>Sheet1!$J$2:$J$4</c:f>
+              <c:numCache>
+                <c:formatCode>General</c:formatCode>
+                <c:ptCount val="3"/>
+                <c:pt idx="0">
+                  <c:v>27</c:v>
+                </c:pt>
+                <c:pt idx="1">
+                  <c:v>24</c:v>
+                </c:pt>
+                <c:pt idx="2">
+                  <c:v>16</c:v>
+                </c:pt>
+              </c:numCache>
+            </c:numRef>
+          </c:val>
+          <c:smooth val="0"/>
+        </c:ser>
+        <c:marker val="1"/>
+        <c:axId val="2118791784"/>
+        <c:axId val="2140495176"/>
+      </c:lineChart>
+      <c:catAx>
+        <c:axId val="2118791784"/>
+        <c:scaling/>
+        <c:delete val="0"/>
+        <c:axPos val="b"/>
+        <c:majorTickMark val="out"/>
+        <c:minorTickMark val="none"/>
+        <c:tickLblPos val="nextTo"/>
+        <c:crossAx val="2140495176"/>
+        <c:crosses val="autoZero"/>
+        <c:lblAlgn val="ctr"/>
+        <c:lblOffset val="100"/>
+        <c:noMultiLvlLbl val="0"/>
+      </c:catAx>
+      <c:valAx>
+        <c:axId val="2140495176"/>
+        <c:scaling/>
+        <c:delete val="0"/>
+        <c:axPos val="l"/>
+        <c:majorGridlines/>
+        <c:majorTickMark val="out"/>
+        <c:minorTickMark val="none"/>
+        <c:tickLblPos val="nextTo"/>
+        <c:crossAx val="2118791784"/>
+        <c:crosses val="autoZero"/>
+      </c:valAx>
+    </c:plotArea>
+    <c:legend>
+      <c:overlay val="0"/>
+    </c:legend>
+  </c:chart>
+  <c:txPr>
+    <a:bodyPr/>
+    <a:lstStyle/>
+    <a:p>
+      <a:pPr>
+        <a:defRPr sz="1800"/>
+      </a:pPr>
+      <a:endParaRPr lang="en-US"/>
+    </a:p>
+  </c:txPr>
+  <c:externalData r:id="rId1">
+    <c:autoUpdate val="0"/>
+  </c:externalData>
+</c:chartSpace>
+</file>
+
+<file path=ppt/charts/chart2.xml><?xml version="1.0" encoding="utf-8"?>
 <c:chartSpace xmlns:c="http://schemas.openxmlformats.org/drawingml/2006/chart" xmlns:a="http://schemas.openxmlformats.org/drawingml/2006/main" xmlns:r="http://schemas.openxmlformats.org/officeDocument/2006/relationships">
   <c:chart>
     <c:plotArea>
@@ -568,41 +1397,47 @@
           </c:tx>
           <c:cat>
             <c:strRef>
-              <c:f>Sheet1!$A$2:$A$5</c:f>
+              <c:f>Sheet1!$A$2:$A$6</c:f>
               <c:strCache>
-                <c:ptCount val="4"/>
+                <c:ptCount val="5"/>
                 <c:pt idx="0">
-                  <c:v>Optimal</c:v>
+                  <c:v>Obese Class I 30.0-34.9</c:v>
                 </c:pt>
                 <c:pt idx="1">
-                  <c:v>LESS THAN OPTIMAL</c:v>
+                  <c:v>Obese Class II 35.0-39.9</c:v>
                 </c:pt>
                 <c:pt idx="2">
-                  <c:v>Low</c:v>
+                  <c:v>Optimal - 19.5-24.9</c:v>
                 </c:pt>
                 <c:pt idx="3">
-                  <c:v>LESS THAN OPTIAL</c:v>
+                  <c:v>Overweight 25.0-29.9</c:v>
+                </c:pt>
+                <c:pt idx="4">
+                  <c:v>Extreme Obesity More than 40</c:v>
                 </c:pt>
               </c:strCache>
             </c:strRef>
           </c:cat>
           <c:val>
             <c:numRef>
-              <c:f>Sheet1!$B$2:$B$5</c:f>
+              <c:f>Sheet1!$B$2:$B$6</c:f>
               <c:numCache>
                 <c:formatCode>General</c:formatCode>
-                <c:ptCount val="4"/>
+                <c:ptCount val="5"/>
                 <c:pt idx="0">
-                  <c:v>19</c:v>
+                  <c:v>16</c:v>
                 </c:pt>
                 <c:pt idx="1">
-                  <c:v>12</c:v>
+                  <c:v>3</c:v>
                 </c:pt>
                 <c:pt idx="2">
-                  <c:v>16</c:v>
+                  <c:v>14</c:v>
                 </c:pt>
                 <c:pt idx="3">
-                  <c:v>1</c:v>
+                  <c:v>13</c:v>
+                </c:pt>
+                <c:pt idx="4">
+                  <c:v>2</c:v>
                 </c:pt>
               </c:numCache>
             </c:numRef>
@@ -655,6 +1490,1246 @@
 </c:chartSpace>
 </file>
 
+<file path=ppt/charts/chart3.xml><?xml version="1.0" encoding="utf-8"?>
+<c:chartSpace xmlns:c="http://schemas.openxmlformats.org/drawingml/2006/chart" xmlns:a="http://schemas.openxmlformats.org/drawingml/2006/main" xmlns:r="http://schemas.openxmlformats.org/officeDocument/2006/relationships">
+  <c:chart>
+    <c:plotArea>
+      <c:barChart>
+        <c:barDir val="col"/>
+        <c:grouping val="clustered"/>
+        <c:ser>
+          <c:idx val="0"/>
+          <c:order val="0"/>
+          <c:tx>
+            <c:strRef>
+              <c:f>Sheet1!$B$1</c:f>
+              <c:strCache>
+                <c:ptCount val="1"/>
+                <c:pt idx="0">
+                  <c:v>Series 1</c:v>
+                </c:pt>
+              </c:strCache>
+            </c:strRef>
+          </c:tx>
+          <c:cat>
+            <c:strRef>
+              <c:f>Sheet1!$A$2:$A$3</c:f>
+              <c:strCache>
+                <c:ptCount val="2"/>
+                <c:pt idx="0">
+                  <c:v>0</c:v>
+                </c:pt>
+                <c:pt idx="1">
+                  <c:v>1</c:v>
+                </c:pt>
+              </c:strCache>
+            </c:strRef>
+          </c:cat>
+          <c:val>
+            <c:numRef>
+              <c:f>Sheet1!$B$2:$B$3</c:f>
+              <c:numCache>
+                <c:formatCode>General</c:formatCode>
+                <c:ptCount val="2"/>
+                <c:pt idx="0">
+                  <c:v>26</c:v>
+                </c:pt>
+                <c:pt idx="1">
+                  <c:v>22</c:v>
+                </c:pt>
+              </c:numCache>
+            </c:numRef>
+          </c:val>
+        </c:ser>
+        <c:axId val="-2068027336"/>
+        <c:axId val="-2113994440"/>
+      </c:barChart>
+      <c:catAx>
+        <c:axId val="-2068027336"/>
+        <c:scaling/>
+        <c:delete val="0"/>
+        <c:axPos val="b"/>
+        <c:majorTickMark val="out"/>
+        <c:minorTickMark val="none"/>
+        <c:tickLblPos val="nextTo"/>
+        <c:crossAx val="-2113994440"/>
+        <c:crosses val="autoZero"/>
+        <c:lblAlgn val="ctr"/>
+        <c:lblOffset val="100"/>
+        <c:noMultiLvlLbl val="0"/>
+      </c:catAx>
+      <c:valAx>
+        <c:axId val="-2113994440"/>
+        <c:scaling/>
+        <c:delete val="0"/>
+        <c:axPos val="l"/>
+        <c:majorGridlines/>
+        <c:majorTickMark val="out"/>
+        <c:minorTickMark val="none"/>
+        <c:tickLblPos val="nextTo"/>
+        <c:crossAx val="-2068027336"/>
+        <c:crosses val="autoZero"/>
+      </c:valAx>
+    </c:plotArea>
+  </c:chart>
+  <c:txPr>
+    <a:bodyPr/>
+    <a:lstStyle/>
+    <a:p>
+      <a:pPr>
+        <a:defRPr sz="1800"/>
+      </a:pPr>
+      <a:endParaRPr lang="en-US"/>
+    </a:p>
+  </c:txPr>
+  <c:externalData r:id="rId1">
+    <c:autoUpdate val="0"/>
+  </c:externalData>
+</c:chartSpace>
+</file>
+
+<file path=ppt/charts/chart4.xml><?xml version="1.0" encoding="utf-8"?>
+<c:chartSpace xmlns:c="http://schemas.openxmlformats.org/drawingml/2006/chart" xmlns:a="http://schemas.openxmlformats.org/drawingml/2006/main" xmlns:r="http://schemas.openxmlformats.org/officeDocument/2006/relationships">
+  <c:chart>
+    <c:plotArea>
+      <c:lineChart>
+        <c:grouping val="standard"/>
+        <c:ser>
+          <c:idx val="0"/>
+          <c:order val="0"/>
+          <c:tx>
+            <c:strRef>
+              <c:f>Sheet1!$B$1</c:f>
+              <c:strCache>
+                <c:ptCount val="1"/>
+                <c:pt idx="0">
+                  <c:v/>
+                </c:pt>
+              </c:strCache>
+            </c:strRef>
+          </c:tx>
+          <c:marker>
+            <c:symbol val="none"/>
+          </c:marker>
+          <c:cat>
+            <c:strRef>
+              <c:f>Sheet1!$A$2:$A$4</c:f>
+              <c:strCache>
+                <c:ptCount val="3"/>
+                <c:pt idx="0">
+                  <c:v>2016</c:v>
+                </c:pt>
+                <c:pt idx="1">
+                  <c:v>2015</c:v>
+                </c:pt>
+                <c:pt idx="2">
+                  <c:v>2014</c:v>
+                </c:pt>
+              </c:strCache>
+            </c:strRef>
+          </c:cat>
+          <c:val>
+            <c:numRef>
+              <c:f>Sheet1!$B$2:$B$4</c:f>
+              <c:numCache>
+                <c:formatCode>General</c:formatCode>
+                <c:ptCount val="3"/>
+                <c:pt idx="0">
+                  <c:v>0</c:v>
+                </c:pt>
+                <c:pt idx="1">
+                  <c:v>1</c:v>
+                </c:pt>
+                <c:pt idx="2">
+                  <c:v>1</c:v>
+                </c:pt>
+              </c:numCache>
+            </c:numRef>
+          </c:val>
+          <c:smooth val="0"/>
+        </c:ser>
+        <c:ser>
+          <c:idx val="1"/>
+          <c:order val="1"/>
+          <c:tx>
+            <c:strRef>
+              <c:f>Sheet1!$C$1</c:f>
+              <c:strCache>
+                <c:ptCount val="1"/>
+                <c:pt idx="0">
+                  <c:v>Extreme Obesity More than 40</c:v>
+                </c:pt>
+              </c:strCache>
+            </c:strRef>
+          </c:tx>
+          <c:marker>
+            <c:symbol val="none"/>
+          </c:marker>
+          <c:cat>
+            <c:strRef>
+              <c:f>Sheet1!$A$2:$A$4</c:f>
+              <c:strCache>
+                <c:ptCount val="3"/>
+                <c:pt idx="0">
+                  <c:v>2016</c:v>
+                </c:pt>
+                <c:pt idx="1">
+                  <c:v>2015</c:v>
+                </c:pt>
+                <c:pt idx="2">
+                  <c:v>2014</c:v>
+                </c:pt>
+              </c:strCache>
+            </c:strRef>
+          </c:cat>
+          <c:val>
+            <c:numRef>
+              <c:f>Sheet1!$C$2:$C$4</c:f>
+              <c:numCache>
+                <c:formatCode>General</c:formatCode>
+                <c:ptCount val="3"/>
+                <c:pt idx="0">
+                  <c:v>2</c:v>
+                </c:pt>
+                <c:pt idx="1">
+                  <c:v>1</c:v>
+                </c:pt>
+                <c:pt idx="2">
+                  <c:v>1</c:v>
+                </c:pt>
+              </c:numCache>
+            </c:numRef>
+          </c:val>
+          <c:smooth val="0"/>
+        </c:ser>
+        <c:ser>
+          <c:idx val="2"/>
+          <c:order val="2"/>
+          <c:tx>
+            <c:strRef>
+              <c:f>Sheet1!$D$1</c:f>
+              <c:strCache>
+                <c:ptCount val="1"/>
+                <c:pt idx="0">
+                  <c:v>Obese Class I 30.0-34.9</c:v>
+                </c:pt>
+              </c:strCache>
+            </c:strRef>
+          </c:tx>
+          <c:marker>
+            <c:symbol val="none"/>
+          </c:marker>
+          <c:cat>
+            <c:strRef>
+              <c:f>Sheet1!$A$2:$A$4</c:f>
+              <c:strCache>
+                <c:ptCount val="3"/>
+                <c:pt idx="0">
+                  <c:v>2016</c:v>
+                </c:pt>
+                <c:pt idx="1">
+                  <c:v>2015</c:v>
+                </c:pt>
+                <c:pt idx="2">
+                  <c:v>2014</c:v>
+                </c:pt>
+              </c:strCache>
+            </c:strRef>
+          </c:cat>
+          <c:val>
+            <c:numRef>
+              <c:f>Sheet1!$D$2:$D$4</c:f>
+              <c:numCache>
+                <c:formatCode>General</c:formatCode>
+                <c:ptCount val="3"/>
+                <c:pt idx="0">
+                  <c:v>16</c:v>
+                </c:pt>
+                <c:pt idx="1">
+                  <c:v>10</c:v>
+                </c:pt>
+                <c:pt idx="2">
+                  <c:v>6</c:v>
+                </c:pt>
+              </c:numCache>
+            </c:numRef>
+          </c:val>
+          <c:smooth val="0"/>
+        </c:ser>
+        <c:ser>
+          <c:idx val="3"/>
+          <c:order val="3"/>
+          <c:tx>
+            <c:strRef>
+              <c:f>Sheet1!$E$1</c:f>
+              <c:strCache>
+                <c:ptCount val="1"/>
+                <c:pt idx="0">
+                  <c:v>Obese Class II 35.0-39.9</c:v>
+                </c:pt>
+              </c:strCache>
+            </c:strRef>
+          </c:tx>
+          <c:marker>
+            <c:symbol val="none"/>
+          </c:marker>
+          <c:cat>
+            <c:strRef>
+              <c:f>Sheet1!$A$2:$A$4</c:f>
+              <c:strCache>
+                <c:ptCount val="3"/>
+                <c:pt idx="0">
+                  <c:v>2016</c:v>
+                </c:pt>
+                <c:pt idx="1">
+                  <c:v>2015</c:v>
+                </c:pt>
+                <c:pt idx="2">
+                  <c:v>2014</c:v>
+                </c:pt>
+              </c:strCache>
+            </c:strRef>
+          </c:cat>
+          <c:val>
+            <c:numRef>
+              <c:f>Sheet1!$E$2:$E$4</c:f>
+              <c:numCache>
+                <c:formatCode>General</c:formatCode>
+                <c:ptCount val="3"/>
+                <c:pt idx="0">
+                  <c:v>3</c:v>
+                </c:pt>
+                <c:pt idx="1">
+                  <c:v>6</c:v>
+                </c:pt>
+                <c:pt idx="2">
+                  <c:v>7</c:v>
+                </c:pt>
+              </c:numCache>
+            </c:numRef>
+          </c:val>
+          <c:smooth val="0"/>
+        </c:ser>
+        <c:ser>
+          <c:idx val="4"/>
+          <c:order val="4"/>
+          <c:tx>
+            <c:strRef>
+              <c:f>Sheet1!$F$1</c:f>
+              <c:strCache>
+                <c:ptCount val="1"/>
+                <c:pt idx="0">
+                  <c:v>Overweight 25.0-29.9</c:v>
+                </c:pt>
+              </c:strCache>
+            </c:strRef>
+          </c:tx>
+          <c:marker>
+            <c:symbol val="none"/>
+          </c:marker>
+          <c:cat>
+            <c:strRef>
+              <c:f>Sheet1!$A$2:$A$4</c:f>
+              <c:strCache>
+                <c:ptCount val="3"/>
+                <c:pt idx="0">
+                  <c:v>2016</c:v>
+                </c:pt>
+                <c:pt idx="1">
+                  <c:v>2015</c:v>
+                </c:pt>
+                <c:pt idx="2">
+                  <c:v>2014</c:v>
+                </c:pt>
+              </c:strCache>
+            </c:strRef>
+          </c:cat>
+          <c:val>
+            <c:numRef>
+              <c:f>Sheet1!$F$2:$F$4</c:f>
+              <c:numCache>
+                <c:formatCode>General</c:formatCode>
+                <c:ptCount val="3"/>
+                <c:pt idx="0">
+                  <c:v>13</c:v>
+                </c:pt>
+                <c:pt idx="1">
+                  <c:v>12</c:v>
+                </c:pt>
+                <c:pt idx="2">
+                  <c:v>13</c:v>
+                </c:pt>
+              </c:numCache>
+            </c:numRef>
+          </c:val>
+          <c:smooth val="0"/>
+        </c:ser>
+        <c:ser>
+          <c:idx val="5"/>
+          <c:order val="5"/>
+          <c:tx>
+            <c:strRef>
+              <c:f>Sheet1!$G$1</c:f>
+              <c:strCache>
+                <c:ptCount val="1"/>
+                <c:pt idx="0">
+                  <c:v>Optimal - 19.5-24.9</c:v>
+                </c:pt>
+              </c:strCache>
+            </c:strRef>
+          </c:tx>
+          <c:marker>
+            <c:symbol val="none"/>
+          </c:marker>
+          <c:cat>
+            <c:strRef>
+              <c:f>Sheet1!$A$2:$A$4</c:f>
+              <c:strCache>
+                <c:ptCount val="3"/>
+                <c:pt idx="0">
+                  <c:v>2016</c:v>
+                </c:pt>
+                <c:pt idx="1">
+                  <c:v>2015</c:v>
+                </c:pt>
+                <c:pt idx="2">
+                  <c:v>2014</c:v>
+                </c:pt>
+              </c:strCache>
+            </c:strRef>
+          </c:cat>
+          <c:val>
+            <c:numRef>
+              <c:f>Sheet1!$G$2:$G$4</c:f>
+              <c:numCache>
+                <c:formatCode>General</c:formatCode>
+                <c:ptCount val="3"/>
+                <c:pt idx="0">
+                  <c:v>14</c:v>
+                </c:pt>
+                <c:pt idx="1">
+                  <c:v>18</c:v>
+                </c:pt>
+                <c:pt idx="2">
+                  <c:v>20</c:v>
+                </c:pt>
+              </c:numCache>
+            </c:numRef>
+          </c:val>
+          <c:smooth val="0"/>
+        </c:ser>
+        <c:ser>
+          <c:idx val="6"/>
+          <c:order val="6"/>
+          <c:tx>
+            <c:strRef>
+              <c:f>Sheet1!$H$1</c:f>
+              <c:strCache>
+                <c:ptCount val="1"/>
+                <c:pt idx="0">
+                  <c:v>Declined</c:v>
+                </c:pt>
+              </c:strCache>
+            </c:strRef>
+          </c:tx>
+          <c:marker>
+            <c:symbol val="none"/>
+          </c:marker>
+          <c:cat>
+            <c:strRef>
+              <c:f>Sheet1!$A$2:$A$4</c:f>
+              <c:strCache>
+                <c:ptCount val="3"/>
+                <c:pt idx="0">
+                  <c:v>2016</c:v>
+                </c:pt>
+                <c:pt idx="1">
+                  <c:v>2015</c:v>
+                </c:pt>
+                <c:pt idx="2">
+                  <c:v>2014</c:v>
+                </c:pt>
+              </c:strCache>
+            </c:strRef>
+          </c:cat>
+          <c:val>
+            <c:numRef>
+              <c:f>Sheet1!$H$2:$H$4</c:f>
+              <c:numCache>
+                <c:formatCode>General</c:formatCode>
+                <c:ptCount val="3"/>
+                <c:pt idx="0">
+                  <c:v>0</c:v>
+                </c:pt>
+                <c:pt idx="1">
+                  <c:v>1</c:v>
+                </c:pt>
+                <c:pt idx="2">
+                  <c:v>0</c:v>
+                </c:pt>
+              </c:numCache>
+            </c:numRef>
+          </c:val>
+          <c:smooth val="0"/>
+        </c:ser>
+        <c:marker val="1"/>
+        <c:axId val="2118791784"/>
+        <c:axId val="2140495176"/>
+      </c:lineChart>
+      <c:catAx>
+        <c:axId val="2118791784"/>
+        <c:scaling/>
+        <c:delete val="0"/>
+        <c:axPos val="b"/>
+        <c:majorTickMark val="out"/>
+        <c:minorTickMark val="none"/>
+        <c:tickLblPos val="nextTo"/>
+        <c:crossAx val="2140495176"/>
+        <c:crosses val="autoZero"/>
+        <c:lblAlgn val="ctr"/>
+        <c:lblOffset val="100"/>
+        <c:noMultiLvlLbl val="0"/>
+      </c:catAx>
+      <c:valAx>
+        <c:axId val="2140495176"/>
+        <c:scaling/>
+        <c:delete val="0"/>
+        <c:axPos val="l"/>
+        <c:majorGridlines/>
+        <c:majorTickMark val="out"/>
+        <c:minorTickMark val="none"/>
+        <c:tickLblPos val="nextTo"/>
+        <c:crossAx val="2118791784"/>
+        <c:crosses val="autoZero"/>
+      </c:valAx>
+    </c:plotArea>
+    <c:legend>
+      <c:overlay val="0"/>
+    </c:legend>
+  </c:chart>
+  <c:txPr>
+    <a:bodyPr/>
+    <a:lstStyle/>
+    <a:p>
+      <a:pPr>
+        <a:defRPr sz="1800"/>
+      </a:pPr>
+      <a:endParaRPr lang="en-US"/>
+    </a:p>
+  </c:txPr>
+  <c:externalData r:id="rId1">
+    <c:autoUpdate val="0"/>
+  </c:externalData>
+</c:chartSpace>
+</file>
+
+<file path=ppt/charts/chart5.xml><?xml version="1.0" encoding="utf-8"?>
+<c:chartSpace xmlns:c="http://schemas.openxmlformats.org/drawingml/2006/chart" xmlns:a="http://schemas.openxmlformats.org/drawingml/2006/main" xmlns:r="http://schemas.openxmlformats.org/officeDocument/2006/relationships">
+  <c:chart>
+    <c:plotArea>
+      <c:barChart>
+        <c:barDir val="col"/>
+        <c:grouping val="clustered"/>
+        <c:ser>
+          <c:idx val="0"/>
+          <c:order val="0"/>
+          <c:tx>
+            <c:strRef>
+              <c:f>Sheet1!$B$1</c:f>
+              <c:strCache>
+                <c:ptCount val="1"/>
+                <c:pt idx="0">
+                  <c:v>Series 1</c:v>
+                </c:pt>
+              </c:strCache>
+            </c:strRef>
+          </c:tx>
+          <c:cat>
+            <c:strRef>
+              <c:f>Sheet1!$A$2:$A$3</c:f>
+              <c:strCache>
+                <c:ptCount val="2"/>
+                <c:pt idx="0">
+                  <c:v>0</c:v>
+                </c:pt>
+                <c:pt idx="1">
+                  <c:v>1</c:v>
+                </c:pt>
+              </c:strCache>
+            </c:strRef>
+          </c:cat>
+          <c:val>
+            <c:numRef>
+              <c:f>Sheet1!$B$2:$B$3</c:f>
+              <c:numCache>
+                <c:formatCode>General</c:formatCode>
+                <c:ptCount val="2"/>
+                <c:pt idx="0">
+                  <c:v>26</c:v>
+                </c:pt>
+                <c:pt idx="1">
+                  <c:v>22</c:v>
+                </c:pt>
+              </c:numCache>
+            </c:numRef>
+          </c:val>
+        </c:ser>
+        <c:axId val="-2068027336"/>
+        <c:axId val="-2113994440"/>
+      </c:barChart>
+      <c:catAx>
+        <c:axId val="-2068027336"/>
+        <c:scaling/>
+        <c:delete val="0"/>
+        <c:axPos val="b"/>
+        <c:majorTickMark val="out"/>
+        <c:minorTickMark val="none"/>
+        <c:tickLblPos val="nextTo"/>
+        <c:crossAx val="-2113994440"/>
+        <c:crosses val="autoZero"/>
+        <c:lblAlgn val="ctr"/>
+        <c:lblOffset val="100"/>
+        <c:noMultiLvlLbl val="0"/>
+      </c:catAx>
+      <c:valAx>
+        <c:axId val="-2113994440"/>
+        <c:scaling/>
+        <c:delete val="0"/>
+        <c:axPos val="l"/>
+        <c:majorGridlines/>
+        <c:majorTickMark val="out"/>
+        <c:minorTickMark val="none"/>
+        <c:tickLblPos val="nextTo"/>
+        <c:crossAx val="-2068027336"/>
+        <c:crosses val="autoZero"/>
+      </c:valAx>
+    </c:plotArea>
+  </c:chart>
+  <c:txPr>
+    <a:bodyPr/>
+    <a:lstStyle/>
+    <a:p>
+      <a:pPr>
+        <a:defRPr sz="1800"/>
+      </a:pPr>
+      <a:endParaRPr lang="en-US"/>
+    </a:p>
+  </c:txPr>
+  <c:externalData r:id="rId1">
+    <c:autoUpdate val="0"/>
+  </c:externalData>
+</c:chartSpace>
+</file>
+
+<file path=ppt/charts/chart6.xml><?xml version="1.0" encoding="utf-8"?>
+<c:chartSpace xmlns:c="http://schemas.openxmlformats.org/drawingml/2006/chart" xmlns:a="http://schemas.openxmlformats.org/drawingml/2006/main" xmlns:r="http://schemas.openxmlformats.org/officeDocument/2006/relationships">
+  <c:chart>
+    <c:plotArea>
+      <c:barChart>
+        <c:barDir val="col"/>
+        <c:grouping val="clustered"/>
+        <c:ser>
+          <c:idx val="0"/>
+          <c:order val="0"/>
+          <c:tx>
+            <c:strRef>
+              <c:f>Sheet1!$B$1</c:f>
+              <c:strCache>
+                <c:ptCount val="1"/>
+                <c:pt idx="0">
+                  <c:v>Series 1</c:v>
+                </c:pt>
+              </c:strCache>
+            </c:strRef>
+          </c:tx>
+          <c:cat>
+            <c:strRef>
+              <c:f>Sheet1!$A$2:$A$4</c:f>
+              <c:strCache>
+                <c:ptCount val="3"/>
+                <c:pt idx="0">
+                  <c:v>High</c:v>
+                </c:pt>
+                <c:pt idx="1">
+                  <c:v>Optimal</c:v>
+                </c:pt>
+                <c:pt idx="2">
+                  <c:v>Borderline</c:v>
+                </c:pt>
+              </c:strCache>
+            </c:strRef>
+          </c:cat>
+          <c:val>
+            <c:numRef>
+              <c:f>Sheet1!$B$2:$B$4</c:f>
+              <c:numCache>
+                <c:formatCode>General</c:formatCode>
+                <c:ptCount val="3"/>
+                <c:pt idx="0">
+                  <c:v>2</c:v>
+                </c:pt>
+                <c:pt idx="1">
+                  <c:v>37</c:v>
+                </c:pt>
+                <c:pt idx="2">
+                  <c:v>9</c:v>
+                </c:pt>
+              </c:numCache>
+            </c:numRef>
+          </c:val>
+        </c:ser>
+        <c:axId val="-2068027336"/>
+        <c:axId val="-2113994440"/>
+      </c:barChart>
+      <c:catAx>
+        <c:axId val="-2068027336"/>
+        <c:scaling/>
+        <c:delete val="0"/>
+        <c:axPos val="b"/>
+        <c:majorTickMark val="out"/>
+        <c:minorTickMark val="none"/>
+        <c:tickLblPos val="nextTo"/>
+        <c:crossAx val="-2113994440"/>
+        <c:crosses val="autoZero"/>
+        <c:lblAlgn val="ctr"/>
+        <c:lblOffset val="100"/>
+        <c:noMultiLvlLbl val="0"/>
+      </c:catAx>
+      <c:valAx>
+        <c:axId val="-2113994440"/>
+        <c:scaling/>
+        <c:delete val="0"/>
+        <c:axPos val="l"/>
+        <c:majorGridlines/>
+        <c:majorTickMark val="out"/>
+        <c:minorTickMark val="none"/>
+        <c:tickLblPos val="nextTo"/>
+        <c:crossAx val="-2068027336"/>
+        <c:crosses val="autoZero"/>
+      </c:valAx>
+    </c:plotArea>
+  </c:chart>
+  <c:txPr>
+    <a:bodyPr/>
+    <a:lstStyle/>
+    <a:p>
+      <a:pPr>
+        <a:defRPr sz="1800"/>
+      </a:pPr>
+      <a:endParaRPr lang="en-US"/>
+    </a:p>
+  </c:txPr>
+  <c:externalData r:id="rId1">
+    <c:autoUpdate val="0"/>
+  </c:externalData>
+</c:chartSpace>
+</file>
+
+<file path=ppt/charts/chart7.xml><?xml version="1.0" encoding="utf-8"?>
+<c:chartSpace xmlns:c="http://schemas.openxmlformats.org/drawingml/2006/chart" xmlns:a="http://schemas.openxmlformats.org/drawingml/2006/main" xmlns:r="http://schemas.openxmlformats.org/officeDocument/2006/relationships">
+  <c:chart>
+    <c:plotArea>
+      <c:barChart>
+        <c:barDir val="col"/>
+        <c:grouping val="clustered"/>
+        <c:ser>
+          <c:idx val="0"/>
+          <c:order val="0"/>
+          <c:tx>
+            <c:strRef>
+              <c:f>Sheet1!$B$1</c:f>
+              <c:strCache>
+                <c:ptCount val="1"/>
+                <c:pt idx="0">
+                  <c:v>Series 1</c:v>
+                </c:pt>
+              </c:strCache>
+            </c:strRef>
+          </c:tx>
+          <c:cat>
+            <c:strRef>
+              <c:f>Sheet1!$A$2:$A$5</c:f>
+              <c:strCache>
+                <c:ptCount val="4"/>
+                <c:pt idx="0">
+                  <c:v>Optimal</c:v>
+                </c:pt>
+                <c:pt idx="1">
+                  <c:v>LESS THAN OPTIMAL</c:v>
+                </c:pt>
+                <c:pt idx="2">
+                  <c:v>Low</c:v>
+                </c:pt>
+                <c:pt idx="3">
+                  <c:v>LESS THAN OPTIAL</c:v>
+                </c:pt>
+              </c:strCache>
+            </c:strRef>
+          </c:cat>
+          <c:val>
+            <c:numRef>
+              <c:f>Sheet1!$B$2:$B$5</c:f>
+              <c:numCache>
+                <c:formatCode>General</c:formatCode>
+                <c:ptCount val="4"/>
+                <c:pt idx="0">
+                  <c:v>19</c:v>
+                </c:pt>
+                <c:pt idx="1">
+                  <c:v>12</c:v>
+                </c:pt>
+                <c:pt idx="2">
+                  <c:v>16</c:v>
+                </c:pt>
+                <c:pt idx="3">
+                  <c:v>1</c:v>
+                </c:pt>
+              </c:numCache>
+            </c:numRef>
+          </c:val>
+        </c:ser>
+        <c:axId val="-2068027336"/>
+        <c:axId val="-2113994440"/>
+      </c:barChart>
+      <c:catAx>
+        <c:axId val="-2068027336"/>
+        <c:scaling/>
+        <c:delete val="0"/>
+        <c:axPos val="b"/>
+        <c:majorTickMark val="out"/>
+        <c:minorTickMark val="none"/>
+        <c:tickLblPos val="nextTo"/>
+        <c:crossAx val="-2113994440"/>
+        <c:crosses val="autoZero"/>
+        <c:lblAlgn val="ctr"/>
+        <c:lblOffset val="100"/>
+        <c:noMultiLvlLbl val="0"/>
+      </c:catAx>
+      <c:valAx>
+        <c:axId val="-2113994440"/>
+        <c:scaling/>
+        <c:delete val="0"/>
+        <c:axPos val="l"/>
+        <c:majorGridlines/>
+        <c:majorTickMark val="out"/>
+        <c:minorTickMark val="none"/>
+        <c:tickLblPos val="nextTo"/>
+        <c:crossAx val="-2068027336"/>
+        <c:crosses val="autoZero"/>
+      </c:valAx>
+    </c:plotArea>
+  </c:chart>
+  <c:txPr>
+    <a:bodyPr/>
+    <a:lstStyle/>
+    <a:p>
+      <a:pPr>
+        <a:defRPr sz="1800"/>
+      </a:pPr>
+      <a:endParaRPr lang="en-US"/>
+    </a:p>
+  </c:txPr>
+  <c:externalData r:id="rId1">
+    <c:autoUpdate val="0"/>
+  </c:externalData>
+</c:chartSpace>
+</file>
+
+<file path=ppt/charts/chart8.xml><?xml version="1.0" encoding="utf-8"?>
+<c:chartSpace xmlns:c="http://schemas.openxmlformats.org/drawingml/2006/chart" xmlns:a="http://schemas.openxmlformats.org/drawingml/2006/main" xmlns:r="http://schemas.openxmlformats.org/officeDocument/2006/relationships">
+  <c:chart>
+    <c:plotArea>
+      <c:barChart>
+        <c:barDir val="col"/>
+        <c:grouping val="clustered"/>
+        <c:ser>
+          <c:idx val="0"/>
+          <c:order val="0"/>
+          <c:tx>
+            <c:strRef>
+              <c:f>Sheet1!$B$1</c:f>
+              <c:strCache>
+                <c:ptCount val="1"/>
+                <c:pt idx="0">
+                  <c:v>Series 1</c:v>
+                </c:pt>
+              </c:strCache>
+            </c:strRef>
+          </c:tx>
+          <c:cat>
+            <c:strRef>
+              <c:f>Sheet1!$A$2:$A$7</c:f>
+              <c:strCache>
+                <c:ptCount val="6"/>
+                <c:pt idx="0">
+                  <c:v>Near Optimal</c:v>
+                </c:pt>
+                <c:pt idx="1">
+                  <c:v>Borderline</c:v>
+                </c:pt>
+                <c:pt idx="2">
+                  <c:v>NA</c:v>
+                </c:pt>
+                <c:pt idx="3">
+                  <c:v>High</c:v>
+                </c:pt>
+                <c:pt idx="4">
+                  <c:v>DEFERRED</c:v>
+                </c:pt>
+                <c:pt idx="5">
+                  <c:v>Optimal</c:v>
+                </c:pt>
+              </c:strCache>
+            </c:strRef>
+          </c:cat>
+          <c:val>
+            <c:numRef>
+              <c:f>Sheet1!$B$2:$B$7</c:f>
+              <c:numCache>
+                <c:formatCode>General</c:formatCode>
+                <c:ptCount val="6"/>
+                <c:pt idx="0">
+                  <c:v>13</c:v>
+                </c:pt>
+                <c:pt idx="1">
+                  <c:v>3</c:v>
+                </c:pt>
+                <c:pt idx="2">
+                  <c:v>3</c:v>
+                </c:pt>
+                <c:pt idx="3">
+                  <c:v>1</c:v>
+                </c:pt>
+                <c:pt idx="4">
+                  <c:v>1</c:v>
+                </c:pt>
+                <c:pt idx="5">
+                  <c:v>27</c:v>
+                </c:pt>
+              </c:numCache>
+            </c:numRef>
+          </c:val>
+        </c:ser>
+        <c:axId val="-2068027336"/>
+        <c:axId val="-2113994440"/>
+      </c:barChart>
+      <c:catAx>
+        <c:axId val="-2068027336"/>
+        <c:scaling/>
+        <c:delete val="0"/>
+        <c:axPos val="b"/>
+        <c:majorTickMark val="out"/>
+        <c:minorTickMark val="none"/>
+        <c:tickLblPos val="nextTo"/>
+        <c:crossAx val="-2113994440"/>
+        <c:crosses val="autoZero"/>
+        <c:lblAlgn val="ctr"/>
+        <c:lblOffset val="100"/>
+        <c:noMultiLvlLbl val="0"/>
+      </c:catAx>
+      <c:valAx>
+        <c:axId val="-2113994440"/>
+        <c:scaling/>
+        <c:delete val="0"/>
+        <c:axPos val="l"/>
+        <c:majorGridlines/>
+        <c:majorTickMark val="out"/>
+        <c:minorTickMark val="none"/>
+        <c:tickLblPos val="nextTo"/>
+        <c:crossAx val="-2068027336"/>
+        <c:crosses val="autoZero"/>
+      </c:valAx>
+    </c:plotArea>
+  </c:chart>
+  <c:txPr>
+    <a:bodyPr/>
+    <a:lstStyle/>
+    <a:p>
+      <a:pPr>
+        <a:defRPr sz="1800"/>
+      </a:pPr>
+      <a:endParaRPr lang="en-US"/>
+    </a:p>
+  </c:txPr>
+  <c:externalData r:id="rId1">
+    <c:autoUpdate val="0"/>
+  </c:externalData>
+</c:chartSpace>
+</file>
+
+<file path=ppt/charts/chart9.xml><?xml version="1.0" encoding="utf-8"?>
+<c:chartSpace xmlns:c="http://schemas.openxmlformats.org/drawingml/2006/chart" xmlns:a="http://schemas.openxmlformats.org/drawingml/2006/main" xmlns:r="http://schemas.openxmlformats.org/officeDocument/2006/relationships">
+  <c:chart>
+    <c:plotArea>
+      <c:lineChart>
+        <c:grouping val="standard"/>
+        <c:ser>
+          <c:idx val="0"/>
+          <c:order val="0"/>
+          <c:tx>
+            <c:strRef>
+              <c:f>Sheet1!$B$1</c:f>
+              <c:strCache>
+                <c:ptCount val="1"/>
+                <c:pt idx="0">
+                  <c:v>High</c:v>
+                </c:pt>
+              </c:strCache>
+            </c:strRef>
+          </c:tx>
+          <c:marker>
+            <c:symbol val="none"/>
+          </c:marker>
+          <c:cat>
+            <c:strRef>
+              <c:f>Sheet1!$A$2:$A$4</c:f>
+              <c:strCache>
+                <c:ptCount val="3"/>
+                <c:pt idx="0">
+                  <c:v>2016</c:v>
+                </c:pt>
+                <c:pt idx="1">
+                  <c:v>2015</c:v>
+                </c:pt>
+                <c:pt idx="2">
+                  <c:v>2014</c:v>
+                </c:pt>
+              </c:strCache>
+            </c:strRef>
+          </c:cat>
+          <c:val>
+            <c:numRef>
+              <c:f>Sheet1!$B$2:$B$4</c:f>
+              <c:numCache>
+                <c:formatCode>General</c:formatCode>
+                <c:ptCount val="3"/>
+                <c:pt idx="0">
+                  <c:v>2</c:v>
+                </c:pt>
+                <c:pt idx="1">
+                  <c:v>3</c:v>
+                </c:pt>
+                <c:pt idx="2">
+                  <c:v>6</c:v>
+                </c:pt>
+              </c:numCache>
+            </c:numRef>
+          </c:val>
+          <c:smooth val="0"/>
+        </c:ser>
+        <c:ser>
+          <c:idx val="1"/>
+          <c:order val="1"/>
+          <c:tx>
+            <c:strRef>
+              <c:f>Sheet1!$C$1</c:f>
+              <c:strCache>
+                <c:ptCount val="1"/>
+                <c:pt idx="0">
+                  <c:v>Optimal</c:v>
+                </c:pt>
+              </c:strCache>
+            </c:strRef>
+          </c:tx>
+          <c:marker>
+            <c:symbol val="none"/>
+          </c:marker>
+          <c:cat>
+            <c:strRef>
+              <c:f>Sheet1!$A$2:$A$4</c:f>
+              <c:strCache>
+                <c:ptCount val="3"/>
+                <c:pt idx="0">
+                  <c:v>2016</c:v>
+                </c:pt>
+                <c:pt idx="1">
+                  <c:v>2015</c:v>
+                </c:pt>
+                <c:pt idx="2">
+                  <c:v>2014</c:v>
+                </c:pt>
+              </c:strCache>
+            </c:strRef>
+          </c:cat>
+          <c:val>
+            <c:numRef>
+              <c:f>Sheet1!$C$2:$C$4</c:f>
+              <c:numCache>
+                <c:formatCode>General</c:formatCode>
+                <c:ptCount val="3"/>
+                <c:pt idx="0">
+                  <c:v>37</c:v>
+                </c:pt>
+                <c:pt idx="1">
+                  <c:v>29</c:v>
+                </c:pt>
+                <c:pt idx="2">
+                  <c:v>27</c:v>
+                </c:pt>
+              </c:numCache>
+            </c:numRef>
+          </c:val>
+          <c:smooth val="0"/>
+        </c:ser>
+        <c:ser>
+          <c:idx val="2"/>
+          <c:order val="2"/>
+          <c:tx>
+            <c:strRef>
+              <c:f>Sheet1!$D$1</c:f>
+              <c:strCache>
+                <c:ptCount val="1"/>
+                <c:pt idx="0">
+                  <c:v>Borderline</c:v>
+                </c:pt>
+              </c:strCache>
+            </c:strRef>
+          </c:tx>
+          <c:marker>
+            <c:symbol val="none"/>
+          </c:marker>
+          <c:cat>
+            <c:strRef>
+              <c:f>Sheet1!$A$2:$A$4</c:f>
+              <c:strCache>
+                <c:ptCount val="3"/>
+                <c:pt idx="0">
+                  <c:v>2016</c:v>
+                </c:pt>
+                <c:pt idx="1">
+                  <c:v>2015</c:v>
+                </c:pt>
+                <c:pt idx="2">
+                  <c:v>2014</c:v>
+                </c:pt>
+              </c:strCache>
+            </c:strRef>
+          </c:cat>
+          <c:val>
+            <c:numRef>
+              <c:f>Sheet1!$D$2:$D$4</c:f>
+              <c:numCache>
+                <c:formatCode>General</c:formatCode>
+                <c:ptCount val="3"/>
+                <c:pt idx="0">
+                  <c:v>9</c:v>
+                </c:pt>
+                <c:pt idx="1">
+                  <c:v>16</c:v>
+                </c:pt>
+                <c:pt idx="2">
+                  <c:v>15</c:v>
+                </c:pt>
+              </c:numCache>
+            </c:numRef>
+          </c:val>
+          <c:smooth val="0"/>
+        </c:ser>
+        <c:ser>
+          <c:idx val="3"/>
+          <c:order val="3"/>
+          <c:tx>
+            <c:strRef>
+              <c:f>Sheet1!$E$1</c:f>
+              <c:strCache>
+                <c:ptCount val="1"/>
+                <c:pt idx="0">
+                  <c:v>170</c:v>
+                </c:pt>
+              </c:strCache>
+            </c:strRef>
+          </c:tx>
+          <c:marker>
+            <c:symbol val="none"/>
+          </c:marker>
+          <c:cat>
+            <c:strRef>
+              <c:f>Sheet1!$A$2:$A$4</c:f>
+              <c:strCache>
+                <c:ptCount val="3"/>
+                <c:pt idx="0">
+                  <c:v>2016</c:v>
+                </c:pt>
+                <c:pt idx="1">
+                  <c:v>2015</c:v>
+                </c:pt>
+                <c:pt idx="2">
+                  <c:v>2014</c:v>
+                </c:pt>
+              </c:strCache>
+            </c:strRef>
+          </c:cat>
+          <c:val>
+            <c:numRef>
+              <c:f>Sheet1!$E$2:$E$4</c:f>
+              <c:numCache>
+                <c:formatCode>General</c:formatCode>
+                <c:ptCount val="3"/>
+                <c:pt idx="0">
+                  <c:v>0</c:v>
+                </c:pt>
+                <c:pt idx="1">
+                  <c:v>1</c:v>
+                </c:pt>
+                <c:pt idx="2">
+                  <c:v>0</c:v>
+                </c:pt>
+              </c:numCache>
+            </c:numRef>
+          </c:val>
+          <c:smooth val="0"/>
+        </c:ser>
+        <c:marker val="1"/>
+        <c:axId val="2118791784"/>
+        <c:axId val="2140495176"/>
+      </c:lineChart>
+      <c:catAx>
+        <c:axId val="2118791784"/>
+        <c:scaling/>
+        <c:delete val="0"/>
+        <c:axPos val="b"/>
+        <c:majorTickMark val="out"/>
+        <c:minorTickMark val="none"/>
+        <c:tickLblPos val="nextTo"/>
+        <c:crossAx val="2140495176"/>
+        <c:crosses val="autoZero"/>
+        <c:lblAlgn val="ctr"/>
+        <c:lblOffset val="100"/>
+        <c:noMultiLvlLbl val="0"/>
+      </c:catAx>
+      <c:valAx>
+        <c:axId val="2140495176"/>
+        <c:scaling/>
+        <c:delete val="0"/>
+        <c:axPos val="l"/>
+        <c:majorGridlines/>
+        <c:majorTickMark val="out"/>
+        <c:minorTickMark val="none"/>
+        <c:tickLblPos val="nextTo"/>
+        <c:crossAx val="2118791784"/>
+        <c:crosses val="autoZero"/>
+      </c:valAx>
+    </c:plotArea>
+    <c:legend>
+      <c:overlay val="0"/>
+    </c:legend>
+  </c:chart>
+  <c:txPr>
+    <a:bodyPr/>
+    <a:lstStyle/>
+    <a:p>
+      <a:pPr>
+        <a:defRPr sz="1800"/>
+      </a:pPr>
+      <a:endParaRPr lang="en-US"/>
+    </a:p>
+  </c:txPr>
+  <c:externalData r:id="rId1">
+    <c:autoUpdate val="0"/>
+  </c:externalData>
+</c:chartSpace>
+</file>
+
 <file path=ppt/handoutMasters/handoutMaster1.xml><?xml version="1.0" encoding="utf-8"?>
 <p:handoutMaster xmlns:a="http://schemas.openxmlformats.org/drawingml/2006/main" xmlns:r="http://schemas.openxmlformats.org/officeDocument/2006/relationships" xmlns:p="http://schemas.openxmlformats.org/presentationml/2006/main">
   <p:cSld>
@@ -737,7 +2812,7 @@
           <a:p>
             <a:fld id="{AAB9D47E-67C1-4E1B-91B6-1C4A4CD91A70}" type="datetimeFigureOut">
               <a:rPr lang="en-US" smtClean="0"/>
-              <a:t>11/29/2016</a:t>
+              <a:t>11/30/2016</a:t>
             </a:fld>
             <a:endParaRPr lang="en-US" dirty="0"/>
           </a:p>
@@ -902,7 +2977,7 @@
           <a:p>
             <a:fld id="{D43B9A28-89AB-4FF7-B6F7-B576186B66F1}" type="datetimeFigureOut">
               <a:rPr lang="en-US" smtClean="0"/>
-              <a:t>11/29/2016</a:t>
+              <a:t>11/30/2016</a:t>
             </a:fld>
             <a:endParaRPr lang="en-US" dirty="0"/>
           </a:p>
@@ -1216,11 +3291,11 @@
           <a:p>
             <a:r>
               <a:rPr lang="en-US" dirty="0" smtClean="0"/>
-              <a:t>SB Note: I’d like</a:t>
+              <a:t>Only 6% of employees use tobacco.  </a:t>
             </a:r>
             <a:r>
               <a:rPr lang="en-US" baseline="0" dirty="0" smtClean="0"/>
-              <a:t> this page to be about where we got the info.  But also where they can go to read more. What others should we include?  What would be nice, actually, is if we had a resource page for each factor we tested and we could put it at the bottom of each slide!</a:t>
+              <a:t> Creating a 100% smoke-free workplace, using smoking cessation coaches, or offering incentives to quit are all strategies to reduce the number of tobacco users. </a:t>
             </a:r>
             <a:endParaRPr lang="en-US" dirty="0"/>
           </a:p>
@@ -1243,7 +3318,850 @@
           <a:p>
             <a:fld id="{3F33A409-1646-4137-A75F-3A02A90E5C52}" type="slidenum">
               <a:rPr lang="en-US" smtClean="0"/>
+              <a:t>3</a:t>
+            </a:fld>
+            <a:endParaRPr lang="en-US" dirty="0"/>
+          </a:p>
+        </p:txBody>
+      </p:sp>
+    </p:spTree>
+    <p:extLst>
+      <p:ext uri="{BB962C8B-B14F-4D97-AF65-F5344CB8AC3E}">
+        <p14:creationId xmlns:p14="http://schemas.microsoft.com/office/powerpoint/2010/main" val="536228286"/>
+      </p:ext>
+    </p:extLst>
+  </p:cSld>
+  <p:clrMapOvr>
+    <a:masterClrMapping/>
+  </p:clrMapOvr>
+</p:notes>
+</file>
+
+<file path=ppt/notesSlides/notesSlide2.xml><?xml version="1.0" encoding="utf-8"?>
+<p:notes xmlns:a="http://schemas.openxmlformats.org/drawingml/2006/main" xmlns:r="http://schemas.openxmlformats.org/officeDocument/2006/relationships" xmlns:p="http://schemas.openxmlformats.org/presentationml/2006/main">
+  <p:cSld>
+    <p:spTree>
+      <p:nvGrpSpPr>
+        <p:cNvPr id="1" name=""/>
+        <p:cNvGrpSpPr/>
+        <p:nvPr/>
+      </p:nvGrpSpPr>
+      <p:grpSpPr>
+        <a:xfrm>
+          <a:off x="0" y="0"/>
+          <a:ext cx="0" cy="0"/>
+          <a:chOff x="0" y="0"/>
+          <a:chExt cx="0" cy="0"/>
+        </a:xfrm>
+      </p:grpSpPr>
+      <p:sp>
+        <p:nvSpPr>
+          <p:cNvPr id="2" name="Slide Image Placeholder 1"/>
+          <p:cNvSpPr>
+            <a:spLocks noGrp="1" noRot="1" noChangeAspect="1"/>
+          </p:cNvSpPr>
+          <p:nvPr>
+            <p:ph type="sldImg"/>
+          </p:nvPr>
+        </p:nvSpPr>
+        <p:spPr/>
+      </p:sp>
+      <p:sp>
+        <p:nvSpPr>
+          <p:cNvPr id="3" name="Notes Placeholder 2"/>
+          <p:cNvSpPr>
+            <a:spLocks noGrp="1"/>
+          </p:cNvSpPr>
+          <p:nvPr>
+            <p:ph type="body" idx="1"/>
+          </p:nvPr>
+        </p:nvSpPr>
+        <p:spPr/>
+        <p:txBody>
+          <a:bodyPr/>
+          <a:lstStyle/>
+          <a:p>
+            <a:r>
+              <a:rPr lang="en-US" dirty="0" smtClean="0"/>
+              <a:t>Combine this slide with Waist Circumference.</a:t>
+            </a:r>
+          </a:p>
+          <a:p>
+            <a:pPr marL="0" marR="0" indent="0" algn="l" defTabSz="914400" rtl="0" eaLnBrk="1" fontAlgn="auto" latinLnBrk="0" hangingPunct="1">
+              <a:lnSpc>
+                <a:spcPct val="100000"/>
+              </a:lnSpc>
+              <a:spcBef>
+                <a:spcPts val="0"/>
+              </a:spcBef>
+              <a:spcAft>
+                <a:spcPts val="0"/>
+              </a:spcAft>
+              <a:buClrTx/>
+              <a:buSzTx/>
+              <a:buFontTx/>
+              <a:buNone/>
+              <a:tabLst/>
+              <a:defRPr/>
+            </a:pPr>
+            <a:r>
+              <a:rPr lang="en-US" sz="1200" b="0" i="0" kern="1200" dirty="0" smtClean="0">
+                <a:solidFill>
+                  <a:schemeClr val="tx1"/>
+                </a:solidFill>
+                <a:effectLst/>
+                <a:latin typeface="+mn-lt"/>
+                <a:ea typeface="+mn-ea"/>
+                <a:cs typeface="+mn-cs"/>
+              </a:rPr>
+              <a:t>“</a:t>
+            </a:r>
+            <a:r>
+              <a:rPr lang="en-US" dirty="0" smtClean="0"/>
+              <a:t>People who are overweight/obese, compared to those with a normal or healthy weight, are at increased risk for many serious diseases and health conditions. </a:t>
+            </a:r>
+            <a:r>
+              <a:rPr lang="en-US" sz="1200" b="0" i="0" kern="1200" dirty="0" smtClean="0">
+                <a:solidFill>
+                  <a:schemeClr val="tx1"/>
+                </a:solidFill>
+                <a:effectLst/>
+                <a:latin typeface="+mn-lt"/>
+                <a:ea typeface="+mn-ea"/>
+                <a:cs typeface="+mn-cs"/>
+              </a:rPr>
+              <a:t>Obesity contributes to major causes of death and disability, including heart attacks, strokes, high blood pressure, cancer, diabetes, osteoarthritis, fatty liver, and depression.  In addition, those with excess abdominal</a:t>
+            </a:r>
+            <a:r>
+              <a:rPr lang="en-US" sz="1200" b="0" i="0" kern="1200" baseline="0" dirty="0" smtClean="0">
+                <a:solidFill>
+                  <a:schemeClr val="tx1"/>
+                </a:solidFill>
+                <a:effectLst/>
+                <a:latin typeface="+mn-lt"/>
+                <a:ea typeface="+mn-ea"/>
+                <a:cs typeface="+mn-cs"/>
+              </a:rPr>
+              <a:t> obesity are at greater risk for cardiovascular disease.  Modifying diet and exercise is an effective way to reduce and prevent obesity.”</a:t>
+            </a:r>
+            <a:endParaRPr lang="en-US" dirty="0" smtClean="0"/>
+          </a:p>
+        </p:txBody>
+      </p:sp>
+      <p:sp>
+        <p:nvSpPr>
+          <p:cNvPr id="4" name="Slide Number Placeholder 3"/>
+          <p:cNvSpPr>
+            <a:spLocks noGrp="1"/>
+          </p:cNvSpPr>
+          <p:nvPr>
+            <p:ph type="sldNum" sz="quarter" idx="10"/>
+          </p:nvPr>
+        </p:nvSpPr>
+        <p:spPr/>
+        <p:txBody>
+          <a:bodyPr/>
+          <a:lstStyle/>
+          <a:p>
+            <a:fld id="{3F33A409-1646-4137-A75F-3A02A90E5C52}" type="slidenum">
+              <a:rPr lang="en-US" smtClean="0"/>
+              <a:t>4</a:t>
+            </a:fld>
+            <a:endParaRPr lang="en-US" dirty="0"/>
+          </a:p>
+        </p:txBody>
+      </p:sp>
+    </p:spTree>
+    <p:extLst>
+      <p:ext uri="{BB962C8B-B14F-4D97-AF65-F5344CB8AC3E}">
+        <p14:creationId xmlns:p14="http://schemas.microsoft.com/office/powerpoint/2010/main" val="1344297878"/>
+      </p:ext>
+    </p:extLst>
+  </p:cSld>
+  <p:clrMapOvr>
+    <a:masterClrMapping/>
+  </p:clrMapOvr>
+</p:notes>
+</file>
+
+<file path=ppt/notesSlides/notesSlide3.xml><?xml version="1.0" encoding="utf-8"?>
+<p:notes xmlns:a="http://schemas.openxmlformats.org/drawingml/2006/main" xmlns:r="http://schemas.openxmlformats.org/officeDocument/2006/relationships" xmlns:p="http://schemas.openxmlformats.org/presentationml/2006/main">
+  <p:cSld>
+    <p:spTree>
+      <p:nvGrpSpPr>
+        <p:cNvPr id="1" name=""/>
+        <p:cNvGrpSpPr/>
+        <p:nvPr/>
+      </p:nvGrpSpPr>
+      <p:grpSpPr>
+        <a:xfrm>
+          <a:off x="0" y="0"/>
+          <a:ext cx="0" cy="0"/>
+          <a:chOff x="0" y="0"/>
+          <a:chExt cx="0" cy="0"/>
+        </a:xfrm>
+      </p:grpSpPr>
+      <p:sp>
+        <p:nvSpPr>
+          <p:cNvPr id="2" name="Slide Image Placeholder 1"/>
+          <p:cNvSpPr>
+            <a:spLocks noGrp="1" noRot="1" noChangeAspect="1"/>
+          </p:cNvSpPr>
+          <p:nvPr>
+            <p:ph type="sldImg"/>
+          </p:nvPr>
+        </p:nvSpPr>
+        <p:spPr/>
+      </p:sp>
+      <p:sp>
+        <p:nvSpPr>
+          <p:cNvPr id="3" name="Notes Placeholder 2"/>
+          <p:cNvSpPr>
+            <a:spLocks noGrp="1"/>
+          </p:cNvSpPr>
+          <p:nvPr>
+            <p:ph type="body" idx="1"/>
+          </p:nvPr>
+        </p:nvSpPr>
+        <p:spPr/>
+        <p:txBody>
+          <a:bodyPr/>
+          <a:lstStyle/>
+          <a:p>
+            <a:r>
+              <a:rPr lang="en-US" dirty="0" smtClean="0"/>
+              <a:t>Combine this slide with Waist Circumference.</a:t>
+            </a:r>
+          </a:p>
+          <a:p>
+            <a:pPr marL="0" marR="0" indent="0" algn="l" defTabSz="914400" rtl="0" eaLnBrk="1" fontAlgn="auto" latinLnBrk="0" hangingPunct="1">
+              <a:lnSpc>
+                <a:spcPct val="100000"/>
+              </a:lnSpc>
+              <a:spcBef>
+                <a:spcPts val="0"/>
+              </a:spcBef>
+              <a:spcAft>
+                <a:spcPts val="0"/>
+              </a:spcAft>
+              <a:buClrTx/>
+              <a:buSzTx/>
+              <a:buFontTx/>
+              <a:buNone/>
+              <a:tabLst/>
+              <a:defRPr/>
+            </a:pPr>
+            <a:r>
+              <a:rPr lang="en-US" sz="1200" b="0" i="0" kern="1200" dirty="0" smtClean="0">
+                <a:solidFill>
+                  <a:schemeClr val="tx1"/>
+                </a:solidFill>
+                <a:effectLst/>
+                <a:latin typeface="+mn-lt"/>
+                <a:ea typeface="+mn-ea"/>
+                <a:cs typeface="+mn-cs"/>
+              </a:rPr>
+              <a:t>“</a:t>
+            </a:r>
+            <a:r>
+              <a:rPr lang="en-US" dirty="0" smtClean="0"/>
+              <a:t>People who are overweight/obese, compared to those with a normal or healthy weight, are at increased risk for many serious diseases and health conditions. </a:t>
+            </a:r>
+            <a:r>
+              <a:rPr lang="en-US" sz="1200" b="0" i="0" kern="1200" dirty="0" smtClean="0">
+                <a:solidFill>
+                  <a:schemeClr val="tx1"/>
+                </a:solidFill>
+                <a:effectLst/>
+                <a:latin typeface="+mn-lt"/>
+                <a:ea typeface="+mn-ea"/>
+                <a:cs typeface="+mn-cs"/>
+              </a:rPr>
+              <a:t>Obesity contributes to major causes of death and disability, including heart attacks, strokes, high blood pressure, cancer, diabetes, osteoarthritis, fatty liver, and depression.  In addition, those with excess abdominal</a:t>
+            </a:r>
+            <a:r>
+              <a:rPr lang="en-US" sz="1200" b="0" i="0" kern="1200" baseline="0" dirty="0" smtClean="0">
+                <a:solidFill>
+                  <a:schemeClr val="tx1"/>
+                </a:solidFill>
+                <a:effectLst/>
+                <a:latin typeface="+mn-lt"/>
+                <a:ea typeface="+mn-ea"/>
+                <a:cs typeface="+mn-cs"/>
+              </a:rPr>
+              <a:t> obesity are at greater risk for cardiovascular disease.  Modifying diet and exercise is an effective way to reduce and prevent obesity.”</a:t>
+            </a:r>
+            <a:endParaRPr lang="en-US" dirty="0" smtClean="0"/>
+          </a:p>
+        </p:txBody>
+      </p:sp>
+      <p:sp>
+        <p:nvSpPr>
+          <p:cNvPr id="4" name="Slide Number Placeholder 3"/>
+          <p:cNvSpPr>
+            <a:spLocks noGrp="1"/>
+          </p:cNvSpPr>
+          <p:nvPr>
+            <p:ph type="sldNum" sz="quarter" idx="10"/>
+          </p:nvPr>
+        </p:nvSpPr>
+        <p:spPr/>
+        <p:txBody>
+          <a:bodyPr/>
+          <a:lstStyle/>
+          <a:p>
+            <a:fld id="{3F33A409-1646-4137-A75F-3A02A90E5C52}" type="slidenum">
+              <a:rPr lang="en-US" smtClean="0"/>
+              <a:t>5</a:t>
+            </a:fld>
+            <a:endParaRPr lang="en-US" dirty="0"/>
+          </a:p>
+        </p:txBody>
+      </p:sp>
+    </p:spTree>
+    <p:extLst>
+      <p:ext uri="{BB962C8B-B14F-4D97-AF65-F5344CB8AC3E}">
+        <p14:creationId xmlns:p14="http://schemas.microsoft.com/office/powerpoint/2010/main" val="1344297878"/>
+      </p:ext>
+    </p:extLst>
+  </p:cSld>
+  <p:clrMapOvr>
+    <a:masterClrMapping/>
+  </p:clrMapOvr>
+</p:notes>
+</file>
+
+<file path=ppt/notesSlides/notesSlide4.xml><?xml version="1.0" encoding="utf-8"?>
+<p:notes xmlns:a="http://schemas.openxmlformats.org/drawingml/2006/main" xmlns:r="http://schemas.openxmlformats.org/officeDocument/2006/relationships" xmlns:p="http://schemas.openxmlformats.org/presentationml/2006/main">
+  <p:cSld>
+    <p:spTree>
+      <p:nvGrpSpPr>
+        <p:cNvPr id="1" name=""/>
+        <p:cNvGrpSpPr/>
+        <p:nvPr/>
+      </p:nvGrpSpPr>
+      <p:grpSpPr>
+        <a:xfrm>
+          <a:off x="0" y="0"/>
+          <a:ext cx="0" cy="0"/>
+          <a:chOff x="0" y="0"/>
+          <a:chExt cx="0" cy="0"/>
+        </a:xfrm>
+      </p:grpSpPr>
+      <p:sp>
+        <p:nvSpPr>
+          <p:cNvPr id="2" name="Slide Image Placeholder 1"/>
+          <p:cNvSpPr>
+            <a:spLocks noGrp="1" noRot="1" noChangeAspect="1"/>
+          </p:cNvSpPr>
+          <p:nvPr>
+            <p:ph type="sldImg"/>
+          </p:nvPr>
+        </p:nvSpPr>
+        <p:spPr/>
+      </p:sp>
+      <p:sp>
+        <p:nvSpPr>
+          <p:cNvPr id="3" name="Notes Placeholder 2"/>
+          <p:cNvSpPr>
+            <a:spLocks noGrp="1"/>
+          </p:cNvSpPr>
+          <p:nvPr>
+            <p:ph type="body" idx="1"/>
+          </p:nvPr>
+        </p:nvSpPr>
+        <p:spPr/>
+        <p:txBody>
+          <a:bodyPr/>
+          <a:lstStyle/>
+          <a:p>
+            <a:r>
+              <a:rPr lang="en-US" dirty="0" smtClean="0"/>
+              <a:t>Combine this slide with Waist Circumference.</a:t>
+            </a:r>
+          </a:p>
+          <a:p>
+            <a:pPr marL="0" marR="0" indent="0" algn="l" defTabSz="914400" rtl="0" eaLnBrk="1" fontAlgn="auto" latinLnBrk="0" hangingPunct="1">
+              <a:lnSpc>
+                <a:spcPct val="100000"/>
+              </a:lnSpc>
+              <a:spcBef>
+                <a:spcPts val="0"/>
+              </a:spcBef>
+              <a:spcAft>
+                <a:spcPts val="0"/>
+              </a:spcAft>
+              <a:buClrTx/>
+              <a:buSzTx/>
+              <a:buFontTx/>
+              <a:buNone/>
+              <a:tabLst/>
+              <a:defRPr/>
+            </a:pPr>
+            <a:r>
+              <a:rPr lang="en-US" sz="1200" b="0" i="0" kern="1200" dirty="0" smtClean="0">
+                <a:solidFill>
+                  <a:schemeClr val="tx1"/>
+                </a:solidFill>
+                <a:effectLst/>
+                <a:latin typeface="+mn-lt"/>
+                <a:ea typeface="+mn-ea"/>
+                <a:cs typeface="+mn-cs"/>
+              </a:rPr>
+              <a:t>“</a:t>
+            </a:r>
+            <a:r>
+              <a:rPr lang="en-US" dirty="0" smtClean="0"/>
+              <a:t>People who are overweight/obese, compared to those with a normal or healthy weight, are at increased risk for many serious diseases and health conditions. </a:t>
+            </a:r>
+            <a:r>
+              <a:rPr lang="en-US" sz="1200" b="0" i="0" kern="1200" dirty="0" smtClean="0">
+                <a:solidFill>
+                  <a:schemeClr val="tx1"/>
+                </a:solidFill>
+                <a:effectLst/>
+                <a:latin typeface="+mn-lt"/>
+                <a:ea typeface="+mn-ea"/>
+                <a:cs typeface="+mn-cs"/>
+              </a:rPr>
+              <a:t>Obesity contributes to major causes of death and disability, including heart attacks, strokes, high blood pressure, cancer, diabetes, osteoarthritis, fatty liver, and depression.  In addition, those with excess abdominal</a:t>
+            </a:r>
+            <a:r>
+              <a:rPr lang="en-US" sz="1200" b="0" i="0" kern="1200" baseline="0" dirty="0" smtClean="0">
+                <a:solidFill>
+                  <a:schemeClr val="tx1"/>
+                </a:solidFill>
+                <a:effectLst/>
+                <a:latin typeface="+mn-lt"/>
+                <a:ea typeface="+mn-ea"/>
+                <a:cs typeface="+mn-cs"/>
+              </a:rPr>
+              <a:t> obesity are at greater risk for cardiovascular disease.  Modifying diet and exercise is an effective way to reduce and prevent obesity.”</a:t>
+            </a:r>
+            <a:endParaRPr lang="en-US" dirty="0" smtClean="0"/>
+          </a:p>
+        </p:txBody>
+      </p:sp>
+      <p:sp>
+        <p:nvSpPr>
+          <p:cNvPr id="4" name="Slide Number Placeholder 3"/>
+          <p:cNvSpPr>
+            <a:spLocks noGrp="1"/>
+          </p:cNvSpPr>
+          <p:nvPr>
+            <p:ph type="sldNum" sz="quarter" idx="10"/>
+          </p:nvPr>
+        </p:nvSpPr>
+        <p:spPr/>
+        <p:txBody>
+          <a:bodyPr/>
+          <a:lstStyle/>
+          <a:p>
+            <a:fld id="{3F33A409-1646-4137-A75F-3A02A90E5C52}" type="slidenum">
+              <a:rPr lang="en-US" smtClean="0"/>
+              <a:t>6</a:t>
+            </a:fld>
+            <a:endParaRPr lang="en-US" dirty="0"/>
+          </a:p>
+        </p:txBody>
+      </p:sp>
+    </p:spTree>
+    <p:extLst>
+      <p:ext uri="{BB962C8B-B14F-4D97-AF65-F5344CB8AC3E}">
+        <p14:creationId xmlns:p14="http://schemas.microsoft.com/office/powerpoint/2010/main" val="1344297878"/>
+      </p:ext>
+    </p:extLst>
+  </p:cSld>
+  <p:clrMapOvr>
+    <a:masterClrMapping/>
+  </p:clrMapOvr>
+</p:notes>
+</file>
+
+<file path=ppt/notesSlides/notesSlide5.xml><?xml version="1.0" encoding="utf-8"?>
+<p:notes xmlns:a="http://schemas.openxmlformats.org/drawingml/2006/main" xmlns:r="http://schemas.openxmlformats.org/officeDocument/2006/relationships" xmlns:p="http://schemas.openxmlformats.org/presentationml/2006/main">
+  <p:cSld>
+    <p:spTree>
+      <p:nvGrpSpPr>
+        <p:cNvPr id="1" name=""/>
+        <p:cNvGrpSpPr/>
+        <p:nvPr/>
+      </p:nvGrpSpPr>
+      <p:grpSpPr>
+        <a:xfrm>
+          <a:off x="0" y="0"/>
+          <a:ext cx="0" cy="0"/>
+          <a:chOff x="0" y="0"/>
+          <a:chExt cx="0" cy="0"/>
+        </a:xfrm>
+      </p:grpSpPr>
+      <p:sp>
+        <p:nvSpPr>
+          <p:cNvPr id="2" name="Slide Image Placeholder 1"/>
+          <p:cNvSpPr>
+            <a:spLocks noGrp="1" noRot="1" noChangeAspect="1"/>
+          </p:cNvSpPr>
+          <p:nvPr>
+            <p:ph type="sldImg"/>
+          </p:nvPr>
+        </p:nvSpPr>
+        <p:spPr/>
+      </p:sp>
+      <p:sp>
+        <p:nvSpPr>
+          <p:cNvPr id="3" name="Notes Placeholder 2"/>
+          <p:cNvSpPr>
+            <a:spLocks noGrp="1"/>
+          </p:cNvSpPr>
+          <p:nvPr>
+            <p:ph type="body" idx="1"/>
+          </p:nvPr>
+        </p:nvSpPr>
+        <p:spPr/>
+        <p:txBody>
+          <a:bodyPr/>
+          <a:lstStyle/>
+          <a:p>
+            <a:r>
+              <a:rPr lang="en-US" dirty="0" smtClean="0"/>
+              <a:t>High cholesterol is one of the major </a:t>
+            </a:r>
+            <a:r>
+              <a:rPr lang="en-US" i="1" u="sng" dirty="0" smtClean="0"/>
+              <a:t>controllable</a:t>
+            </a:r>
+            <a:r>
+              <a:rPr lang="en-US" dirty="0" smtClean="0"/>
+              <a:t> risk factors for coronary heart disease, heart attack and stroke.  Other risk factors like high blood pressure or diabetes increase the risk even further.</a:t>
+            </a:r>
+            <a:r>
+              <a:rPr lang="en-US" baseline="0" dirty="0" smtClean="0"/>
+              <a:t>  High HDL cholesterol is beneficial for heart health.  Less than optimal HDL can be a result of inactivity and poor diet.  46% of employees have high cholesterol and 72% have less than optimal HDL cholesterol. </a:t>
+            </a:r>
+            <a:endParaRPr lang="en-US" dirty="0" smtClean="0"/>
+          </a:p>
+        </p:txBody>
+      </p:sp>
+      <p:sp>
+        <p:nvSpPr>
+          <p:cNvPr id="4" name="Slide Number Placeholder 3"/>
+          <p:cNvSpPr>
+            <a:spLocks noGrp="1"/>
+          </p:cNvSpPr>
+          <p:nvPr>
+            <p:ph type="sldNum" sz="quarter" idx="10"/>
+          </p:nvPr>
+        </p:nvSpPr>
+        <p:spPr/>
+        <p:txBody>
+          <a:bodyPr/>
+          <a:lstStyle/>
+          <a:p>
+            <a:fld id="{3F33A409-1646-4137-A75F-3A02A90E5C52}" type="slidenum">
+              <a:rPr lang="en-US" smtClean="0"/>
               <a:t>7</a:t>
+            </a:fld>
+            <a:endParaRPr lang="en-US" dirty="0"/>
+          </a:p>
+        </p:txBody>
+      </p:sp>
+    </p:spTree>
+    <p:extLst>
+      <p:ext uri="{BB962C8B-B14F-4D97-AF65-F5344CB8AC3E}">
+        <p14:creationId xmlns:p14="http://schemas.microsoft.com/office/powerpoint/2010/main" val="4007201109"/>
+      </p:ext>
+    </p:extLst>
+  </p:cSld>
+  <p:clrMapOvr>
+    <a:masterClrMapping/>
+  </p:clrMapOvr>
+</p:notes>
+</file>
+
+<file path=ppt/notesSlides/notesSlide6.xml><?xml version="1.0" encoding="utf-8"?>
+<p:notes xmlns:a="http://schemas.openxmlformats.org/drawingml/2006/main" xmlns:r="http://schemas.openxmlformats.org/officeDocument/2006/relationships" xmlns:p="http://schemas.openxmlformats.org/presentationml/2006/main">
+  <p:cSld>
+    <p:spTree>
+      <p:nvGrpSpPr>
+        <p:cNvPr id="1" name=""/>
+        <p:cNvGrpSpPr/>
+        <p:nvPr/>
+      </p:nvGrpSpPr>
+      <p:grpSpPr>
+        <a:xfrm>
+          <a:off x="0" y="0"/>
+          <a:ext cx="0" cy="0"/>
+          <a:chOff x="0" y="0"/>
+          <a:chExt cx="0" cy="0"/>
+        </a:xfrm>
+      </p:grpSpPr>
+      <p:sp>
+        <p:nvSpPr>
+          <p:cNvPr id="2" name="Slide Image Placeholder 1"/>
+          <p:cNvSpPr>
+            <a:spLocks noGrp="1" noRot="1" noChangeAspect="1"/>
+          </p:cNvSpPr>
+          <p:nvPr>
+            <p:ph type="sldImg"/>
+          </p:nvPr>
+        </p:nvSpPr>
+        <p:spPr/>
+      </p:sp>
+      <p:sp>
+        <p:nvSpPr>
+          <p:cNvPr id="3" name="Notes Placeholder 2"/>
+          <p:cNvSpPr>
+            <a:spLocks noGrp="1"/>
+          </p:cNvSpPr>
+          <p:nvPr>
+            <p:ph type="body" idx="1"/>
+          </p:nvPr>
+        </p:nvSpPr>
+        <p:spPr/>
+        <p:txBody>
+          <a:bodyPr/>
+          <a:lstStyle/>
+          <a:p>
+            <a:r>
+              <a:rPr lang="en-US" dirty="0" smtClean="0"/>
+              <a:t>High cholesterol is one of the major </a:t>
+            </a:r>
+            <a:r>
+              <a:rPr lang="en-US" i="1" u="sng" dirty="0" smtClean="0"/>
+              <a:t>controllable</a:t>
+            </a:r>
+            <a:r>
+              <a:rPr lang="en-US" dirty="0" smtClean="0"/>
+              <a:t> risk factors for coronary heart disease, heart attack and stroke.  Other risk factors like high blood pressure or diabetes increase the risk even further.</a:t>
+            </a:r>
+            <a:r>
+              <a:rPr lang="en-US" baseline="0" dirty="0" smtClean="0"/>
+              <a:t>  High HDL cholesterol is beneficial for heart health.  Less than optimal HDL can be a result of inactivity and poor diet.  46% of employees have high cholesterol and 72% have less than optimal HDL cholesterol. </a:t>
+            </a:r>
+            <a:endParaRPr lang="en-US" dirty="0" smtClean="0"/>
+          </a:p>
+        </p:txBody>
+      </p:sp>
+      <p:sp>
+        <p:nvSpPr>
+          <p:cNvPr id="4" name="Slide Number Placeholder 3"/>
+          <p:cNvSpPr>
+            <a:spLocks noGrp="1"/>
+          </p:cNvSpPr>
+          <p:nvPr>
+            <p:ph type="sldNum" sz="quarter" idx="10"/>
+          </p:nvPr>
+        </p:nvSpPr>
+        <p:spPr/>
+        <p:txBody>
+          <a:bodyPr/>
+          <a:lstStyle/>
+          <a:p>
+            <a:fld id="{3F33A409-1646-4137-A75F-3A02A90E5C52}" type="slidenum">
+              <a:rPr lang="en-US" smtClean="0"/>
+              <a:t>8</a:t>
+            </a:fld>
+            <a:endParaRPr lang="en-US" dirty="0"/>
+          </a:p>
+        </p:txBody>
+      </p:sp>
+    </p:spTree>
+    <p:extLst>
+      <p:ext uri="{BB962C8B-B14F-4D97-AF65-F5344CB8AC3E}">
+        <p14:creationId xmlns:p14="http://schemas.microsoft.com/office/powerpoint/2010/main" val="4007201109"/>
+      </p:ext>
+    </p:extLst>
+  </p:cSld>
+  <p:clrMapOvr>
+    <a:masterClrMapping/>
+  </p:clrMapOvr>
+</p:notes>
+</file>
+
+<file path=ppt/notesSlides/notesSlide7.xml><?xml version="1.0" encoding="utf-8"?>
+<p:notes xmlns:a="http://schemas.openxmlformats.org/drawingml/2006/main" xmlns:r="http://schemas.openxmlformats.org/officeDocument/2006/relationships" xmlns:p="http://schemas.openxmlformats.org/presentationml/2006/main">
+  <p:cSld>
+    <p:spTree>
+      <p:nvGrpSpPr>
+        <p:cNvPr id="1" name=""/>
+        <p:cNvGrpSpPr/>
+        <p:nvPr/>
+      </p:nvGrpSpPr>
+      <p:grpSpPr>
+        <a:xfrm>
+          <a:off x="0" y="0"/>
+          <a:ext cx="0" cy="0"/>
+          <a:chOff x="0" y="0"/>
+          <a:chExt cx="0" cy="0"/>
+        </a:xfrm>
+      </p:grpSpPr>
+      <p:sp>
+        <p:nvSpPr>
+          <p:cNvPr id="2" name="Slide Image Placeholder 1"/>
+          <p:cNvSpPr>
+            <a:spLocks noGrp="1" noRot="1" noChangeAspect="1"/>
+          </p:cNvSpPr>
+          <p:nvPr>
+            <p:ph type="sldImg"/>
+          </p:nvPr>
+        </p:nvSpPr>
+        <p:spPr/>
+      </p:sp>
+      <p:sp>
+        <p:nvSpPr>
+          <p:cNvPr id="3" name="Notes Placeholder 2"/>
+          <p:cNvSpPr>
+            <a:spLocks noGrp="1"/>
+          </p:cNvSpPr>
+          <p:nvPr>
+            <p:ph type="body" idx="1"/>
+          </p:nvPr>
+        </p:nvSpPr>
+        <p:spPr/>
+        <p:txBody>
+          <a:bodyPr/>
+          <a:lstStyle/>
+          <a:p>
+            <a:r>
+              <a:rPr lang="en-US" dirty="0" smtClean="0"/>
+              <a:t>What do you think their three biggest areas for improvement are? </a:t>
+            </a:r>
+          </a:p>
+          <a:p>
+            <a:r>
+              <a:rPr lang="en-US" dirty="0" smtClean="0"/>
+              <a:t>Blood</a:t>
+            </a:r>
+            <a:r>
+              <a:rPr lang="en-US" baseline="0" dirty="0" smtClean="0"/>
+              <a:t> Pressure</a:t>
+            </a:r>
+          </a:p>
+          <a:p>
+            <a:r>
+              <a:rPr lang="en-US" baseline="0" dirty="0" smtClean="0"/>
+              <a:t>Nutrition</a:t>
+            </a:r>
+          </a:p>
+          <a:p>
+            <a:r>
+              <a:rPr lang="en-US" baseline="0" dirty="0" smtClean="0"/>
+              <a:t>Weight Loss</a:t>
+            </a:r>
+            <a:endParaRPr lang="en-US" dirty="0"/>
+          </a:p>
+        </p:txBody>
+      </p:sp>
+      <p:sp>
+        <p:nvSpPr>
+          <p:cNvPr id="4" name="Slide Number Placeholder 3"/>
+          <p:cNvSpPr>
+            <a:spLocks noGrp="1"/>
+          </p:cNvSpPr>
+          <p:nvPr>
+            <p:ph type="sldNum" sz="quarter" idx="10"/>
+          </p:nvPr>
+        </p:nvSpPr>
+        <p:spPr/>
+        <p:txBody>
+          <a:bodyPr/>
+          <a:lstStyle/>
+          <a:p>
+            <a:fld id="{3F33A409-1646-4137-A75F-3A02A90E5C52}" type="slidenum">
+              <a:rPr lang="en-US" smtClean="0"/>
+              <a:t>9</a:t>
+            </a:fld>
+            <a:endParaRPr lang="en-US" dirty="0"/>
+          </a:p>
+        </p:txBody>
+      </p:sp>
+    </p:spTree>
+    <p:extLst>
+      <p:ext uri="{BB962C8B-B14F-4D97-AF65-F5344CB8AC3E}">
+        <p14:creationId xmlns:p14="http://schemas.microsoft.com/office/powerpoint/2010/main" val="89611132"/>
+      </p:ext>
+    </p:extLst>
+  </p:cSld>
+  <p:clrMapOvr>
+    <a:masterClrMapping/>
+  </p:clrMapOvr>
+</p:notes>
+</file>
+
+<file path=ppt/notesSlides/notesSlide8.xml><?xml version="1.0" encoding="utf-8"?>
+<p:notes xmlns:a="http://schemas.openxmlformats.org/drawingml/2006/main" xmlns:r="http://schemas.openxmlformats.org/officeDocument/2006/relationships" xmlns:p="http://schemas.openxmlformats.org/presentationml/2006/main">
+  <p:cSld>
+    <p:spTree>
+      <p:nvGrpSpPr>
+        <p:cNvPr id="1" name=""/>
+        <p:cNvGrpSpPr/>
+        <p:nvPr/>
+      </p:nvGrpSpPr>
+      <p:grpSpPr>
+        <a:xfrm>
+          <a:off x="0" y="0"/>
+          <a:ext cx="0" cy="0"/>
+          <a:chOff x="0" y="0"/>
+          <a:chExt cx="0" cy="0"/>
+        </a:xfrm>
+      </p:grpSpPr>
+      <p:sp>
+        <p:nvSpPr>
+          <p:cNvPr id="2" name="Slide Image Placeholder 1"/>
+          <p:cNvSpPr>
+            <a:spLocks noGrp="1" noRot="1" noChangeAspect="1"/>
+          </p:cNvSpPr>
+          <p:nvPr>
+            <p:ph type="sldImg"/>
+          </p:nvPr>
+        </p:nvSpPr>
+        <p:spPr/>
+      </p:sp>
+      <p:sp>
+        <p:nvSpPr>
+          <p:cNvPr id="3" name="Notes Placeholder 2"/>
+          <p:cNvSpPr>
+            <a:spLocks noGrp="1"/>
+          </p:cNvSpPr>
+          <p:nvPr>
+            <p:ph type="body" idx="1"/>
+          </p:nvPr>
+        </p:nvSpPr>
+        <p:spPr/>
+        <p:txBody>
+          <a:bodyPr/>
+          <a:lstStyle/>
+          <a:p>
+            <a:r>
+              <a:rPr lang="en-US" dirty="0" smtClean="0"/>
+              <a:t>SB Note: I’d like</a:t>
+            </a:r>
+            <a:r>
+              <a:rPr lang="en-US" baseline="0" dirty="0" smtClean="0"/>
+              <a:t> this page to be about where we got the info.  But also where they can go to read more. What others should we include?  What would be nice, actually, is if we had a resource page for each factor we tested and we could put it at the bottom of each slide!</a:t>
+            </a:r>
+            <a:endParaRPr lang="en-US" dirty="0"/>
+          </a:p>
+        </p:txBody>
+      </p:sp>
+      <p:sp>
+        <p:nvSpPr>
+          <p:cNvPr id="4" name="Slide Number Placeholder 3"/>
+          <p:cNvSpPr>
+            <a:spLocks noGrp="1"/>
+          </p:cNvSpPr>
+          <p:nvPr>
+            <p:ph type="sldNum" sz="quarter" idx="10"/>
+          </p:nvPr>
+        </p:nvSpPr>
+        <p:spPr/>
+        <p:txBody>
+          <a:bodyPr/>
+          <a:lstStyle/>
+          <a:p>
+            <a:fld id="{3F33A409-1646-4137-A75F-3A02A90E5C52}" type="slidenum">
+              <a:rPr lang="en-US" smtClean="0"/>
+              <a:t>10</a:t>
             </a:fld>
             <a:endParaRPr lang="en-US" dirty="0"/>
           </a:p>
@@ -1553,7 +4471,7 @@
           <a:p>
             <a:fld id="{EB9FD57E-C399-49A5-9E41-A3349D7DE35B}" type="datetime1">
               <a:rPr lang="en-US" smtClean="0"/>
-              <a:t>11/29/2016</a:t>
+              <a:t>11/30/2016</a:t>
             </a:fld>
             <a:endParaRPr lang="en-US" dirty="0"/>
           </a:p>
@@ -1744,7 +4662,7 @@
           <a:p>
             <a:fld id="{FCEC67C6-3403-4BFB-8B45-9DB8B05CDF67}" type="datetime1">
               <a:rPr lang="en-US" smtClean="0"/>
-              <a:t>11/29/2016</a:t>
+              <a:t>11/30/2016</a:t>
             </a:fld>
             <a:endParaRPr lang="en-US" dirty="0"/>
           </a:p>
@@ -1929,7 +4847,7 @@
           <a:p>
             <a:fld id="{12BE4818-FD7D-4705-B5B3-0E204E7B8767}" type="datetime1">
               <a:rPr lang="en-US" smtClean="0"/>
-              <a:t>11/29/2016</a:t>
+              <a:t>11/30/2016</a:t>
             </a:fld>
             <a:endParaRPr lang="en-US" dirty="0"/>
           </a:p>
@@ -2192,7 +5110,7 @@
           <a:p>
             <a:fld id="{461E0769-57AC-4935-8715-988FC8288D8B}" type="datetime1">
               <a:rPr lang="en-US" smtClean="0"/>
-              <a:t>11/29/2016</a:t>
+              <a:t>11/30/2016</a:t>
             </a:fld>
             <a:endParaRPr lang="en-US" dirty="0"/>
           </a:p>
@@ -2608,7 +5526,7 @@
           <a:p>
             <a:fld id="{CB4DF6D8-D059-4E6F-9489-47A7683AE661}" type="datetime1">
               <a:rPr lang="en-US" smtClean="0"/>
-              <a:t>11/29/2016</a:t>
+              <a:t>11/30/2016</a:t>
             </a:fld>
             <a:endParaRPr lang="en-US" dirty="0"/>
           </a:p>
@@ -2850,7 +5768,7 @@
           <a:p>
             <a:fld id="{3DF2A073-D756-4989-BBD7-7130788C34CA}" type="datetime1">
               <a:rPr lang="en-US" smtClean="0"/>
-              <a:t>11/29/2016</a:t>
+              <a:t>11/30/2016</a:t>
             </a:fld>
             <a:endParaRPr lang="en-US" dirty="0"/>
           </a:p>
@@ -3086,7 +6004,7 @@
           <a:p>
             <a:fld id="{C7812262-0143-4593-8ABE-7E4B68DA324A}" type="datetime1">
               <a:rPr lang="en-US" smtClean="0"/>
-              <a:t>11/29/2016</a:t>
+              <a:t>11/30/2016</a:t>
             </a:fld>
             <a:endParaRPr lang="en-US" dirty="0"/>
           </a:p>
@@ -3281,7 +6199,7 @@
           <a:p>
             <a:fld id="{9444DF3C-DB17-4177-83A1-1F4CFF0BDA1F}" type="datetime1">
               <a:rPr lang="en-US" smtClean="0"/>
-              <a:t>11/29/2016</a:t>
+              <a:t>11/30/2016</a:t>
             </a:fld>
             <a:endParaRPr lang="en-US" dirty="0"/>
           </a:p>
@@ -3379,7 +6297,7 @@
           <a:p>
             <a:fld id="{F6C8DF98-0850-4199-9763-F5AC2123D534}" type="datetime1">
               <a:rPr lang="en-US" smtClean="0"/>
-              <a:t>11/29/2016</a:t>
+              <a:t>11/30/2016</a:t>
             </a:fld>
             <a:endParaRPr lang="en-US" dirty="0"/>
           </a:p>
@@ -3515,7 +6433,7 @@
           <a:p>
             <a:fld id="{01D547BE-D041-448C-ACAF-73E0E93ABA79}" type="datetime1">
               <a:rPr lang="en-US" smtClean="0"/>
-              <a:t>11/29/2016</a:t>
+              <a:t>11/30/2016</a:t>
             </a:fld>
             <a:endParaRPr lang="en-US" dirty="0"/>
           </a:p>
@@ -4033,7 +6951,7 @@
           <a:p>
             <a:fld id="{578863BF-C007-49B5-9EBC-83335D3595B0}" type="datetime1">
               <a:rPr lang="en-US" smtClean="0"/>
-              <a:t>11/29/2016</a:t>
+              <a:t>11/30/2016</a:t>
             </a:fld>
             <a:endParaRPr lang="en-US" dirty="0"/>
           </a:p>
@@ -4294,7 +7212,7 @@
           <a:p>
             <a:fld id="{3AD18C84-CE91-4C35-A0EF-F805A78F094C}" type="datetime1">
               <a:rPr lang="en-US" smtClean="0"/>
-              <a:t>11/29/2016</a:t>
+              <a:t>11/30/2016</a:t>
             </a:fld>
             <a:endParaRPr lang="en-US" dirty="0"/>
           </a:p>
@@ -4907,6 +7825,236 @@
 </p:sld>
 </file>
 
+<file path=ppt/slides/slide10.xml><?xml version="1.0" encoding="utf-8"?>
+<p:sld xmlns:a="http://schemas.openxmlformats.org/drawingml/2006/main" xmlns:r="http://schemas.openxmlformats.org/officeDocument/2006/relationships" xmlns:p="http://schemas.openxmlformats.org/presentationml/2006/main">
+  <p:cSld>
+    <p:spTree>
+      <p:nvGrpSpPr>
+        <p:cNvPr id="1" name=""/>
+        <p:cNvGrpSpPr/>
+        <p:nvPr/>
+      </p:nvGrpSpPr>
+      <p:grpSpPr>
+        <a:xfrm>
+          <a:off x="0" y="0"/>
+          <a:ext cx="0" cy="0"/>
+          <a:chOff x="0" y="0"/>
+          <a:chExt cx="0" cy="0"/>
+        </a:xfrm>
+      </p:grpSpPr>
+      <p:sp>
+        <p:nvSpPr>
+          <p:cNvPr id="2" name="Title 1"/>
+          <p:cNvSpPr>
+            <a:spLocks noGrp="1"/>
+          </p:cNvSpPr>
+          <p:nvPr>
+            <p:ph type="title"/>
+          </p:nvPr>
+        </p:nvSpPr>
+        <p:spPr/>
+        <p:txBody>
+          <a:bodyPr/>
+          <a:lstStyle/>
+          <a:p>
+            <a:r>
+              <a:rPr lang="en-US" dirty="0" smtClean="0"/>
+              <a:t>Resources</a:t>
+            </a:r>
+            <a:endParaRPr lang="en-US" dirty="0"/>
+          </a:p>
+        </p:txBody>
+      </p:sp>
+      <p:sp>
+        <p:nvSpPr>
+          <p:cNvPr id="3" name="Content Placeholder 2"/>
+          <p:cNvSpPr>
+            <a:spLocks noGrp="1"/>
+          </p:cNvSpPr>
+          <p:nvPr>
+            <p:ph sz="quarter" idx="1"/>
+          </p:nvPr>
+        </p:nvSpPr>
+        <p:spPr>
+          <a:xfrm>
+            <a:off x="612648" y="1600200"/>
+            <a:ext cx="8150352" cy="4800600"/>
+          </a:xfrm>
+        </p:spPr>
+        <p:txBody>
+          <a:bodyPr>
+            <a:normAutofit fontScale="77500" lnSpcReduction="20000"/>
+          </a:bodyPr>
+          <a:lstStyle/>
+          <a:p>
+            <a:r>
+              <a:rPr lang="en-US" sz="3100" dirty="0" smtClean="0"/>
+              <a:t>Managing </a:t>
+            </a:r>
+            <a:r>
+              <a:rPr lang="en-US" sz="3100" dirty="0"/>
+              <a:t>Overweight and Obesity in Adults: Systematic Evidence </a:t>
+            </a:r>
+            <a:r>
+              <a:rPr lang="en-US" sz="3100" dirty="0" smtClean="0"/>
+              <a:t>Review from </a:t>
+            </a:r>
+            <a:r>
+              <a:rPr lang="en-US" sz="3100" dirty="0"/>
+              <a:t>the Obesity Expert Panel. </a:t>
+            </a:r>
+            <a:r>
+              <a:rPr lang="en-US" sz="3100" u="sng" dirty="0" smtClean="0">
+                <a:hlinkClick r:id="rId3" tooltip="Link to External Web Site"/>
+              </a:rPr>
+              <a:t>www.nhlbi.nih.gov/sites/www.nhlbi.nih.gov/files/obesity-evidence-review.pdf[PDF </a:t>
+            </a:r>
+            <a:r>
+              <a:rPr lang="en-US" sz="3100" u="sng" dirty="0">
+                <a:hlinkClick r:id="rId3" tooltip="Link to External Web Site"/>
+              </a:rPr>
+              <a:t>- 93KB]</a:t>
+            </a:r>
+            <a:endParaRPr lang="en-US" sz="3100" dirty="0"/>
+          </a:p>
+          <a:p>
+            <a:r>
+              <a:rPr lang="en-US" sz="3100" dirty="0" smtClean="0"/>
+              <a:t>Clinical </a:t>
+            </a:r>
+            <a:r>
+              <a:rPr lang="en-US" sz="3100" dirty="0"/>
+              <a:t>Guidelines on the Identification, Evaluation, and Treatment of Overweight and Obesity in </a:t>
+            </a:r>
+            <a:r>
+              <a:rPr lang="en-US" sz="3100" dirty="0" smtClean="0"/>
+              <a:t>Adults</a:t>
+            </a:r>
+            <a:r>
+              <a:rPr lang="en-US" sz="3100" u="sng" dirty="0" smtClean="0">
+                <a:hlinkClick r:id="rId4" tooltip="Link to External Web Site"/>
+              </a:rPr>
+              <a:t> www.nhlbi.nih.gov/files/docs/guidelines/ob_gdlns.pdf[PDF </a:t>
+            </a:r>
+            <a:r>
+              <a:rPr lang="en-US" sz="3100" u="sng" dirty="0">
+                <a:hlinkClick r:id="rId4" tooltip="Link to External Web Site"/>
+              </a:rPr>
+              <a:t>- 2MB]</a:t>
+            </a:r>
+            <a:endParaRPr lang="en-US" sz="3100" dirty="0"/>
+          </a:p>
+          <a:p>
+            <a:r>
+              <a:rPr lang="en-US" sz="3100" dirty="0" smtClean="0"/>
+              <a:t>U.S</a:t>
+            </a:r>
+            <a:r>
+              <a:rPr lang="en-US" sz="3100" dirty="0"/>
+              <a:t>. Department of Health and Human </a:t>
+            </a:r>
+            <a:r>
+              <a:rPr lang="en-US" sz="3100" dirty="0" smtClean="0"/>
+              <a:t>Services, Office </a:t>
+            </a:r>
+            <a:r>
+              <a:rPr lang="en-US" sz="3100" dirty="0"/>
+              <a:t>of Disease Prevention and Health </a:t>
+            </a:r>
+            <a:r>
+              <a:rPr lang="en-US" sz="3100" dirty="0" smtClean="0"/>
+              <a:t>Promotion, </a:t>
+            </a:r>
+            <a:r>
+              <a:rPr lang="en-US" sz="3100" i="1" dirty="0"/>
+              <a:t>2008 Physical Activity Guidelines for </a:t>
+            </a:r>
+            <a:r>
+              <a:rPr lang="en-US" sz="3100" i="1" dirty="0" smtClean="0"/>
+              <a:t>Americans</a:t>
+            </a:r>
+          </a:p>
+          <a:p>
+            <a:r>
+              <a:rPr lang="en-US" sz="3100" dirty="0" smtClean="0"/>
+              <a:t>My Plate </a:t>
+            </a:r>
+            <a:r>
+              <a:rPr lang="en-US" sz="3100" dirty="0" smtClean="0">
+                <a:hlinkClick r:id="rId5"/>
+              </a:rPr>
+              <a:t>www.choosemyplate.gov</a:t>
+            </a:r>
+            <a:endParaRPr lang="en-US" sz="3100" dirty="0" smtClean="0"/>
+          </a:p>
+          <a:p>
+            <a:r>
+              <a:rPr lang="en-US" sz="3100" dirty="0" smtClean="0"/>
+              <a:t>Center for Disease Control </a:t>
+            </a:r>
+          </a:p>
+          <a:p>
+            <a:r>
+              <a:rPr lang="en-US" sz="3100" dirty="0" smtClean="0"/>
+              <a:t>Harvard School of Public Health</a:t>
+            </a:r>
+          </a:p>
+          <a:p>
+            <a:endParaRPr lang="en-US" dirty="0"/>
+          </a:p>
+          <a:p>
+            <a:endParaRPr lang="en-US" dirty="0" smtClean="0"/>
+          </a:p>
+          <a:p>
+            <a:endParaRPr lang="en-US" dirty="0"/>
+          </a:p>
+        </p:txBody>
+      </p:sp>
+      <p:sp>
+        <p:nvSpPr>
+          <p:cNvPr id="5" name="Slide Number Placeholder 4"/>
+          <p:cNvSpPr>
+            <a:spLocks noGrp="1"/>
+          </p:cNvSpPr>
+          <p:nvPr>
+            <p:ph type="sldNum" sz="quarter" idx="12"/>
+          </p:nvPr>
+        </p:nvSpPr>
+        <p:spPr/>
+        <p:txBody>
+          <a:bodyPr>
+            <a:normAutofit fontScale="85000" lnSpcReduction="20000"/>
+          </a:bodyPr>
+          <a:lstStyle/>
+          <a:p>
+            <a:fld id="{0550DE80-A55D-4FEA-ABCE-0175392B4432}" type="slidenum">
+              <a:rPr lang="en-US" smtClean="0"/>
+              <a:t>10</a:t>
+            </a:fld>
+            <a:endParaRPr lang="en-US" dirty="0"/>
+          </a:p>
+        </p:txBody>
+      </p:sp>
+    </p:spTree>
+    <p:extLst>
+      <p:ext uri="{BB962C8B-B14F-4D97-AF65-F5344CB8AC3E}">
+        <p14:creationId xmlns:p14="http://schemas.microsoft.com/office/powerpoint/2010/main" val="20209268"/>
+      </p:ext>
+    </p:extLst>
+  </p:cSld>
+  <p:clrMapOvr>
+    <a:masterClrMapping/>
+  </p:clrMapOvr>
+  <p:timing>
+    <p:tnLst>
+      <p:par>
+        <p:cTn id="1" dur="indefinite" restart="never" nodeType="tmRoot"/>
+      </p:par>
+    </p:tnLst>
+  </p:timing>
+</p:sld>
+</file>
+
 <file path=ppt/slides/slide2.xml><?xml version="1.0" encoding="utf-8"?>
 <p:sld xmlns:a="http://schemas.openxmlformats.org/drawingml/2006/main" xmlns:r="http://schemas.openxmlformats.org/officeDocument/2006/relationships" xmlns:p="http://schemas.openxmlformats.org/presentationml/2006/main">
   <p:cSld>
@@ -4959,19 +8107,28 @@
         </p:nvSpPr>
         <p:spPr>
           <a:xfrm>
-            <a:off x="381000" y="1600200"/>
+            <a:off x="612648" y="1600200"/>
             <a:ext cx="8153400" cy="3886198"/>
           </a:xfrm>
         </p:spPr>
         <p:txBody>
           <a:bodyPr>
-            <a:normAutofit/>
+            <a:normAutofit fontScale="92500" lnSpcReduction="10000"/>
           </a:bodyPr>
           <a:lstStyle/>
           <a:p>
-            <a:pPr marL="0" indent="0">
-              <a:buNone/>
-            </a:pPr>
+            <a:r>
+              <a:t>49 Individuals completed fasting biometric screenings</a:t>
+            </a:r>
+            <a:br/>
+            <a:r>
+              <a:t>Male Participants: 32%</a:t>
+            </a:r>
+            <a:br/>
+            <a:r>
+              <a:t>Female Participants: 65%</a:t>
+            </a:r>
+            <a:br/>
           </a:p>
         </p:txBody>
       </p:sp>
@@ -5000,28 +8157,10 @@
           </a:p>
         </p:txBody>
       </p:sp>
-      <p:graphicFrame>
-        <p:nvGraphicFramePr>
-          <p:cNvPr id="4" name="Chart 3"/>
-          <p:cNvGraphicFramePr>
-            <a:graphicFrameLocks noGrp="1"/>
-          </p:cNvGraphicFramePr>
-          <p:nvPr/>
-        </p:nvGraphicFramePr>
-        <p:xfrm>
-          <a:off x="1828800" y="1828800"/>
-          <a:ext cx="2743200" cy="3886198"/>
-        </p:xfrm>
-        <a:graphic>
-          <a:graphicData uri="http://schemas.openxmlformats.org/drawingml/2006/chart">
-            <c:chart xmlns:c="http://schemas.openxmlformats.org/drawingml/2006/chart" r:id="rId2"/>
-          </a:graphicData>
-        </a:graphic>
-      </p:graphicFrame>
     </p:spTree>
     <p:extLst>
       <p:ext uri="{BB962C8B-B14F-4D97-AF65-F5344CB8AC3E}">
-        <p14:creationId xmlns:p14="http://schemas.microsoft.com/office/powerpoint/2010/main" val="1597361193"/>
+        <p14:creationId xmlns:p14="http://schemas.microsoft.com/office/powerpoint/2010/main" val="580674313"/>
       </p:ext>
     </p:extLst>
   </p:cSld>
@@ -5067,305 +8206,22 @@
         </p:nvSpPr>
         <p:spPr/>
         <p:txBody>
-          <a:bodyPr/>
-          <a:lstStyle/>
-          <a:p>
-            <a:endParaRPr lang="en-US"/>
-          </a:p>
-        </p:txBody>
-      </p:sp>
-      <p:sp>
-        <p:nvSpPr>
-          <p:cNvPr id="3" name="Slide Number Placeholder 2"/>
-          <p:cNvSpPr>
-            <a:spLocks noGrp="1"/>
-          </p:cNvSpPr>
-          <p:nvPr>
-            <p:ph type="sldNum" sz="quarter" idx="12"/>
-          </p:nvPr>
-        </p:nvSpPr>
-        <p:spPr/>
-        <p:txBody>
-          <a:bodyPr>
-            <a:normAutofit fontScale="85000" lnSpcReduction="20000"/>
-          </a:bodyPr>
-          <a:lstStyle/>
-          <a:p>
-            <a:fld id="{0550DE80-A55D-4FEA-ABCE-0175392B4432}" type="slidenum">
-              <a:rPr lang="en-US" smtClean="0"/>
-              <a:t>3</a:t>
-            </a:fld>
-            <a:endParaRPr lang="en-US" dirty="0"/>
-          </a:p>
-        </p:txBody>
-      </p:sp>
-      <p:sp>
-        <p:nvSpPr>
-          <p:cNvPr id="4" name="Content Placeholder 3"/>
-          <p:cNvSpPr>
-            <a:spLocks noGrp="1"/>
-          </p:cNvSpPr>
-          <p:nvPr>
-            <p:ph sz="quarter" idx="1"/>
-          </p:nvPr>
-        </p:nvSpPr>
-        <p:spPr>
-          <a:xfrm>
-            <a:off x="1828800" y="2133600"/>
-            <a:ext cx="4575048" cy="2362200"/>
-          </a:xfrm>
-        </p:spPr>
-        <p:txBody>
-          <a:bodyPr/>
-          <a:lstStyle/>
-          <a:p/>
-        </p:txBody>
-      </p:sp>
-      <p:graphicFrame>
-        <p:nvGraphicFramePr>
-          <p:cNvPr id="5" name="Chart 4"/>
-          <p:cNvGraphicFramePr>
-            <a:graphicFrameLocks noGrp="1"/>
-          </p:cNvGraphicFramePr>
-          <p:nvPr/>
-        </p:nvGraphicFramePr>
-        <p:xfrm>
-          <a:off x="1828800" y="1828800"/>
-          <a:ext cx="2743200" cy="2362200"/>
-        </p:xfrm>
-        <a:graphic>
-          <a:graphicData uri="http://schemas.openxmlformats.org/drawingml/2006/chart">
-            <c:chart xmlns:c="http://schemas.openxmlformats.org/drawingml/2006/chart" r:id="rId2"/>
-          </a:graphicData>
-        </a:graphic>
-      </p:graphicFrame>
-    </p:spTree>
-    <p:extLst>
-      <p:ext uri="{BB962C8B-B14F-4D97-AF65-F5344CB8AC3E}">
-        <p14:creationId xmlns:p14="http://schemas.microsoft.com/office/powerpoint/2010/main" val="2054613054"/>
-      </p:ext>
-    </p:extLst>
-  </p:cSld>
-  <p:clrMapOvr>
-    <a:masterClrMapping/>
-  </p:clrMapOvr>
-</p:sld>
-</file>
-
-<file path=ppt/slides/slide4.xml><?xml version="1.0" encoding="utf-8"?>
-<p:sld xmlns:a="http://schemas.openxmlformats.org/drawingml/2006/main" xmlns:r="http://schemas.openxmlformats.org/officeDocument/2006/relationships" xmlns:p="http://schemas.openxmlformats.org/presentationml/2006/main">
-  <p:cSld>
-    <p:spTree>
-      <p:nvGrpSpPr>
-        <p:cNvPr id="1" name=""/>
-        <p:cNvGrpSpPr/>
-        <p:nvPr/>
-      </p:nvGrpSpPr>
-      <p:grpSpPr>
-        <a:xfrm>
-          <a:off x="0" y="0"/>
-          <a:ext cx="0" cy="0"/>
-          <a:chOff x="0" y="0"/>
-          <a:chExt cx="0" cy="0"/>
-        </a:xfrm>
-      </p:grpSpPr>
-      <p:sp>
-        <p:nvSpPr>
-          <p:cNvPr id="2" name="Title 1"/>
-          <p:cNvSpPr>
-            <a:spLocks noGrp="1"/>
-          </p:cNvSpPr>
-          <p:nvPr>
-            <p:ph type="title"/>
-          </p:nvPr>
-        </p:nvSpPr>
-        <p:spPr/>
-        <p:txBody>
-          <a:bodyPr/>
-          <a:lstStyle/>
-          <a:p>
-            <a:r>
-              <a:rPr lang="en-US" dirty="0" smtClean="0"/>
-              <a:t>Who participated?</a:t>
-            </a:r>
-            <a:endParaRPr lang="en-US" dirty="0"/>
-          </a:p>
-        </p:txBody>
-      </p:sp>
-      <p:sp>
-        <p:nvSpPr>
-          <p:cNvPr id="3" name="Content Placeholder 2"/>
-          <p:cNvSpPr>
-            <a:spLocks noGrp="1"/>
-          </p:cNvSpPr>
-          <p:nvPr>
-            <p:ph sz="quarter" idx="1"/>
-          </p:nvPr>
-        </p:nvSpPr>
-        <p:spPr>
-          <a:xfrm>
-            <a:off x="1524000" y="3352800"/>
-            <a:ext cx="6169152" cy="1066800"/>
-          </a:xfrm>
-        </p:spPr>
-        <p:txBody>
-          <a:bodyPr>
-            <a:normAutofit fontScale="62500" lnSpcReduction="20000"/>
-          </a:bodyPr>
-          <a:lstStyle/>
-          <a:p>
-            <a:pPr marL="0" indent="0">
-              <a:buNone/>
-            </a:pPr>
-            <a:r>
-              <a:t>Blah blah nospace38%nospace blah blah</a:t>
-            </a:r>
-            <a:endParaRPr lang="en-US" sz="4000" dirty="0"/>
-          </a:p>
-        </p:txBody>
-      </p:sp>
-      <p:sp>
-        <p:nvSpPr>
-          <p:cNvPr id="5" name="Slide Number Placeholder 4"/>
-          <p:cNvSpPr>
-            <a:spLocks noGrp="1"/>
-          </p:cNvSpPr>
-          <p:nvPr>
-            <p:ph type="sldNum" sz="quarter" idx="12"/>
-          </p:nvPr>
-        </p:nvSpPr>
-        <p:spPr/>
-        <p:txBody>
-          <a:bodyPr>
-            <a:normAutofit fontScale="85000" lnSpcReduction="20000"/>
-          </a:bodyPr>
-          <a:lstStyle/>
-          <a:p>
-            <a:fld id="{0550DE80-A55D-4FEA-ABCE-0175392B4432}" type="slidenum">
-              <a:rPr lang="en-US" smtClean="0"/>
-              <a:t>4</a:t>
-            </a:fld>
-            <a:endParaRPr lang="en-US" dirty="0"/>
-          </a:p>
-        </p:txBody>
-      </p:sp>
-    </p:spTree>
-    <p:extLst>
-      <p:ext uri="{BB962C8B-B14F-4D97-AF65-F5344CB8AC3E}">
-        <p14:creationId xmlns:p14="http://schemas.microsoft.com/office/powerpoint/2010/main" val="580674313"/>
-      </p:ext>
-    </p:extLst>
-  </p:cSld>
-  <p:clrMapOvr>
-    <a:masterClrMapping/>
-  </p:clrMapOvr>
-  <p:timing>
-    <p:tnLst>
-      <p:par>
-        <p:cTn id="1" dur="indefinite" restart="never" nodeType="tmRoot"/>
-      </p:par>
-    </p:tnLst>
-  </p:timing>
-</p:sld>
-</file>
-
-<file path=ppt/slides/slide5.xml><?xml version="1.0" encoding="utf-8"?>
-<p:sld xmlns:a="http://schemas.openxmlformats.org/drawingml/2006/main" xmlns:r="http://schemas.openxmlformats.org/officeDocument/2006/relationships" xmlns:p="http://schemas.openxmlformats.org/presentationml/2006/main">
-  <p:cSld>
-    <p:spTree>
-      <p:nvGrpSpPr>
-        <p:cNvPr id="1" name=""/>
-        <p:cNvGrpSpPr/>
-        <p:nvPr/>
-      </p:nvGrpSpPr>
-      <p:grpSpPr>
-        <a:xfrm>
-          <a:off x="0" y="0"/>
-          <a:ext cx="0" cy="0"/>
-          <a:chOff x="0" y="0"/>
-          <a:chExt cx="0" cy="0"/>
-        </a:xfrm>
-      </p:grpSpPr>
-      <p:sp>
-        <p:nvSpPr>
-          <p:cNvPr id="2" name="Title 1"/>
-          <p:cNvSpPr>
-            <a:spLocks noGrp="1"/>
-          </p:cNvSpPr>
-          <p:nvPr>
-            <p:ph type="title"/>
-          </p:nvPr>
-        </p:nvSpPr>
-        <p:spPr/>
-        <p:txBody>
-          <a:bodyPr/>
-          <a:lstStyle/>
-          <a:p>
-            <a:r>
-              <a:rPr lang="en-US" dirty="0" smtClean="0"/>
-              <a:t>Who participated?</a:t>
-            </a:r>
-            <a:endParaRPr lang="en-US" dirty="0"/>
-          </a:p>
-        </p:txBody>
-      </p:sp>
-      <p:sp>
-        <p:nvSpPr>
-          <p:cNvPr id="3" name="Content Placeholder 2"/>
-          <p:cNvSpPr>
-            <a:spLocks noGrp="1"/>
-          </p:cNvSpPr>
-          <p:nvPr>
-            <p:ph sz="quarter" idx="1"/>
-          </p:nvPr>
-        </p:nvSpPr>
-        <p:spPr>
-          <a:xfrm>
-            <a:off x="1371600" y="2590800"/>
-            <a:ext cx="6169152" cy="1066800"/>
-          </a:xfrm>
-        </p:spPr>
-        <p:txBody>
           <a:bodyPr>
             <a:normAutofit/>
           </a:bodyPr>
           <a:lstStyle/>
           <a:p>
-            <a:pPr marL="0" indent="0">
-              <a:buNone/>
-            </a:pPr>
-            <a:endParaRPr lang="en-US" sz="4000" dirty="0" smtClean="0"/>
-          </a:p>
-        </p:txBody>
-      </p:sp>
-      <p:sp>
-        <p:nvSpPr>
-          <p:cNvPr id="5" name="Slide Number Placeholder 4"/>
-          <p:cNvSpPr>
-            <a:spLocks noGrp="1"/>
-          </p:cNvSpPr>
-          <p:nvPr>
-            <p:ph type="sldNum" sz="quarter" idx="12"/>
-          </p:nvPr>
-        </p:nvSpPr>
-        <p:spPr/>
-        <p:txBody>
-          <a:bodyPr>
-            <a:normAutofit fontScale="85000" lnSpcReduction="20000"/>
-          </a:bodyPr>
-          <a:lstStyle/>
-          <a:p>
-            <a:fld id="{0550DE80-A55D-4FEA-ABCE-0175392B4432}" type="slidenum">
-              <a:rPr lang="en-US" smtClean="0"/>
-              <a:t>5</a:t>
-            </a:fld>
+            <a:r>
+              <a:rPr lang="en-US" dirty="0" smtClean="0"/>
+              <a:t>Tobacco Users – A Closer Look</a:t>
+            </a:r>
             <a:endParaRPr lang="en-US" dirty="0"/>
           </a:p>
         </p:txBody>
       </p:sp>
       <p:sp>
         <p:nvSpPr>
-          <p:cNvPr id="6" name="Content Placeholder 2"/>
+          <p:cNvPr id="5" name="Content Placeholder 2"/>
           <p:cNvSpPr txBox="1">
             <a:spLocks/>
           </p:cNvSpPr>
@@ -5373,8 +8229,216 @@
         </p:nvSpPr>
         <p:spPr>
           <a:xfrm>
-            <a:off x="1447800" y="4191000"/>
-            <a:ext cx="6169152" cy="1066800"/>
+            <a:off x="-1219200" y="5555343"/>
+            <a:ext cx="8763000" cy="2300514"/>
+          </a:xfrm>
+          <a:prstGeom prst="rect">
+            <a:avLst/>
+          </a:prstGeom>
+        </p:spPr>
+        <p:txBody>
+          <a:bodyPr vert="horz">
+            <a:normAutofit/>
+          </a:bodyPr>
+          <a:lstStyle>
+            <a:lvl1pPr marL="320040" indent="-320040" algn="l" rtl="0" eaLnBrk="1" latinLnBrk="0" hangingPunct="1">
+              <a:spcBef>
+                <a:spcPts val="700"/>
+              </a:spcBef>
+              <a:buClr>
+                <a:schemeClr val="accent2"/>
+              </a:buClr>
+              <a:buSzPct val="60000"/>
+              <a:buFont typeface="Wingdings"/>
+              <a:buChar char=""/>
+              <a:defRPr kumimoji="0" sz="2900" kern="1200">
+                <a:solidFill>
+                  <a:schemeClr val="tx1"/>
+                </a:solidFill>
+                <a:latin typeface="+mn-lt"/>
+                <a:ea typeface="+mn-ea"/>
+                <a:cs typeface="+mn-cs"/>
+              </a:defRPr>
+            </a:lvl1pPr>
+            <a:lvl2pPr marL="640080" indent="-274320" algn="l" rtl="0" eaLnBrk="1" latinLnBrk="0" hangingPunct="1">
+              <a:spcBef>
+                <a:spcPts val="550"/>
+              </a:spcBef>
+              <a:buClr>
+                <a:schemeClr val="accent1"/>
+              </a:buClr>
+              <a:buSzPct val="70000"/>
+              <a:buFont typeface="Wingdings 2"/>
+              <a:buChar char=""/>
+              <a:defRPr kumimoji="0" sz="2600" kern="1200">
+                <a:solidFill>
+                  <a:schemeClr val="tx1"/>
+                </a:solidFill>
+                <a:latin typeface="+mn-lt"/>
+                <a:ea typeface="+mn-ea"/>
+                <a:cs typeface="+mn-cs"/>
+              </a:defRPr>
+            </a:lvl2pPr>
+            <a:lvl3pPr marL="914400" indent="-228600" algn="l" rtl="0" eaLnBrk="1" latinLnBrk="0" hangingPunct="1">
+              <a:spcBef>
+                <a:spcPts val="500"/>
+              </a:spcBef>
+              <a:buClr>
+                <a:schemeClr val="accent2"/>
+              </a:buClr>
+              <a:buSzPct val="75000"/>
+              <a:buFont typeface="Wingdings"/>
+              <a:buChar char=""/>
+              <a:defRPr kumimoji="0" sz="2300" kern="1200">
+                <a:solidFill>
+                  <a:schemeClr val="tx1"/>
+                </a:solidFill>
+                <a:latin typeface="+mn-lt"/>
+                <a:ea typeface="+mn-ea"/>
+                <a:cs typeface="+mn-cs"/>
+              </a:defRPr>
+            </a:lvl3pPr>
+            <a:lvl4pPr marL="1371600" indent="-228600" algn="l" rtl="0" eaLnBrk="1" latinLnBrk="0" hangingPunct="1">
+              <a:spcBef>
+                <a:spcPts val="400"/>
+              </a:spcBef>
+              <a:buClr>
+                <a:schemeClr val="accent3"/>
+              </a:buClr>
+              <a:buSzPct val="75000"/>
+              <a:buFont typeface="Wingdings"/>
+              <a:buChar char=""/>
+              <a:defRPr kumimoji="0" sz="2000" kern="1200">
+                <a:solidFill>
+                  <a:schemeClr val="tx1"/>
+                </a:solidFill>
+                <a:latin typeface="+mn-lt"/>
+                <a:ea typeface="+mn-ea"/>
+                <a:cs typeface="+mn-cs"/>
+              </a:defRPr>
+            </a:lvl4pPr>
+            <a:lvl5pPr marL="1828800" indent="-228600" algn="l" rtl="0" eaLnBrk="1" latinLnBrk="0" hangingPunct="1">
+              <a:spcBef>
+                <a:spcPts val="400"/>
+              </a:spcBef>
+              <a:buClr>
+                <a:schemeClr val="accent4"/>
+              </a:buClr>
+              <a:buSzPct val="65000"/>
+              <a:buFont typeface="Wingdings"/>
+              <a:buChar char=""/>
+              <a:defRPr kumimoji="0" sz="2000" kern="1200">
+                <a:solidFill>
+                  <a:schemeClr val="tx1"/>
+                </a:solidFill>
+                <a:latin typeface="+mn-lt"/>
+                <a:ea typeface="+mn-ea"/>
+                <a:cs typeface="+mn-cs"/>
+              </a:defRPr>
+            </a:lvl5pPr>
+            <a:lvl6pPr marL="2103120" indent="-228600" algn="l" rtl="0" eaLnBrk="1" latinLnBrk="0" hangingPunct="1">
+              <a:spcBef>
+                <a:spcPct val="20000"/>
+              </a:spcBef>
+              <a:buClr>
+                <a:schemeClr val="accent1"/>
+              </a:buClr>
+              <a:buFont typeface="Wingdings"/>
+              <a:buChar char="§"/>
+              <a:defRPr kumimoji="0" sz="1800" kern="1200" baseline="0">
+                <a:solidFill>
+                  <a:schemeClr val="tx1"/>
+                </a:solidFill>
+                <a:latin typeface="+mn-lt"/>
+                <a:ea typeface="+mn-ea"/>
+                <a:cs typeface="+mn-cs"/>
+              </a:defRPr>
+            </a:lvl6pPr>
+            <a:lvl7pPr marL="2377440" indent="-228600" algn="l" rtl="0" eaLnBrk="1" latinLnBrk="0" hangingPunct="1">
+              <a:spcBef>
+                <a:spcPct val="20000"/>
+              </a:spcBef>
+              <a:buClr>
+                <a:schemeClr val="accent2"/>
+              </a:buClr>
+              <a:buFont typeface="Wingdings"/>
+              <a:buChar char="§"/>
+              <a:defRPr kumimoji="0" sz="1800" kern="1200" baseline="0">
+                <a:solidFill>
+                  <a:schemeClr val="tx1"/>
+                </a:solidFill>
+                <a:latin typeface="+mn-lt"/>
+                <a:ea typeface="+mn-ea"/>
+                <a:cs typeface="+mn-cs"/>
+              </a:defRPr>
+            </a:lvl7pPr>
+            <a:lvl8pPr marL="2651760" indent="-228600" algn="l" rtl="0" eaLnBrk="1" latinLnBrk="0" hangingPunct="1">
+              <a:spcBef>
+                <a:spcPct val="20000"/>
+              </a:spcBef>
+              <a:buClr>
+                <a:schemeClr val="accent3"/>
+              </a:buClr>
+              <a:buFont typeface="Wingdings"/>
+              <a:buChar char="§"/>
+              <a:defRPr kumimoji="0" sz="1800" kern="1200" baseline="0">
+                <a:solidFill>
+                  <a:schemeClr val="tx1"/>
+                </a:solidFill>
+                <a:latin typeface="+mn-lt"/>
+                <a:ea typeface="+mn-ea"/>
+                <a:cs typeface="+mn-cs"/>
+              </a:defRPr>
+            </a:lvl8pPr>
+            <a:lvl9pPr marL="2926080" indent="-228600" algn="l" rtl="0" eaLnBrk="1" latinLnBrk="0" hangingPunct="1">
+              <a:spcBef>
+                <a:spcPct val="20000"/>
+              </a:spcBef>
+              <a:buClr>
+                <a:schemeClr val="accent4"/>
+              </a:buClr>
+              <a:buFont typeface="Wingdings"/>
+              <a:buChar char="§"/>
+              <a:defRPr kumimoji="0" sz="1800" kern="1200" baseline="0">
+                <a:solidFill>
+                  <a:schemeClr val="tx1"/>
+                </a:solidFill>
+                <a:latin typeface="+mn-lt"/>
+                <a:ea typeface="+mn-ea"/>
+                <a:cs typeface="+mn-cs"/>
+              </a:defRPr>
+            </a:lvl9pPr>
+          </a:lstStyle>
+          <a:p>
+            <a:pPr lvl="1"/>
+            <a:endParaRPr lang="en-US" dirty="0"/>
+          </a:p>
+          <a:p>
+            <a:pPr lvl="1"/>
+            <a:endParaRPr lang="en-US" dirty="0" smtClean="0"/>
+          </a:p>
+          <a:p>
+            <a:pPr lvl="1"/>
+            <a:endParaRPr lang="en-US" dirty="0"/>
+          </a:p>
+          <a:p>
+            <a:pPr lvl="1"/>
+            <a:endParaRPr lang="en-US" dirty="0"/>
+          </a:p>
+        </p:txBody>
+      </p:sp>
+      <p:sp>
+        <p:nvSpPr>
+          <p:cNvPr id="7" name="Content Placeholder 2"/>
+          <p:cNvSpPr txBox="1">
+            <a:spLocks/>
+          </p:cNvSpPr>
+          <p:nvPr/>
+        </p:nvSpPr>
+        <p:spPr>
+          <a:xfrm>
+            <a:off x="304800" y="1524000"/>
+            <a:ext cx="8763000" cy="5334000"/>
           </a:xfrm>
           <a:prstGeom prst="rect">
             <a:avLst/>
@@ -5554,19 +8618,2066 @@
             </a:lvl9pPr>
           </a:lstStyle>
           <a:p>
-            <a:pPr marL="0" indent="0">
-              <a:buNone/>
-            </a:pPr>
-            <a:r>
-              <a:t>32%</a:t>
-            </a:r>
+            <a:r>
+              <a:t>BMI</a:t>
+            </a:r>
+            <a:br/>
+            <a:r>
+              <a:t>28% are at an optimal weight</a:t>
+            </a:r>
+            <a:br/>
+            <a:r>
+              <a:t>26% are overweight </a:t>
+            </a:r>
+            <a:br/>
+            <a:r>
+              <a:t>32% are obese class 1</a:t>
+            </a:r>
+            <a:br/>
+            <a:r>
+              <a:t>Blood Pressure</a:t>
+            </a:r>
+            <a:br/>
+            <a:r>
+              <a:t>34% are at an optimal weight</a:t>
+            </a:r>
+            <a:br/>
+            <a:r>
+              <a:t>40% are pre-hypertensive</a:t>
+            </a:r>
+            <a:br/>
+            <a:r>
+              <a:t>16% are hypertensive 1</a:t>
+            </a:r>
+            <a:br/>
+            <a:br/>
+            <a:br/>
+            <a:br/>
+            <a:br/>
+          </a:p>
+        </p:txBody>
+      </p:sp>
+      <p:sp>
+        <p:nvSpPr>
+          <p:cNvPr id="9" name="Slide Number Placeholder 8"/>
+          <p:cNvSpPr>
+            <a:spLocks noGrp="1"/>
+          </p:cNvSpPr>
+          <p:nvPr>
+            <p:ph type="sldNum" sz="quarter" idx="12"/>
+          </p:nvPr>
+        </p:nvSpPr>
+        <p:spPr/>
+        <p:txBody>
+          <a:bodyPr>
+            <a:normAutofit fontScale="85000" lnSpcReduction="20000"/>
+          </a:bodyPr>
+          <a:lstStyle/>
+          <a:p>
+            <a:fld id="{0550DE80-A55D-4FEA-ABCE-0175392B4432}" type="slidenum">
+              <a:rPr lang="en-US" smtClean="0"/>
+              <a:t>3</a:t>
+            </a:fld>
+            <a:endParaRPr lang="en-US" dirty="0"/>
           </a:p>
         </p:txBody>
       </p:sp>
     </p:spTree>
     <p:extLst>
       <p:ext uri="{BB962C8B-B14F-4D97-AF65-F5344CB8AC3E}">
-        <p14:creationId xmlns:p14="http://schemas.microsoft.com/office/powerpoint/2010/main" val="2841723979"/>
+        <p14:creationId xmlns:p14="http://schemas.microsoft.com/office/powerpoint/2010/main" val="1756379505"/>
+      </p:ext>
+    </p:extLst>
+  </p:cSld>
+  <p:clrMapOvr>
+    <a:masterClrMapping/>
+  </p:clrMapOvr>
+  <p:timing>
+    <p:tnLst>
+      <p:par>
+        <p:cTn id="1" dur="indefinite" restart="never" nodeType="tmRoot"/>
+      </p:par>
+    </p:tnLst>
+  </p:timing>
+</p:sld>
+</file>
+
+<file path=ppt/slides/slide4.xml><?xml version="1.0" encoding="utf-8"?>
+<p:sld xmlns:a="http://schemas.openxmlformats.org/drawingml/2006/main" xmlns:r="http://schemas.openxmlformats.org/officeDocument/2006/relationships" xmlns:p="http://schemas.openxmlformats.org/presentationml/2006/main">
+  <p:cSld>
+    <p:spTree>
+      <p:nvGrpSpPr>
+        <p:cNvPr id="1" name=""/>
+        <p:cNvGrpSpPr/>
+        <p:nvPr/>
+      </p:nvGrpSpPr>
+      <p:grpSpPr>
+        <a:xfrm>
+          <a:off x="0" y="0"/>
+          <a:ext cx="0" cy="0"/>
+          <a:chOff x="0" y="0"/>
+          <a:chExt cx="0" cy="0"/>
+        </a:xfrm>
+      </p:grpSpPr>
+      <p:sp>
+        <p:nvSpPr>
+          <p:cNvPr id="2" name="Title 1"/>
+          <p:cNvSpPr>
+            <a:spLocks noGrp="1"/>
+          </p:cNvSpPr>
+          <p:nvPr>
+            <p:ph type="title"/>
+          </p:nvPr>
+        </p:nvSpPr>
+        <p:spPr>
+          <a:xfrm>
+            <a:off x="612648" y="228600"/>
+            <a:ext cx="8531352" cy="990600"/>
+          </a:xfrm>
+        </p:spPr>
+        <p:txBody>
+          <a:bodyPr>
+            <a:noAutofit/>
+          </a:bodyPr>
+          <a:lstStyle/>
+          <a:p>
+            <a:r>
+              <a:rPr lang="en-US" sz="3200" dirty="0" smtClean="0"/>
+              <a:t>Body Mass Index &amp; Waist Circumference - 2015</a:t>
+            </a:r>
+            <a:endParaRPr lang="en-US" sz="2000" dirty="0"/>
+          </a:p>
+        </p:txBody>
+      </p:sp>
+      <p:sp>
+        <p:nvSpPr>
+          <p:cNvPr id="9" name="Content Placeholder 2"/>
+          <p:cNvSpPr txBox="1">
+            <a:spLocks/>
+          </p:cNvSpPr>
+          <p:nvPr/>
+        </p:nvSpPr>
+        <p:spPr>
+          <a:xfrm>
+            <a:off x="152400" y="4572000"/>
+            <a:ext cx="8763000" cy="2057400"/>
+          </a:xfrm>
+          <a:prstGeom prst="rect">
+            <a:avLst/>
+          </a:prstGeom>
+        </p:spPr>
+        <p:txBody>
+          <a:bodyPr vert="horz">
+            <a:noAutofit/>
+          </a:bodyPr>
+          <a:lstStyle>
+            <a:lvl1pPr marL="320040" indent="-320040" algn="l" rtl="0" eaLnBrk="1" latinLnBrk="0" hangingPunct="1">
+              <a:spcBef>
+                <a:spcPts val="700"/>
+              </a:spcBef>
+              <a:buClr>
+                <a:schemeClr val="accent2"/>
+              </a:buClr>
+              <a:buSzPct val="60000"/>
+              <a:buFont typeface="Wingdings"/>
+              <a:buChar char=""/>
+              <a:defRPr kumimoji="0" sz="2900" kern="1200">
+                <a:solidFill>
+                  <a:schemeClr val="tx1"/>
+                </a:solidFill>
+                <a:latin typeface="+mn-lt"/>
+                <a:ea typeface="+mn-ea"/>
+                <a:cs typeface="+mn-cs"/>
+              </a:defRPr>
+            </a:lvl1pPr>
+            <a:lvl2pPr marL="640080" indent="-274320" algn="l" rtl="0" eaLnBrk="1" latinLnBrk="0" hangingPunct="1">
+              <a:spcBef>
+                <a:spcPts val="550"/>
+              </a:spcBef>
+              <a:buClr>
+                <a:schemeClr val="accent1"/>
+              </a:buClr>
+              <a:buSzPct val="70000"/>
+              <a:buFont typeface="Wingdings 2"/>
+              <a:buChar char=""/>
+              <a:defRPr kumimoji="0" sz="2600" kern="1200">
+                <a:solidFill>
+                  <a:schemeClr val="tx1"/>
+                </a:solidFill>
+                <a:latin typeface="+mn-lt"/>
+                <a:ea typeface="+mn-ea"/>
+                <a:cs typeface="+mn-cs"/>
+              </a:defRPr>
+            </a:lvl2pPr>
+            <a:lvl3pPr marL="914400" indent="-228600" algn="l" rtl="0" eaLnBrk="1" latinLnBrk="0" hangingPunct="1">
+              <a:spcBef>
+                <a:spcPts val="500"/>
+              </a:spcBef>
+              <a:buClr>
+                <a:schemeClr val="accent2"/>
+              </a:buClr>
+              <a:buSzPct val="75000"/>
+              <a:buFont typeface="Wingdings"/>
+              <a:buChar char=""/>
+              <a:defRPr kumimoji="0" sz="2300" kern="1200">
+                <a:solidFill>
+                  <a:schemeClr val="tx1"/>
+                </a:solidFill>
+                <a:latin typeface="+mn-lt"/>
+                <a:ea typeface="+mn-ea"/>
+                <a:cs typeface="+mn-cs"/>
+              </a:defRPr>
+            </a:lvl3pPr>
+            <a:lvl4pPr marL="1371600" indent="-228600" algn="l" rtl="0" eaLnBrk="1" latinLnBrk="0" hangingPunct="1">
+              <a:spcBef>
+                <a:spcPts val="400"/>
+              </a:spcBef>
+              <a:buClr>
+                <a:schemeClr val="accent3"/>
+              </a:buClr>
+              <a:buSzPct val="75000"/>
+              <a:buFont typeface="Wingdings"/>
+              <a:buChar char=""/>
+              <a:defRPr kumimoji="0" sz="2000" kern="1200">
+                <a:solidFill>
+                  <a:schemeClr val="tx1"/>
+                </a:solidFill>
+                <a:latin typeface="+mn-lt"/>
+                <a:ea typeface="+mn-ea"/>
+                <a:cs typeface="+mn-cs"/>
+              </a:defRPr>
+            </a:lvl4pPr>
+            <a:lvl5pPr marL="1828800" indent="-228600" algn="l" rtl="0" eaLnBrk="1" latinLnBrk="0" hangingPunct="1">
+              <a:spcBef>
+                <a:spcPts val="400"/>
+              </a:spcBef>
+              <a:buClr>
+                <a:schemeClr val="accent4"/>
+              </a:buClr>
+              <a:buSzPct val="65000"/>
+              <a:buFont typeface="Wingdings"/>
+              <a:buChar char=""/>
+              <a:defRPr kumimoji="0" sz="2000" kern="1200">
+                <a:solidFill>
+                  <a:schemeClr val="tx1"/>
+                </a:solidFill>
+                <a:latin typeface="+mn-lt"/>
+                <a:ea typeface="+mn-ea"/>
+                <a:cs typeface="+mn-cs"/>
+              </a:defRPr>
+            </a:lvl5pPr>
+            <a:lvl6pPr marL="2103120" indent="-228600" algn="l" rtl="0" eaLnBrk="1" latinLnBrk="0" hangingPunct="1">
+              <a:spcBef>
+                <a:spcPct val="20000"/>
+              </a:spcBef>
+              <a:buClr>
+                <a:schemeClr val="accent1"/>
+              </a:buClr>
+              <a:buFont typeface="Wingdings"/>
+              <a:buChar char="§"/>
+              <a:defRPr kumimoji="0" sz="1800" kern="1200" baseline="0">
+                <a:solidFill>
+                  <a:schemeClr val="tx1"/>
+                </a:solidFill>
+                <a:latin typeface="+mn-lt"/>
+                <a:ea typeface="+mn-ea"/>
+                <a:cs typeface="+mn-cs"/>
+              </a:defRPr>
+            </a:lvl6pPr>
+            <a:lvl7pPr marL="2377440" indent="-228600" algn="l" rtl="0" eaLnBrk="1" latinLnBrk="0" hangingPunct="1">
+              <a:spcBef>
+                <a:spcPct val="20000"/>
+              </a:spcBef>
+              <a:buClr>
+                <a:schemeClr val="accent2"/>
+              </a:buClr>
+              <a:buFont typeface="Wingdings"/>
+              <a:buChar char="§"/>
+              <a:defRPr kumimoji="0" sz="1800" kern="1200" baseline="0">
+                <a:solidFill>
+                  <a:schemeClr val="tx1"/>
+                </a:solidFill>
+                <a:latin typeface="+mn-lt"/>
+                <a:ea typeface="+mn-ea"/>
+                <a:cs typeface="+mn-cs"/>
+              </a:defRPr>
+            </a:lvl7pPr>
+            <a:lvl8pPr marL="2651760" indent="-228600" algn="l" rtl="0" eaLnBrk="1" latinLnBrk="0" hangingPunct="1">
+              <a:spcBef>
+                <a:spcPct val="20000"/>
+              </a:spcBef>
+              <a:buClr>
+                <a:schemeClr val="accent3"/>
+              </a:buClr>
+              <a:buFont typeface="Wingdings"/>
+              <a:buChar char="§"/>
+              <a:defRPr kumimoji="0" sz="1800" kern="1200" baseline="0">
+                <a:solidFill>
+                  <a:schemeClr val="tx1"/>
+                </a:solidFill>
+                <a:latin typeface="+mn-lt"/>
+                <a:ea typeface="+mn-ea"/>
+                <a:cs typeface="+mn-cs"/>
+              </a:defRPr>
+            </a:lvl8pPr>
+            <a:lvl9pPr marL="2926080" indent="-228600" algn="l" rtl="0" eaLnBrk="1" latinLnBrk="0" hangingPunct="1">
+              <a:spcBef>
+                <a:spcPct val="20000"/>
+              </a:spcBef>
+              <a:buClr>
+                <a:schemeClr val="accent4"/>
+              </a:buClr>
+              <a:buFont typeface="Wingdings"/>
+              <a:buChar char="§"/>
+              <a:defRPr kumimoji="0" sz="1800" kern="1200" baseline="0">
+                <a:solidFill>
+                  <a:schemeClr val="tx1"/>
+                </a:solidFill>
+                <a:latin typeface="+mn-lt"/>
+                <a:ea typeface="+mn-ea"/>
+                <a:cs typeface="+mn-cs"/>
+              </a:defRPr>
+            </a:lvl9pPr>
+          </a:lstStyle>
+          <a:p>
+            <a:r>
+              <a:rPr lang="en-US" sz="1800" dirty="0" smtClean="0"/>
+              <a:t>People </a:t>
+            </a:r>
+            <a:r>
+              <a:rPr lang="en-US" sz="1800" dirty="0"/>
+              <a:t>who are </a:t>
+            </a:r>
+            <a:r>
+              <a:rPr lang="en-US" sz="1800" dirty="0" smtClean="0"/>
+              <a:t>overweight/obese, compared to those with a normal or healthy weight, are </a:t>
+            </a:r>
+            <a:r>
+              <a:rPr lang="en-US" sz="1800" dirty="0"/>
+              <a:t>at increased risk for many serious diseases and health conditions</a:t>
+            </a:r>
+            <a:r>
+              <a:rPr lang="en-US" sz="1800" dirty="0" smtClean="0"/>
+              <a:t>.  </a:t>
+            </a:r>
+            <a:r>
+              <a:rPr lang="en-US" sz="1800" dirty="0"/>
+              <a:t>Obesity contributes to major causes of death and disability, including heart attacks, strokes, high blood pressure, cancer, diabetes, osteoarthritis, fatty liver, and depression.  In addition, those with excess abdominal obesity are at greater risk for cardiovascular disease.  Modifying diet and exercise is an effective way to reduce and prevent obesity</a:t>
+            </a:r>
+            <a:r>
+              <a:rPr lang="en-US" sz="1800" dirty="0" smtClean="0"/>
+              <a:t>.</a:t>
+            </a:r>
+          </a:p>
+          <a:p>
+            <a:r>
+              <a:rPr lang="en-US" sz="1800" dirty="0" smtClean="0"/>
+              <a:t>60% </a:t>
+            </a:r>
+            <a:r>
+              <a:rPr lang="en-US" sz="1800" dirty="0"/>
+              <a:t>of employees could improve health outcomes from loosing weight. </a:t>
+            </a:r>
+          </a:p>
+          <a:p>
+            <a:endParaRPr lang="en-US" sz="1800" dirty="0"/>
+          </a:p>
+        </p:txBody>
+      </p:sp>
+      <p:sp>
+        <p:nvSpPr>
+          <p:cNvPr id="4" name="Slide Number Placeholder 3"/>
+          <p:cNvSpPr>
+            <a:spLocks noGrp="1"/>
+          </p:cNvSpPr>
+          <p:nvPr>
+            <p:ph type="sldNum" sz="quarter" idx="12"/>
+          </p:nvPr>
+        </p:nvSpPr>
+        <p:spPr/>
+        <p:txBody>
+          <a:bodyPr>
+            <a:normAutofit fontScale="85000" lnSpcReduction="20000"/>
+          </a:bodyPr>
+          <a:lstStyle/>
+          <a:p>
+            <a:fld id="{0550DE80-A55D-4FEA-ABCE-0175392B4432}" type="slidenum">
+              <a:rPr lang="en-US" smtClean="0"/>
+              <a:t>4</a:t>
+            </a:fld>
+            <a:endParaRPr lang="en-US" dirty="0"/>
+          </a:p>
+        </p:txBody>
+      </p:sp>
+      <p:sp>
+        <p:nvSpPr>
+          <p:cNvPr id="5" name="Rectangle 4"/>
+          <p:cNvSpPr/>
+          <p:nvPr/>
+        </p:nvSpPr>
+        <p:spPr>
+          <a:xfrm>
+            <a:off x="609600" y="1828800"/>
+            <a:ext cx="4038600" cy="646331"/>
+          </a:xfrm>
+          <a:prstGeom prst="rect">
+            <a:avLst/>
+          </a:prstGeom>
+        </p:spPr>
+        <p:txBody>
+          <a:bodyPr wrap="square">
+            <a:spAutoFit/>
+          </a:bodyPr>
+          <a:lstStyle/>
+          <a:p>
+            <a:endParaRPr lang="en-US" dirty="0"/>
+          </a:p>
+        </p:txBody>
+      </p:sp>
+      <p:sp>
+        <p:nvSpPr>
+          <p:cNvPr id="11" name="Rectangle 10"/>
+          <p:cNvSpPr/>
+          <p:nvPr/>
+        </p:nvSpPr>
+        <p:spPr>
+          <a:xfrm>
+            <a:off x="4803475" y="1905000"/>
+            <a:ext cx="4038600" cy="646331"/>
+          </a:xfrm>
+          <a:prstGeom prst="rect">
+            <a:avLst/>
+          </a:prstGeom>
+        </p:spPr>
+        <p:txBody>
+          <a:bodyPr wrap="square">
+            <a:spAutoFit/>
+          </a:bodyPr>
+          <a:lstStyle/>
+          <a:p>
+            <a:endParaRPr lang="en-US" dirty="0"/>
+          </a:p>
+        </p:txBody>
+      </p:sp>
+      <p:graphicFrame>
+        <p:nvGraphicFramePr>
+          <p:cNvPr id="3" name="Chart 2"/>
+          <p:cNvGraphicFramePr>
+            <a:graphicFrameLocks noGrp="1"/>
+          </p:cNvGraphicFramePr>
+          <p:nvPr/>
+        </p:nvGraphicFramePr>
+        <p:xfrm>
+          <a:off x="228600" y="1828800"/>
+          <a:ext cx="3657600" cy="2743200"/>
+        </p:xfrm>
+        <a:graphic>
+          <a:graphicData uri="http://schemas.openxmlformats.org/drawingml/2006/chart">
+            <c:chart xmlns:c="http://schemas.openxmlformats.org/drawingml/2006/chart" r:id="rId3"/>
+          </a:graphicData>
+        </a:graphic>
+      </p:graphicFrame>
+      <p:graphicFrame>
+        <p:nvGraphicFramePr>
+          <p:cNvPr id="6" name="Chart 5"/>
+          <p:cNvGraphicFramePr>
+            <a:graphicFrameLocks noGrp="1"/>
+          </p:cNvGraphicFramePr>
+          <p:nvPr/>
+        </p:nvGraphicFramePr>
+        <p:xfrm>
+          <a:off x="5029200" y="1828800"/>
+          <a:ext cx="2743200" cy="2743200"/>
+        </p:xfrm>
+        <a:graphic>
+          <a:graphicData uri="http://schemas.openxmlformats.org/drawingml/2006/chart">
+            <c:chart xmlns:c="http://schemas.openxmlformats.org/drawingml/2006/chart" r:id="rId4"/>
+          </a:graphicData>
+        </a:graphic>
+      </p:graphicFrame>
+    </p:spTree>
+    <p:extLst>
+      <p:ext uri="{BB962C8B-B14F-4D97-AF65-F5344CB8AC3E}">
+        <p14:creationId xmlns:p14="http://schemas.microsoft.com/office/powerpoint/2010/main" val="1848880387"/>
+      </p:ext>
+    </p:extLst>
+  </p:cSld>
+  <p:clrMapOvr>
+    <a:masterClrMapping/>
+  </p:clrMapOvr>
+  <p:timing>
+    <p:tnLst>
+      <p:par>
+        <p:cTn id="1" dur="indefinite" restart="never" nodeType="tmRoot"/>
+      </p:par>
+    </p:tnLst>
+  </p:timing>
+</p:sld>
+</file>
+
+<file path=ppt/slides/slide5.xml><?xml version="1.0" encoding="utf-8"?>
+<p:sld xmlns:a="http://schemas.openxmlformats.org/drawingml/2006/main" xmlns:r="http://schemas.openxmlformats.org/officeDocument/2006/relationships" xmlns:p="http://schemas.openxmlformats.org/presentationml/2006/main">
+  <p:cSld>
+    <p:spTree>
+      <p:nvGrpSpPr>
+        <p:cNvPr id="1" name=""/>
+        <p:cNvGrpSpPr/>
+        <p:nvPr/>
+      </p:nvGrpSpPr>
+      <p:grpSpPr>
+        <a:xfrm>
+          <a:off x="0" y="0"/>
+          <a:ext cx="0" cy="0"/>
+          <a:chOff x="0" y="0"/>
+          <a:chExt cx="0" cy="0"/>
+        </a:xfrm>
+      </p:grpSpPr>
+      <p:sp>
+        <p:nvSpPr>
+          <p:cNvPr id="2" name="Title 1"/>
+          <p:cNvSpPr>
+            <a:spLocks noGrp="1"/>
+          </p:cNvSpPr>
+          <p:nvPr>
+            <p:ph type="title"/>
+          </p:nvPr>
+        </p:nvSpPr>
+        <p:spPr>
+          <a:xfrm>
+            <a:off x="612648" y="228600"/>
+            <a:ext cx="8531352" cy="990600"/>
+          </a:xfrm>
+        </p:spPr>
+        <p:txBody>
+          <a:bodyPr>
+            <a:noAutofit/>
+          </a:bodyPr>
+          <a:lstStyle/>
+          <a:p>
+            <a:r>
+              <a:rPr lang="en-US" dirty="0" smtClean="0"/>
+              <a:t>Body Mass Index - Comparison</a:t>
+            </a:r>
+            <a:endParaRPr lang="en-US" sz="3200" dirty="0"/>
+          </a:p>
+        </p:txBody>
+      </p:sp>
+      <p:sp>
+        <p:nvSpPr>
+          <p:cNvPr id="4" name="Slide Number Placeholder 3"/>
+          <p:cNvSpPr>
+            <a:spLocks noGrp="1"/>
+          </p:cNvSpPr>
+          <p:nvPr>
+            <p:ph type="sldNum" sz="quarter" idx="12"/>
+          </p:nvPr>
+        </p:nvSpPr>
+        <p:spPr/>
+        <p:txBody>
+          <a:bodyPr>
+            <a:normAutofit fontScale="85000" lnSpcReduction="20000"/>
+          </a:bodyPr>
+          <a:lstStyle/>
+          <a:p>
+            <a:fld id="{0550DE80-A55D-4FEA-ABCE-0175392B4432}" type="slidenum">
+              <a:rPr lang="en-US" smtClean="0"/>
+              <a:t>5</a:t>
+            </a:fld>
+            <a:endParaRPr lang="en-US" dirty="0"/>
+          </a:p>
+        </p:txBody>
+      </p:sp>
+      <p:sp>
+        <p:nvSpPr>
+          <p:cNvPr id="3" name="Rectangle 2"/>
+          <p:cNvSpPr/>
+          <p:nvPr/>
+        </p:nvSpPr>
+        <p:spPr>
+          <a:xfrm>
+            <a:off x="2362200" y="1962510"/>
+            <a:ext cx="4572000" cy="646331"/>
+          </a:xfrm>
+          <a:prstGeom prst="rect">
+            <a:avLst/>
+          </a:prstGeom>
+        </p:spPr>
+        <p:txBody>
+          <a:bodyPr>
+            <a:spAutoFit/>
+          </a:bodyPr>
+          <a:lstStyle/>
+          <a:p>
+            <a:endParaRPr lang="en-US" dirty="0"/>
+          </a:p>
+        </p:txBody>
+      </p:sp>
+      <p:graphicFrame>
+        <p:nvGraphicFramePr>
+          <p:cNvPr id="5" name="Table 4"/>
+          <p:cNvGraphicFramePr>
+            <a:graphicFrameLocks noGrp="1"/>
+          </p:cNvGraphicFramePr>
+          <p:nvPr>
+            <p:extLst>
+              <p:ext uri="{D42A27DB-BD31-4B8C-83A1-F6EECF244321}">
+                <p14:modId xmlns:p14="http://schemas.microsoft.com/office/powerpoint/2010/main" val="3112145263"/>
+              </p:ext>
+            </p:extLst>
+          </p:nvPr>
+        </p:nvGraphicFramePr>
+        <p:xfrm>
+          <a:off x="571500" y="4081732"/>
+          <a:ext cx="8343900" cy="2560320"/>
+        </p:xfrm>
+        <a:graphic>
+          <a:graphicData uri="http://schemas.openxmlformats.org/drawingml/2006/table">
+            <a:tbl>
+              <a:tblPr firstRow="1" bandRow="1">
+                <a:tableStyleId>{2D5ABB26-0587-4C30-8999-92F81FD0307C}</a:tableStyleId>
+              </a:tblPr>
+              <a:tblGrid>
+                <a:gridCol w="3009900"/>
+                <a:gridCol w="1676400"/>
+                <a:gridCol w="1752600"/>
+                <a:gridCol w="1905000"/>
+              </a:tblGrid>
+              <a:tr h="313901">
+                <a:tc>
+                  <a:txBody>
+                    <a:bodyPr/>
+                    <a:lstStyle/>
+                    <a:p>
+                      <a:r>
+                        <a:rPr lang="en-US" dirty="0" smtClean="0"/>
+                        <a:t>Body Mass Index</a:t>
+                      </a:r>
+                      <a:endParaRPr lang="en-US" dirty="0"/>
+                    </a:p>
+                  </a:txBody>
+                  <a:tcPr>
+                    <a:lnL w="12700" cap="flat" cmpd="sng" algn="ctr">
+                      <a:solidFill>
+                        <a:schemeClr val="tx1"/>
+                      </a:solidFill>
+                      <a:prstDash val="solid"/>
+                      <a:round/>
+                      <a:headEnd type="none" w="med" len="med"/>
+                      <a:tailEnd type="none" w="med" len="med"/>
+                    </a:lnL>
+                    <a:lnR w="12700" cap="flat" cmpd="sng" algn="ctr">
+                      <a:solidFill>
+                        <a:schemeClr val="tx1"/>
+                      </a:solidFill>
+                      <a:prstDash val="solid"/>
+                      <a:round/>
+                      <a:headEnd type="none" w="med" len="med"/>
+                      <a:tailEnd type="none" w="med" len="med"/>
+                    </a:lnR>
+                    <a:lnT w="12700" cap="flat" cmpd="sng" algn="ctr">
+                      <a:solidFill>
+                        <a:schemeClr val="tx1"/>
+                      </a:solidFill>
+                      <a:prstDash val="solid"/>
+                      <a:round/>
+                      <a:headEnd type="none" w="med" len="med"/>
+                      <a:tailEnd type="none" w="med" len="med"/>
+                    </a:lnT>
+                    <a:lnB w="12700" cap="flat" cmpd="sng" algn="ctr">
+                      <a:solidFill>
+                        <a:schemeClr val="tx1"/>
+                      </a:solidFill>
+                      <a:prstDash val="solid"/>
+                      <a:round/>
+                      <a:headEnd type="none" w="med" len="med"/>
+                      <a:tailEnd type="none" w="med" len="med"/>
+                    </a:lnB>
+                  </a:tcPr>
+                </a:tc>
+                <a:tc>
+                  <a:txBody>
+                    <a:bodyPr/>
+                    <a:lstStyle/>
+                    <a:p>
+                      <a:r>
+                        <a:rPr lang="en-US" dirty="0" smtClean="0"/>
+                        <a:t>2014</a:t>
+                      </a:r>
+                      <a:endParaRPr lang="en-US" dirty="0"/>
+                    </a:p>
+                  </a:txBody>
+                  <a:tcPr>
+                    <a:lnL w="12700" cap="flat" cmpd="sng" algn="ctr">
+                      <a:solidFill>
+                        <a:schemeClr val="tx1"/>
+                      </a:solidFill>
+                      <a:prstDash val="solid"/>
+                      <a:round/>
+                      <a:headEnd type="none" w="med" len="med"/>
+                      <a:tailEnd type="none" w="med" len="med"/>
+                    </a:lnL>
+                    <a:lnR w="12700" cap="flat" cmpd="sng" algn="ctr">
+                      <a:solidFill>
+                        <a:schemeClr val="tx1"/>
+                      </a:solidFill>
+                      <a:prstDash val="solid"/>
+                      <a:round/>
+                      <a:headEnd type="none" w="med" len="med"/>
+                      <a:tailEnd type="none" w="med" len="med"/>
+                    </a:lnR>
+                    <a:lnT w="12700" cap="flat" cmpd="sng" algn="ctr">
+                      <a:solidFill>
+                        <a:schemeClr val="tx1"/>
+                      </a:solidFill>
+                      <a:prstDash val="solid"/>
+                      <a:round/>
+                      <a:headEnd type="none" w="med" len="med"/>
+                      <a:tailEnd type="none" w="med" len="med"/>
+                    </a:lnT>
+                    <a:lnB w="12700" cap="flat" cmpd="sng" algn="ctr">
+                      <a:solidFill>
+                        <a:schemeClr val="tx1"/>
+                      </a:solidFill>
+                      <a:prstDash val="solid"/>
+                      <a:round/>
+                      <a:headEnd type="none" w="med" len="med"/>
+                      <a:tailEnd type="none" w="med" len="med"/>
+                    </a:lnB>
+                  </a:tcPr>
+                </a:tc>
+                <a:tc>
+                  <a:txBody>
+                    <a:bodyPr/>
+                    <a:lstStyle/>
+                    <a:p>
+                      <a:r>
+                        <a:rPr lang="en-US" dirty="0" smtClean="0"/>
+                        <a:t>2015</a:t>
+                      </a:r>
+                      <a:endParaRPr lang="en-US" dirty="0"/>
+                    </a:p>
+                  </a:txBody>
+                  <a:tcPr>
+                    <a:lnL w="12700" cap="flat" cmpd="sng" algn="ctr">
+                      <a:solidFill>
+                        <a:schemeClr val="tx1"/>
+                      </a:solidFill>
+                      <a:prstDash val="solid"/>
+                      <a:round/>
+                      <a:headEnd type="none" w="med" len="med"/>
+                      <a:tailEnd type="none" w="med" len="med"/>
+                    </a:lnL>
+                    <a:lnR w="12700" cap="flat" cmpd="sng" algn="ctr">
+                      <a:solidFill>
+                        <a:schemeClr val="tx1"/>
+                      </a:solidFill>
+                      <a:prstDash val="solid"/>
+                      <a:round/>
+                      <a:headEnd type="none" w="med" len="med"/>
+                      <a:tailEnd type="none" w="med" len="med"/>
+                    </a:lnR>
+                    <a:lnT w="12700" cap="flat" cmpd="sng" algn="ctr">
+                      <a:solidFill>
+                        <a:schemeClr val="tx1"/>
+                      </a:solidFill>
+                      <a:prstDash val="solid"/>
+                      <a:round/>
+                      <a:headEnd type="none" w="med" len="med"/>
+                      <a:tailEnd type="none" w="med" len="med"/>
+                    </a:lnT>
+                    <a:lnB w="12700" cap="flat" cmpd="sng" algn="ctr">
+                      <a:solidFill>
+                        <a:schemeClr val="tx1"/>
+                      </a:solidFill>
+                      <a:prstDash val="solid"/>
+                      <a:round/>
+                      <a:headEnd type="none" w="med" len="med"/>
+                      <a:tailEnd type="none" w="med" len="med"/>
+                    </a:lnB>
+                  </a:tcPr>
+                </a:tc>
+                <a:tc>
+                  <a:txBody>
+                    <a:bodyPr/>
+                    <a:lstStyle/>
+                    <a:p>
+                      <a:r>
+                        <a:rPr lang="en-US" dirty="0" smtClean="0"/>
+                        <a:t>2016</a:t>
+                      </a:r>
+                      <a:endParaRPr lang="en-US" dirty="0"/>
+                    </a:p>
+                  </a:txBody>
+                  <a:tcPr>
+                    <a:lnL w="12700" cap="flat" cmpd="sng" algn="ctr">
+                      <a:solidFill>
+                        <a:schemeClr val="tx1"/>
+                      </a:solidFill>
+                      <a:prstDash val="solid"/>
+                      <a:round/>
+                      <a:headEnd type="none" w="med" len="med"/>
+                      <a:tailEnd type="none" w="med" len="med"/>
+                    </a:lnL>
+                    <a:lnR w="12700" cap="flat" cmpd="sng" algn="ctr">
+                      <a:solidFill>
+                        <a:schemeClr val="tx1"/>
+                      </a:solidFill>
+                      <a:prstDash val="solid"/>
+                      <a:round/>
+                      <a:headEnd type="none" w="med" len="med"/>
+                      <a:tailEnd type="none" w="med" len="med"/>
+                    </a:lnR>
+                    <a:lnT w="12700" cap="flat" cmpd="sng" algn="ctr">
+                      <a:solidFill>
+                        <a:schemeClr val="tx1"/>
+                      </a:solidFill>
+                      <a:prstDash val="solid"/>
+                      <a:round/>
+                      <a:headEnd type="none" w="med" len="med"/>
+                      <a:tailEnd type="none" w="med" len="med"/>
+                    </a:lnT>
+                    <a:lnB w="12700" cap="flat" cmpd="sng" algn="ctr">
+                      <a:solidFill>
+                        <a:schemeClr val="tx1"/>
+                      </a:solidFill>
+                      <a:prstDash val="solid"/>
+                      <a:round/>
+                      <a:headEnd type="none" w="med" len="med"/>
+                      <a:tailEnd type="none" w="med" len="med"/>
+                    </a:lnB>
+                  </a:tcPr>
+                </a:tc>
+              </a:tr>
+              <a:tr h="200730">
+                <a:tc>
+                  <a:txBody>
+                    <a:bodyPr/>
+                    <a:lstStyle/>
+                    <a:p>
+                      <a:r>
+                        <a:rPr lang="en-US" dirty="0" err="1" smtClean="0"/>
+                        <a:t>Otimal</a:t>
+                      </a:r>
+                      <a:endParaRPr lang="en-US" dirty="0"/>
+                    </a:p>
+                  </a:txBody>
+                  <a:tcPr>
+                    <a:lnL w="12700" cap="flat" cmpd="sng" algn="ctr">
+                      <a:solidFill>
+                        <a:schemeClr val="tx1"/>
+                      </a:solidFill>
+                      <a:prstDash val="solid"/>
+                      <a:round/>
+                      <a:headEnd type="none" w="med" len="med"/>
+                      <a:tailEnd type="none" w="med" len="med"/>
+                    </a:lnL>
+                    <a:lnR w="12700" cap="flat" cmpd="sng" algn="ctr">
+                      <a:solidFill>
+                        <a:schemeClr val="tx1"/>
+                      </a:solidFill>
+                      <a:prstDash val="solid"/>
+                      <a:round/>
+                      <a:headEnd type="none" w="med" len="med"/>
+                      <a:tailEnd type="none" w="med" len="med"/>
+                    </a:lnR>
+                    <a:lnT w="12700" cap="flat" cmpd="sng" algn="ctr">
+                      <a:solidFill>
+                        <a:schemeClr val="tx1"/>
+                      </a:solidFill>
+                      <a:prstDash val="solid"/>
+                      <a:round/>
+                      <a:headEnd type="none" w="med" len="med"/>
+                      <a:tailEnd type="none" w="med" len="med"/>
+                    </a:lnT>
+                    <a:lnB w="12700" cap="flat" cmpd="sng" algn="ctr">
+                      <a:solidFill>
+                        <a:schemeClr val="tx1"/>
+                      </a:solidFill>
+                      <a:prstDash val="solid"/>
+                      <a:round/>
+                      <a:headEnd type="none" w="med" len="med"/>
+                      <a:tailEnd type="none" w="med" len="med"/>
+                    </a:lnB>
+                  </a:tcPr>
+                </a:tc>
+                <a:tc>
+                  <a:txBody>
+                    <a:bodyPr/>
+                    <a:lstStyle/>
+                    <a:p>
+                      <a:pPr marL="0" marR="0" indent="0" algn="l" defTabSz="914400" rtl="0" eaLnBrk="1" fontAlgn="auto" latinLnBrk="0" hangingPunct="1">
+                        <a:lnSpc>
+                          <a:spcPct val="100000"/>
+                        </a:lnSpc>
+                        <a:spcBef>
+                          <a:spcPts val="0"/>
+                        </a:spcBef>
+                        <a:spcAft>
+                          <a:spcPts val="0"/>
+                        </a:spcAft>
+                        <a:buClrTx/>
+                        <a:buSzTx/>
+                        <a:buFontTx/>
+                        <a:buNone/>
+                        <a:tabLst/>
+                        <a:defRPr/>
+                      </a:pPr>
+                      <a:r>
+                        <a:t>40% </a:t>
+                      </a:r>
+                    </a:p>
+                  </a:txBody>
+                  <a:tcPr>
+                    <a:lnL w="12700" cap="flat" cmpd="sng" algn="ctr">
+                      <a:solidFill>
+                        <a:schemeClr val="tx1"/>
+                      </a:solidFill>
+                      <a:prstDash val="solid"/>
+                      <a:round/>
+                      <a:headEnd type="none" w="med" len="med"/>
+                      <a:tailEnd type="none" w="med" len="med"/>
+                    </a:lnL>
+                    <a:lnR w="12700" cap="flat" cmpd="sng" algn="ctr">
+                      <a:solidFill>
+                        <a:schemeClr val="tx1"/>
+                      </a:solidFill>
+                      <a:prstDash val="solid"/>
+                      <a:round/>
+                      <a:headEnd type="none" w="med" len="med"/>
+                      <a:tailEnd type="none" w="med" len="med"/>
+                    </a:lnR>
+                    <a:lnT w="12700" cap="flat" cmpd="sng" algn="ctr">
+                      <a:solidFill>
+                        <a:schemeClr val="tx1"/>
+                      </a:solidFill>
+                      <a:prstDash val="solid"/>
+                      <a:round/>
+                      <a:headEnd type="none" w="med" len="med"/>
+                      <a:tailEnd type="none" w="med" len="med"/>
+                    </a:lnT>
+                    <a:lnB w="12700" cap="flat" cmpd="sng" algn="ctr">
+                      <a:solidFill>
+                        <a:schemeClr val="tx1"/>
+                      </a:solidFill>
+                      <a:prstDash val="solid"/>
+                      <a:round/>
+                      <a:headEnd type="none" w="med" len="med"/>
+                      <a:tailEnd type="none" w="med" len="med"/>
+                    </a:lnB>
+                  </a:tcPr>
+                </a:tc>
+                <a:tc>
+                  <a:txBody>
+                    <a:bodyPr/>
+                    <a:lstStyle/>
+                    <a:p>
+                      <a:pPr marL="0" marR="0" indent="0" algn="l" defTabSz="914400" rtl="0" eaLnBrk="1" fontAlgn="auto" latinLnBrk="0" hangingPunct="1">
+                        <a:lnSpc>
+                          <a:spcPct val="100000"/>
+                        </a:lnSpc>
+                        <a:spcBef>
+                          <a:spcPts val="0"/>
+                        </a:spcBef>
+                        <a:spcAft>
+                          <a:spcPts val="0"/>
+                        </a:spcAft>
+                        <a:buClrTx/>
+                        <a:buSzTx/>
+                        <a:buFontTx/>
+                        <a:buNone/>
+                        <a:tabLst/>
+                        <a:defRPr/>
+                      </a:pPr>
+                      <a:r>
+                        <a:t>36% </a:t>
+                      </a:r>
+                    </a:p>
+                  </a:txBody>
+                  <a:tcPr>
+                    <a:lnL w="12700" cap="flat" cmpd="sng" algn="ctr">
+                      <a:solidFill>
+                        <a:schemeClr val="tx1"/>
+                      </a:solidFill>
+                      <a:prstDash val="solid"/>
+                      <a:round/>
+                      <a:headEnd type="none" w="med" len="med"/>
+                      <a:tailEnd type="none" w="med" len="med"/>
+                    </a:lnL>
+                    <a:lnR w="12700" cap="flat" cmpd="sng" algn="ctr">
+                      <a:solidFill>
+                        <a:schemeClr val="tx1"/>
+                      </a:solidFill>
+                      <a:prstDash val="solid"/>
+                      <a:round/>
+                      <a:headEnd type="none" w="med" len="med"/>
+                      <a:tailEnd type="none" w="med" len="med"/>
+                    </a:lnR>
+                    <a:lnT w="12700" cap="flat" cmpd="sng" algn="ctr">
+                      <a:solidFill>
+                        <a:schemeClr val="tx1"/>
+                      </a:solidFill>
+                      <a:prstDash val="solid"/>
+                      <a:round/>
+                      <a:headEnd type="none" w="med" len="med"/>
+                      <a:tailEnd type="none" w="med" len="med"/>
+                    </a:lnT>
+                    <a:lnB w="12700" cap="flat" cmpd="sng" algn="ctr">
+                      <a:solidFill>
+                        <a:schemeClr val="tx1"/>
+                      </a:solidFill>
+                      <a:prstDash val="solid"/>
+                      <a:round/>
+                      <a:headEnd type="none" w="med" len="med"/>
+                      <a:tailEnd type="none" w="med" len="med"/>
+                    </a:lnB>
+                  </a:tcPr>
+                </a:tc>
+                <a:tc>
+                  <a:txBody>
+                    <a:bodyPr/>
+                    <a:lstStyle/>
+                    <a:p>
+                      <a:pPr marL="0" marR="0" indent="0" algn="l" defTabSz="914400" rtl="0" eaLnBrk="1" fontAlgn="auto" latinLnBrk="0" hangingPunct="1">
+                        <a:lnSpc>
+                          <a:spcPct val="100000"/>
+                        </a:lnSpc>
+                        <a:spcBef>
+                          <a:spcPts val="0"/>
+                        </a:spcBef>
+                        <a:spcAft>
+                          <a:spcPts val="0"/>
+                        </a:spcAft>
+                        <a:buClrTx/>
+                        <a:buSzTx/>
+                        <a:buFontTx/>
+                        <a:buNone/>
+                        <a:tabLst/>
+                        <a:defRPr/>
+                      </a:pPr>
+                      <a:r>
+                        <a:t>28% </a:t>
+                      </a:r>
+                    </a:p>
+                  </a:txBody>
+                  <a:tcPr>
+                    <a:lnL w="12700" cap="flat" cmpd="sng" algn="ctr">
+                      <a:solidFill>
+                        <a:schemeClr val="tx1"/>
+                      </a:solidFill>
+                      <a:prstDash val="solid"/>
+                      <a:round/>
+                      <a:headEnd type="none" w="med" len="med"/>
+                      <a:tailEnd type="none" w="med" len="med"/>
+                    </a:lnL>
+                    <a:lnR w="12700" cap="flat" cmpd="sng" algn="ctr">
+                      <a:solidFill>
+                        <a:schemeClr val="tx1"/>
+                      </a:solidFill>
+                      <a:prstDash val="solid"/>
+                      <a:round/>
+                      <a:headEnd type="none" w="med" len="med"/>
+                      <a:tailEnd type="none" w="med" len="med"/>
+                    </a:lnR>
+                    <a:lnT w="12700" cap="flat" cmpd="sng" algn="ctr">
+                      <a:solidFill>
+                        <a:schemeClr val="tx1"/>
+                      </a:solidFill>
+                      <a:prstDash val="solid"/>
+                      <a:round/>
+                      <a:headEnd type="none" w="med" len="med"/>
+                      <a:tailEnd type="none" w="med" len="med"/>
+                    </a:lnT>
+                    <a:lnB w="12700" cap="flat" cmpd="sng" algn="ctr">
+                      <a:solidFill>
+                        <a:schemeClr val="tx1"/>
+                      </a:solidFill>
+                      <a:prstDash val="solid"/>
+                      <a:round/>
+                      <a:headEnd type="none" w="med" len="med"/>
+                      <a:tailEnd type="none" w="med" len="med"/>
+                    </a:lnB>
+                  </a:tcPr>
+                </a:tc>
+              </a:tr>
+              <a:tr h="200730">
+                <a:tc>
+                  <a:txBody>
+                    <a:bodyPr/>
+                    <a:lstStyle/>
+                    <a:p>
+                      <a:r>
+                        <a:rPr lang="en-US" dirty="0" smtClean="0"/>
+                        <a:t>Overweight 25.0-29.9</a:t>
+                      </a:r>
+                      <a:endParaRPr lang="en-US" dirty="0"/>
+                    </a:p>
+                  </a:txBody>
+                  <a:tcPr>
+                    <a:lnL w="12700" cap="flat" cmpd="sng" algn="ctr">
+                      <a:solidFill>
+                        <a:schemeClr val="tx1"/>
+                      </a:solidFill>
+                      <a:prstDash val="solid"/>
+                      <a:round/>
+                      <a:headEnd type="none" w="med" len="med"/>
+                      <a:tailEnd type="none" w="med" len="med"/>
+                    </a:lnL>
+                    <a:lnR w="12700" cap="flat" cmpd="sng" algn="ctr">
+                      <a:solidFill>
+                        <a:schemeClr val="tx1"/>
+                      </a:solidFill>
+                      <a:prstDash val="solid"/>
+                      <a:round/>
+                      <a:headEnd type="none" w="med" len="med"/>
+                      <a:tailEnd type="none" w="med" len="med"/>
+                    </a:lnR>
+                    <a:lnT w="12700" cap="flat" cmpd="sng" algn="ctr">
+                      <a:solidFill>
+                        <a:schemeClr val="tx1"/>
+                      </a:solidFill>
+                      <a:prstDash val="solid"/>
+                      <a:round/>
+                      <a:headEnd type="none" w="med" len="med"/>
+                      <a:tailEnd type="none" w="med" len="med"/>
+                    </a:lnT>
+                    <a:lnB w="12700" cap="flat" cmpd="sng" algn="ctr">
+                      <a:solidFill>
+                        <a:schemeClr val="tx1"/>
+                      </a:solidFill>
+                      <a:prstDash val="solid"/>
+                      <a:round/>
+                      <a:headEnd type="none" w="med" len="med"/>
+                      <a:tailEnd type="none" w="med" len="med"/>
+                    </a:lnB>
+                  </a:tcPr>
+                </a:tc>
+                <a:tc>
+                  <a:txBody>
+                    <a:bodyPr/>
+                    <a:lstStyle/>
+                    <a:p>
+                      <a:pPr marL="0" marR="0" indent="0" algn="l" defTabSz="914400" rtl="0" eaLnBrk="1" fontAlgn="auto" latinLnBrk="0" hangingPunct="1">
+                        <a:lnSpc>
+                          <a:spcPct val="100000"/>
+                        </a:lnSpc>
+                        <a:spcBef>
+                          <a:spcPts val="0"/>
+                        </a:spcBef>
+                        <a:spcAft>
+                          <a:spcPts val="0"/>
+                        </a:spcAft>
+                        <a:buClrTx/>
+                        <a:buSzTx/>
+                        <a:buFontTx/>
+                        <a:buNone/>
+                        <a:tabLst/>
+                        <a:defRPr/>
+                      </a:pPr>
+                      <a:r>
+                        <a:t>26% </a:t>
+                      </a:r>
+                    </a:p>
+                  </a:txBody>
+                  <a:tcPr>
+                    <a:lnL w="12700" cap="flat" cmpd="sng" algn="ctr">
+                      <a:solidFill>
+                        <a:schemeClr val="tx1"/>
+                      </a:solidFill>
+                      <a:prstDash val="solid"/>
+                      <a:round/>
+                      <a:headEnd type="none" w="med" len="med"/>
+                      <a:tailEnd type="none" w="med" len="med"/>
+                    </a:lnL>
+                    <a:lnR w="12700" cap="flat" cmpd="sng" algn="ctr">
+                      <a:solidFill>
+                        <a:schemeClr val="tx1"/>
+                      </a:solidFill>
+                      <a:prstDash val="solid"/>
+                      <a:round/>
+                      <a:headEnd type="none" w="med" len="med"/>
+                      <a:tailEnd type="none" w="med" len="med"/>
+                    </a:lnR>
+                    <a:lnT w="12700" cap="flat" cmpd="sng" algn="ctr">
+                      <a:solidFill>
+                        <a:schemeClr val="tx1"/>
+                      </a:solidFill>
+                      <a:prstDash val="solid"/>
+                      <a:round/>
+                      <a:headEnd type="none" w="med" len="med"/>
+                      <a:tailEnd type="none" w="med" len="med"/>
+                    </a:lnT>
+                    <a:lnB w="12700" cap="flat" cmpd="sng" algn="ctr">
+                      <a:solidFill>
+                        <a:schemeClr val="tx1"/>
+                      </a:solidFill>
+                      <a:prstDash val="solid"/>
+                      <a:round/>
+                      <a:headEnd type="none" w="med" len="med"/>
+                      <a:tailEnd type="none" w="med" len="med"/>
+                    </a:lnB>
+                  </a:tcPr>
+                </a:tc>
+                <a:tc>
+                  <a:txBody>
+                    <a:bodyPr/>
+                    <a:lstStyle/>
+                    <a:p>
+                      <a:pPr marL="0" marR="0" indent="0" algn="l" defTabSz="914400" rtl="0" eaLnBrk="1" fontAlgn="auto" latinLnBrk="0" hangingPunct="1">
+                        <a:lnSpc>
+                          <a:spcPct val="100000"/>
+                        </a:lnSpc>
+                        <a:spcBef>
+                          <a:spcPts val="0"/>
+                        </a:spcBef>
+                        <a:spcAft>
+                          <a:spcPts val="0"/>
+                        </a:spcAft>
+                        <a:buClrTx/>
+                        <a:buSzTx/>
+                        <a:buFontTx/>
+                        <a:buNone/>
+                        <a:tabLst/>
+                        <a:defRPr/>
+                      </a:pPr>
+                      <a:r>
+                        <a:t>24% </a:t>
+                      </a:r>
+                    </a:p>
+                  </a:txBody>
+                  <a:tcPr>
+                    <a:lnL w="12700" cap="flat" cmpd="sng" algn="ctr">
+                      <a:solidFill>
+                        <a:schemeClr val="tx1"/>
+                      </a:solidFill>
+                      <a:prstDash val="solid"/>
+                      <a:round/>
+                      <a:headEnd type="none" w="med" len="med"/>
+                      <a:tailEnd type="none" w="med" len="med"/>
+                    </a:lnL>
+                    <a:lnR w="12700" cap="flat" cmpd="sng" algn="ctr">
+                      <a:solidFill>
+                        <a:schemeClr val="tx1"/>
+                      </a:solidFill>
+                      <a:prstDash val="solid"/>
+                      <a:round/>
+                      <a:headEnd type="none" w="med" len="med"/>
+                      <a:tailEnd type="none" w="med" len="med"/>
+                    </a:lnR>
+                    <a:lnT w="12700" cap="flat" cmpd="sng" algn="ctr">
+                      <a:solidFill>
+                        <a:schemeClr val="tx1"/>
+                      </a:solidFill>
+                      <a:prstDash val="solid"/>
+                      <a:round/>
+                      <a:headEnd type="none" w="med" len="med"/>
+                      <a:tailEnd type="none" w="med" len="med"/>
+                    </a:lnT>
+                    <a:lnB w="12700" cap="flat" cmpd="sng" algn="ctr">
+                      <a:solidFill>
+                        <a:schemeClr val="tx1"/>
+                      </a:solidFill>
+                      <a:prstDash val="solid"/>
+                      <a:round/>
+                      <a:headEnd type="none" w="med" len="med"/>
+                      <a:tailEnd type="none" w="med" len="med"/>
+                    </a:lnB>
+                  </a:tcPr>
+                </a:tc>
+                <a:tc>
+                  <a:txBody>
+                    <a:bodyPr/>
+                    <a:lstStyle/>
+                    <a:p>
+                      <a:pPr marL="0" marR="0" indent="0" algn="l" defTabSz="914400" rtl="0" eaLnBrk="1" fontAlgn="auto" latinLnBrk="0" hangingPunct="1">
+                        <a:lnSpc>
+                          <a:spcPct val="100000"/>
+                        </a:lnSpc>
+                        <a:spcBef>
+                          <a:spcPts val="0"/>
+                        </a:spcBef>
+                        <a:spcAft>
+                          <a:spcPts val="0"/>
+                        </a:spcAft>
+                        <a:buClrTx/>
+                        <a:buSzTx/>
+                        <a:buFontTx/>
+                        <a:buNone/>
+                        <a:tabLst/>
+                        <a:defRPr/>
+                      </a:pPr>
+                      <a:r>
+                        <a:t>26% </a:t>
+                      </a:r>
+                    </a:p>
+                  </a:txBody>
+                  <a:tcPr>
+                    <a:lnL w="12700" cap="flat" cmpd="sng" algn="ctr">
+                      <a:solidFill>
+                        <a:schemeClr val="tx1"/>
+                      </a:solidFill>
+                      <a:prstDash val="solid"/>
+                      <a:round/>
+                      <a:headEnd type="none" w="med" len="med"/>
+                      <a:tailEnd type="none" w="med" len="med"/>
+                    </a:lnL>
+                    <a:lnR w="12700" cap="flat" cmpd="sng" algn="ctr">
+                      <a:solidFill>
+                        <a:schemeClr val="tx1"/>
+                      </a:solidFill>
+                      <a:prstDash val="solid"/>
+                      <a:round/>
+                      <a:headEnd type="none" w="med" len="med"/>
+                      <a:tailEnd type="none" w="med" len="med"/>
+                    </a:lnR>
+                    <a:lnT w="12700" cap="flat" cmpd="sng" algn="ctr">
+                      <a:solidFill>
+                        <a:schemeClr val="tx1"/>
+                      </a:solidFill>
+                      <a:prstDash val="solid"/>
+                      <a:round/>
+                      <a:headEnd type="none" w="med" len="med"/>
+                      <a:tailEnd type="none" w="med" len="med"/>
+                    </a:lnT>
+                    <a:lnB w="12700" cap="flat" cmpd="sng" algn="ctr">
+                      <a:solidFill>
+                        <a:schemeClr val="tx1"/>
+                      </a:solidFill>
+                      <a:prstDash val="solid"/>
+                      <a:round/>
+                      <a:headEnd type="none" w="med" len="med"/>
+                      <a:tailEnd type="none" w="med" len="med"/>
+                    </a:lnB>
+                  </a:tcPr>
+                </a:tc>
+              </a:tr>
+              <a:tr h="200730">
+                <a:tc>
+                  <a:txBody>
+                    <a:bodyPr/>
+                    <a:lstStyle/>
+                    <a:p>
+                      <a:r>
+                        <a:rPr lang="en-US" dirty="0" smtClean="0"/>
+                        <a:t>Obese Class I 30.0-34.9</a:t>
+                      </a:r>
+                      <a:endParaRPr lang="en-US" dirty="0"/>
+                    </a:p>
+                  </a:txBody>
+                  <a:tcPr>
+                    <a:lnL w="12700" cap="flat" cmpd="sng" algn="ctr">
+                      <a:solidFill>
+                        <a:schemeClr val="tx1"/>
+                      </a:solidFill>
+                      <a:prstDash val="solid"/>
+                      <a:round/>
+                      <a:headEnd type="none" w="med" len="med"/>
+                      <a:tailEnd type="none" w="med" len="med"/>
+                    </a:lnL>
+                    <a:lnR w="12700" cap="flat" cmpd="sng" algn="ctr">
+                      <a:solidFill>
+                        <a:schemeClr val="tx1"/>
+                      </a:solidFill>
+                      <a:prstDash val="solid"/>
+                      <a:round/>
+                      <a:headEnd type="none" w="med" len="med"/>
+                      <a:tailEnd type="none" w="med" len="med"/>
+                    </a:lnR>
+                    <a:lnT w="12700" cap="flat" cmpd="sng" algn="ctr">
+                      <a:solidFill>
+                        <a:schemeClr val="tx1"/>
+                      </a:solidFill>
+                      <a:prstDash val="solid"/>
+                      <a:round/>
+                      <a:headEnd type="none" w="med" len="med"/>
+                      <a:tailEnd type="none" w="med" len="med"/>
+                    </a:lnT>
+                    <a:lnB w="12700" cap="flat" cmpd="sng" algn="ctr">
+                      <a:solidFill>
+                        <a:schemeClr val="tx1"/>
+                      </a:solidFill>
+                      <a:prstDash val="solid"/>
+                      <a:round/>
+                      <a:headEnd type="none" w="med" len="med"/>
+                      <a:tailEnd type="none" w="med" len="med"/>
+                    </a:lnB>
+                  </a:tcPr>
+                </a:tc>
+                <a:tc>
+                  <a:txBody>
+                    <a:bodyPr/>
+                    <a:lstStyle/>
+                    <a:p>
+                      <a:r>
+                        <a:t>12% </a:t>
+                      </a:r>
+                    </a:p>
+                  </a:txBody>
+                  <a:tcPr>
+                    <a:lnL w="12700" cap="flat" cmpd="sng" algn="ctr">
+                      <a:solidFill>
+                        <a:schemeClr val="tx1"/>
+                      </a:solidFill>
+                      <a:prstDash val="solid"/>
+                      <a:round/>
+                      <a:headEnd type="none" w="med" len="med"/>
+                      <a:tailEnd type="none" w="med" len="med"/>
+                    </a:lnL>
+                    <a:lnR w="12700" cap="flat" cmpd="sng" algn="ctr">
+                      <a:solidFill>
+                        <a:schemeClr val="tx1"/>
+                      </a:solidFill>
+                      <a:prstDash val="solid"/>
+                      <a:round/>
+                      <a:headEnd type="none" w="med" len="med"/>
+                      <a:tailEnd type="none" w="med" len="med"/>
+                    </a:lnR>
+                    <a:lnT w="12700" cap="flat" cmpd="sng" algn="ctr">
+                      <a:solidFill>
+                        <a:schemeClr val="tx1"/>
+                      </a:solidFill>
+                      <a:prstDash val="solid"/>
+                      <a:round/>
+                      <a:headEnd type="none" w="med" len="med"/>
+                      <a:tailEnd type="none" w="med" len="med"/>
+                    </a:lnT>
+                    <a:lnB w="12700" cap="flat" cmpd="sng" algn="ctr">
+                      <a:solidFill>
+                        <a:schemeClr val="tx1"/>
+                      </a:solidFill>
+                      <a:prstDash val="solid"/>
+                      <a:round/>
+                      <a:headEnd type="none" w="med" len="med"/>
+                      <a:tailEnd type="none" w="med" len="med"/>
+                    </a:lnB>
+                  </a:tcPr>
+                </a:tc>
+                <a:tc>
+                  <a:txBody>
+                    <a:bodyPr/>
+                    <a:lstStyle/>
+                    <a:p>
+                      <a:r>
+                        <a:t>20% </a:t>
+                      </a:r>
+                    </a:p>
+                  </a:txBody>
+                  <a:tcPr>
+                    <a:lnL w="12700" cap="flat" cmpd="sng" algn="ctr">
+                      <a:solidFill>
+                        <a:schemeClr val="tx1"/>
+                      </a:solidFill>
+                      <a:prstDash val="solid"/>
+                      <a:round/>
+                      <a:headEnd type="none" w="med" len="med"/>
+                      <a:tailEnd type="none" w="med" len="med"/>
+                    </a:lnL>
+                    <a:lnR w="12700" cap="flat" cmpd="sng" algn="ctr">
+                      <a:solidFill>
+                        <a:schemeClr val="tx1"/>
+                      </a:solidFill>
+                      <a:prstDash val="solid"/>
+                      <a:round/>
+                      <a:headEnd type="none" w="med" len="med"/>
+                      <a:tailEnd type="none" w="med" len="med"/>
+                    </a:lnR>
+                    <a:lnT w="12700" cap="flat" cmpd="sng" algn="ctr">
+                      <a:solidFill>
+                        <a:schemeClr val="tx1"/>
+                      </a:solidFill>
+                      <a:prstDash val="solid"/>
+                      <a:round/>
+                      <a:headEnd type="none" w="med" len="med"/>
+                      <a:tailEnd type="none" w="med" len="med"/>
+                    </a:lnT>
+                    <a:lnB w="12700" cap="flat" cmpd="sng" algn="ctr">
+                      <a:solidFill>
+                        <a:schemeClr val="tx1"/>
+                      </a:solidFill>
+                      <a:prstDash val="solid"/>
+                      <a:round/>
+                      <a:headEnd type="none" w="med" len="med"/>
+                      <a:tailEnd type="none" w="med" len="med"/>
+                    </a:lnB>
+                  </a:tcPr>
+                </a:tc>
+                <a:tc>
+                  <a:txBody>
+                    <a:bodyPr/>
+                    <a:lstStyle/>
+                    <a:p>
+                      <a:r>
+                        <a:t>32% </a:t>
+                      </a:r>
+                    </a:p>
+                  </a:txBody>
+                  <a:tcPr>
+                    <a:lnL w="12700" cap="flat" cmpd="sng" algn="ctr">
+                      <a:solidFill>
+                        <a:schemeClr val="tx1"/>
+                      </a:solidFill>
+                      <a:prstDash val="solid"/>
+                      <a:round/>
+                      <a:headEnd type="none" w="med" len="med"/>
+                      <a:tailEnd type="none" w="med" len="med"/>
+                    </a:lnL>
+                    <a:lnR w="12700" cap="flat" cmpd="sng" algn="ctr">
+                      <a:solidFill>
+                        <a:schemeClr val="tx1"/>
+                      </a:solidFill>
+                      <a:prstDash val="solid"/>
+                      <a:round/>
+                      <a:headEnd type="none" w="med" len="med"/>
+                      <a:tailEnd type="none" w="med" len="med"/>
+                    </a:lnR>
+                    <a:lnT w="12700" cap="flat" cmpd="sng" algn="ctr">
+                      <a:solidFill>
+                        <a:schemeClr val="tx1"/>
+                      </a:solidFill>
+                      <a:prstDash val="solid"/>
+                      <a:round/>
+                      <a:headEnd type="none" w="med" len="med"/>
+                      <a:tailEnd type="none" w="med" len="med"/>
+                    </a:lnT>
+                    <a:lnB w="12700" cap="flat" cmpd="sng" algn="ctr">
+                      <a:solidFill>
+                        <a:schemeClr val="tx1"/>
+                      </a:solidFill>
+                      <a:prstDash val="solid"/>
+                      <a:round/>
+                      <a:headEnd type="none" w="med" len="med"/>
+                      <a:tailEnd type="none" w="med" len="med"/>
+                    </a:lnB>
+                  </a:tcPr>
+                </a:tc>
+              </a:tr>
+              <a:tr h="200730">
+                <a:tc>
+                  <a:txBody>
+                    <a:bodyPr/>
+                    <a:lstStyle/>
+                    <a:p>
+                      <a:r>
+                        <a:rPr lang="en-US" dirty="0" smtClean="0"/>
+                        <a:t>Obese Class II 35.0-39.9</a:t>
+                      </a:r>
+                      <a:endParaRPr lang="en-US" dirty="0"/>
+                    </a:p>
+                  </a:txBody>
+                  <a:tcPr>
+                    <a:lnL w="12700" cap="flat" cmpd="sng" algn="ctr">
+                      <a:solidFill>
+                        <a:schemeClr val="tx1"/>
+                      </a:solidFill>
+                      <a:prstDash val="solid"/>
+                      <a:round/>
+                      <a:headEnd type="none" w="med" len="med"/>
+                      <a:tailEnd type="none" w="med" len="med"/>
+                    </a:lnL>
+                    <a:lnR w="12700" cap="flat" cmpd="sng" algn="ctr">
+                      <a:solidFill>
+                        <a:schemeClr val="tx1"/>
+                      </a:solidFill>
+                      <a:prstDash val="solid"/>
+                      <a:round/>
+                      <a:headEnd type="none" w="med" len="med"/>
+                      <a:tailEnd type="none" w="med" len="med"/>
+                    </a:lnR>
+                    <a:lnT w="12700" cap="flat" cmpd="sng" algn="ctr">
+                      <a:solidFill>
+                        <a:schemeClr val="tx1"/>
+                      </a:solidFill>
+                      <a:prstDash val="solid"/>
+                      <a:round/>
+                      <a:headEnd type="none" w="med" len="med"/>
+                      <a:tailEnd type="none" w="med" len="med"/>
+                    </a:lnT>
+                    <a:lnB w="12700" cap="flat" cmpd="sng" algn="ctr">
+                      <a:solidFill>
+                        <a:schemeClr val="tx1"/>
+                      </a:solidFill>
+                      <a:prstDash val="solid"/>
+                      <a:round/>
+                      <a:headEnd type="none" w="med" len="med"/>
+                      <a:tailEnd type="none" w="med" len="med"/>
+                    </a:lnB>
+                  </a:tcPr>
+                </a:tc>
+                <a:tc>
+                  <a:txBody>
+                    <a:bodyPr/>
+                    <a:lstStyle/>
+                    <a:p>
+                      <a:pPr marL="0" marR="0" indent="0" algn="l" defTabSz="914400" rtl="0" eaLnBrk="1" fontAlgn="auto" latinLnBrk="0" hangingPunct="1">
+                        <a:lnSpc>
+                          <a:spcPct val="100000"/>
+                        </a:lnSpc>
+                        <a:spcBef>
+                          <a:spcPts val="0"/>
+                        </a:spcBef>
+                        <a:spcAft>
+                          <a:spcPts val="0"/>
+                        </a:spcAft>
+                        <a:buClrTx/>
+                        <a:buSzTx/>
+                        <a:buFontTx/>
+                        <a:buNone/>
+                        <a:tabLst/>
+                        <a:defRPr/>
+                      </a:pPr>
+                      <a:r>
+                        <a:t>14% </a:t>
+                      </a:r>
+                    </a:p>
+                  </a:txBody>
+                  <a:tcPr>
+                    <a:lnL w="12700" cap="flat" cmpd="sng" algn="ctr">
+                      <a:solidFill>
+                        <a:schemeClr val="tx1"/>
+                      </a:solidFill>
+                      <a:prstDash val="solid"/>
+                      <a:round/>
+                      <a:headEnd type="none" w="med" len="med"/>
+                      <a:tailEnd type="none" w="med" len="med"/>
+                    </a:lnL>
+                    <a:lnR w="12700" cap="flat" cmpd="sng" algn="ctr">
+                      <a:solidFill>
+                        <a:schemeClr val="tx1"/>
+                      </a:solidFill>
+                      <a:prstDash val="solid"/>
+                      <a:round/>
+                      <a:headEnd type="none" w="med" len="med"/>
+                      <a:tailEnd type="none" w="med" len="med"/>
+                    </a:lnR>
+                    <a:lnT w="12700" cap="flat" cmpd="sng" algn="ctr">
+                      <a:solidFill>
+                        <a:schemeClr val="tx1"/>
+                      </a:solidFill>
+                      <a:prstDash val="solid"/>
+                      <a:round/>
+                      <a:headEnd type="none" w="med" len="med"/>
+                      <a:tailEnd type="none" w="med" len="med"/>
+                    </a:lnT>
+                    <a:lnB w="12700" cap="flat" cmpd="sng" algn="ctr">
+                      <a:solidFill>
+                        <a:schemeClr val="tx1"/>
+                      </a:solidFill>
+                      <a:prstDash val="solid"/>
+                      <a:round/>
+                      <a:headEnd type="none" w="med" len="med"/>
+                      <a:tailEnd type="none" w="med" len="med"/>
+                    </a:lnB>
+                  </a:tcPr>
+                </a:tc>
+                <a:tc>
+                  <a:txBody>
+                    <a:bodyPr/>
+                    <a:lstStyle/>
+                    <a:p>
+                      <a:pPr marL="0" marR="0" indent="0" algn="l" defTabSz="914400" rtl="0" eaLnBrk="1" fontAlgn="auto" latinLnBrk="0" hangingPunct="1">
+                        <a:lnSpc>
+                          <a:spcPct val="100000"/>
+                        </a:lnSpc>
+                        <a:spcBef>
+                          <a:spcPts val="0"/>
+                        </a:spcBef>
+                        <a:spcAft>
+                          <a:spcPts val="0"/>
+                        </a:spcAft>
+                        <a:buClrTx/>
+                        <a:buSzTx/>
+                        <a:buFontTx/>
+                        <a:buNone/>
+                        <a:tabLst/>
+                        <a:defRPr/>
+                      </a:pPr>
+                      <a:r>
+                        <a:t>12% </a:t>
+                      </a:r>
+                    </a:p>
+                  </a:txBody>
+                  <a:tcPr>
+                    <a:lnL w="12700" cap="flat" cmpd="sng" algn="ctr">
+                      <a:solidFill>
+                        <a:schemeClr val="tx1"/>
+                      </a:solidFill>
+                      <a:prstDash val="solid"/>
+                      <a:round/>
+                      <a:headEnd type="none" w="med" len="med"/>
+                      <a:tailEnd type="none" w="med" len="med"/>
+                    </a:lnL>
+                    <a:lnR w="12700" cap="flat" cmpd="sng" algn="ctr">
+                      <a:solidFill>
+                        <a:schemeClr val="tx1"/>
+                      </a:solidFill>
+                      <a:prstDash val="solid"/>
+                      <a:round/>
+                      <a:headEnd type="none" w="med" len="med"/>
+                      <a:tailEnd type="none" w="med" len="med"/>
+                    </a:lnR>
+                    <a:lnT w="12700" cap="flat" cmpd="sng" algn="ctr">
+                      <a:solidFill>
+                        <a:schemeClr val="tx1"/>
+                      </a:solidFill>
+                      <a:prstDash val="solid"/>
+                      <a:round/>
+                      <a:headEnd type="none" w="med" len="med"/>
+                      <a:tailEnd type="none" w="med" len="med"/>
+                    </a:lnT>
+                    <a:lnB w="12700" cap="flat" cmpd="sng" algn="ctr">
+                      <a:solidFill>
+                        <a:schemeClr val="tx1"/>
+                      </a:solidFill>
+                      <a:prstDash val="solid"/>
+                      <a:round/>
+                      <a:headEnd type="none" w="med" len="med"/>
+                      <a:tailEnd type="none" w="med" len="med"/>
+                    </a:lnB>
+                  </a:tcPr>
+                </a:tc>
+                <a:tc>
+                  <a:txBody>
+                    <a:bodyPr/>
+                    <a:lstStyle/>
+                    <a:p>
+                      <a:pPr marL="0" marR="0" indent="0" algn="l" defTabSz="914400" rtl="0" eaLnBrk="1" fontAlgn="auto" latinLnBrk="0" hangingPunct="1">
+                        <a:lnSpc>
+                          <a:spcPct val="100000"/>
+                        </a:lnSpc>
+                        <a:spcBef>
+                          <a:spcPts val="0"/>
+                        </a:spcBef>
+                        <a:spcAft>
+                          <a:spcPts val="0"/>
+                        </a:spcAft>
+                        <a:buClrTx/>
+                        <a:buSzTx/>
+                        <a:buFontTx/>
+                        <a:buNone/>
+                        <a:tabLst/>
+                        <a:defRPr/>
+                      </a:pPr>
+                      <a:r>
+                        <a:t>6% </a:t>
+                      </a:r>
+                    </a:p>
+                  </a:txBody>
+                  <a:tcPr>
+                    <a:lnL w="12700" cap="flat" cmpd="sng" algn="ctr">
+                      <a:solidFill>
+                        <a:schemeClr val="tx1"/>
+                      </a:solidFill>
+                      <a:prstDash val="solid"/>
+                      <a:round/>
+                      <a:headEnd type="none" w="med" len="med"/>
+                      <a:tailEnd type="none" w="med" len="med"/>
+                    </a:lnL>
+                    <a:lnR w="12700" cap="flat" cmpd="sng" algn="ctr">
+                      <a:solidFill>
+                        <a:schemeClr val="tx1"/>
+                      </a:solidFill>
+                      <a:prstDash val="solid"/>
+                      <a:round/>
+                      <a:headEnd type="none" w="med" len="med"/>
+                      <a:tailEnd type="none" w="med" len="med"/>
+                    </a:lnR>
+                    <a:lnT w="12700" cap="flat" cmpd="sng" algn="ctr">
+                      <a:solidFill>
+                        <a:schemeClr val="tx1"/>
+                      </a:solidFill>
+                      <a:prstDash val="solid"/>
+                      <a:round/>
+                      <a:headEnd type="none" w="med" len="med"/>
+                      <a:tailEnd type="none" w="med" len="med"/>
+                    </a:lnT>
+                    <a:lnB w="12700" cap="flat" cmpd="sng" algn="ctr">
+                      <a:solidFill>
+                        <a:schemeClr val="tx1"/>
+                      </a:solidFill>
+                      <a:prstDash val="solid"/>
+                      <a:round/>
+                      <a:headEnd type="none" w="med" len="med"/>
+                      <a:tailEnd type="none" w="med" len="med"/>
+                    </a:lnB>
+                  </a:tcPr>
+                </a:tc>
+              </a:tr>
+              <a:tr h="200730">
+                <a:tc>
+                  <a:txBody>
+                    <a:bodyPr/>
+                    <a:lstStyle/>
+                    <a:p>
+                      <a:r>
+                        <a:rPr lang="en-US" dirty="0" smtClean="0"/>
+                        <a:t>Extreme Obesity More than 40</a:t>
+                      </a:r>
+                      <a:endParaRPr lang="en-US" dirty="0"/>
+                    </a:p>
+                  </a:txBody>
+                  <a:tcPr>
+                    <a:lnL w="12700" cap="flat" cmpd="sng" algn="ctr">
+                      <a:solidFill>
+                        <a:schemeClr val="tx1"/>
+                      </a:solidFill>
+                      <a:prstDash val="solid"/>
+                      <a:round/>
+                      <a:headEnd type="none" w="med" len="med"/>
+                      <a:tailEnd type="none" w="med" len="med"/>
+                    </a:lnL>
+                    <a:lnR w="12700" cap="flat" cmpd="sng" algn="ctr">
+                      <a:solidFill>
+                        <a:schemeClr val="tx1"/>
+                      </a:solidFill>
+                      <a:prstDash val="solid"/>
+                      <a:round/>
+                      <a:headEnd type="none" w="med" len="med"/>
+                      <a:tailEnd type="none" w="med" len="med"/>
+                    </a:lnR>
+                    <a:lnT w="12700" cap="flat" cmpd="sng" algn="ctr">
+                      <a:solidFill>
+                        <a:schemeClr val="tx1"/>
+                      </a:solidFill>
+                      <a:prstDash val="solid"/>
+                      <a:round/>
+                      <a:headEnd type="none" w="med" len="med"/>
+                      <a:tailEnd type="none" w="med" len="med"/>
+                    </a:lnT>
+                    <a:lnB w="12700" cap="flat" cmpd="sng" algn="ctr">
+                      <a:solidFill>
+                        <a:schemeClr val="tx1"/>
+                      </a:solidFill>
+                      <a:prstDash val="solid"/>
+                      <a:round/>
+                      <a:headEnd type="none" w="med" len="med"/>
+                      <a:tailEnd type="none" w="med" len="med"/>
+                    </a:lnB>
+                  </a:tcPr>
+                </a:tc>
+                <a:tc>
+                  <a:txBody>
+                    <a:bodyPr/>
+                    <a:lstStyle/>
+                    <a:p>
+                      <a:pPr marL="0" marR="0" indent="0" algn="l" defTabSz="914400" rtl="0" eaLnBrk="1" fontAlgn="auto" latinLnBrk="0" hangingPunct="1">
+                        <a:lnSpc>
+                          <a:spcPct val="100000"/>
+                        </a:lnSpc>
+                        <a:spcBef>
+                          <a:spcPts val="0"/>
+                        </a:spcBef>
+                        <a:spcAft>
+                          <a:spcPts val="0"/>
+                        </a:spcAft>
+                        <a:buClrTx/>
+                        <a:buSzTx/>
+                        <a:buFontTx/>
+                        <a:buNone/>
+                        <a:tabLst/>
+                        <a:defRPr/>
+                      </a:pPr>
+                      <a:r>
+                        <a:t>2% </a:t>
+                      </a:r>
+                    </a:p>
+                  </a:txBody>
+                  <a:tcPr>
+                    <a:lnL w="12700" cap="flat" cmpd="sng" algn="ctr">
+                      <a:solidFill>
+                        <a:schemeClr val="tx1"/>
+                      </a:solidFill>
+                      <a:prstDash val="solid"/>
+                      <a:round/>
+                      <a:headEnd type="none" w="med" len="med"/>
+                      <a:tailEnd type="none" w="med" len="med"/>
+                    </a:lnL>
+                    <a:lnR w="12700" cap="flat" cmpd="sng" algn="ctr">
+                      <a:solidFill>
+                        <a:schemeClr val="tx1"/>
+                      </a:solidFill>
+                      <a:prstDash val="solid"/>
+                      <a:round/>
+                      <a:headEnd type="none" w="med" len="med"/>
+                      <a:tailEnd type="none" w="med" len="med"/>
+                    </a:lnR>
+                    <a:lnT w="12700" cap="flat" cmpd="sng" algn="ctr">
+                      <a:solidFill>
+                        <a:schemeClr val="tx1"/>
+                      </a:solidFill>
+                      <a:prstDash val="solid"/>
+                      <a:round/>
+                      <a:headEnd type="none" w="med" len="med"/>
+                      <a:tailEnd type="none" w="med" len="med"/>
+                    </a:lnT>
+                    <a:lnB w="12700" cap="flat" cmpd="sng" algn="ctr">
+                      <a:solidFill>
+                        <a:schemeClr val="tx1"/>
+                      </a:solidFill>
+                      <a:prstDash val="solid"/>
+                      <a:round/>
+                      <a:headEnd type="none" w="med" len="med"/>
+                      <a:tailEnd type="none" w="med" len="med"/>
+                    </a:lnB>
+                  </a:tcPr>
+                </a:tc>
+                <a:tc>
+                  <a:txBody>
+                    <a:bodyPr/>
+                    <a:lstStyle/>
+                    <a:p>
+                      <a:pPr marL="0" marR="0" indent="0" algn="l" defTabSz="914400" rtl="0" eaLnBrk="1" fontAlgn="auto" latinLnBrk="0" hangingPunct="1">
+                        <a:lnSpc>
+                          <a:spcPct val="100000"/>
+                        </a:lnSpc>
+                        <a:spcBef>
+                          <a:spcPts val="0"/>
+                        </a:spcBef>
+                        <a:spcAft>
+                          <a:spcPts val="0"/>
+                        </a:spcAft>
+                        <a:buClrTx/>
+                        <a:buSzTx/>
+                        <a:buFontTx/>
+                        <a:buNone/>
+                        <a:tabLst/>
+                        <a:defRPr/>
+                      </a:pPr>
+                      <a:r>
+                        <a:t>2% </a:t>
+                      </a:r>
+                    </a:p>
+                  </a:txBody>
+                  <a:tcPr>
+                    <a:lnL w="12700" cap="flat" cmpd="sng" algn="ctr">
+                      <a:solidFill>
+                        <a:schemeClr val="tx1"/>
+                      </a:solidFill>
+                      <a:prstDash val="solid"/>
+                      <a:round/>
+                      <a:headEnd type="none" w="med" len="med"/>
+                      <a:tailEnd type="none" w="med" len="med"/>
+                    </a:lnL>
+                    <a:lnR w="12700" cap="flat" cmpd="sng" algn="ctr">
+                      <a:solidFill>
+                        <a:schemeClr val="tx1"/>
+                      </a:solidFill>
+                      <a:prstDash val="solid"/>
+                      <a:round/>
+                      <a:headEnd type="none" w="med" len="med"/>
+                      <a:tailEnd type="none" w="med" len="med"/>
+                    </a:lnR>
+                    <a:lnT w="12700" cap="flat" cmpd="sng" algn="ctr">
+                      <a:solidFill>
+                        <a:schemeClr val="tx1"/>
+                      </a:solidFill>
+                      <a:prstDash val="solid"/>
+                      <a:round/>
+                      <a:headEnd type="none" w="med" len="med"/>
+                      <a:tailEnd type="none" w="med" len="med"/>
+                    </a:lnT>
+                    <a:lnB w="12700" cap="flat" cmpd="sng" algn="ctr">
+                      <a:solidFill>
+                        <a:schemeClr val="tx1"/>
+                      </a:solidFill>
+                      <a:prstDash val="solid"/>
+                      <a:round/>
+                      <a:headEnd type="none" w="med" len="med"/>
+                      <a:tailEnd type="none" w="med" len="med"/>
+                    </a:lnB>
+                  </a:tcPr>
+                </a:tc>
+                <a:tc>
+                  <a:txBody>
+                    <a:bodyPr/>
+                    <a:lstStyle/>
+                    <a:p>
+                      <a:pPr marL="0" marR="0" indent="0" algn="l" defTabSz="914400" rtl="0" eaLnBrk="1" fontAlgn="auto" latinLnBrk="0" hangingPunct="1">
+                        <a:lnSpc>
+                          <a:spcPct val="100000"/>
+                        </a:lnSpc>
+                        <a:spcBef>
+                          <a:spcPts val="0"/>
+                        </a:spcBef>
+                        <a:spcAft>
+                          <a:spcPts val="0"/>
+                        </a:spcAft>
+                        <a:buClrTx/>
+                        <a:buSzTx/>
+                        <a:buFontTx/>
+                        <a:buNone/>
+                        <a:tabLst/>
+                        <a:defRPr/>
+                      </a:pPr>
+                      <a:r>
+                        <a:t>4% </a:t>
+                      </a:r>
+                    </a:p>
+                  </a:txBody>
+                  <a:tcPr>
+                    <a:lnL w="12700" cap="flat" cmpd="sng" algn="ctr">
+                      <a:solidFill>
+                        <a:schemeClr val="tx1"/>
+                      </a:solidFill>
+                      <a:prstDash val="solid"/>
+                      <a:round/>
+                      <a:headEnd type="none" w="med" len="med"/>
+                      <a:tailEnd type="none" w="med" len="med"/>
+                    </a:lnL>
+                    <a:lnR w="12700" cap="flat" cmpd="sng" algn="ctr">
+                      <a:solidFill>
+                        <a:schemeClr val="tx1"/>
+                      </a:solidFill>
+                      <a:prstDash val="solid"/>
+                      <a:round/>
+                      <a:headEnd type="none" w="med" len="med"/>
+                      <a:tailEnd type="none" w="med" len="med"/>
+                    </a:lnR>
+                    <a:lnT w="12700" cap="flat" cmpd="sng" algn="ctr">
+                      <a:solidFill>
+                        <a:schemeClr val="tx1"/>
+                      </a:solidFill>
+                      <a:prstDash val="solid"/>
+                      <a:round/>
+                      <a:headEnd type="none" w="med" len="med"/>
+                      <a:tailEnd type="none" w="med" len="med"/>
+                    </a:lnT>
+                    <a:lnB w="12700" cap="flat" cmpd="sng" algn="ctr">
+                      <a:solidFill>
+                        <a:schemeClr val="tx1"/>
+                      </a:solidFill>
+                      <a:prstDash val="solid"/>
+                      <a:round/>
+                      <a:headEnd type="none" w="med" len="med"/>
+                      <a:tailEnd type="none" w="med" len="med"/>
+                    </a:lnB>
+                  </a:tcPr>
+                </a:tc>
+              </a:tr>
+            </a:tbl>
+          </a:graphicData>
+        </a:graphic>
+      </p:graphicFrame>
+      <p:graphicFrame>
+        <p:nvGraphicFramePr>
+          <p:cNvPr id="6" name="Chart 5"/>
+          <p:cNvGraphicFramePr>
+            <a:graphicFrameLocks noGrp="1"/>
+          </p:cNvGraphicFramePr>
+          <p:nvPr/>
+        </p:nvGraphicFramePr>
+        <p:xfrm>
+          <a:off x="3200400" y="3200400"/>
+          <a:ext cx="4572000" cy="2743200"/>
+        </p:xfrm>
+        <a:graphic>
+          <a:graphicData uri="http://schemas.openxmlformats.org/drawingml/2006/chart">
+            <c:chart xmlns:c="http://schemas.openxmlformats.org/drawingml/2006/chart" r:id="rId3"/>
+          </a:graphicData>
+        </a:graphic>
+      </p:graphicFrame>
+    </p:spTree>
+    <p:extLst>
+      <p:ext uri="{BB962C8B-B14F-4D97-AF65-F5344CB8AC3E}">
+        <p14:creationId xmlns:p14="http://schemas.microsoft.com/office/powerpoint/2010/main" val="3092803043"/>
       </p:ext>
     </p:extLst>
   </p:cSld>
@@ -5610,50 +10721,53 @@
             <p:ph type="title"/>
           </p:nvPr>
         </p:nvSpPr>
-        <p:spPr/>
-        <p:txBody>
-          <a:bodyPr/>
-          <a:lstStyle/>
-          <a:p>
-            <a:r>
-              <a:rPr lang="en-US" dirty="0" smtClean="0"/>
-              <a:t>Who participated?</a:t>
-            </a:r>
-            <a:endParaRPr lang="en-US" dirty="0"/>
-          </a:p>
-        </p:txBody>
-      </p:sp>
-      <p:sp>
-        <p:nvSpPr>
-          <p:cNvPr id="3" name="Content Placeholder 2"/>
-          <p:cNvSpPr>
-            <a:spLocks noGrp="1"/>
-          </p:cNvSpPr>
-          <p:nvPr>
-            <p:ph sz="quarter" idx="1"/>
-          </p:nvPr>
-        </p:nvSpPr>
         <p:spPr>
           <a:xfrm>
-            <a:off x="612648" y="1600200"/>
-            <a:ext cx="8153400" cy="3886198"/>
+            <a:off x="612648" y="228600"/>
+            <a:ext cx="8531352" cy="990600"/>
           </a:xfrm>
         </p:spPr>
         <p:txBody>
           <a:bodyPr>
-            <a:normAutofit/>
+            <a:noAutofit/>
           </a:bodyPr>
           <a:lstStyle/>
           <a:p>
-            <a:pPr marL="0" indent="0">
-              <a:buNone/>
-            </a:pPr>
-          </a:p>
-        </p:txBody>
-      </p:sp>
-      <p:sp>
-        <p:nvSpPr>
-          <p:cNvPr id="5" name="Slide Number Placeholder 4"/>
+            <a:r>
+              <a:rPr lang="en-US" sz="4000" dirty="0" smtClean="0"/>
+              <a:t>Waist Circumference - Comparison</a:t>
+            </a:r>
+            <a:endParaRPr lang="en-US" sz="2800" dirty="0"/>
+          </a:p>
+        </p:txBody>
+      </p:sp>
+      <p:graphicFrame>
+        <p:nvGraphicFramePr>
+          <p:cNvPr id="6" name="Chart 5"/>
+          <p:cNvGraphicFramePr>
+            <a:graphicFrameLocks/>
+          </p:cNvGraphicFramePr>
+          <p:nvPr>
+            <p:extLst>
+              <p:ext uri="{D42A27DB-BD31-4B8C-83A1-F6EECF244321}">
+                <p14:modId xmlns:p14="http://schemas.microsoft.com/office/powerpoint/2010/main" val="3119730620"/>
+              </p:ext>
+            </p:extLst>
+          </p:nvPr>
+        </p:nvGraphicFramePr>
+        <p:xfrm>
+          <a:off x="4572000" y="1524000"/>
+          <a:ext cx="4572000" cy="2743200"/>
+        </p:xfrm>
+        <a:graphic>
+          <a:graphicData uri="http://schemas.openxmlformats.org/drawingml/2006/chart">
+            <c:chart xmlns:c="http://schemas.openxmlformats.org/drawingml/2006/chart" xmlns:r="http://schemas.openxmlformats.org/officeDocument/2006/relationships" r:id="rId3"/>
+          </a:graphicData>
+        </a:graphic>
+      </p:graphicFrame>
+      <p:sp>
+        <p:nvSpPr>
+          <p:cNvPr id="4" name="Slide Number Placeholder 3"/>
           <p:cNvSpPr>
             <a:spLocks noGrp="1"/>
           </p:cNvSpPr>
@@ -5676,28 +10790,622 @@
           </a:p>
         </p:txBody>
       </p:sp>
+      <p:sp>
+        <p:nvSpPr>
+          <p:cNvPr id="3" name="Rectangle 2"/>
+          <p:cNvSpPr/>
+          <p:nvPr/>
+        </p:nvSpPr>
+        <p:spPr>
+          <a:xfrm>
+            <a:off x="2300326" y="1828800"/>
+            <a:ext cx="7709290" cy="369332"/>
+          </a:xfrm>
+          <a:prstGeom prst="rect">
+            <a:avLst/>
+          </a:prstGeom>
+        </p:spPr>
+        <p:txBody>
+          <a:bodyPr wrap="none">
+            <a:spAutoFit/>
+          </a:bodyPr>
+          <a:lstStyle/>
+          <a:p>
+            <a:endParaRPr lang="en-US" dirty="0"/>
+          </a:p>
+        </p:txBody>
+      </p:sp>
       <p:graphicFrame>
         <p:nvGraphicFramePr>
-          <p:cNvPr id="4" name="Chart 3"/>
+          <p:cNvPr id="8" name="Table 7"/>
+          <p:cNvGraphicFramePr>
+            <a:graphicFrameLocks noGrp="1"/>
+          </p:cNvGraphicFramePr>
+          <p:nvPr>
+            <p:extLst>
+              <p:ext uri="{D42A27DB-BD31-4B8C-83A1-F6EECF244321}">
+                <p14:modId xmlns:p14="http://schemas.microsoft.com/office/powerpoint/2010/main" val="3722853375"/>
+              </p:ext>
+            </p:extLst>
+          </p:nvPr>
+        </p:nvGraphicFramePr>
+        <p:xfrm>
+          <a:off x="1143000" y="4800600"/>
+          <a:ext cx="7086600" cy="1685501"/>
+        </p:xfrm>
+        <a:graphic>
+          <a:graphicData uri="http://schemas.openxmlformats.org/drawingml/2006/table">
+            <a:tbl>
+              <a:tblPr firstRow="1" bandRow="1">
+                <a:tableStyleId>{2D5ABB26-0587-4C30-8999-92F81FD0307C}</a:tableStyleId>
+              </a:tblPr>
+              <a:tblGrid>
+                <a:gridCol w="2362200"/>
+                <a:gridCol w="2362200"/>
+                <a:gridCol w="2362200"/>
+              </a:tblGrid>
+              <a:tr h="618701">
+                <a:tc>
+                  <a:txBody>
+                    <a:bodyPr/>
+                    <a:lstStyle/>
+                    <a:p>
+                      <a:r>
+                        <a:rPr lang="en-US" dirty="0" smtClean="0"/>
+                        <a:t>Waist</a:t>
+                      </a:r>
+                      <a:r>
+                        <a:rPr lang="en-US" baseline="0" dirty="0" smtClean="0"/>
+                        <a:t> </a:t>
+                      </a:r>
+                      <a:r>
+                        <a:rPr lang="en-US" baseline="0" dirty="0" err="1" smtClean="0"/>
+                        <a:t>Curcumference</a:t>
+                      </a:r>
+                      <a:endParaRPr lang="en-US" dirty="0"/>
+                    </a:p>
+                  </a:txBody>
+                  <a:tcPr>
+                    <a:lnL w="12700" cap="flat" cmpd="sng" algn="ctr">
+                      <a:solidFill>
+                        <a:schemeClr val="tx1"/>
+                      </a:solidFill>
+                      <a:prstDash val="solid"/>
+                      <a:round/>
+                      <a:headEnd type="none" w="med" len="med"/>
+                      <a:tailEnd type="none" w="med" len="med"/>
+                    </a:lnL>
+                    <a:lnR w="12700" cap="flat" cmpd="sng" algn="ctr">
+                      <a:solidFill>
+                        <a:schemeClr val="tx1"/>
+                      </a:solidFill>
+                      <a:prstDash val="solid"/>
+                      <a:round/>
+                      <a:headEnd type="none" w="med" len="med"/>
+                      <a:tailEnd type="none" w="med" len="med"/>
+                    </a:lnR>
+                    <a:lnT w="12700" cap="flat" cmpd="sng" algn="ctr">
+                      <a:solidFill>
+                        <a:schemeClr val="tx1"/>
+                      </a:solidFill>
+                      <a:prstDash val="solid"/>
+                      <a:round/>
+                      <a:headEnd type="none" w="med" len="med"/>
+                      <a:tailEnd type="none" w="med" len="med"/>
+                    </a:lnT>
+                    <a:lnB w="12700" cap="flat" cmpd="sng" algn="ctr">
+                      <a:solidFill>
+                        <a:schemeClr val="tx1"/>
+                      </a:solidFill>
+                      <a:prstDash val="solid"/>
+                      <a:round/>
+                      <a:headEnd type="none" w="med" len="med"/>
+                      <a:tailEnd type="none" w="med" len="med"/>
+                    </a:lnB>
+                  </a:tcPr>
+                </a:tc>
+                <a:tc>
+                  <a:txBody>
+                    <a:bodyPr/>
+                    <a:lstStyle/>
+                    <a:p>
+                      <a:r>
+                        <a:rPr lang="en-US" dirty="0" smtClean="0"/>
+                        <a:t>2015</a:t>
+                      </a:r>
+                      <a:endParaRPr lang="en-US" dirty="0"/>
+                    </a:p>
+                  </a:txBody>
+                  <a:tcPr>
+                    <a:lnL w="12700" cap="flat" cmpd="sng" algn="ctr">
+                      <a:solidFill>
+                        <a:schemeClr val="tx1"/>
+                      </a:solidFill>
+                      <a:prstDash val="solid"/>
+                      <a:round/>
+                      <a:headEnd type="none" w="med" len="med"/>
+                      <a:tailEnd type="none" w="med" len="med"/>
+                    </a:lnL>
+                    <a:lnR w="12700" cap="flat" cmpd="sng" algn="ctr">
+                      <a:solidFill>
+                        <a:schemeClr val="tx1"/>
+                      </a:solidFill>
+                      <a:prstDash val="solid"/>
+                      <a:round/>
+                      <a:headEnd type="none" w="med" len="med"/>
+                      <a:tailEnd type="none" w="med" len="med"/>
+                    </a:lnR>
+                    <a:lnT w="12700" cap="flat" cmpd="sng" algn="ctr">
+                      <a:solidFill>
+                        <a:schemeClr val="tx1"/>
+                      </a:solidFill>
+                      <a:prstDash val="solid"/>
+                      <a:round/>
+                      <a:headEnd type="none" w="med" len="med"/>
+                      <a:tailEnd type="none" w="med" len="med"/>
+                    </a:lnT>
+                    <a:lnB w="12700" cap="flat" cmpd="sng" algn="ctr">
+                      <a:solidFill>
+                        <a:schemeClr val="tx1"/>
+                      </a:solidFill>
+                      <a:prstDash val="solid"/>
+                      <a:round/>
+                      <a:headEnd type="none" w="med" len="med"/>
+                      <a:tailEnd type="none" w="med" len="med"/>
+                    </a:lnB>
+                  </a:tcPr>
+                </a:tc>
+                <a:tc>
+                  <a:txBody>
+                    <a:bodyPr/>
+                    <a:lstStyle/>
+                    <a:p>
+                      <a:r>
+                        <a:rPr lang="en-US" dirty="0" smtClean="0"/>
+                        <a:t>2016</a:t>
+                      </a:r>
+                      <a:endParaRPr lang="en-US" dirty="0"/>
+                    </a:p>
+                  </a:txBody>
+                  <a:tcPr>
+                    <a:lnL w="12700" cap="flat" cmpd="sng" algn="ctr">
+                      <a:solidFill>
+                        <a:schemeClr val="tx1"/>
+                      </a:solidFill>
+                      <a:prstDash val="solid"/>
+                      <a:round/>
+                      <a:headEnd type="none" w="med" len="med"/>
+                      <a:tailEnd type="none" w="med" len="med"/>
+                    </a:lnL>
+                    <a:lnR w="12700" cap="flat" cmpd="sng" algn="ctr">
+                      <a:solidFill>
+                        <a:schemeClr val="tx1"/>
+                      </a:solidFill>
+                      <a:prstDash val="solid"/>
+                      <a:round/>
+                      <a:headEnd type="none" w="med" len="med"/>
+                      <a:tailEnd type="none" w="med" len="med"/>
+                    </a:lnR>
+                    <a:lnT w="12700" cap="flat" cmpd="sng" algn="ctr">
+                      <a:solidFill>
+                        <a:schemeClr val="tx1"/>
+                      </a:solidFill>
+                      <a:prstDash val="solid"/>
+                      <a:round/>
+                      <a:headEnd type="none" w="med" len="med"/>
+                      <a:tailEnd type="none" w="med" len="med"/>
+                    </a:lnT>
+                    <a:lnB w="12700" cap="flat" cmpd="sng" algn="ctr">
+                      <a:solidFill>
+                        <a:schemeClr val="tx1"/>
+                      </a:solidFill>
+                      <a:prstDash val="solid"/>
+                      <a:round/>
+                      <a:headEnd type="none" w="med" len="med"/>
+                      <a:tailEnd type="none" w="med" len="med"/>
+                    </a:lnB>
+                  </a:tcPr>
+                </a:tc>
+              </a:tr>
+              <a:tr h="200730">
+                <a:tc>
+                  <a:txBody>
+                    <a:bodyPr/>
+                    <a:lstStyle/>
+                    <a:p>
+                      <a:r>
+                        <a:rPr lang="en-US" dirty="0" smtClean="0"/>
+                        <a:t>Optimal</a:t>
+                      </a:r>
+                      <a:endParaRPr lang="en-US" dirty="0"/>
+                    </a:p>
+                  </a:txBody>
+                  <a:tcPr>
+                    <a:lnL w="12700" cap="flat" cmpd="sng" algn="ctr">
+                      <a:solidFill>
+                        <a:schemeClr val="tx1"/>
+                      </a:solidFill>
+                      <a:prstDash val="solid"/>
+                      <a:round/>
+                      <a:headEnd type="none" w="med" len="med"/>
+                      <a:tailEnd type="none" w="med" len="med"/>
+                    </a:lnL>
+                    <a:lnR w="12700" cap="flat" cmpd="sng" algn="ctr">
+                      <a:solidFill>
+                        <a:schemeClr val="tx1"/>
+                      </a:solidFill>
+                      <a:prstDash val="solid"/>
+                      <a:round/>
+                      <a:headEnd type="none" w="med" len="med"/>
+                      <a:tailEnd type="none" w="med" len="med"/>
+                    </a:lnR>
+                    <a:lnT w="12700" cap="flat" cmpd="sng" algn="ctr">
+                      <a:solidFill>
+                        <a:schemeClr val="tx1"/>
+                      </a:solidFill>
+                      <a:prstDash val="solid"/>
+                      <a:round/>
+                      <a:headEnd type="none" w="med" len="med"/>
+                      <a:tailEnd type="none" w="med" len="med"/>
+                    </a:lnT>
+                    <a:lnB w="12700" cap="flat" cmpd="sng" algn="ctr">
+                      <a:solidFill>
+                        <a:schemeClr val="tx1"/>
+                      </a:solidFill>
+                      <a:prstDash val="solid"/>
+                      <a:round/>
+                      <a:headEnd type="none" w="med" len="med"/>
+                      <a:tailEnd type="none" w="med" len="med"/>
+                    </a:lnB>
+                  </a:tcPr>
+                </a:tc>
+                <a:tc>
+                  <a:txBody>
+                    <a:bodyPr/>
+                    <a:lstStyle/>
+                    <a:p>
+                      <a:pPr marL="0" marR="0" indent="0" algn="l" defTabSz="914400" rtl="0" eaLnBrk="1" fontAlgn="auto" latinLnBrk="0" hangingPunct="1">
+                        <a:lnSpc>
+                          <a:spcPct val="100000"/>
+                        </a:lnSpc>
+                        <a:spcBef>
+                          <a:spcPts val="0"/>
+                        </a:spcBef>
+                        <a:spcAft>
+                          <a:spcPts val="0"/>
+                        </a:spcAft>
+                        <a:buClrTx/>
+                        <a:buSzTx/>
+                        <a:buFontTx/>
+                        <a:buNone/>
+                        <a:tabLst/>
+                        <a:defRPr/>
+                      </a:pPr>
+                      <a:r>
+                        <a:t>60% </a:t>
+                      </a:r>
+                      <a:br/>
+                    </a:p>
+                  </a:txBody>
+                  <a:tcPr>
+                    <a:lnL w="12700" cap="flat" cmpd="sng" algn="ctr">
+                      <a:solidFill>
+                        <a:schemeClr val="tx1"/>
+                      </a:solidFill>
+                      <a:prstDash val="solid"/>
+                      <a:round/>
+                      <a:headEnd type="none" w="med" len="med"/>
+                      <a:tailEnd type="none" w="med" len="med"/>
+                    </a:lnL>
+                    <a:lnR w="12700" cap="flat" cmpd="sng" algn="ctr">
+                      <a:solidFill>
+                        <a:schemeClr val="tx1"/>
+                      </a:solidFill>
+                      <a:prstDash val="solid"/>
+                      <a:round/>
+                      <a:headEnd type="none" w="med" len="med"/>
+                      <a:tailEnd type="none" w="med" len="med"/>
+                    </a:lnR>
+                    <a:lnT w="12700" cap="flat" cmpd="sng" algn="ctr">
+                      <a:solidFill>
+                        <a:schemeClr val="tx1"/>
+                      </a:solidFill>
+                      <a:prstDash val="solid"/>
+                      <a:round/>
+                      <a:headEnd type="none" w="med" len="med"/>
+                      <a:tailEnd type="none" w="med" len="med"/>
+                    </a:lnT>
+                    <a:lnB w="12700" cap="flat" cmpd="sng" algn="ctr">
+                      <a:solidFill>
+                        <a:schemeClr val="tx1"/>
+                      </a:solidFill>
+                      <a:prstDash val="solid"/>
+                      <a:round/>
+                      <a:headEnd type="none" w="med" len="med"/>
+                      <a:tailEnd type="none" w="med" len="med"/>
+                    </a:lnB>
+                  </a:tcPr>
+                </a:tc>
+                <a:tc>
+                  <a:txBody>
+                    <a:bodyPr/>
+                    <a:lstStyle/>
+                    <a:p>
+                      <a:pPr marL="0" marR="0" indent="0" algn="l" defTabSz="914400" rtl="0" eaLnBrk="1" fontAlgn="auto" latinLnBrk="0" hangingPunct="1">
+                        <a:lnSpc>
+                          <a:spcPct val="100000"/>
+                        </a:lnSpc>
+                        <a:spcBef>
+                          <a:spcPts val="0"/>
+                        </a:spcBef>
+                        <a:spcAft>
+                          <a:spcPts val="0"/>
+                        </a:spcAft>
+                        <a:buClrTx/>
+                        <a:buSzTx/>
+                        <a:buFontTx/>
+                        <a:buNone/>
+                        <a:tabLst/>
+                        <a:defRPr/>
+                      </a:pPr>
+                      <a:r>
+                        <a:t>44% </a:t>
+                      </a:r>
+                      <a:br/>
+                    </a:p>
+                  </a:txBody>
+                  <a:tcPr>
+                    <a:lnL w="12700" cap="flat" cmpd="sng" algn="ctr">
+                      <a:solidFill>
+                        <a:schemeClr val="tx1"/>
+                      </a:solidFill>
+                      <a:prstDash val="solid"/>
+                      <a:round/>
+                      <a:headEnd type="none" w="med" len="med"/>
+                      <a:tailEnd type="none" w="med" len="med"/>
+                    </a:lnL>
+                    <a:lnR w="12700" cap="flat" cmpd="sng" algn="ctr">
+                      <a:solidFill>
+                        <a:schemeClr val="tx1"/>
+                      </a:solidFill>
+                      <a:prstDash val="solid"/>
+                      <a:round/>
+                      <a:headEnd type="none" w="med" len="med"/>
+                      <a:tailEnd type="none" w="med" len="med"/>
+                    </a:lnR>
+                    <a:lnT w="12700" cap="flat" cmpd="sng" algn="ctr">
+                      <a:solidFill>
+                        <a:schemeClr val="tx1"/>
+                      </a:solidFill>
+                      <a:prstDash val="solid"/>
+                      <a:round/>
+                      <a:headEnd type="none" w="med" len="med"/>
+                      <a:tailEnd type="none" w="med" len="med"/>
+                    </a:lnT>
+                    <a:lnB w="12700" cap="flat" cmpd="sng" algn="ctr">
+                      <a:solidFill>
+                        <a:schemeClr val="tx1"/>
+                      </a:solidFill>
+                      <a:prstDash val="solid"/>
+                      <a:round/>
+                      <a:headEnd type="none" w="med" len="med"/>
+                      <a:tailEnd type="none" w="med" len="med"/>
+                    </a:lnB>
+                  </a:tcPr>
+                </a:tc>
+              </a:tr>
+              <a:tr h="200730">
+                <a:tc>
+                  <a:txBody>
+                    <a:bodyPr/>
+                    <a:lstStyle/>
+                    <a:p>
+                      <a:r>
+                        <a:rPr lang="en-US" dirty="0" smtClean="0"/>
+                        <a:t>Above optimal</a:t>
+                      </a:r>
+                      <a:endParaRPr lang="en-US" dirty="0"/>
+                    </a:p>
+                  </a:txBody>
+                  <a:tcPr>
+                    <a:lnL w="12700" cap="flat" cmpd="sng" algn="ctr">
+                      <a:solidFill>
+                        <a:schemeClr val="tx1"/>
+                      </a:solidFill>
+                      <a:prstDash val="solid"/>
+                      <a:round/>
+                      <a:headEnd type="none" w="med" len="med"/>
+                      <a:tailEnd type="none" w="med" len="med"/>
+                    </a:lnL>
+                    <a:lnR w="12700" cap="flat" cmpd="sng" algn="ctr">
+                      <a:solidFill>
+                        <a:schemeClr val="tx1"/>
+                      </a:solidFill>
+                      <a:prstDash val="solid"/>
+                      <a:round/>
+                      <a:headEnd type="none" w="med" len="med"/>
+                      <a:tailEnd type="none" w="med" len="med"/>
+                    </a:lnR>
+                    <a:lnT w="12700" cap="flat" cmpd="sng" algn="ctr">
+                      <a:solidFill>
+                        <a:schemeClr val="tx1"/>
+                      </a:solidFill>
+                      <a:prstDash val="solid"/>
+                      <a:round/>
+                      <a:headEnd type="none" w="med" len="med"/>
+                      <a:tailEnd type="none" w="med" len="med"/>
+                    </a:lnT>
+                    <a:lnB w="12700" cap="flat" cmpd="sng" algn="ctr">
+                      <a:solidFill>
+                        <a:schemeClr val="tx1"/>
+                      </a:solidFill>
+                      <a:prstDash val="solid"/>
+                      <a:round/>
+                      <a:headEnd type="none" w="med" len="med"/>
+                      <a:tailEnd type="none" w="med" len="med"/>
+                    </a:lnB>
+                  </a:tcPr>
+                </a:tc>
+                <a:tc>
+                  <a:txBody>
+                    <a:bodyPr/>
+                    <a:lstStyle/>
+                    <a:p>
+                      <a:pPr marL="0" marR="0" indent="0" algn="l" defTabSz="914400" rtl="0" eaLnBrk="1" fontAlgn="auto" latinLnBrk="0" hangingPunct="1">
+                        <a:lnSpc>
+                          <a:spcPct val="100000"/>
+                        </a:lnSpc>
+                        <a:spcBef>
+                          <a:spcPts val="0"/>
+                        </a:spcBef>
+                        <a:spcAft>
+                          <a:spcPts val="0"/>
+                        </a:spcAft>
+                        <a:buClrTx/>
+                        <a:buSzTx/>
+                        <a:buFontTx/>
+                        <a:buNone/>
+                        <a:tabLst/>
+                        <a:defRPr/>
+                      </a:pPr>
+                      <a:r>
+                        <a:t>44% </a:t>
+                      </a:r>
+                      <a:br/>
+                    </a:p>
+                  </a:txBody>
+                  <a:tcPr>
+                    <a:lnL w="12700" cap="flat" cmpd="sng" algn="ctr">
+                      <a:solidFill>
+                        <a:schemeClr val="tx1"/>
+                      </a:solidFill>
+                      <a:prstDash val="solid"/>
+                      <a:round/>
+                      <a:headEnd type="none" w="med" len="med"/>
+                      <a:tailEnd type="none" w="med" len="med"/>
+                    </a:lnL>
+                    <a:lnR w="12700" cap="flat" cmpd="sng" algn="ctr">
+                      <a:solidFill>
+                        <a:schemeClr val="tx1"/>
+                      </a:solidFill>
+                      <a:prstDash val="solid"/>
+                      <a:round/>
+                      <a:headEnd type="none" w="med" len="med"/>
+                      <a:tailEnd type="none" w="med" len="med"/>
+                    </a:lnR>
+                    <a:lnT w="12700" cap="flat" cmpd="sng" algn="ctr">
+                      <a:solidFill>
+                        <a:schemeClr val="tx1"/>
+                      </a:solidFill>
+                      <a:prstDash val="solid"/>
+                      <a:round/>
+                      <a:headEnd type="none" w="med" len="med"/>
+                      <a:tailEnd type="none" w="med" len="med"/>
+                    </a:lnT>
+                    <a:lnB w="12700" cap="flat" cmpd="sng" algn="ctr">
+                      <a:solidFill>
+                        <a:schemeClr val="tx1"/>
+                      </a:solidFill>
+                      <a:prstDash val="solid"/>
+                      <a:round/>
+                      <a:headEnd type="none" w="med" len="med"/>
+                      <a:tailEnd type="none" w="med" len="med"/>
+                    </a:lnB>
+                  </a:tcPr>
+                </a:tc>
+                <a:tc>
+                  <a:txBody>
+                    <a:bodyPr/>
+                    <a:lstStyle/>
+                    <a:p>
+                      <a:pPr marL="0" marR="0" indent="0" algn="l" defTabSz="914400" rtl="0" eaLnBrk="1" fontAlgn="auto" latinLnBrk="0" hangingPunct="1">
+                        <a:lnSpc>
+                          <a:spcPct val="100000"/>
+                        </a:lnSpc>
+                        <a:spcBef>
+                          <a:spcPts val="0"/>
+                        </a:spcBef>
+                        <a:spcAft>
+                          <a:spcPts val="0"/>
+                        </a:spcAft>
+                        <a:buClrTx/>
+                        <a:buSzTx/>
+                        <a:buFontTx/>
+                        <a:buNone/>
+                        <a:tabLst/>
+                        <a:defRPr/>
+                      </a:pPr>
+                      <a:r>
+                        <a:t>44% </a:t>
+                      </a:r>
+                    </a:p>
+                  </a:txBody>
+                  <a:tcPr>
+                    <a:lnL w="12700" cap="flat" cmpd="sng" algn="ctr">
+                      <a:solidFill>
+                        <a:schemeClr val="tx1"/>
+                      </a:solidFill>
+                      <a:prstDash val="solid"/>
+                      <a:round/>
+                      <a:headEnd type="none" w="med" len="med"/>
+                      <a:tailEnd type="none" w="med" len="med"/>
+                    </a:lnL>
+                    <a:lnR w="12700" cap="flat" cmpd="sng" algn="ctr">
+                      <a:solidFill>
+                        <a:schemeClr val="tx1"/>
+                      </a:solidFill>
+                      <a:prstDash val="solid"/>
+                      <a:round/>
+                      <a:headEnd type="none" w="med" len="med"/>
+                      <a:tailEnd type="none" w="med" len="med"/>
+                    </a:lnR>
+                    <a:lnT w="12700" cap="flat" cmpd="sng" algn="ctr">
+                      <a:solidFill>
+                        <a:schemeClr val="tx1"/>
+                      </a:solidFill>
+                      <a:prstDash val="solid"/>
+                      <a:round/>
+                      <a:headEnd type="none" w="med" len="med"/>
+                      <a:tailEnd type="none" w="med" len="med"/>
+                    </a:lnT>
+                    <a:lnB w="12700" cap="flat" cmpd="sng" algn="ctr">
+                      <a:solidFill>
+                        <a:schemeClr val="tx1"/>
+                      </a:solidFill>
+                      <a:prstDash val="solid"/>
+                      <a:round/>
+                      <a:headEnd type="none" w="med" len="med"/>
+                      <a:tailEnd type="none" w="med" len="med"/>
+                    </a:lnB>
+                  </a:tcPr>
+                </a:tc>
+              </a:tr>
+            </a:tbl>
+          </a:graphicData>
+        </a:graphic>
+      </p:graphicFrame>
+      <p:graphicFrame>
+        <p:nvGraphicFramePr>
+          <p:cNvPr id="5" name="Chart 4"/>
           <p:cNvGraphicFramePr>
             <a:graphicFrameLocks noGrp="1"/>
           </p:cNvGraphicFramePr>
           <p:nvPr/>
         </p:nvGraphicFramePr>
         <p:xfrm>
-          <a:off x="1828800" y="1828800"/>
-          <a:ext cx="2743200" cy="3886198"/>
+          <a:off x="1828800" y="2286000"/>
+          <a:ext cx="5486400" cy="3200400"/>
         </p:xfrm>
         <a:graphic>
           <a:graphicData uri="http://schemas.openxmlformats.org/drawingml/2006/chart">
-            <c:chart xmlns:c="http://schemas.openxmlformats.org/drawingml/2006/chart" r:id="rId2"/>
+            <c:chart xmlns:c="http://schemas.openxmlformats.org/drawingml/2006/chart" r:id="rId4"/>
           </a:graphicData>
         </a:graphic>
       </p:graphicFrame>
     </p:spTree>
     <p:extLst>
       <p:ext uri="{BB962C8B-B14F-4D97-AF65-F5344CB8AC3E}">
-        <p14:creationId xmlns:p14="http://schemas.microsoft.com/office/powerpoint/2010/main" val="3209572625"/>
+        <p14:creationId xmlns:p14="http://schemas.microsoft.com/office/powerpoint/2010/main" val="2192800697"/>
       </p:ext>
     </p:extLst>
   </p:cSld>
@@ -5743,12 +11451,841 @@
         </p:nvSpPr>
         <p:spPr/>
         <p:txBody>
+          <a:bodyPr>
+            <a:normAutofit/>
+          </a:bodyPr>
+          <a:lstStyle/>
+          <a:p>
+            <a:r>
+              <a:rPr lang="en-US" dirty="0" smtClean="0"/>
+              <a:t>Cholesterol – 2015</a:t>
+            </a:r>
+            <a:endParaRPr lang="en-US" dirty="0"/>
+          </a:p>
+        </p:txBody>
+      </p:sp>
+      <p:sp>
+        <p:nvSpPr>
+          <p:cNvPr id="6" name="Content Placeholder 2"/>
+          <p:cNvSpPr txBox="1">
+            <a:spLocks/>
+          </p:cNvSpPr>
+          <p:nvPr/>
+        </p:nvSpPr>
+        <p:spPr>
+          <a:xfrm>
+            <a:off x="152400" y="4419600"/>
+            <a:ext cx="8763000" cy="2286000"/>
+          </a:xfrm>
+          <a:prstGeom prst="rect">
+            <a:avLst/>
+          </a:prstGeom>
+        </p:spPr>
+        <p:txBody>
+          <a:bodyPr vert="horz">
+            <a:normAutofit/>
+          </a:bodyPr>
+          <a:lstStyle>
+            <a:lvl1pPr marL="320040" indent="-320040" algn="l" rtl="0" eaLnBrk="1" latinLnBrk="0" hangingPunct="1">
+              <a:spcBef>
+                <a:spcPts val="700"/>
+              </a:spcBef>
+              <a:buClr>
+                <a:schemeClr val="accent2"/>
+              </a:buClr>
+              <a:buSzPct val="60000"/>
+              <a:buFont typeface="Wingdings"/>
+              <a:buChar char=""/>
+              <a:defRPr kumimoji="0" sz="2900" kern="1200">
+                <a:solidFill>
+                  <a:schemeClr val="tx1"/>
+                </a:solidFill>
+                <a:latin typeface="+mn-lt"/>
+                <a:ea typeface="+mn-ea"/>
+                <a:cs typeface="+mn-cs"/>
+              </a:defRPr>
+            </a:lvl1pPr>
+            <a:lvl2pPr marL="640080" indent="-274320" algn="l" rtl="0" eaLnBrk="1" latinLnBrk="0" hangingPunct="1">
+              <a:spcBef>
+                <a:spcPts val="550"/>
+              </a:spcBef>
+              <a:buClr>
+                <a:schemeClr val="accent1"/>
+              </a:buClr>
+              <a:buSzPct val="70000"/>
+              <a:buFont typeface="Wingdings 2"/>
+              <a:buChar char=""/>
+              <a:defRPr kumimoji="0" sz="2600" kern="1200">
+                <a:solidFill>
+                  <a:schemeClr val="tx1"/>
+                </a:solidFill>
+                <a:latin typeface="+mn-lt"/>
+                <a:ea typeface="+mn-ea"/>
+                <a:cs typeface="+mn-cs"/>
+              </a:defRPr>
+            </a:lvl2pPr>
+            <a:lvl3pPr marL="914400" indent="-228600" algn="l" rtl="0" eaLnBrk="1" latinLnBrk="0" hangingPunct="1">
+              <a:spcBef>
+                <a:spcPts val="500"/>
+              </a:spcBef>
+              <a:buClr>
+                <a:schemeClr val="accent2"/>
+              </a:buClr>
+              <a:buSzPct val="75000"/>
+              <a:buFont typeface="Wingdings"/>
+              <a:buChar char=""/>
+              <a:defRPr kumimoji="0" sz="2300" kern="1200">
+                <a:solidFill>
+                  <a:schemeClr val="tx1"/>
+                </a:solidFill>
+                <a:latin typeface="+mn-lt"/>
+                <a:ea typeface="+mn-ea"/>
+                <a:cs typeface="+mn-cs"/>
+              </a:defRPr>
+            </a:lvl3pPr>
+            <a:lvl4pPr marL="1371600" indent="-228600" algn="l" rtl="0" eaLnBrk="1" latinLnBrk="0" hangingPunct="1">
+              <a:spcBef>
+                <a:spcPts val="400"/>
+              </a:spcBef>
+              <a:buClr>
+                <a:schemeClr val="accent3"/>
+              </a:buClr>
+              <a:buSzPct val="75000"/>
+              <a:buFont typeface="Wingdings"/>
+              <a:buChar char=""/>
+              <a:defRPr kumimoji="0" sz="2000" kern="1200">
+                <a:solidFill>
+                  <a:schemeClr val="tx1"/>
+                </a:solidFill>
+                <a:latin typeface="+mn-lt"/>
+                <a:ea typeface="+mn-ea"/>
+                <a:cs typeface="+mn-cs"/>
+              </a:defRPr>
+            </a:lvl4pPr>
+            <a:lvl5pPr marL="1828800" indent="-228600" algn="l" rtl="0" eaLnBrk="1" latinLnBrk="0" hangingPunct="1">
+              <a:spcBef>
+                <a:spcPts val="400"/>
+              </a:spcBef>
+              <a:buClr>
+                <a:schemeClr val="accent4"/>
+              </a:buClr>
+              <a:buSzPct val="65000"/>
+              <a:buFont typeface="Wingdings"/>
+              <a:buChar char=""/>
+              <a:defRPr kumimoji="0" sz="2000" kern="1200">
+                <a:solidFill>
+                  <a:schemeClr val="tx1"/>
+                </a:solidFill>
+                <a:latin typeface="+mn-lt"/>
+                <a:ea typeface="+mn-ea"/>
+                <a:cs typeface="+mn-cs"/>
+              </a:defRPr>
+            </a:lvl5pPr>
+            <a:lvl6pPr marL="2103120" indent="-228600" algn="l" rtl="0" eaLnBrk="1" latinLnBrk="0" hangingPunct="1">
+              <a:spcBef>
+                <a:spcPct val="20000"/>
+              </a:spcBef>
+              <a:buClr>
+                <a:schemeClr val="accent1"/>
+              </a:buClr>
+              <a:buFont typeface="Wingdings"/>
+              <a:buChar char="§"/>
+              <a:defRPr kumimoji="0" sz="1800" kern="1200" baseline="0">
+                <a:solidFill>
+                  <a:schemeClr val="tx1"/>
+                </a:solidFill>
+                <a:latin typeface="+mn-lt"/>
+                <a:ea typeface="+mn-ea"/>
+                <a:cs typeface="+mn-cs"/>
+              </a:defRPr>
+            </a:lvl6pPr>
+            <a:lvl7pPr marL="2377440" indent="-228600" algn="l" rtl="0" eaLnBrk="1" latinLnBrk="0" hangingPunct="1">
+              <a:spcBef>
+                <a:spcPct val="20000"/>
+              </a:spcBef>
+              <a:buClr>
+                <a:schemeClr val="accent2"/>
+              </a:buClr>
+              <a:buFont typeface="Wingdings"/>
+              <a:buChar char="§"/>
+              <a:defRPr kumimoji="0" sz="1800" kern="1200" baseline="0">
+                <a:solidFill>
+                  <a:schemeClr val="tx1"/>
+                </a:solidFill>
+                <a:latin typeface="+mn-lt"/>
+                <a:ea typeface="+mn-ea"/>
+                <a:cs typeface="+mn-cs"/>
+              </a:defRPr>
+            </a:lvl7pPr>
+            <a:lvl8pPr marL="2651760" indent="-228600" algn="l" rtl="0" eaLnBrk="1" latinLnBrk="0" hangingPunct="1">
+              <a:spcBef>
+                <a:spcPct val="20000"/>
+              </a:spcBef>
+              <a:buClr>
+                <a:schemeClr val="accent3"/>
+              </a:buClr>
+              <a:buFont typeface="Wingdings"/>
+              <a:buChar char="§"/>
+              <a:defRPr kumimoji="0" sz="1800" kern="1200" baseline="0">
+                <a:solidFill>
+                  <a:schemeClr val="tx1"/>
+                </a:solidFill>
+                <a:latin typeface="+mn-lt"/>
+                <a:ea typeface="+mn-ea"/>
+                <a:cs typeface="+mn-cs"/>
+              </a:defRPr>
+            </a:lvl8pPr>
+            <a:lvl9pPr marL="2926080" indent="-228600" algn="l" rtl="0" eaLnBrk="1" latinLnBrk="0" hangingPunct="1">
+              <a:spcBef>
+                <a:spcPct val="20000"/>
+              </a:spcBef>
+              <a:buClr>
+                <a:schemeClr val="accent4"/>
+              </a:buClr>
+              <a:buFont typeface="Wingdings"/>
+              <a:buChar char="§"/>
+              <a:defRPr kumimoji="0" sz="1800" kern="1200" baseline="0">
+                <a:solidFill>
+                  <a:schemeClr val="tx1"/>
+                </a:solidFill>
+                <a:latin typeface="+mn-lt"/>
+                <a:ea typeface="+mn-ea"/>
+                <a:cs typeface="+mn-cs"/>
+              </a:defRPr>
+            </a:lvl9pPr>
+          </a:lstStyle>
+          <a:p>
+            <a:r>
+              <a:rPr lang="en-US" sz="2500" dirty="0"/>
+              <a:t>High cholesterol is one of the major controllable risk factors for coronary heart disease, heart attack and stroke.  Other risk factors like high blood pressure or diabetes increase the risk even further.  High HDL cholesterol is beneficial for heart health.  Less than optimal HDL can be a result of inactivity and poor </a:t>
+            </a:r>
+            <a:r>
+              <a:rPr lang="en-US" sz="2500" dirty="0" smtClean="0"/>
+              <a:t>diet.</a:t>
+            </a:r>
+          </a:p>
+          <a:p>
+            <a:endParaRPr lang="en-US" dirty="0"/>
+          </a:p>
+        </p:txBody>
+      </p:sp>
+      <p:sp>
+        <p:nvSpPr>
+          <p:cNvPr id="4" name="Slide Number Placeholder 3"/>
+          <p:cNvSpPr>
+            <a:spLocks noGrp="1"/>
+          </p:cNvSpPr>
+          <p:nvPr>
+            <p:ph type="sldNum" sz="quarter" idx="12"/>
+          </p:nvPr>
+        </p:nvSpPr>
+        <p:spPr/>
+        <p:txBody>
+          <a:bodyPr>
+            <a:normAutofit fontScale="85000" lnSpcReduction="20000"/>
+          </a:bodyPr>
+          <a:lstStyle/>
+          <a:p>
+            <a:fld id="{0550DE80-A55D-4FEA-ABCE-0175392B4432}" type="slidenum">
+              <a:rPr lang="en-US" smtClean="0"/>
+              <a:t>7</a:t>
+            </a:fld>
+            <a:endParaRPr lang="en-US" dirty="0"/>
+          </a:p>
+        </p:txBody>
+      </p:sp>
+      <p:sp>
+        <p:nvSpPr>
+          <p:cNvPr id="10" name="Rectangle 9"/>
+          <p:cNvSpPr/>
+          <p:nvPr/>
+        </p:nvSpPr>
+        <p:spPr>
+          <a:xfrm>
+            <a:off x="172528" y="1810276"/>
+            <a:ext cx="2875472" cy="923330"/>
+          </a:xfrm>
+          <a:prstGeom prst="rect">
+            <a:avLst/>
+          </a:prstGeom>
+        </p:spPr>
+        <p:txBody>
+          <a:bodyPr wrap="square">
+            <a:spAutoFit/>
+          </a:bodyPr>
+          <a:lstStyle/>
+          <a:p>
+            <a:endParaRPr lang="en-US" dirty="0"/>
+          </a:p>
+        </p:txBody>
+      </p:sp>
+      <p:sp>
+        <p:nvSpPr>
+          <p:cNvPr id="11" name="Rectangle 10"/>
+          <p:cNvSpPr/>
+          <p:nvPr/>
+        </p:nvSpPr>
+        <p:spPr>
+          <a:xfrm>
+            <a:off x="3352801" y="1796534"/>
+            <a:ext cx="2743199" cy="923330"/>
+          </a:xfrm>
+          <a:prstGeom prst="rect">
+            <a:avLst/>
+          </a:prstGeom>
+        </p:spPr>
+        <p:txBody>
+          <a:bodyPr wrap="square">
+            <a:spAutoFit/>
+          </a:bodyPr>
+          <a:lstStyle/>
+          <a:p>
+            <a:endParaRPr lang="en-US" dirty="0"/>
+          </a:p>
+        </p:txBody>
+      </p:sp>
+      <p:sp>
+        <p:nvSpPr>
+          <p:cNvPr id="12" name="Rectangle 11"/>
+          <p:cNvSpPr/>
+          <p:nvPr/>
+        </p:nvSpPr>
+        <p:spPr>
+          <a:xfrm>
+            <a:off x="6096000" y="1819377"/>
+            <a:ext cx="2590800" cy="923330"/>
+          </a:xfrm>
+          <a:prstGeom prst="rect">
+            <a:avLst/>
+          </a:prstGeom>
+        </p:spPr>
+        <p:txBody>
+          <a:bodyPr wrap="square">
+            <a:spAutoFit/>
+          </a:bodyPr>
+          <a:lstStyle/>
+          <a:p>
+            <a:endParaRPr lang="en-US" dirty="0"/>
+          </a:p>
+        </p:txBody>
+      </p:sp>
+      <p:graphicFrame>
+        <p:nvGraphicFramePr>
+          <p:cNvPr id="3" name="Chart 2"/>
+          <p:cNvGraphicFramePr>
+            <a:graphicFrameLocks noGrp="1"/>
+          </p:cNvGraphicFramePr>
+          <p:nvPr/>
+        </p:nvGraphicFramePr>
+        <p:xfrm>
+          <a:off x="914400" y="1828800"/>
+          <a:ext cx="3200400" cy="2743200"/>
+        </p:xfrm>
+        <a:graphic>
+          <a:graphicData uri="http://schemas.openxmlformats.org/drawingml/2006/chart">
+            <c:chart xmlns:c="http://schemas.openxmlformats.org/drawingml/2006/chart" r:id="rId3"/>
+          </a:graphicData>
+        </a:graphic>
+      </p:graphicFrame>
+      <p:graphicFrame>
+        <p:nvGraphicFramePr>
+          <p:cNvPr id="5" name="Chart 4"/>
+          <p:cNvGraphicFramePr>
+            <a:graphicFrameLocks noGrp="1"/>
+          </p:cNvGraphicFramePr>
+          <p:nvPr/>
+        </p:nvGraphicFramePr>
+        <p:xfrm>
+          <a:off x="3200400" y="1828800"/>
+          <a:ext cx="3200400" cy="2743200"/>
+        </p:xfrm>
+        <a:graphic>
+          <a:graphicData uri="http://schemas.openxmlformats.org/drawingml/2006/chart">
+            <c:chart xmlns:c="http://schemas.openxmlformats.org/drawingml/2006/chart" r:id="rId4"/>
+          </a:graphicData>
+        </a:graphic>
+      </p:graphicFrame>
+      <p:graphicFrame>
+        <p:nvGraphicFramePr>
+          <p:cNvPr id="7" name="Chart 6"/>
+          <p:cNvGraphicFramePr>
+            <a:graphicFrameLocks noGrp="1"/>
+          </p:cNvGraphicFramePr>
+          <p:nvPr/>
+        </p:nvGraphicFramePr>
+        <p:xfrm>
+          <a:off x="5486400" y="1828800"/>
+          <a:ext cx="2743200" cy="2743200"/>
+        </p:xfrm>
+        <a:graphic>
+          <a:graphicData uri="http://schemas.openxmlformats.org/drawingml/2006/chart">
+            <c:chart xmlns:c="http://schemas.openxmlformats.org/drawingml/2006/chart" r:id="rId5"/>
+          </a:graphicData>
+        </a:graphic>
+      </p:graphicFrame>
+    </p:spTree>
+    <p:extLst>
+      <p:ext uri="{BB962C8B-B14F-4D97-AF65-F5344CB8AC3E}">
+        <p14:creationId xmlns:p14="http://schemas.microsoft.com/office/powerpoint/2010/main" val="3499736976"/>
+      </p:ext>
+    </p:extLst>
+  </p:cSld>
+  <p:clrMapOvr>
+    <a:masterClrMapping/>
+  </p:clrMapOvr>
+  <p:timing>
+    <p:tnLst>
+      <p:par>
+        <p:cTn id="1" dur="indefinite" restart="never" nodeType="tmRoot"/>
+      </p:par>
+    </p:tnLst>
+  </p:timing>
+</p:sld>
+</file>
+
+<file path=ppt/slides/slide8.xml><?xml version="1.0" encoding="utf-8"?>
+<p:sld xmlns:a="http://schemas.openxmlformats.org/drawingml/2006/main" xmlns:r="http://schemas.openxmlformats.org/officeDocument/2006/relationships" xmlns:p="http://schemas.openxmlformats.org/presentationml/2006/main">
+  <p:cSld>
+    <p:spTree>
+      <p:nvGrpSpPr>
+        <p:cNvPr id="1" name=""/>
+        <p:cNvGrpSpPr/>
+        <p:nvPr/>
+      </p:nvGrpSpPr>
+      <p:grpSpPr>
+        <a:xfrm>
+          <a:off x="0" y="0"/>
+          <a:ext cx="0" cy="0"/>
+          <a:chOff x="0" y="0"/>
+          <a:chExt cx="0" cy="0"/>
+        </a:xfrm>
+      </p:grpSpPr>
+      <p:sp>
+        <p:nvSpPr>
+          <p:cNvPr id="2" name="Title 1"/>
+          <p:cNvSpPr>
+            <a:spLocks noGrp="1"/>
+          </p:cNvSpPr>
+          <p:nvPr>
+            <p:ph type="title"/>
+          </p:nvPr>
+        </p:nvSpPr>
+        <p:spPr/>
+        <p:txBody>
           <a:bodyPr/>
           <a:lstStyle/>
           <a:p>
             <a:r>
               <a:rPr lang="en-US" dirty="0" smtClean="0"/>
-              <a:t>Resources</a:t>
+              <a:t>Cholesterol - Comparison</a:t>
+            </a:r>
+            <a:endParaRPr lang="en-US" dirty="0"/>
+          </a:p>
+        </p:txBody>
+      </p:sp>
+      <p:pic>
+        <p:nvPicPr>
+          <p:cNvPr id="10241" name="Picture 1"/>
+          <p:cNvPicPr>
+            <a:picLocks noChangeAspect="1" noChangeArrowheads="1"/>
+          </p:cNvPicPr>
+          <p:nvPr/>
+        </p:nvPicPr>
+        <p:blipFill>
+          <a:blip r:embed="rId3">
+            <a:extLst>
+              <a:ext uri="{28A0092B-C50C-407E-A947-70E740481C1C}">
+                <a14:useLocalDpi xmlns:a14="http://schemas.microsoft.com/office/drawing/2010/main" val="0"/>
+              </a:ext>
+            </a:extLst>
+          </a:blip>
+          <a:srcRect/>
+          <a:stretch>
+            <a:fillRect/>
+          </a:stretch>
+        </p:blipFill>
+        <p:spPr bwMode="auto">
+          <a:xfrm>
+            <a:off x="4352925" y="4194630"/>
+            <a:ext cx="4714875" cy="771525"/>
+          </a:xfrm>
+          <a:prstGeom prst="rect">
+            <a:avLst/>
+          </a:prstGeom>
+          <a:noFill/>
+          <a:ln>
+            <a:noFill/>
+          </a:ln>
+          <a:effectLst/>
+          <a:extLst>
+            <a:ext uri="{909E8E84-426E-40DD-AFC4-6F175D3DCCD1}">
+              <a14:hiddenFill xmlns:a14="http://schemas.microsoft.com/office/drawing/2010/main">
+                <a:solidFill>
+                  <a:schemeClr val="accent1"/>
+                </a:solidFill>
+              </a14:hiddenFill>
+            </a:ext>
+            <a:ext uri="{91240B29-F687-4F45-9708-019B960494DF}">
+              <a14:hiddenLine xmlns:a14="http://schemas.microsoft.com/office/drawing/2010/main" w="9525">
+                <a:solidFill>
+                  <a:schemeClr val="tx1"/>
+                </a:solidFill>
+                <a:miter lim="800000"/>
+                <a:headEnd/>
+                <a:tailEnd/>
+              </a14:hiddenLine>
+            </a:ext>
+            <a:ext uri="{AF507438-7753-43E0-B8FC-AC1667EBCBE1}">
+              <a14:hiddenEffects xmlns:a14="http://schemas.microsoft.com/office/drawing/2010/main">
+                <a:effectLst>
+                  <a:outerShdw dist="35921" dir="2700000" algn="ctr" rotWithShape="0">
+                    <a:schemeClr val="bg2"/>
+                  </a:outerShdw>
+                </a:effectLst>
+              </a14:hiddenEffects>
+            </a:ext>
+          </a:extLst>
+        </p:spPr>
+      </p:pic>
+      <p:pic>
+        <p:nvPicPr>
+          <p:cNvPr id="10242" name="Picture 2"/>
+          <p:cNvPicPr>
+            <a:picLocks noChangeAspect="1" noChangeArrowheads="1"/>
+          </p:cNvPicPr>
+          <p:nvPr/>
+        </p:nvPicPr>
+        <p:blipFill>
+          <a:blip r:embed="rId4">
+            <a:extLst>
+              <a:ext uri="{28A0092B-C50C-407E-A947-70E740481C1C}">
+                <a14:useLocalDpi xmlns:a14="http://schemas.microsoft.com/office/drawing/2010/main" val="0"/>
+              </a:ext>
+            </a:extLst>
+          </a:blip>
+          <a:srcRect/>
+          <a:stretch>
+            <a:fillRect/>
+          </a:stretch>
+        </p:blipFill>
+        <p:spPr bwMode="auto">
+          <a:xfrm>
+            <a:off x="4357914" y="5032830"/>
+            <a:ext cx="4714875" cy="771525"/>
+          </a:xfrm>
+          <a:prstGeom prst="rect">
+            <a:avLst/>
+          </a:prstGeom>
+          <a:noFill/>
+          <a:ln>
+            <a:noFill/>
+          </a:ln>
+          <a:effectLst/>
+          <a:extLst>
+            <a:ext uri="{909E8E84-426E-40DD-AFC4-6F175D3DCCD1}">
+              <a14:hiddenFill xmlns:a14="http://schemas.microsoft.com/office/drawing/2010/main">
+                <a:solidFill>
+                  <a:schemeClr val="accent1"/>
+                </a:solidFill>
+              </a14:hiddenFill>
+            </a:ext>
+            <a:ext uri="{91240B29-F687-4F45-9708-019B960494DF}">
+              <a14:hiddenLine xmlns:a14="http://schemas.microsoft.com/office/drawing/2010/main" w="9525">
+                <a:solidFill>
+                  <a:schemeClr val="tx1"/>
+                </a:solidFill>
+                <a:miter lim="800000"/>
+                <a:headEnd/>
+                <a:tailEnd/>
+              </a14:hiddenLine>
+            </a:ext>
+            <a:ext uri="{AF507438-7753-43E0-B8FC-AC1667EBCBE1}">
+              <a14:hiddenEffects xmlns:a14="http://schemas.microsoft.com/office/drawing/2010/main">
+                <a:effectLst>
+                  <a:outerShdw dist="35921" dir="2700000" algn="ctr" rotWithShape="0">
+                    <a:schemeClr val="bg2"/>
+                  </a:outerShdw>
+                </a:effectLst>
+              </a14:hiddenEffects>
+            </a:ext>
+          </a:extLst>
+        </p:spPr>
+      </p:pic>
+      <p:pic>
+        <p:nvPicPr>
+          <p:cNvPr id="10245" name="Picture 5"/>
+          <p:cNvPicPr>
+            <a:picLocks noChangeAspect="1" noChangeArrowheads="1"/>
+          </p:cNvPicPr>
+          <p:nvPr/>
+        </p:nvPicPr>
+        <p:blipFill>
+          <a:blip r:embed="rId5">
+            <a:extLst>
+              <a:ext uri="{28A0092B-C50C-407E-A947-70E740481C1C}">
+                <a14:useLocalDpi xmlns:a14="http://schemas.microsoft.com/office/drawing/2010/main" val="0"/>
+              </a:ext>
+            </a:extLst>
+          </a:blip>
+          <a:srcRect/>
+          <a:stretch>
+            <a:fillRect/>
+          </a:stretch>
+        </p:blipFill>
+        <p:spPr bwMode="auto">
+          <a:xfrm>
+            <a:off x="4357914" y="5885772"/>
+            <a:ext cx="4709886" cy="887497"/>
+          </a:xfrm>
+          <a:prstGeom prst="rect">
+            <a:avLst/>
+          </a:prstGeom>
+          <a:noFill/>
+          <a:ln>
+            <a:noFill/>
+          </a:ln>
+          <a:effectLst/>
+          <a:extLst>
+            <a:ext uri="{909E8E84-426E-40DD-AFC4-6F175D3DCCD1}">
+              <a14:hiddenFill xmlns:a14="http://schemas.microsoft.com/office/drawing/2010/main">
+                <a:solidFill>
+                  <a:schemeClr val="accent1"/>
+                </a:solidFill>
+              </a14:hiddenFill>
+            </a:ext>
+            <a:ext uri="{91240B29-F687-4F45-9708-019B960494DF}">
+              <a14:hiddenLine xmlns:a14="http://schemas.microsoft.com/office/drawing/2010/main" w="9525">
+                <a:solidFill>
+                  <a:schemeClr val="tx1"/>
+                </a:solidFill>
+                <a:miter lim="800000"/>
+                <a:headEnd/>
+                <a:tailEnd/>
+              </a14:hiddenLine>
+            </a:ext>
+            <a:ext uri="{AF507438-7753-43E0-B8FC-AC1667EBCBE1}">
+              <a14:hiddenEffects xmlns:a14="http://schemas.microsoft.com/office/drawing/2010/main">
+                <a:effectLst>
+                  <a:outerShdw dist="35921" dir="2700000" algn="ctr" rotWithShape="0">
+                    <a:schemeClr val="bg2"/>
+                  </a:outerShdw>
+                </a:effectLst>
+              </a14:hiddenEffects>
+            </a:ext>
+          </a:extLst>
+        </p:spPr>
+      </p:pic>
+      <p:sp>
+        <p:nvSpPr>
+          <p:cNvPr id="4" name="Slide Number Placeholder 3"/>
+          <p:cNvSpPr>
+            <a:spLocks noGrp="1"/>
+          </p:cNvSpPr>
+          <p:nvPr>
+            <p:ph type="sldNum" sz="quarter" idx="12"/>
+          </p:nvPr>
+        </p:nvSpPr>
+        <p:spPr/>
+        <p:txBody>
+          <a:bodyPr>
+            <a:normAutofit fontScale="85000" lnSpcReduction="20000"/>
+          </a:bodyPr>
+          <a:lstStyle/>
+          <a:p>
+            <a:fld id="{0550DE80-A55D-4FEA-ABCE-0175392B4432}" type="slidenum">
+              <a:rPr lang="en-US" smtClean="0"/>
+              <a:t>8</a:t>
+            </a:fld>
+            <a:endParaRPr lang="en-US" dirty="0"/>
+          </a:p>
+        </p:txBody>
+      </p:sp>
+      <p:sp>
+        <p:nvSpPr>
+          <p:cNvPr id="13" name="Rectangle 12"/>
+          <p:cNvSpPr/>
+          <p:nvPr/>
+        </p:nvSpPr>
+        <p:spPr>
+          <a:xfrm>
+            <a:off x="76200" y="1524000"/>
+            <a:ext cx="3886200" cy="923330"/>
+          </a:xfrm>
+          <a:prstGeom prst="rect">
+            <a:avLst/>
+          </a:prstGeom>
+        </p:spPr>
+        <p:txBody>
+          <a:bodyPr wrap="square">
+            <a:spAutoFit/>
+          </a:bodyPr>
+          <a:lstStyle/>
+          <a:p>
+            <a:endParaRPr lang="en-US" dirty="0"/>
+          </a:p>
+        </p:txBody>
+      </p:sp>
+      <p:sp>
+        <p:nvSpPr>
+          <p:cNvPr id="14" name="Rectangle 13"/>
+          <p:cNvSpPr/>
+          <p:nvPr/>
+        </p:nvSpPr>
+        <p:spPr>
+          <a:xfrm>
+            <a:off x="76200" y="4194630"/>
+            <a:ext cx="3886200" cy="646331"/>
+          </a:xfrm>
+          <a:prstGeom prst="rect">
+            <a:avLst/>
+          </a:prstGeom>
+        </p:spPr>
+        <p:txBody>
+          <a:bodyPr wrap="square">
+            <a:spAutoFit/>
+          </a:bodyPr>
+          <a:lstStyle/>
+          <a:p>
+            <a:endParaRPr lang="en-US" dirty="0"/>
+          </a:p>
+        </p:txBody>
+      </p:sp>
+      <p:sp>
+        <p:nvSpPr>
+          <p:cNvPr id="15" name="Rectangle 14"/>
+          <p:cNvSpPr/>
+          <p:nvPr/>
+        </p:nvSpPr>
+        <p:spPr>
+          <a:xfrm>
+            <a:off x="4352925" y="1516963"/>
+            <a:ext cx="3886200" cy="646331"/>
+          </a:xfrm>
+          <a:prstGeom prst="rect">
+            <a:avLst/>
+          </a:prstGeom>
+        </p:spPr>
+        <p:txBody>
+          <a:bodyPr wrap="square">
+            <a:spAutoFit/>
+          </a:bodyPr>
+          <a:lstStyle/>
+          <a:p>
+            <a:endParaRPr lang="en-US" dirty="0"/>
+          </a:p>
+        </p:txBody>
+      </p:sp>
+      <p:graphicFrame>
+        <p:nvGraphicFramePr>
+          <p:cNvPr id="3" name="Chart 2"/>
+          <p:cNvGraphicFramePr>
+            <a:graphicFrameLocks noGrp="1"/>
+          </p:cNvGraphicFramePr>
+          <p:nvPr/>
+        </p:nvGraphicFramePr>
+        <p:xfrm>
+          <a:off x="457200" y="1828800"/>
+          <a:ext cx="2286000" cy="2743200"/>
+        </p:xfrm>
+        <a:graphic>
+          <a:graphicData uri="http://schemas.openxmlformats.org/drawingml/2006/chart">
+            <c:chart xmlns:c="http://schemas.openxmlformats.org/drawingml/2006/chart" r:id="rId6"/>
+          </a:graphicData>
+        </a:graphic>
+      </p:graphicFrame>
+      <p:graphicFrame>
+        <p:nvGraphicFramePr>
+          <p:cNvPr id="5" name="Chart 4"/>
+          <p:cNvGraphicFramePr>
+            <a:graphicFrameLocks noGrp="1"/>
+          </p:cNvGraphicFramePr>
+          <p:nvPr/>
+        </p:nvGraphicFramePr>
+        <p:xfrm>
+          <a:off x="457200" y="2286000"/>
+          <a:ext cx="2286000" cy="2743200"/>
+        </p:xfrm>
+        <a:graphic>
+          <a:graphicData uri="http://schemas.openxmlformats.org/drawingml/2006/chart">
+            <c:chart xmlns:c="http://schemas.openxmlformats.org/drawingml/2006/chart" r:id="rId7"/>
+          </a:graphicData>
+        </a:graphic>
+      </p:graphicFrame>
+      <p:graphicFrame>
+        <p:nvGraphicFramePr>
+          <p:cNvPr id="6" name="Chart 5"/>
+          <p:cNvGraphicFramePr>
+            <a:graphicFrameLocks noGrp="1"/>
+          </p:cNvGraphicFramePr>
+          <p:nvPr/>
+        </p:nvGraphicFramePr>
+        <p:xfrm>
+          <a:off x="4114800" y="1828800"/>
+          <a:ext cx="4114800" cy="2743200"/>
+        </p:xfrm>
+        <a:graphic>
+          <a:graphicData uri="http://schemas.openxmlformats.org/drawingml/2006/chart">
+            <c:chart xmlns:c="http://schemas.openxmlformats.org/drawingml/2006/chart" r:id="rId8"/>
+          </a:graphicData>
+        </a:graphic>
+      </p:graphicFrame>
+    </p:spTree>
+    <p:extLst>
+      <p:ext uri="{BB962C8B-B14F-4D97-AF65-F5344CB8AC3E}">
+        <p14:creationId xmlns:p14="http://schemas.microsoft.com/office/powerpoint/2010/main" val="1222802698"/>
+      </p:ext>
+    </p:extLst>
+  </p:cSld>
+  <p:clrMapOvr>
+    <a:masterClrMapping/>
+  </p:clrMapOvr>
+  <p:timing>
+    <p:tnLst>
+      <p:par>
+        <p:cTn id="1" dur="indefinite" restart="never" nodeType="tmRoot"/>
+      </p:par>
+    </p:tnLst>
+  </p:timing>
+</p:sld>
+</file>
+
+<file path=ppt/slides/slide9.xml><?xml version="1.0" encoding="utf-8"?>
+<p:sld xmlns:a="http://schemas.openxmlformats.org/drawingml/2006/main" xmlns:r="http://schemas.openxmlformats.org/officeDocument/2006/relationships" xmlns:p="http://schemas.openxmlformats.org/presentationml/2006/main">
+  <p:cSld>
+    <p:spTree>
+      <p:nvGrpSpPr>
+        <p:cNvPr id="1" name=""/>
+        <p:cNvGrpSpPr/>
+        <p:nvPr/>
+      </p:nvGrpSpPr>
+      <p:grpSpPr>
+        <a:xfrm>
+          <a:off x="0" y="0"/>
+          <a:ext cx="0" cy="0"/>
+          <a:chOff x="0" y="0"/>
+          <a:chExt cx="0" cy="0"/>
+        </a:xfrm>
+      </p:grpSpPr>
+      <p:sp>
+        <p:nvSpPr>
+          <p:cNvPr id="2" name="Title 1"/>
+          <p:cNvSpPr>
+            <a:spLocks noGrp="1"/>
+          </p:cNvSpPr>
+          <p:nvPr>
+            <p:ph type="title"/>
+          </p:nvPr>
+        </p:nvSpPr>
+        <p:spPr/>
+        <p:txBody>
+          <a:bodyPr>
+            <a:normAutofit fontScale="90000"/>
+          </a:bodyPr>
+          <a:lstStyle/>
+          <a:p>
+            <a:r>
+              <a:rPr lang="en-US" dirty="0" smtClean="0"/>
+              <a:t>Where Should We Focus Our Efforts?</a:t>
             </a:r>
             <a:endParaRPr lang="en-US" dirty="0"/>
           </a:p>
@@ -5766,136 +12303,55 @@
         </p:nvSpPr>
         <p:spPr>
           <a:xfrm>
-            <a:off x="612648" y="1600200"/>
-            <a:ext cx="8150352" cy="4800600"/>
+            <a:off x="612648" y="1905000"/>
+            <a:ext cx="8153400" cy="4191000"/>
           </a:xfrm>
         </p:spPr>
         <p:txBody>
           <a:bodyPr>
-            <a:normAutofit fontScale="77500" lnSpcReduction="20000"/>
+            <a:normAutofit/>
           </a:bodyPr>
           <a:lstStyle/>
           <a:p>
             <a:r>
-              <a:rPr lang="en-US" sz="3100" dirty="0" smtClean="0"/>
-              <a:t>Managing </a:t>
-            </a:r>
-            <a:r>
-              <a:rPr lang="en-US" sz="3100" dirty="0"/>
-              <a:t>Overweight and Obesity in Adults: Systematic Evidence </a:t>
-            </a:r>
-            <a:r>
-              <a:rPr lang="en-US" sz="3100" dirty="0" smtClean="0"/>
-              <a:t>Review from </a:t>
-            </a:r>
-            <a:r>
-              <a:rPr lang="en-US" sz="3100" dirty="0"/>
-              <a:t>the Obesity Expert Panel. </a:t>
-            </a:r>
-            <a:r>
-              <a:rPr lang="en-US" sz="3100" u="sng" dirty="0" smtClean="0">
-                <a:hlinkClick r:id="rId3" tooltip="Link to External Web Site"/>
-              </a:rPr>
-              <a:t>www.nhlbi.nih.gov/sites/www.nhlbi.nih.gov/files/obesity-evidence-review.pdf[PDF </a:t>
-            </a:r>
-            <a:r>
-              <a:rPr lang="en-US" sz="3100" u="sng" dirty="0">
-                <a:hlinkClick r:id="rId3" tooltip="Link to External Web Site"/>
-              </a:rPr>
-              <a:t>- 93KB]</a:t>
-            </a:r>
-            <a:endParaRPr lang="en-US" sz="3100" dirty="0"/>
-          </a:p>
-          <a:p>
-            <a:r>
-              <a:rPr lang="en-US" sz="3100" dirty="0" smtClean="0"/>
-              <a:t>Clinical </a:t>
-            </a:r>
-            <a:r>
-              <a:rPr lang="en-US" sz="3100" dirty="0"/>
-              <a:t>Guidelines on the Identification, Evaluation, and Treatment of Overweight and Obesity in </a:t>
-            </a:r>
-            <a:r>
-              <a:rPr lang="en-US" sz="3100" dirty="0" smtClean="0"/>
-              <a:t>Adults</a:t>
-            </a:r>
-            <a:r>
-              <a:rPr lang="en-US" sz="3100" u="sng" dirty="0" smtClean="0">
-                <a:hlinkClick r:id="rId4" tooltip="Link to External Web Site"/>
-              </a:rPr>
-              <a:t> www.nhlbi.nih.gov/files/docs/guidelines/ob_gdlns.pdf[PDF </a:t>
-            </a:r>
-            <a:r>
-              <a:rPr lang="en-US" sz="3100" u="sng" dirty="0">
-                <a:hlinkClick r:id="rId4" tooltip="Link to External Web Site"/>
-              </a:rPr>
-              <a:t>- 2MB]</a:t>
-            </a:r>
-            <a:endParaRPr lang="en-US" sz="3100" dirty="0"/>
-          </a:p>
-          <a:p>
-            <a:r>
-              <a:rPr lang="en-US" sz="3100" dirty="0" smtClean="0"/>
-              <a:t>U.S</a:t>
-            </a:r>
-            <a:r>
-              <a:rPr lang="en-US" sz="3100" dirty="0"/>
-              <a:t>. Department of Health and Human </a:t>
-            </a:r>
-            <a:r>
-              <a:rPr lang="en-US" sz="3100" dirty="0" smtClean="0"/>
-              <a:t>Services, Office </a:t>
-            </a:r>
-            <a:r>
-              <a:rPr lang="en-US" sz="3100" dirty="0"/>
-              <a:t>of Disease Prevention and Health </a:t>
-            </a:r>
-            <a:r>
-              <a:rPr lang="en-US" sz="3100" dirty="0" smtClean="0"/>
-              <a:t>Promotion, </a:t>
-            </a:r>
-            <a:r>
-              <a:rPr lang="en-US" sz="3100" i="1" dirty="0"/>
-              <a:t>2008 Physical Activity Guidelines for </a:t>
-            </a:r>
-            <a:r>
-              <a:rPr lang="en-US" sz="3100" i="1" dirty="0" smtClean="0"/>
-              <a:t>Americans</a:t>
-            </a:r>
-          </a:p>
-          <a:p>
-            <a:r>
-              <a:rPr lang="en-US" sz="3100" dirty="0" smtClean="0"/>
-              <a:t>My Plate </a:t>
-            </a:r>
-            <a:r>
-              <a:rPr lang="en-US" sz="3100" dirty="0" smtClean="0">
-                <a:hlinkClick r:id="rId5"/>
-              </a:rPr>
-              <a:t>www.choosemyplate.gov</a:t>
-            </a:r>
-            <a:endParaRPr lang="en-US" sz="3100" dirty="0" smtClean="0"/>
-          </a:p>
-          <a:p>
-            <a:r>
-              <a:rPr lang="en-US" sz="3100" dirty="0" smtClean="0"/>
-              <a:t>Center for Disease Control </a:t>
-            </a:r>
-          </a:p>
-          <a:p>
-            <a:r>
-              <a:rPr lang="en-US" sz="3100" dirty="0" smtClean="0"/>
-              <a:t>Harvard School of Public Health</a:t>
-            </a:r>
-          </a:p>
-          <a:p>
-            <a:endParaRPr lang="en-US" dirty="0"/>
-          </a:p>
-          <a:p>
-            <a:endParaRPr lang="en-US" dirty="0" smtClean="0"/>
-          </a:p>
-          <a:p>
-            <a:endParaRPr lang="en-US" dirty="0"/>
+              <a:rPr lang="en-US" sz="3200" dirty="0" smtClean="0"/>
+              <a:t>The following 3 areas are where we recommend you target wellness programing for the greatest improvement in health outcomes</a:t>
+            </a:r>
+            <a:r>
+              <a:rPr lang="en-US" sz="3200" dirty="0"/>
+              <a:t> </a:t>
+            </a:r>
+            <a:r>
+              <a:rPr lang="en-US" sz="3200" dirty="0" smtClean="0"/>
+              <a:t>for your employees.</a:t>
+            </a:r>
+          </a:p>
+          <a:p>
+            <a:pPr lvl="1"/>
+            <a:r>
+              <a:rPr lang="en-US" sz="3200" dirty="0" smtClean="0"/>
+              <a:t>AREA 1</a:t>
+            </a:r>
+            <a:endParaRPr lang="en-US" sz="3200" dirty="0" smtClean="0"/>
+          </a:p>
+          <a:p>
+            <a:pPr lvl="1"/>
+            <a:r>
+              <a:rPr lang="en-US" sz="3200" dirty="0"/>
+              <a:t>AREA </a:t>
+            </a:r>
+            <a:r>
+              <a:rPr lang="en-US" sz="3200" dirty="0" smtClean="0"/>
+              <a:t>2</a:t>
+            </a:r>
+            <a:endParaRPr lang="en-US" sz="3200" dirty="0"/>
+          </a:p>
+          <a:p>
+            <a:pPr lvl="1"/>
+            <a:r>
+              <a:rPr lang="en-US" sz="3200" dirty="0"/>
+              <a:t>AREA 3</a:t>
+            </a:r>
           </a:p>
         </p:txBody>
       </p:sp>
@@ -5918,7 +12374,7 @@
           <a:p>
             <a:fld id="{0550DE80-A55D-4FEA-ABCE-0175392B4432}" type="slidenum">
               <a:rPr lang="en-US" smtClean="0"/>
-              <a:t>7</a:t>
+              <a:t>9</a:t>
             </a:fld>
             <a:endParaRPr lang="en-US" dirty="0"/>
           </a:p>
@@ -5927,7 +12383,7 @@
     </p:spTree>
     <p:extLst>
       <p:ext uri="{BB962C8B-B14F-4D97-AF65-F5344CB8AC3E}">
-        <p14:creationId xmlns:p14="http://schemas.microsoft.com/office/powerpoint/2010/main" val="20209268"/>
+        <p14:creationId xmlns:p14="http://schemas.microsoft.com/office/powerpoint/2010/main" val="2666011679"/>
       </p:ext>
     </p:extLst>
   </p:cSld>
